--- a/unit_01/slides/Unit01-PartII.pptx
+++ b/unit_01/slides/Unit01-PartII.pptx
@@ -225,7 +225,7 @@
           <a:p>
             <a:fld id="{DEF45A3F-F083-4E1A-8339-FCD652B27D36}" type="datetimeFigureOut">
               <a:rPr lang="en-US" smtClean="0"/>
-              <a:t>7/8/2020</a:t>
+              <a:t>9/2/2020</a:t>
             </a:fld>
             <a:endParaRPr lang="en-US" dirty="0"/>
           </a:p>
@@ -289,38 +289,37 @@
           <a:p>
             <a:pPr lvl="0"/>
             <a:r>
-              <a:rPr lang="en-US" smtClean="0"/>
+              <a:rPr lang="en-US"/>
               <a:t>Click to edit Master text styles</a:t>
             </a:r>
           </a:p>
           <a:p>
             <a:pPr lvl="1"/>
             <a:r>
-              <a:rPr lang="en-US" smtClean="0"/>
+              <a:rPr lang="en-US"/>
               <a:t>Second level</a:t>
             </a:r>
           </a:p>
           <a:p>
             <a:pPr lvl="2"/>
             <a:r>
-              <a:rPr lang="en-US" smtClean="0"/>
+              <a:rPr lang="en-US"/>
               <a:t>Third level</a:t>
             </a:r>
           </a:p>
           <a:p>
             <a:pPr lvl="3"/>
             <a:r>
-              <a:rPr lang="en-US" smtClean="0"/>
+              <a:rPr lang="en-US"/>
               <a:t>Fourth level</a:t>
             </a:r>
           </a:p>
           <a:p>
             <a:pPr lvl="4"/>
             <a:r>
-              <a:rPr lang="en-US" smtClean="0"/>
+              <a:rPr lang="en-US"/>
               <a:t>Fifth level</a:t>
             </a:r>
-            <a:endParaRPr lang="en-US"/>
           </a:p>
         </p:txBody>
       </p:sp>
@@ -683,7 +682,7 @@
           <p:cNvPr id="5" name="Rectangle 4">
             <a:extLst>
               <a:ext uri="{FF2B5EF4-FFF2-40B4-BE49-F238E27FC236}">
-                <a16:creationId xmlns:a16="http://schemas.microsoft.com/office/drawing/2014/main" xmlns="" id="{904DB13E-F722-4ED6-BB00-556651E95281}"/>
+                <a16:creationId xmlns:a16="http://schemas.microsoft.com/office/drawing/2014/main" id="{904DB13E-F722-4ED6-BB00-556651E95281}"/>
               </a:ext>
             </a:extLst>
           </p:cNvPr>
@@ -832,7 +831,7 @@
           <p:cNvPr id="7" name="Group 6">
             <a:extLst>
               <a:ext uri="{FF2B5EF4-FFF2-40B4-BE49-F238E27FC236}">
-                <a16:creationId xmlns:a16="http://schemas.microsoft.com/office/drawing/2014/main" xmlns="" id="{E26428D7-C6F3-473D-A360-A3F5C3E8728C}"/>
+                <a16:creationId xmlns:a16="http://schemas.microsoft.com/office/drawing/2014/main" id="{E26428D7-C6F3-473D-A360-A3F5C3E8728C}"/>
               </a:ext>
             </a:extLst>
           </p:cNvPr>
@@ -1130,7 +1129,7 @@
           <a:p>
             <a:fld id="{EB2553B6-A683-4C13-ADF3-6E78B5B860F6}" type="datetime1">
               <a:rPr lang="en-US" smtClean="0"/>
-              <a:t>7/8/2020</a:t>
+              <a:t>9/2/2020</a:t>
             </a:fld>
             <a:endParaRPr lang="en-US" dirty="0"/>
           </a:p>
@@ -1332,7 +1331,7 @@
           <a:p>
             <a:fld id="{6DA00B11-1D47-4652-AEE5-4C2B1235CB66}" type="datetime1">
               <a:rPr lang="en-US" smtClean="0"/>
-              <a:t>7/8/2020</a:t>
+              <a:t>9/2/2020</a:t>
             </a:fld>
             <a:endParaRPr lang="en-US" dirty="0"/>
           </a:p>
@@ -1415,7 +1414,7 @@
           <p:cNvPr id="15" name="Rectangle 14">
             <a:extLst>
               <a:ext uri="{FF2B5EF4-FFF2-40B4-BE49-F238E27FC236}">
-                <a16:creationId xmlns:a16="http://schemas.microsoft.com/office/drawing/2014/main" xmlns="" id="{0A4A1889-E37C-4EC3-9E41-9DAD221CF389}"/>
+                <a16:creationId xmlns:a16="http://schemas.microsoft.com/office/drawing/2014/main" id="{0A4A1889-E37C-4EC3-9E41-9DAD221CF389}"/>
               </a:ext>
             </a:extLst>
           </p:cNvPr>
@@ -1612,7 +1611,7 @@
           <p:cNvPr id="16" name="Group 15">
             <a:extLst>
               <a:ext uri="{FF2B5EF4-FFF2-40B4-BE49-F238E27FC236}">
-                <a16:creationId xmlns:a16="http://schemas.microsoft.com/office/drawing/2014/main" xmlns="" id="{1683EB04-C23E-490C-A1A6-030CF79D23C8}"/>
+                <a16:creationId xmlns:a16="http://schemas.microsoft.com/office/drawing/2014/main" id="{1683EB04-C23E-490C-A1A6-030CF79D23C8}"/>
               </a:ext>
             </a:extLst>
           </p:cNvPr>
@@ -1632,7 +1631,7 @@
             <p:cNvPr id="17" name="Straight Connector 16">
               <a:extLst>
                 <a:ext uri="{FF2B5EF4-FFF2-40B4-BE49-F238E27FC236}">
-                  <a16:creationId xmlns:a16="http://schemas.microsoft.com/office/drawing/2014/main" xmlns="" id="{F8A84C03-E1CA-4A4E-81D6-9BB0C335B7A0}"/>
+                  <a16:creationId xmlns:a16="http://schemas.microsoft.com/office/drawing/2014/main" id="{F8A84C03-E1CA-4A4E-81D6-9BB0C335B7A0}"/>
                 </a:ext>
               </a:extLst>
             </p:cNvPr>
@@ -1680,7 +1679,7 @@
             <p:cNvPr id="18" name="Straight Connector 17">
               <a:extLst>
                 <a:ext uri="{FF2B5EF4-FFF2-40B4-BE49-F238E27FC236}">
-                  <a16:creationId xmlns:a16="http://schemas.microsoft.com/office/drawing/2014/main" xmlns="" id="{4A26FB5A-D5D1-4DAB-AC43-7F51A7F2D197}"/>
+                  <a16:creationId xmlns:a16="http://schemas.microsoft.com/office/drawing/2014/main" id="{4A26FB5A-D5D1-4DAB-AC43-7F51A7F2D197}"/>
                 </a:ext>
               </a:extLst>
             </p:cNvPr>
@@ -1728,7 +1727,7 @@
             <p:cNvPr id="19" name="Straight Connector 18">
               <a:extLst>
                 <a:ext uri="{FF2B5EF4-FFF2-40B4-BE49-F238E27FC236}">
-                  <a16:creationId xmlns:a16="http://schemas.microsoft.com/office/drawing/2014/main" xmlns="" id="{49303F14-E560-4C02-94F4-B4695FE26813}"/>
+                  <a16:creationId xmlns:a16="http://schemas.microsoft.com/office/drawing/2014/main" id="{49303F14-E560-4C02-94F4-B4695FE26813}"/>
                 </a:ext>
               </a:extLst>
             </p:cNvPr>
@@ -1931,7 +1930,7 @@
           <a:p>
             <a:fld id="{90AC2323-8C5A-462B-92B9-62EA14FA9E94}" type="datetime1">
               <a:rPr lang="en-US" smtClean="0"/>
-              <a:t>7/8/2020</a:t>
+              <a:t>9/2/2020</a:t>
             </a:fld>
             <a:endParaRPr lang="en-US" dirty="0"/>
           </a:p>
@@ -2251,7 +2250,7 @@
           <a:p>
             <a:fld id="{10DC40C2-59E9-46C8-B03E-7C20E5F4F12D}" type="datetime1">
               <a:rPr lang="en-US" smtClean="0"/>
-              <a:t>7/8/2020</a:t>
+              <a:t>9/2/2020</a:t>
             </a:fld>
             <a:endParaRPr lang="en-US" dirty="0"/>
           </a:p>
@@ -2688,7 +2687,7 @@
           <a:p>
             <a:fld id="{7FBC8CB6-941B-4270-8276-FD8E92A373DA}" type="datetime1">
               <a:rPr lang="en-US" smtClean="0"/>
-              <a:t>7/8/2020</a:t>
+              <a:t>9/2/2020</a:t>
             </a:fld>
             <a:endParaRPr lang="en-US" dirty="0"/>
           </a:p>
@@ -2806,7 +2805,7 @@
           <a:p>
             <a:fld id="{15E57E43-E251-46CB-9ADD-5572689A0D73}" type="datetime1">
               <a:rPr lang="en-US" smtClean="0"/>
-              <a:t>7/8/2020</a:t>
+              <a:t>9/2/2020</a:t>
             </a:fld>
             <a:endParaRPr lang="en-US" dirty="0"/>
           </a:p>
@@ -2901,7 +2900,7 @@
           <a:p>
             <a:fld id="{9582FC12-F480-42AE-9F3F-3DA69EB64A0D}" type="datetime1">
               <a:rPr lang="en-US" smtClean="0"/>
-              <a:t>7/8/2020</a:t>
+              <a:t>9/2/2020</a:t>
             </a:fld>
             <a:endParaRPr lang="en-US" dirty="0"/>
           </a:p>
@@ -2984,7 +2983,7 @@
           <p:cNvPr id="10" name="Rectangle 9">
             <a:extLst>
               <a:ext uri="{FF2B5EF4-FFF2-40B4-BE49-F238E27FC236}">
-                <a16:creationId xmlns:a16="http://schemas.microsoft.com/office/drawing/2014/main" xmlns="" id="{D5E1BBF9-8BEF-4353-BA68-30AAF9EBD8D8}"/>
+                <a16:creationId xmlns:a16="http://schemas.microsoft.com/office/drawing/2014/main" id="{D5E1BBF9-8BEF-4353-BA68-30AAF9EBD8D8}"/>
               </a:ext>
             </a:extLst>
           </p:cNvPr>
@@ -3031,7 +3030,7 @@
           <p:cNvPr id="13" name="Rectangle 12">
             <a:extLst>
               <a:ext uri="{FF2B5EF4-FFF2-40B4-BE49-F238E27FC236}">
-                <a16:creationId xmlns:a16="http://schemas.microsoft.com/office/drawing/2014/main" xmlns="" id="{5B941C21-2A5D-4912-AB06-1BB0C0EB6AE1}"/>
+                <a16:creationId xmlns:a16="http://schemas.microsoft.com/office/drawing/2014/main" id="{5B941C21-2A5D-4912-AB06-1BB0C0EB6AE1}"/>
               </a:ext>
             </a:extLst>
           </p:cNvPr>
@@ -3318,7 +3317,7 @@
           <a:p>
             <a:fld id="{545CEF3F-6F6A-4297-B757-FFB5D4A3AD64}" type="datetime1">
               <a:rPr lang="en-US" smtClean="0"/>
-              <a:t>7/8/2020</a:t>
+              <a:t>9/2/2020</a:t>
             </a:fld>
             <a:endParaRPr lang="en-US" dirty="0"/>
           </a:p>
@@ -3426,7 +3425,7 @@
           <p:cNvPr id="11" name="Rectangle 10">
             <a:extLst>
               <a:ext uri="{FF2B5EF4-FFF2-40B4-BE49-F238E27FC236}">
-                <a16:creationId xmlns:a16="http://schemas.microsoft.com/office/drawing/2014/main" xmlns="" id="{E687CA98-D9C7-497F-A1DA-7D22F8753BCE}"/>
+                <a16:creationId xmlns:a16="http://schemas.microsoft.com/office/drawing/2014/main" id="{E687CA98-D9C7-497F-A1DA-7D22F8753BCE}"/>
               </a:ext>
             </a:extLst>
           </p:cNvPr>
@@ -3578,7 +3577,7 @@
           <a:p>
             <a:fld id="{EE2F6E23-5248-4ECD-8C29-1FB95B395C86}" type="datetime1">
               <a:rPr lang="en-US" smtClean="0"/>
-              <a:t>7/8/2020</a:t>
+              <a:t>9/2/2020</a:t>
             </a:fld>
             <a:endParaRPr lang="en-US" dirty="0"/>
           </a:p>
@@ -3660,7 +3659,7 @@
           <p:cNvPr id="12" name="Rectangle 11">
             <a:extLst>
               <a:ext uri="{FF2B5EF4-FFF2-40B4-BE49-F238E27FC236}">
-                <a16:creationId xmlns:a16="http://schemas.microsoft.com/office/drawing/2014/main" xmlns="" id="{F8B3D8CC-BB13-41A5-8F34-B8E84A4F9534}"/>
+                <a16:creationId xmlns:a16="http://schemas.microsoft.com/office/drawing/2014/main" id="{F8B3D8CC-BB13-41A5-8F34-B8E84A4F9534}"/>
               </a:ext>
             </a:extLst>
           </p:cNvPr>
@@ -3862,7 +3861,7 @@
           <p:cNvPr id="9" name="Rectangle 8">
             <a:extLst>
               <a:ext uri="{FF2B5EF4-FFF2-40B4-BE49-F238E27FC236}">
-                <a16:creationId xmlns:a16="http://schemas.microsoft.com/office/drawing/2014/main" xmlns="" id="{1E94681D-2A4C-4A8D-B9B5-31D440D0328D}"/>
+                <a16:creationId xmlns:a16="http://schemas.microsoft.com/office/drawing/2014/main" id="{1E94681D-2A4C-4A8D-B9B5-31D440D0328D}"/>
               </a:ext>
             </a:extLst>
           </p:cNvPr>
@@ -4094,7 +4093,7 @@
           <a:p>
             <a:fld id="{5DE9F2A3-885D-46CC-9642-01CAAE4EB600}" type="datetime1">
               <a:rPr lang="en-US" smtClean="0"/>
-              <a:t>7/8/2020</a:t>
+              <a:t>9/2/2020</a:t>
             </a:fld>
             <a:endParaRPr lang="en-US" dirty="0"/>
           </a:p>
@@ -4574,7 +4573,7 @@
           <p:cNvPr id="6" name="Picture 5" descr="abstract image">
             <a:extLst>
               <a:ext uri="{FF2B5EF4-FFF2-40B4-BE49-F238E27FC236}">
-                <a16:creationId xmlns:a16="http://schemas.microsoft.com/office/drawing/2014/main" xmlns="" id="{8045422F-7258-40AC-BD2E-2469AA448922}"/>
+                <a16:creationId xmlns:a16="http://schemas.microsoft.com/office/drawing/2014/main" id="{8045422F-7258-40AC-BD2E-2469AA448922}"/>
               </a:ext>
             </a:extLst>
           </p:cNvPr>
@@ -4609,10 +4608,10 @@
           <p:cNvPr id="82" name="Rectangle 81">
             <a:extLst>
               <a:ext uri="{FF2B5EF4-FFF2-40B4-BE49-F238E27FC236}">
-                <a16:creationId xmlns:a16="http://schemas.microsoft.com/office/drawing/2014/main" xmlns="" id="{2644B391-9BFE-445C-A9EC-F544BB85FBC7}"/>
+                <a16:creationId xmlns:a16="http://schemas.microsoft.com/office/drawing/2014/main" id="{2644B391-9BFE-445C-A9EC-F544BB85FBC7}"/>
               </a:ext>
               <a:ext uri="{C183D7F6-B498-43B3-948B-1728B52AA6E4}">
-                <adec:decorative xmlns:adec="http://schemas.microsoft.com/office/drawing/2017/decorative" xmlns="" val="1"/>
+                <adec:decorative xmlns:adec="http://schemas.microsoft.com/office/drawing/2017/decorative" val="1"/>
               </a:ext>
             </a:extLst>
           </p:cNvPr>
@@ -4622,7 +4621,7 @@
           <p:nvPr>
             <p:extLst>
               <p:ext uri="{386F3935-93C4-4BCD-93E2-E3B085C9AB24}">
-                <p16:designElem xmlns:p16="http://schemas.microsoft.com/office/powerpoint/2015/main" xmlns="" val="1"/>
+                <p16:designElem xmlns:p16="http://schemas.microsoft.com/office/powerpoint/2015/main" val="1"/>
               </p:ext>
             </p:extLst>
           </p:nvPr>
@@ -4654,10 +4653,10 @@
           <p:cNvPr id="84" name="Rectangle 83">
             <a:extLst>
               <a:ext uri="{FF2B5EF4-FFF2-40B4-BE49-F238E27FC236}">
-                <a16:creationId xmlns:a16="http://schemas.microsoft.com/office/drawing/2014/main" xmlns="" id="{80F26E69-87D9-4655-AE7B-280A87AA3CAD}"/>
+                <a16:creationId xmlns:a16="http://schemas.microsoft.com/office/drawing/2014/main" id="{80F26E69-87D9-4655-AE7B-280A87AA3CAD}"/>
               </a:ext>
               <a:ext uri="{C183D7F6-B498-43B3-948B-1728B52AA6E4}">
-                <adec:decorative xmlns:adec="http://schemas.microsoft.com/office/drawing/2017/decorative" xmlns="" val="1"/>
+                <adec:decorative xmlns:adec="http://schemas.microsoft.com/office/drawing/2017/decorative" val="1"/>
               </a:ext>
             </a:extLst>
           </p:cNvPr>
@@ -4667,7 +4666,7 @@
           <p:nvPr>
             <p:extLst>
               <p:ext uri="{386F3935-93C4-4BCD-93E2-E3B085C9AB24}">
-                <p16:designElem xmlns:p16="http://schemas.microsoft.com/office/powerpoint/2015/main" xmlns="" val="1"/>
+                <p16:designElem xmlns:p16="http://schemas.microsoft.com/office/powerpoint/2015/main" val="1"/>
               </p:ext>
             </p:extLst>
           </p:nvPr>
@@ -4698,7 +4697,7 @@
           <p:cNvPr id="2" name="Title 1">
             <a:extLst>
               <a:ext uri="{FF2B5EF4-FFF2-40B4-BE49-F238E27FC236}">
-                <a16:creationId xmlns:a16="http://schemas.microsoft.com/office/drawing/2014/main" xmlns="" id="{18C3B467-088C-4F3D-A9A7-105C4E1E20CD}"/>
+                <a16:creationId xmlns:a16="http://schemas.microsoft.com/office/drawing/2014/main" id="{18C3B467-088C-4F3D-A9A7-105C4E1E20CD}"/>
               </a:ext>
             </a:extLst>
           </p:cNvPr>
@@ -4722,18 +4721,21 @@
           <a:lstStyle/>
           <a:p>
             <a:r>
-              <a:rPr lang="en-US" sz="4400" b="1" dirty="0" smtClean="0">
+              <a:rPr lang="en-US" sz="4400">
                 <a:solidFill>
                   <a:schemeClr val="tx1"/>
                 </a:solidFill>
               </a:rPr>
-              <a:t>Unit01 Intro to node.js Part II</a:t>
-            </a:r>
-            <a:endParaRPr lang="en-US" sz="4400" b="1" dirty="0">
-              <a:solidFill>
-                <a:schemeClr val="tx1"/>
-              </a:solidFill>
-            </a:endParaRPr>
+              <a:t>node.JS Part </a:t>
+            </a:r>
+            <a:r>
+              <a:rPr lang="en-US" sz="4400" dirty="0">
+                <a:solidFill>
+                  <a:schemeClr val="tx1"/>
+                </a:solidFill>
+              </a:rPr>
+              <a:t>II</a:t>
+            </a:r>
           </a:p>
         </p:txBody>
       </p:sp>
@@ -4742,7 +4744,7 @@
           <p:cNvPr id="3" name="Subtitle 2">
             <a:extLst>
               <a:ext uri="{FF2B5EF4-FFF2-40B4-BE49-F238E27FC236}">
-                <a16:creationId xmlns:a16="http://schemas.microsoft.com/office/drawing/2014/main" xmlns="" id="{C8722DDC-8EEE-4A06-8DFE-B44871EAA2CF}"/>
+                <a16:creationId xmlns:a16="http://schemas.microsoft.com/office/drawing/2014/main" id="{C8722DDC-8EEE-4A06-8DFE-B44871EAA2CF}"/>
               </a:ext>
             </a:extLst>
           </p:cNvPr>
@@ -4791,13 +4793,6 @@
   <p:clrMapOvr>
     <a:overrideClrMapping bg1="dk1" tx1="lt1" bg2="dk2" tx2="lt2" accent1="accent1" accent2="accent2" accent3="accent3" accent4="accent4" accent5="accent5" accent6="accent6" hlink="hlink" folHlink="folHlink"/>
   </p:clrMapOvr>
-  <p:timing>
-    <p:tnLst>
-      <p:par>
-        <p:cTn id="1" dur="indefinite" restart="never" nodeType="tmRoot"/>
-      </p:par>
-    </p:tnLst>
-  </p:timing>
 </p:sld>
 </file>
 
@@ -4823,7 +4818,7 @@
           <p:cNvPr id="2" name="Title 1">
             <a:extLst>
               <a:ext uri="{FF2B5EF4-FFF2-40B4-BE49-F238E27FC236}">
-                <a16:creationId xmlns:a16="http://schemas.microsoft.com/office/drawing/2014/main" xmlns="" id="{BDFAC13C-59B1-436E-B58F-C304E1C705CF}"/>
+                <a16:creationId xmlns:a16="http://schemas.microsoft.com/office/drawing/2014/main" id="{BDFAC13C-59B1-436E-B58F-C304E1C705CF}"/>
               </a:ext>
             </a:extLst>
           </p:cNvPr>
@@ -4848,13 +4843,8 @@
           <a:p>
             <a:r>
               <a:rPr lang="en-US" u="sng" dirty="0"/>
-              <a:t>p</a:t>
-            </a:r>
-            <a:r>
-              <a:rPr lang="en-US" u="sng" dirty="0" smtClean="0"/>
-              <a:t>ackage.json</a:t>
-            </a:r>
-            <a:endParaRPr lang="en-US" u="sng" dirty="0"/>
+              <a:t>package.json</a:t>
+            </a:r>
           </a:p>
         </p:txBody>
       </p:sp>
@@ -4863,7 +4853,7 @@
           <p:cNvPr id="3" name="Content Placeholder 2">
             <a:extLst>
               <a:ext uri="{FF2B5EF4-FFF2-40B4-BE49-F238E27FC236}">
-                <a16:creationId xmlns:a16="http://schemas.microsoft.com/office/drawing/2014/main" xmlns="" id="{844A3DC5-46BF-4BFF-8008-98FD467C4904}"/>
+                <a16:creationId xmlns:a16="http://schemas.microsoft.com/office/drawing/2014/main" id="{844A3DC5-46BF-4BFF-8008-98FD467C4904}"/>
               </a:ext>
             </a:extLst>
           </p:cNvPr>
@@ -4888,11 +4878,7 @@
           <a:p>
             <a:r>
               <a:rPr lang="en-US" sz="1800" dirty="0"/>
-              <a:t>The package.json </a:t>
-            </a:r>
-            <a:r>
-              <a:rPr lang="en-US" sz="1800" dirty="0" smtClean="0"/>
-              <a:t>components (not all shown in previous slide):</a:t>
+              <a:t>The package.json components (not all shown in previous slide):</a:t>
             </a:r>
           </a:p>
           <a:p>
@@ -4944,7 +4930,7 @@
             <a:pPr marL="169863" indent="0">
               <a:buNone/>
             </a:pPr>
-            <a:endParaRPr lang="en-US" sz="1800" dirty="0" smtClean="0"/>
+            <a:endParaRPr lang="en-US" sz="1800" dirty="0"/>
           </a:p>
         </p:txBody>
       </p:sp>
@@ -4953,7 +4939,7 @@
           <p:cNvPr id="4" name="Rectangle 3">
             <a:extLst>
               <a:ext uri="{FF2B5EF4-FFF2-40B4-BE49-F238E27FC236}">
-                <a16:creationId xmlns:a16="http://schemas.microsoft.com/office/drawing/2014/main" xmlns="" id="{0C71533A-4A29-47E2-A4D4-85E44356516A}"/>
+                <a16:creationId xmlns:a16="http://schemas.microsoft.com/office/drawing/2014/main" id="{0C71533A-4A29-47E2-A4D4-85E44356516A}"/>
               </a:ext>
             </a:extLst>
           </p:cNvPr>
@@ -4976,7 +4962,7 @@
           <a:lstStyle/>
           <a:p>
             <a:r>
-              <a:rPr lang="en-US" sz="1600" b="1" dirty="0" smtClean="0"/>
+              <a:rPr lang="en-US" sz="1600" b="1" dirty="0"/>
               <a:t>Source</a:t>
             </a:r>
           </a:p>
@@ -5028,13 +5014,6 @@
   <p:clrMapOvr>
     <a:masterClrMapping/>
   </p:clrMapOvr>
-  <p:timing>
-    <p:tnLst>
-      <p:par>
-        <p:cTn id="1" dur="indefinite" restart="never" nodeType="tmRoot"/>
-      </p:par>
-    </p:tnLst>
-  </p:timing>
 </p:sld>
 </file>
 
@@ -5060,7 +5039,7 @@
           <p:cNvPr id="2" name="Title 1">
             <a:extLst>
               <a:ext uri="{FF2B5EF4-FFF2-40B4-BE49-F238E27FC236}">
-                <a16:creationId xmlns:a16="http://schemas.microsoft.com/office/drawing/2014/main" xmlns="" id="{BDFAC13C-59B1-436E-B58F-C304E1C705CF}"/>
+                <a16:creationId xmlns:a16="http://schemas.microsoft.com/office/drawing/2014/main" id="{BDFAC13C-59B1-436E-B58F-C304E1C705CF}"/>
               </a:ext>
             </a:extLst>
           </p:cNvPr>
@@ -5085,13 +5064,8 @@
           <a:p>
             <a:r>
               <a:rPr lang="en-US" u="sng" dirty="0"/>
-              <a:t>p</a:t>
-            </a:r>
-            <a:r>
-              <a:rPr lang="en-US" u="sng" dirty="0" smtClean="0"/>
-              <a:t>ackage.json</a:t>
-            </a:r>
-            <a:endParaRPr lang="en-US" u="sng" dirty="0"/>
+              <a:t>package.json</a:t>
+            </a:r>
           </a:p>
         </p:txBody>
       </p:sp>
@@ -5100,7 +5074,7 @@
           <p:cNvPr id="3" name="Content Placeholder 2">
             <a:extLst>
               <a:ext uri="{FF2B5EF4-FFF2-40B4-BE49-F238E27FC236}">
-                <a16:creationId xmlns:a16="http://schemas.microsoft.com/office/drawing/2014/main" xmlns="" id="{844A3DC5-46BF-4BFF-8008-98FD467C4904}"/>
+                <a16:creationId xmlns:a16="http://schemas.microsoft.com/office/drawing/2014/main" id="{844A3DC5-46BF-4BFF-8008-98FD467C4904}"/>
               </a:ext>
             </a:extLst>
           </p:cNvPr>
@@ -5125,11 +5099,7 @@
           <a:p>
             <a:r>
               <a:rPr lang="en-US" sz="1800" dirty="0"/>
-              <a:t>The package.json </a:t>
-            </a:r>
-            <a:r>
-              <a:rPr lang="en-US" sz="1800" dirty="0" smtClean="0"/>
-              <a:t>components (not all shown in previous slide):</a:t>
+              <a:t>The package.json components (not all shown in previous slide):</a:t>
             </a:r>
           </a:p>
           <a:p>
@@ -5176,7 +5146,6 @@
               <a:rPr lang="en-US" sz="1800" dirty="0"/>
               <a:t>browserslist is used to tell which browsers (and their versions) you want to support</a:t>
             </a:r>
-            <a:endParaRPr lang="en-US" sz="1800" dirty="0" smtClean="0"/>
           </a:p>
         </p:txBody>
       </p:sp>
@@ -5185,7 +5154,7 @@
           <p:cNvPr id="4" name="Rectangle 3">
             <a:extLst>
               <a:ext uri="{FF2B5EF4-FFF2-40B4-BE49-F238E27FC236}">
-                <a16:creationId xmlns:a16="http://schemas.microsoft.com/office/drawing/2014/main" xmlns="" id="{0C71533A-4A29-47E2-A4D4-85E44356516A}"/>
+                <a16:creationId xmlns:a16="http://schemas.microsoft.com/office/drawing/2014/main" id="{0C71533A-4A29-47E2-A4D4-85E44356516A}"/>
               </a:ext>
             </a:extLst>
           </p:cNvPr>
@@ -5208,7 +5177,7 @@
           <a:lstStyle/>
           <a:p>
             <a:r>
-              <a:rPr lang="en-US" sz="1600" b="1" dirty="0" smtClean="0"/>
+              <a:rPr lang="en-US" sz="1600" b="1" dirty="0"/>
               <a:t>Source</a:t>
             </a:r>
           </a:p>
@@ -5260,13 +5229,6 @@
   <p:clrMapOvr>
     <a:masterClrMapping/>
   </p:clrMapOvr>
-  <p:timing>
-    <p:tnLst>
-      <p:par>
-        <p:cTn id="1" dur="indefinite" restart="never" nodeType="tmRoot"/>
-      </p:par>
-    </p:tnLst>
-  </p:timing>
 </p:sld>
 </file>
 
@@ -5292,7 +5254,7 @@
           <p:cNvPr id="2" name="Title 1">
             <a:extLst>
               <a:ext uri="{FF2B5EF4-FFF2-40B4-BE49-F238E27FC236}">
-                <a16:creationId xmlns:a16="http://schemas.microsoft.com/office/drawing/2014/main" xmlns="" id="{BDFAC13C-59B1-436E-B58F-C304E1C705CF}"/>
+                <a16:creationId xmlns:a16="http://schemas.microsoft.com/office/drawing/2014/main" id="{BDFAC13C-59B1-436E-B58F-C304E1C705CF}"/>
               </a:ext>
             </a:extLst>
           </p:cNvPr>
@@ -5316,10 +5278,9 @@
           <a:lstStyle/>
           <a:p>
             <a:r>
-              <a:rPr lang="en-US" u="sng" dirty="0" smtClean="0"/>
+              <a:rPr lang="en-US" u="sng" dirty="0"/>
               <a:t>npm install</a:t>
             </a:r>
-            <a:endParaRPr lang="en-US" u="sng" dirty="0"/>
           </a:p>
         </p:txBody>
       </p:sp>
@@ -5328,7 +5289,7 @@
           <p:cNvPr id="3" name="Content Placeholder 2">
             <a:extLst>
               <a:ext uri="{FF2B5EF4-FFF2-40B4-BE49-F238E27FC236}">
-                <a16:creationId xmlns:a16="http://schemas.microsoft.com/office/drawing/2014/main" xmlns="" id="{844A3DC5-46BF-4BFF-8008-98FD467C4904}"/>
+                <a16:creationId xmlns:a16="http://schemas.microsoft.com/office/drawing/2014/main" id="{844A3DC5-46BF-4BFF-8008-98FD467C4904}"/>
               </a:ext>
             </a:extLst>
           </p:cNvPr>
@@ -5352,17 +5313,17 @@
           <a:lstStyle/>
           <a:p>
             <a:r>
-              <a:rPr lang="en-US" sz="1800" dirty="0" smtClean="0"/>
+              <a:rPr lang="en-US" sz="1800" dirty="0"/>
               <a:t>Use the </a:t>
             </a:r>
             <a:r>
-              <a:rPr lang="en-US" sz="1800" dirty="0" smtClean="0">
+              <a:rPr lang="en-US" sz="1800" dirty="0">
                 <a:latin typeface="Consolas" panose="020B0609020204030204" pitchFamily="49" charset="0"/>
               </a:rPr>
               <a:t>npm install &lt;package-name&gt;</a:t>
             </a:r>
             <a:r>
-              <a:rPr lang="en-US" sz="1800" dirty="0" smtClean="0"/>
+              <a:rPr lang="en-US" sz="1800" dirty="0"/>
               <a:t> (or “i” instead of install) to install &lt;package-name&gt; an npm package and declare it as a dependency in the package.json file</a:t>
             </a:r>
           </a:p>
@@ -5370,7 +5331,7 @@
             <a:pPr marL="169863" indent="0">
               <a:buNone/>
             </a:pPr>
-            <a:endParaRPr lang="en-US" sz="1800" dirty="0" smtClean="0"/>
+            <a:endParaRPr lang="en-US" sz="1800" dirty="0"/>
           </a:p>
         </p:txBody>
       </p:sp>
@@ -5379,7 +5340,7 @@
           <p:cNvPr id="4" name="Rectangle 3">
             <a:extLst>
               <a:ext uri="{FF2B5EF4-FFF2-40B4-BE49-F238E27FC236}">
-                <a16:creationId xmlns:a16="http://schemas.microsoft.com/office/drawing/2014/main" xmlns="" id="{0C71533A-4A29-47E2-A4D4-85E44356516A}"/>
+                <a16:creationId xmlns:a16="http://schemas.microsoft.com/office/drawing/2014/main" id="{0C71533A-4A29-47E2-A4D4-85E44356516A}"/>
               </a:ext>
             </a:extLst>
           </p:cNvPr>
@@ -5402,7 +5363,7 @@
           <a:lstStyle/>
           <a:p>
             <a:r>
-              <a:rPr lang="en-US" sz="1600" b="1" dirty="0" smtClean="0"/>
+              <a:rPr lang="en-US" sz="1600" b="1" dirty="0"/>
               <a:t>Source</a:t>
             </a:r>
           </a:p>
@@ -5478,13 +5439,6 @@
   <p:clrMapOvr>
     <a:masterClrMapping/>
   </p:clrMapOvr>
-  <p:timing>
-    <p:tnLst>
-      <p:par>
-        <p:cTn id="1" dur="indefinite" restart="never" nodeType="tmRoot"/>
-      </p:par>
-    </p:tnLst>
-  </p:timing>
 </p:sld>
 </file>
 
@@ -5510,7 +5464,7 @@
           <p:cNvPr id="2" name="Title 1">
             <a:extLst>
               <a:ext uri="{FF2B5EF4-FFF2-40B4-BE49-F238E27FC236}">
-                <a16:creationId xmlns:a16="http://schemas.microsoft.com/office/drawing/2014/main" xmlns="" id="{BDFAC13C-59B1-436E-B58F-C304E1C705CF}"/>
+                <a16:creationId xmlns:a16="http://schemas.microsoft.com/office/drawing/2014/main" id="{BDFAC13C-59B1-436E-B58F-C304E1C705CF}"/>
               </a:ext>
             </a:extLst>
           </p:cNvPr>
@@ -5534,10 +5488,9 @@
           <a:lstStyle/>
           <a:p>
             <a:r>
-              <a:rPr lang="en-US" u="sng" dirty="0" smtClean="0"/>
+              <a:rPr lang="en-US" u="sng" dirty="0"/>
               <a:t>npm install</a:t>
             </a:r>
-            <a:endParaRPr lang="en-US" u="sng" dirty="0"/>
           </a:p>
         </p:txBody>
       </p:sp>
@@ -5546,7 +5499,7 @@
           <p:cNvPr id="3" name="Content Placeholder 2">
             <a:extLst>
               <a:ext uri="{FF2B5EF4-FFF2-40B4-BE49-F238E27FC236}">
-                <a16:creationId xmlns:a16="http://schemas.microsoft.com/office/drawing/2014/main" xmlns="" id="{844A3DC5-46BF-4BFF-8008-98FD467C4904}"/>
+                <a16:creationId xmlns:a16="http://schemas.microsoft.com/office/drawing/2014/main" id="{844A3DC5-46BF-4BFF-8008-98FD467C4904}"/>
               </a:ext>
             </a:extLst>
           </p:cNvPr>
@@ -5581,24 +5534,20 @@
             </a:r>
             <a:r>
               <a:rPr lang="en-US" sz="1800" dirty="0"/>
-              <a:t> (or “i” instead of install) to install &lt;package-name&gt; an npm package and declare it as a dependency in the package.json file</a:t>
-            </a:r>
-            <a:r>
-              <a:rPr lang="en-US" sz="1800" dirty="0" smtClean="0"/>
-              <a:t>  After running the command on the previous page, the following dependency was added to the package.json file:.</a:t>
+              <a:t> (or “i” instead of install) to install &lt;package-name&gt; an npm package and declare it as a dependency in the package.json file  After running the command on the previous page, the following dependency was added to the package.json file:.</a:t>
             </a:r>
           </a:p>
           <a:p>
             <a:pPr marL="169863" indent="0">
               <a:buNone/>
             </a:pPr>
-            <a:endParaRPr lang="en-US" sz="1800" dirty="0" smtClean="0"/>
+            <a:endParaRPr lang="en-US" sz="1800" dirty="0"/>
           </a:p>
           <a:p>
             <a:pPr marL="169863" indent="0">
               <a:buNone/>
             </a:pPr>
-            <a:endParaRPr lang="en-US" sz="1800" dirty="0" smtClean="0"/>
+            <a:endParaRPr lang="en-US" sz="1800" dirty="0"/>
           </a:p>
         </p:txBody>
       </p:sp>
@@ -5607,7 +5556,7 @@
           <p:cNvPr id="4" name="Rectangle 3">
             <a:extLst>
               <a:ext uri="{FF2B5EF4-FFF2-40B4-BE49-F238E27FC236}">
-                <a16:creationId xmlns:a16="http://schemas.microsoft.com/office/drawing/2014/main" xmlns="" id="{0C71533A-4A29-47E2-A4D4-85E44356516A}"/>
+                <a16:creationId xmlns:a16="http://schemas.microsoft.com/office/drawing/2014/main" id="{0C71533A-4A29-47E2-A4D4-85E44356516A}"/>
               </a:ext>
             </a:extLst>
           </p:cNvPr>
@@ -5630,7 +5579,7 @@
           <a:lstStyle/>
           <a:p>
             <a:r>
-              <a:rPr lang="en-US" sz="1600" b="1" dirty="0" smtClean="0"/>
+              <a:rPr lang="en-US" sz="1600" b="1" dirty="0"/>
               <a:t>Source</a:t>
             </a:r>
           </a:p>
@@ -5706,13 +5655,6 @@
   <p:clrMapOvr>
     <a:masterClrMapping/>
   </p:clrMapOvr>
-  <p:timing>
-    <p:tnLst>
-      <p:par>
-        <p:cTn id="1" dur="indefinite" restart="never" nodeType="tmRoot"/>
-      </p:par>
-    </p:tnLst>
-  </p:timing>
 </p:sld>
 </file>
 
@@ -5738,7 +5680,7 @@
           <p:cNvPr id="2" name="Title 1">
             <a:extLst>
               <a:ext uri="{FF2B5EF4-FFF2-40B4-BE49-F238E27FC236}">
-                <a16:creationId xmlns:a16="http://schemas.microsoft.com/office/drawing/2014/main" xmlns="" id="{BDFAC13C-59B1-436E-B58F-C304E1C705CF}"/>
+                <a16:creationId xmlns:a16="http://schemas.microsoft.com/office/drawing/2014/main" id="{BDFAC13C-59B1-436E-B58F-C304E1C705CF}"/>
               </a:ext>
             </a:extLst>
           </p:cNvPr>
@@ -5762,10 +5704,9 @@
           <a:lstStyle/>
           <a:p>
             <a:r>
-              <a:rPr lang="en-US" u="sng" dirty="0" smtClean="0"/>
+              <a:rPr lang="en-US" u="sng" dirty="0"/>
               <a:t>npm install with -g flag</a:t>
             </a:r>
-            <a:endParaRPr lang="en-US" u="sng" dirty="0"/>
           </a:p>
         </p:txBody>
       </p:sp>
@@ -5774,7 +5715,7 @@
           <p:cNvPr id="3" name="Content Placeholder 2">
             <a:extLst>
               <a:ext uri="{FF2B5EF4-FFF2-40B4-BE49-F238E27FC236}">
-                <a16:creationId xmlns:a16="http://schemas.microsoft.com/office/drawing/2014/main" xmlns="" id="{844A3DC5-46BF-4BFF-8008-98FD467C4904}"/>
+                <a16:creationId xmlns:a16="http://schemas.microsoft.com/office/drawing/2014/main" id="{844A3DC5-46BF-4BFF-8008-98FD467C4904}"/>
               </a:ext>
             </a:extLst>
           </p:cNvPr>
@@ -5799,40 +5740,16 @@
           <a:p>
             <a:r>
               <a:rPr lang="en-US" sz="1800" dirty="0"/>
-              <a:t>-g is the global install </a:t>
-            </a:r>
-            <a:r>
-              <a:rPr lang="en-US" sz="1800" dirty="0" smtClean="0"/>
-              <a:t>flag, which makes the package available to all projects without having to do individual installs.  </a:t>
-            </a:r>
+              <a:t>-g is the global install flag, which makes the package available to all projects without having to do individual installs.  Some "rules of thumb":</a:t>
+            </a:r>
+          </a:p>
+          <a:p>
+            <a:pPr marL="228600" indent="0">
+              <a:buNone/>
+            </a:pPr>
             <a:r>
               <a:rPr lang="en-US" sz="1800" dirty="0"/>
-              <a:t>Some </a:t>
-            </a:r>
-            <a:r>
-              <a:rPr lang="en-US" sz="1800" dirty="0" smtClean="0"/>
-              <a:t>"rules </a:t>
-            </a:r>
-            <a:r>
-              <a:rPr lang="en-US" sz="1800" dirty="0"/>
-              <a:t>of </a:t>
-            </a:r>
-            <a:r>
-              <a:rPr lang="en-US" sz="1800" dirty="0" smtClean="0"/>
-              <a:t>thumb":</a:t>
-            </a:r>
-          </a:p>
-          <a:p>
-            <a:pPr marL="228600" indent="0">
-              <a:buNone/>
-            </a:pPr>
-            <a:r>
-              <a:rPr lang="en-US" sz="1800" dirty="0" smtClean="0"/>
-              <a:t>Install </a:t>
-            </a:r>
-            <a:r>
-              <a:rPr lang="en-US" sz="1800" dirty="0"/>
-              <a:t>globally if the package provides command-line tools</a:t>
+              <a:t>Install globally if the package provides command-line tools</a:t>
             </a:r>
           </a:p>
           <a:p>
@@ -5850,11 +5767,7 @@
             </a:pPr>
             <a:r>
               <a:rPr lang="en-US" sz="1800" dirty="0"/>
-              <a:t>Install globally and locally if both use-cases </a:t>
-            </a:r>
-            <a:r>
-              <a:rPr lang="en-US" sz="1800" dirty="0" smtClean="0"/>
-              <a:t>apply</a:t>
+              <a:t>Install globally and locally if both use-cases apply</a:t>
             </a:r>
           </a:p>
         </p:txBody>
@@ -5864,7 +5777,7 @@
           <p:cNvPr id="4" name="Rectangle 3">
             <a:extLst>
               <a:ext uri="{FF2B5EF4-FFF2-40B4-BE49-F238E27FC236}">
-                <a16:creationId xmlns:a16="http://schemas.microsoft.com/office/drawing/2014/main" xmlns="" id="{0C71533A-4A29-47E2-A4D4-85E44356516A}"/>
+                <a16:creationId xmlns:a16="http://schemas.microsoft.com/office/drawing/2014/main" id="{0C71533A-4A29-47E2-A4D4-85E44356516A}"/>
               </a:ext>
             </a:extLst>
           </p:cNvPr>
@@ -5887,7 +5800,7 @@
           <a:lstStyle/>
           <a:p>
             <a:r>
-              <a:rPr lang="en-US" sz="1600" b="1" dirty="0" smtClean="0"/>
+              <a:rPr lang="en-US" sz="1600" b="1" dirty="0"/>
               <a:t>Source</a:t>
             </a:r>
           </a:p>
@@ -5939,13 +5852,6 @@
   <p:clrMapOvr>
     <a:masterClrMapping/>
   </p:clrMapOvr>
-  <p:timing>
-    <p:tnLst>
-      <p:par>
-        <p:cTn id="1" dur="indefinite" restart="never" nodeType="tmRoot"/>
-      </p:par>
-    </p:tnLst>
-  </p:timing>
 </p:sld>
 </file>
 
@@ -5971,7 +5877,7 @@
           <p:cNvPr id="2" name="Title 1">
             <a:extLst>
               <a:ext uri="{FF2B5EF4-FFF2-40B4-BE49-F238E27FC236}">
-                <a16:creationId xmlns:a16="http://schemas.microsoft.com/office/drawing/2014/main" xmlns="" id="{BDFAC13C-59B1-436E-B58F-C304E1C705CF}"/>
+                <a16:creationId xmlns:a16="http://schemas.microsoft.com/office/drawing/2014/main" id="{BDFAC13C-59B1-436E-B58F-C304E1C705CF}"/>
               </a:ext>
             </a:extLst>
           </p:cNvPr>
@@ -5995,10 +5901,9 @@
           <a:lstStyle/>
           <a:p>
             <a:r>
-              <a:rPr lang="en-US" u="sng" dirty="0" smtClean="0"/>
+              <a:rPr lang="en-US" u="sng" dirty="0"/>
               <a:t>npm install with -D flag</a:t>
             </a:r>
-            <a:endParaRPr lang="en-US" u="sng" dirty="0"/>
           </a:p>
         </p:txBody>
       </p:sp>
@@ -6007,7 +5912,7 @@
           <p:cNvPr id="3" name="Content Placeholder 2">
             <a:extLst>
               <a:ext uri="{FF2B5EF4-FFF2-40B4-BE49-F238E27FC236}">
-                <a16:creationId xmlns:a16="http://schemas.microsoft.com/office/drawing/2014/main" xmlns="" id="{844A3DC5-46BF-4BFF-8008-98FD467C4904}"/>
+                <a16:creationId xmlns:a16="http://schemas.microsoft.com/office/drawing/2014/main" id="{844A3DC5-46BF-4BFF-8008-98FD467C4904}"/>
               </a:ext>
             </a:extLst>
           </p:cNvPr>
@@ -6031,39 +5936,15 @@
           <a:lstStyle/>
           <a:p>
             <a:r>
-              <a:rPr lang="en-US" sz="1800" dirty="0" smtClean="0"/>
-              <a:t>-D </a:t>
-            </a:r>
-            <a:r>
               <a:rPr lang="en-US" sz="1800" dirty="0"/>
-              <a:t>is the </a:t>
-            </a:r>
-            <a:r>
-              <a:rPr lang="en-US" sz="1800" dirty="0" smtClean="0"/>
-              <a:t>development install </a:t>
+              <a:t>-D is the development install flag, which means the package will be loaded as a development dependency and will not be included when the project goes </a:t>
+            </a:r>
+            <a:r>
+              <a:rPr lang="en-US" sz="1800" i="1" dirty="0"/>
+              <a:t>live</a:t>
             </a:r>
             <a:r>
               <a:rPr lang="en-US" sz="1800" dirty="0"/>
-              <a:t>flag, which </a:t>
-            </a:r>
-            <a:r>
-              <a:rPr lang="en-US" sz="1800" dirty="0" smtClean="0"/>
-              <a:t>means the </a:t>
-            </a:r>
-            <a:r>
-              <a:rPr lang="en-US" sz="1800" dirty="0"/>
-              <a:t>package </a:t>
-            </a:r>
-            <a:r>
-              <a:rPr lang="en-US" sz="1800" dirty="0" smtClean="0"/>
-              <a:t>will be loaded as a development dependency and will not be included when the project goes </a:t>
-            </a:r>
-            <a:r>
-              <a:rPr lang="en-US" sz="1800" i="1" dirty="0" smtClean="0"/>
-              <a:t>live</a:t>
-            </a:r>
-            <a:r>
-              <a:rPr lang="en-US" sz="1800" dirty="0" smtClean="0"/>
               <a:t> on a real server</a:t>
             </a:r>
           </a:p>
@@ -6074,7 +5955,7 @@
           <p:cNvPr id="4" name="Rectangle 3">
             <a:extLst>
               <a:ext uri="{FF2B5EF4-FFF2-40B4-BE49-F238E27FC236}">
-                <a16:creationId xmlns:a16="http://schemas.microsoft.com/office/drawing/2014/main" xmlns="" id="{0C71533A-4A29-47E2-A4D4-85E44356516A}"/>
+                <a16:creationId xmlns:a16="http://schemas.microsoft.com/office/drawing/2014/main" id="{0C71533A-4A29-47E2-A4D4-85E44356516A}"/>
               </a:ext>
             </a:extLst>
           </p:cNvPr>
@@ -6097,7 +5978,7 @@
           <a:lstStyle/>
           <a:p>
             <a:r>
-              <a:rPr lang="en-US" sz="1600" b="1" dirty="0" smtClean="0"/>
+              <a:rPr lang="en-US" sz="1600" b="1" dirty="0"/>
               <a:t>Source</a:t>
             </a:r>
           </a:p>
@@ -6149,13 +6030,6 @@
   <p:clrMapOvr>
     <a:masterClrMapping/>
   </p:clrMapOvr>
-  <p:timing>
-    <p:tnLst>
-      <p:par>
-        <p:cTn id="1" dur="indefinite" restart="never" nodeType="tmRoot"/>
-      </p:par>
-    </p:tnLst>
-  </p:timing>
 </p:sld>
 </file>
 
@@ -6181,7 +6055,7 @@
           <p:cNvPr id="2" name="Title 1">
             <a:extLst>
               <a:ext uri="{FF2B5EF4-FFF2-40B4-BE49-F238E27FC236}">
-                <a16:creationId xmlns:a16="http://schemas.microsoft.com/office/drawing/2014/main" xmlns="" id="{BDFAC13C-59B1-436E-B58F-C304E1C705CF}"/>
+                <a16:creationId xmlns:a16="http://schemas.microsoft.com/office/drawing/2014/main" id="{BDFAC13C-59B1-436E-B58F-C304E1C705CF}"/>
               </a:ext>
             </a:extLst>
           </p:cNvPr>
@@ -6205,10 +6079,9 @@
           <a:lstStyle/>
           <a:p>
             <a:r>
-              <a:rPr lang="en-US" u="sng" dirty="0" smtClean="0"/>
+              <a:rPr lang="en-US" u="sng" dirty="0"/>
               <a:t>npm uninstall</a:t>
             </a:r>
-            <a:endParaRPr lang="en-US" u="sng" dirty="0"/>
           </a:p>
         </p:txBody>
       </p:sp>
@@ -6217,7 +6090,7 @@
           <p:cNvPr id="3" name="Content Placeholder 2">
             <a:extLst>
               <a:ext uri="{FF2B5EF4-FFF2-40B4-BE49-F238E27FC236}">
-                <a16:creationId xmlns:a16="http://schemas.microsoft.com/office/drawing/2014/main" xmlns="" id="{844A3DC5-46BF-4BFF-8008-98FD467C4904}"/>
+                <a16:creationId xmlns:a16="http://schemas.microsoft.com/office/drawing/2014/main" id="{844A3DC5-46BF-4BFF-8008-98FD467C4904}"/>
               </a:ext>
             </a:extLst>
           </p:cNvPr>
@@ -6241,17 +6114,17 @@
           <a:lstStyle/>
           <a:p>
             <a:r>
-              <a:rPr lang="en-US" sz="1800" dirty="0" smtClean="0"/>
+              <a:rPr lang="en-US" sz="1800" dirty="0"/>
               <a:t>The command </a:t>
             </a:r>
             <a:r>
-              <a:rPr lang="en-US" sz="1800" dirty="0" smtClean="0">
+              <a:rPr lang="en-US" sz="1800" dirty="0">
                 <a:latin typeface="Consolas" panose="020B0609020204030204" pitchFamily="49" charset="0"/>
               </a:rPr>
               <a:t>npm uninstall &lt;package-name&gt;</a:t>
             </a:r>
             <a:r>
-              <a:rPr lang="en-US" sz="1800" dirty="0" smtClean="0"/>
+              <a:rPr lang="en-US" sz="1800" dirty="0"/>
               <a:t> removes the package from the package.json file and makes it unavailable to the current project</a:t>
             </a:r>
           </a:p>
@@ -6259,7 +6132,7 @@
             <a:pPr marL="0" indent="0">
               <a:buNone/>
             </a:pPr>
-            <a:endParaRPr lang="en-US" sz="1800" dirty="0" smtClean="0"/>
+            <a:endParaRPr lang="en-US" sz="1800" dirty="0"/>
           </a:p>
         </p:txBody>
       </p:sp>
@@ -6268,7 +6141,7 @@
           <p:cNvPr id="4" name="Rectangle 3">
             <a:extLst>
               <a:ext uri="{FF2B5EF4-FFF2-40B4-BE49-F238E27FC236}">
-                <a16:creationId xmlns:a16="http://schemas.microsoft.com/office/drawing/2014/main" xmlns="" id="{0C71533A-4A29-47E2-A4D4-85E44356516A}"/>
+                <a16:creationId xmlns:a16="http://schemas.microsoft.com/office/drawing/2014/main" id="{0C71533A-4A29-47E2-A4D4-85E44356516A}"/>
               </a:ext>
             </a:extLst>
           </p:cNvPr>
@@ -6291,7 +6164,7 @@
           <a:lstStyle/>
           <a:p>
             <a:r>
-              <a:rPr lang="en-US" sz="1600" b="1" dirty="0" smtClean="0"/>
+              <a:rPr lang="en-US" sz="1600" b="1" dirty="0"/>
               <a:t>Source</a:t>
             </a:r>
           </a:p>
@@ -6367,13 +6240,6 @@
   <p:clrMapOvr>
     <a:masterClrMapping/>
   </p:clrMapOvr>
-  <p:timing>
-    <p:tnLst>
-      <p:par>
-        <p:cTn id="1" dur="indefinite" restart="never" nodeType="tmRoot"/>
-      </p:par>
-    </p:tnLst>
-  </p:timing>
 </p:sld>
 </file>
 
@@ -6399,7 +6265,7 @@
           <p:cNvPr id="2" name="Title 1">
             <a:extLst>
               <a:ext uri="{FF2B5EF4-FFF2-40B4-BE49-F238E27FC236}">
-                <a16:creationId xmlns:a16="http://schemas.microsoft.com/office/drawing/2014/main" xmlns="" id="{BDFAC13C-59B1-436E-B58F-C304E1C705CF}"/>
+                <a16:creationId xmlns:a16="http://schemas.microsoft.com/office/drawing/2014/main" id="{BDFAC13C-59B1-436E-B58F-C304E1C705CF}"/>
               </a:ext>
             </a:extLst>
           </p:cNvPr>
@@ -6423,10 +6289,9 @@
           <a:lstStyle/>
           <a:p>
             <a:r>
-              <a:rPr lang="en-US" u="sng" dirty="0" smtClean="0"/>
+              <a:rPr lang="en-US" u="sng" dirty="0"/>
               <a:t>npm run</a:t>
             </a:r>
-            <a:endParaRPr lang="en-US" u="sng" dirty="0"/>
           </a:p>
         </p:txBody>
       </p:sp>
@@ -6435,7 +6300,7 @@
           <p:cNvPr id="3" name="Content Placeholder 2">
             <a:extLst>
               <a:ext uri="{FF2B5EF4-FFF2-40B4-BE49-F238E27FC236}">
-                <a16:creationId xmlns:a16="http://schemas.microsoft.com/office/drawing/2014/main" xmlns="" id="{844A3DC5-46BF-4BFF-8008-98FD467C4904}"/>
+                <a16:creationId xmlns:a16="http://schemas.microsoft.com/office/drawing/2014/main" id="{844A3DC5-46BF-4BFF-8008-98FD467C4904}"/>
               </a:ext>
             </a:extLst>
           </p:cNvPr>
@@ -6459,33 +6324,25 @@
           <a:lstStyle/>
           <a:p>
             <a:r>
-              <a:rPr lang="en-US" sz="1800" dirty="0" smtClean="0"/>
+              <a:rPr lang="en-US" sz="1800" dirty="0"/>
               <a:t>The command </a:t>
             </a:r>
             <a:r>
-              <a:rPr lang="en-US" sz="1800" dirty="0" smtClean="0">
+              <a:rPr lang="en-US" sz="1800" dirty="0">
                 <a:latin typeface="Consolas" panose="020B0609020204030204" pitchFamily="49" charset="0"/>
               </a:rPr>
               <a:t>npm run </a:t>
             </a:r>
             <a:r>
-              <a:rPr lang="en-US" sz="1800" dirty="0" smtClean="0"/>
-              <a:t>sets </a:t>
-            </a:r>
-            <a:r>
               <a:rPr lang="en-US" sz="1800" dirty="0"/>
-              <a:t>the NODE environment variable to the node executable with which npm is </a:t>
-            </a:r>
-            <a:r>
-              <a:rPr lang="en-US" sz="1800" dirty="0" smtClean="0"/>
-              <a:t>executed</a:t>
+              <a:t>sets the NODE environment variable to the node executable with which npm is executed</a:t>
             </a:r>
           </a:p>
           <a:p>
             <a:pPr marL="0" indent="0">
               <a:buNone/>
             </a:pPr>
-            <a:endParaRPr lang="en-US" sz="1800" dirty="0" smtClean="0"/>
+            <a:endParaRPr lang="en-US" sz="1800" dirty="0"/>
           </a:p>
         </p:txBody>
       </p:sp>
@@ -6494,7 +6351,7 @@
           <p:cNvPr id="4" name="Rectangle 3">
             <a:extLst>
               <a:ext uri="{FF2B5EF4-FFF2-40B4-BE49-F238E27FC236}">
-                <a16:creationId xmlns:a16="http://schemas.microsoft.com/office/drawing/2014/main" xmlns="" id="{0C71533A-4A29-47E2-A4D4-85E44356516A}"/>
+                <a16:creationId xmlns:a16="http://schemas.microsoft.com/office/drawing/2014/main" id="{0C71533A-4A29-47E2-A4D4-85E44356516A}"/>
               </a:ext>
             </a:extLst>
           </p:cNvPr>
@@ -6517,7 +6374,7 @@
           <a:lstStyle/>
           <a:p>
             <a:r>
-              <a:rPr lang="en-US" sz="1600" b="1" dirty="0" smtClean="0"/>
+              <a:rPr lang="en-US" sz="1600" b="1" dirty="0"/>
               <a:t>Source</a:t>
             </a:r>
           </a:p>
@@ -6569,13 +6426,6 @@
   <p:clrMapOvr>
     <a:masterClrMapping/>
   </p:clrMapOvr>
-  <p:timing>
-    <p:tnLst>
-      <p:par>
-        <p:cTn id="1" dur="indefinite" restart="never" nodeType="tmRoot"/>
-      </p:par>
-    </p:tnLst>
-  </p:timing>
 </p:sld>
 </file>
 
@@ -6601,7 +6451,7 @@
           <p:cNvPr id="2" name="Title 1">
             <a:extLst>
               <a:ext uri="{FF2B5EF4-FFF2-40B4-BE49-F238E27FC236}">
-                <a16:creationId xmlns:a16="http://schemas.microsoft.com/office/drawing/2014/main" xmlns="" id="{BDFAC13C-59B1-436E-B58F-C304E1C705CF}"/>
+                <a16:creationId xmlns:a16="http://schemas.microsoft.com/office/drawing/2014/main" id="{BDFAC13C-59B1-436E-B58F-C304E1C705CF}"/>
               </a:ext>
             </a:extLst>
           </p:cNvPr>
@@ -6625,10 +6475,9 @@
           <a:lstStyle/>
           <a:p>
             <a:r>
-              <a:rPr lang="en-US" u="sng" dirty="0" smtClean="0"/>
+              <a:rPr lang="en-US" u="sng" dirty="0"/>
               <a:t>npm install vs. npm ci</a:t>
             </a:r>
-            <a:endParaRPr lang="en-US" u="sng" dirty="0"/>
           </a:p>
         </p:txBody>
       </p:sp>
@@ -6637,7 +6486,7 @@
           <p:cNvPr id="3" name="Content Placeholder 2">
             <a:extLst>
               <a:ext uri="{FF2B5EF4-FFF2-40B4-BE49-F238E27FC236}">
-                <a16:creationId xmlns:a16="http://schemas.microsoft.com/office/drawing/2014/main" xmlns="" id="{844A3DC5-46BF-4BFF-8008-98FD467C4904}"/>
+                <a16:creationId xmlns:a16="http://schemas.microsoft.com/office/drawing/2014/main" id="{844A3DC5-46BF-4BFF-8008-98FD467C4904}"/>
               </a:ext>
             </a:extLst>
           </p:cNvPr>
@@ -6696,7 +6545,7 @@
             <a:pPr marL="0" indent="0">
               <a:buNone/>
             </a:pPr>
-            <a:endParaRPr lang="en-US" sz="1800" dirty="0" smtClean="0"/>
+            <a:endParaRPr lang="en-US" sz="1800" dirty="0"/>
           </a:p>
         </p:txBody>
       </p:sp>
@@ -6705,7 +6554,7 @@
           <p:cNvPr id="4" name="Rectangle 3">
             <a:extLst>
               <a:ext uri="{FF2B5EF4-FFF2-40B4-BE49-F238E27FC236}">
-                <a16:creationId xmlns:a16="http://schemas.microsoft.com/office/drawing/2014/main" xmlns="" id="{0C71533A-4A29-47E2-A4D4-85E44356516A}"/>
+                <a16:creationId xmlns:a16="http://schemas.microsoft.com/office/drawing/2014/main" id="{0C71533A-4A29-47E2-A4D4-85E44356516A}"/>
               </a:ext>
             </a:extLst>
           </p:cNvPr>
@@ -6728,7 +6577,7 @@
           <a:lstStyle/>
           <a:p>
             <a:r>
-              <a:rPr lang="en-US" sz="1600" b="1" dirty="0" smtClean="0"/>
+              <a:rPr lang="en-US" sz="1600" b="1" dirty="0"/>
               <a:t>Source</a:t>
             </a:r>
           </a:p>
@@ -6780,13 +6629,6 @@
   <p:clrMapOvr>
     <a:masterClrMapping/>
   </p:clrMapOvr>
-  <p:timing>
-    <p:tnLst>
-      <p:par>
-        <p:cTn id="1" dur="indefinite" restart="never" nodeType="tmRoot"/>
-      </p:par>
-    </p:tnLst>
-  </p:timing>
 </p:sld>
 </file>
 
@@ -6812,7 +6654,7 @@
           <p:cNvPr id="2" name="Title 1">
             <a:extLst>
               <a:ext uri="{FF2B5EF4-FFF2-40B4-BE49-F238E27FC236}">
-                <a16:creationId xmlns:a16="http://schemas.microsoft.com/office/drawing/2014/main" xmlns="" id="{BDFAC13C-59B1-436E-B58F-C304E1C705CF}"/>
+                <a16:creationId xmlns:a16="http://schemas.microsoft.com/office/drawing/2014/main" id="{BDFAC13C-59B1-436E-B58F-C304E1C705CF}"/>
               </a:ext>
             </a:extLst>
           </p:cNvPr>
@@ -6836,10 +6678,9 @@
           <a:lstStyle/>
           <a:p>
             <a:r>
-              <a:rPr lang="en-US" u="sng" dirty="0" smtClean="0"/>
+              <a:rPr lang="en-US" u="sng" dirty="0"/>
               <a:t>npm install vs. npm ci</a:t>
             </a:r>
-            <a:endParaRPr lang="en-US" u="sng" dirty="0"/>
           </a:p>
         </p:txBody>
       </p:sp>
@@ -6848,7 +6689,7 @@
           <p:cNvPr id="3" name="Content Placeholder 2">
             <a:extLst>
               <a:ext uri="{FF2B5EF4-FFF2-40B4-BE49-F238E27FC236}">
-                <a16:creationId xmlns:a16="http://schemas.microsoft.com/office/drawing/2014/main" xmlns="" id="{844A3DC5-46BF-4BFF-8008-98FD467C4904}"/>
+                <a16:creationId xmlns:a16="http://schemas.microsoft.com/office/drawing/2014/main" id="{844A3DC5-46BF-4BFF-8008-98FD467C4904}"/>
               </a:ext>
             </a:extLst>
           </p:cNvPr>
@@ -6907,7 +6748,7 @@
             <a:pPr marL="0" indent="0">
               <a:buNone/>
             </a:pPr>
-            <a:endParaRPr lang="en-US" sz="1800" dirty="0" smtClean="0"/>
+            <a:endParaRPr lang="en-US" sz="1800" dirty="0"/>
           </a:p>
         </p:txBody>
       </p:sp>
@@ -6916,7 +6757,7 @@
           <p:cNvPr id="4" name="Rectangle 3">
             <a:extLst>
               <a:ext uri="{FF2B5EF4-FFF2-40B4-BE49-F238E27FC236}">
-                <a16:creationId xmlns:a16="http://schemas.microsoft.com/office/drawing/2014/main" xmlns="" id="{0C71533A-4A29-47E2-A4D4-85E44356516A}"/>
+                <a16:creationId xmlns:a16="http://schemas.microsoft.com/office/drawing/2014/main" id="{0C71533A-4A29-47E2-A4D4-85E44356516A}"/>
               </a:ext>
             </a:extLst>
           </p:cNvPr>
@@ -6939,7 +6780,7 @@
           <a:lstStyle/>
           <a:p>
             <a:r>
-              <a:rPr lang="en-US" sz="1600" b="1" dirty="0" smtClean="0"/>
+              <a:rPr lang="en-US" sz="1600" b="1" dirty="0"/>
               <a:t>Source</a:t>
             </a:r>
           </a:p>
@@ -6991,13 +6832,6 @@
   <p:clrMapOvr>
     <a:masterClrMapping/>
   </p:clrMapOvr>
-  <p:timing>
-    <p:tnLst>
-      <p:par>
-        <p:cTn id="1" dur="indefinite" restart="never" nodeType="tmRoot"/>
-      </p:par>
-    </p:tnLst>
-  </p:timing>
 </p:sld>
 </file>
 
@@ -7023,7 +6857,7 @@
           <p:cNvPr id="2" name="Title 1">
             <a:extLst>
               <a:ext uri="{FF2B5EF4-FFF2-40B4-BE49-F238E27FC236}">
-                <a16:creationId xmlns:a16="http://schemas.microsoft.com/office/drawing/2014/main" xmlns="" id="{BDFAC13C-59B1-436E-B58F-C304E1C705CF}"/>
+                <a16:creationId xmlns:a16="http://schemas.microsoft.com/office/drawing/2014/main" id="{BDFAC13C-59B1-436E-B58F-C304E1C705CF}"/>
               </a:ext>
             </a:extLst>
           </p:cNvPr>
@@ -7047,10 +6881,9 @@
           <a:lstStyle/>
           <a:p>
             <a:r>
-              <a:rPr lang="en-US" u="sng" dirty="0" smtClean="0"/>
+              <a:rPr lang="en-US" u="sng" dirty="0"/>
               <a:t>Objectives</a:t>
             </a:r>
-            <a:endParaRPr lang="en-US" u="sng" dirty="0"/>
           </a:p>
         </p:txBody>
       </p:sp>
@@ -7059,7 +6892,7 @@
           <p:cNvPr id="3" name="Content Placeholder 2">
             <a:extLst>
               <a:ext uri="{FF2B5EF4-FFF2-40B4-BE49-F238E27FC236}">
-                <a16:creationId xmlns:a16="http://schemas.microsoft.com/office/drawing/2014/main" xmlns="" id="{844A3DC5-46BF-4BFF-8008-98FD467C4904}"/>
+                <a16:creationId xmlns:a16="http://schemas.microsoft.com/office/drawing/2014/main" id="{844A3DC5-46BF-4BFF-8008-98FD467C4904}"/>
               </a:ext>
             </a:extLst>
           </p:cNvPr>
@@ -7083,28 +6916,27 @@
           <a:lstStyle/>
           <a:p>
             <a:r>
-              <a:rPr lang="en-US" sz="1800" dirty="0" smtClean="0"/>
+              <a:rPr lang="en-US" sz="1800" dirty="0"/>
               <a:t>What is NPM</a:t>
             </a:r>
           </a:p>
           <a:p>
             <a:r>
-              <a:rPr lang="en-US" sz="1800" dirty="0" smtClean="0"/>
+              <a:rPr lang="en-US" sz="1800" dirty="0"/>
               <a:t>How to run NPM</a:t>
             </a:r>
           </a:p>
           <a:p>
             <a:r>
-              <a:rPr lang="en-US" sz="1800" dirty="0" smtClean="0"/>
+              <a:rPr lang="en-US" sz="1800" dirty="0"/>
               <a:t>How to use major NPM commands</a:t>
             </a:r>
           </a:p>
           <a:p>
             <a:r>
-              <a:rPr lang="en-US" sz="1800" dirty="0" smtClean="0"/>
+              <a:rPr lang="en-US" sz="1800" dirty="0"/>
               <a:t>How to use major NPM packages</a:t>
             </a:r>
-            <a:endParaRPr lang="en-US" sz="1800" dirty="0"/>
           </a:p>
         </p:txBody>
       </p:sp>
@@ -7113,7 +6945,7 @@
           <p:cNvPr id="4" name="Rectangle 3">
             <a:extLst>
               <a:ext uri="{FF2B5EF4-FFF2-40B4-BE49-F238E27FC236}">
-                <a16:creationId xmlns:a16="http://schemas.microsoft.com/office/drawing/2014/main" xmlns="" id="{0C71533A-4A29-47E2-A4D4-85E44356516A}"/>
+                <a16:creationId xmlns:a16="http://schemas.microsoft.com/office/drawing/2014/main" id="{0C71533A-4A29-47E2-A4D4-85E44356516A}"/>
               </a:ext>
             </a:extLst>
           </p:cNvPr>
@@ -7188,13 +7020,6 @@
   <p:clrMapOvr>
     <a:masterClrMapping/>
   </p:clrMapOvr>
-  <p:timing>
-    <p:tnLst>
-      <p:par>
-        <p:cTn id="1" dur="indefinite" restart="never" nodeType="tmRoot"/>
-      </p:par>
-    </p:tnLst>
-  </p:timing>
 </p:sld>
 </file>
 
@@ -7220,7 +7045,7 @@
           <p:cNvPr id="2" name="Title 1">
             <a:extLst>
               <a:ext uri="{FF2B5EF4-FFF2-40B4-BE49-F238E27FC236}">
-                <a16:creationId xmlns:a16="http://schemas.microsoft.com/office/drawing/2014/main" xmlns="" id="{BDFAC13C-59B1-436E-B58F-C304E1C705CF}"/>
+                <a16:creationId xmlns:a16="http://schemas.microsoft.com/office/drawing/2014/main" id="{BDFAC13C-59B1-436E-B58F-C304E1C705CF}"/>
               </a:ext>
             </a:extLst>
           </p:cNvPr>
@@ -7244,10 +7069,9 @@
           <a:lstStyle/>
           <a:p>
             <a:r>
-              <a:rPr lang="en-US" u="sng" dirty="0" smtClean="0"/>
+              <a:rPr lang="en-US" u="sng" dirty="0"/>
               <a:t>npm install vs. npm ci – which to use?</a:t>
             </a:r>
-            <a:endParaRPr lang="en-US" u="sng" dirty="0"/>
           </a:p>
         </p:txBody>
       </p:sp>
@@ -7256,7 +7080,7 @@
           <p:cNvPr id="3" name="Content Placeholder 2">
             <a:extLst>
               <a:ext uri="{FF2B5EF4-FFF2-40B4-BE49-F238E27FC236}">
-                <a16:creationId xmlns:a16="http://schemas.microsoft.com/office/drawing/2014/main" xmlns="" id="{844A3DC5-46BF-4BFF-8008-98FD467C4904}"/>
+                <a16:creationId xmlns:a16="http://schemas.microsoft.com/office/drawing/2014/main" id="{844A3DC5-46BF-4BFF-8008-98FD467C4904}"/>
               </a:ext>
             </a:extLst>
           </p:cNvPr>
@@ -7330,7 +7154,6 @@
               <a:rPr lang="en-US" sz="1800" dirty="0"/>
               <a:t>You can only use npm install to install or update dependencies</a:t>
             </a:r>
-            <a:endParaRPr lang="en-US" sz="1800" dirty="0" smtClean="0"/>
           </a:p>
         </p:txBody>
       </p:sp>
@@ -7339,7 +7162,7 @@
           <p:cNvPr id="4" name="Rectangle 3">
             <a:extLst>
               <a:ext uri="{FF2B5EF4-FFF2-40B4-BE49-F238E27FC236}">
-                <a16:creationId xmlns:a16="http://schemas.microsoft.com/office/drawing/2014/main" xmlns="" id="{0C71533A-4A29-47E2-A4D4-85E44356516A}"/>
+                <a16:creationId xmlns:a16="http://schemas.microsoft.com/office/drawing/2014/main" id="{0C71533A-4A29-47E2-A4D4-85E44356516A}"/>
               </a:ext>
             </a:extLst>
           </p:cNvPr>
@@ -7362,7 +7185,7 @@
           <a:lstStyle/>
           <a:p>
             <a:r>
-              <a:rPr lang="en-US" sz="1600" b="1" dirty="0" smtClean="0"/>
+              <a:rPr lang="en-US" sz="1600" b="1" dirty="0"/>
               <a:t>Source</a:t>
             </a:r>
           </a:p>
@@ -7414,13 +7237,6 @@
   <p:clrMapOvr>
     <a:masterClrMapping/>
   </p:clrMapOvr>
-  <p:timing>
-    <p:tnLst>
-      <p:par>
-        <p:cTn id="1" dur="indefinite" restart="never" nodeType="tmRoot"/>
-      </p:par>
-    </p:tnLst>
-  </p:timing>
 </p:sld>
 </file>
 
@@ -7446,7 +7262,7 @@
           <p:cNvPr id="2" name="Title 1">
             <a:extLst>
               <a:ext uri="{FF2B5EF4-FFF2-40B4-BE49-F238E27FC236}">
-                <a16:creationId xmlns:a16="http://schemas.microsoft.com/office/drawing/2014/main" xmlns="" id="{BDFAC13C-59B1-436E-B58F-C304E1C705CF}"/>
+                <a16:creationId xmlns:a16="http://schemas.microsoft.com/office/drawing/2014/main" id="{BDFAC13C-59B1-436E-B58F-C304E1C705CF}"/>
               </a:ext>
             </a:extLst>
           </p:cNvPr>
@@ -7470,10 +7286,9 @@
           <a:lstStyle/>
           <a:p>
             <a:r>
-              <a:rPr lang="en-US" u="sng" dirty="0" smtClean="0"/>
+              <a:rPr lang="en-US" u="sng" dirty="0"/>
               <a:t>NPM nodemon Package</a:t>
             </a:r>
-            <a:endParaRPr lang="en-US" u="sng" dirty="0"/>
           </a:p>
         </p:txBody>
       </p:sp>
@@ -7482,7 +7297,7 @@
           <p:cNvPr id="3" name="Content Placeholder 2">
             <a:extLst>
               <a:ext uri="{FF2B5EF4-FFF2-40B4-BE49-F238E27FC236}">
-                <a16:creationId xmlns:a16="http://schemas.microsoft.com/office/drawing/2014/main" xmlns="" id="{844A3DC5-46BF-4BFF-8008-98FD467C4904}"/>
+                <a16:creationId xmlns:a16="http://schemas.microsoft.com/office/drawing/2014/main" id="{844A3DC5-46BF-4BFF-8008-98FD467C4904}"/>
               </a:ext>
             </a:extLst>
           </p:cNvPr>
@@ -7507,21 +7322,13 @@
           <a:p>
             <a:r>
               <a:rPr lang="en-US" sz="1800" dirty="0"/>
-              <a:t>nodemon is a tool that helps develop node.js based applications by automatically restarting the node application when file changes in the directory are </a:t>
-            </a:r>
-            <a:r>
-              <a:rPr lang="en-US" sz="1800" dirty="0" smtClean="0"/>
-              <a:t>detected</a:t>
+              <a:t>nodemon is a tool that helps develop node.js based applications by automatically restarting the node application when file changes in the directory are detected</a:t>
             </a:r>
           </a:p>
           <a:p>
             <a:r>
               <a:rPr lang="en-US" sz="1800" dirty="0"/>
-              <a:t>nodemon does not require any additional changes to your code or method of development. nodemon is a replacement wrapper for </a:t>
-            </a:r>
-            <a:r>
-              <a:rPr lang="en-US" sz="1800" dirty="0" smtClean="0"/>
-              <a:t>node</a:t>
+              <a:t>nodemon does not require any additional changes to your code or method of development. nodemon is a replacement wrapper for node</a:t>
             </a:r>
           </a:p>
           <a:p>
@@ -7536,23 +7343,8 @@
               <a:rPr lang="en-US" sz="1800" dirty="0">
                 <a:latin typeface="Consolas" panose="020B0609020204030204" pitchFamily="49" charset="0"/>
               </a:rPr>
-              <a:t>npm </a:t>
-            </a:r>
-            <a:r>
-              <a:rPr lang="en-US" sz="1800" dirty="0" smtClean="0">
-                <a:latin typeface="Consolas" panose="020B0609020204030204" pitchFamily="49" charset="0"/>
-              </a:rPr>
-              <a:t>i </a:t>
-            </a:r>
-            <a:r>
-              <a:rPr lang="en-US" sz="1800" dirty="0">
-                <a:latin typeface="Consolas" panose="020B0609020204030204" pitchFamily="49" charset="0"/>
-              </a:rPr>
-              <a:t>-g nodemon</a:t>
-            </a:r>
-            <a:endParaRPr lang="en-US" sz="1800" dirty="0" smtClean="0">
-              <a:latin typeface="Consolas" panose="020B0609020204030204" pitchFamily="49" charset="0"/>
-            </a:endParaRPr>
+              <a:t>npm i -g nodemon</a:t>
+            </a:r>
           </a:p>
         </p:txBody>
       </p:sp>
@@ -7561,7 +7353,7 @@
           <p:cNvPr id="4" name="Rectangle 3">
             <a:extLst>
               <a:ext uri="{FF2B5EF4-FFF2-40B4-BE49-F238E27FC236}">
-                <a16:creationId xmlns:a16="http://schemas.microsoft.com/office/drawing/2014/main" xmlns="" id="{0C71533A-4A29-47E2-A4D4-85E44356516A}"/>
+                <a16:creationId xmlns:a16="http://schemas.microsoft.com/office/drawing/2014/main" id="{0C71533A-4A29-47E2-A4D4-85E44356516A}"/>
               </a:ext>
             </a:extLst>
           </p:cNvPr>
@@ -7584,7 +7376,7 @@
           <a:lstStyle/>
           <a:p>
             <a:r>
-              <a:rPr lang="en-US" sz="1600" b="1" dirty="0" smtClean="0"/>
+              <a:rPr lang="en-US" sz="1600" b="1" dirty="0"/>
               <a:t>Source</a:t>
             </a:r>
           </a:p>
@@ -7636,13 +7428,6 @@
   <p:clrMapOvr>
     <a:masterClrMapping/>
   </p:clrMapOvr>
-  <p:timing>
-    <p:tnLst>
-      <p:par>
-        <p:cTn id="1" dur="indefinite" restart="never" nodeType="tmRoot"/>
-      </p:par>
-    </p:tnLst>
-  </p:timing>
 </p:sld>
 </file>
 
@@ -7668,7 +7453,7 @@
           <p:cNvPr id="2" name="Title 1">
             <a:extLst>
               <a:ext uri="{FF2B5EF4-FFF2-40B4-BE49-F238E27FC236}">
-                <a16:creationId xmlns:a16="http://schemas.microsoft.com/office/drawing/2014/main" xmlns="" id="{BDFAC13C-59B1-436E-B58F-C304E1C705CF}"/>
+                <a16:creationId xmlns:a16="http://schemas.microsoft.com/office/drawing/2014/main" id="{BDFAC13C-59B1-436E-B58F-C304E1C705CF}"/>
               </a:ext>
             </a:extLst>
           </p:cNvPr>
@@ -7692,10 +7477,9 @@
           <a:lstStyle/>
           <a:p>
             <a:r>
-              <a:rPr lang="en-US" u="sng" dirty="0" smtClean="0"/>
+              <a:rPr lang="en-US" u="sng" dirty="0"/>
               <a:t>NPM debug Package</a:t>
             </a:r>
-            <a:endParaRPr lang="en-US" u="sng" dirty="0"/>
           </a:p>
         </p:txBody>
       </p:sp>
@@ -7704,7 +7488,7 @@
           <p:cNvPr id="3" name="Content Placeholder 2">
             <a:extLst>
               <a:ext uri="{FF2B5EF4-FFF2-40B4-BE49-F238E27FC236}">
-                <a16:creationId xmlns:a16="http://schemas.microsoft.com/office/drawing/2014/main" xmlns="" id="{844A3DC5-46BF-4BFF-8008-98FD467C4904}"/>
+                <a16:creationId xmlns:a16="http://schemas.microsoft.com/office/drawing/2014/main" id="{844A3DC5-46BF-4BFF-8008-98FD467C4904}"/>
               </a:ext>
             </a:extLst>
           </p:cNvPr>
@@ -7728,56 +7512,29 @@
           <a:lstStyle/>
           <a:p>
             <a:r>
-              <a:rPr lang="en-US" sz="1800" dirty="0" smtClean="0"/>
-              <a:t>debug is a </a:t>
-            </a:r>
-            <a:r>
               <a:rPr lang="en-US" sz="1800" dirty="0"/>
-              <a:t>JavaScript debugging utility modelled after Node.js core's debugging technique. Works in Node.js and web </a:t>
-            </a:r>
-            <a:r>
-              <a:rPr lang="en-US" sz="1800" dirty="0" smtClean="0"/>
-              <a:t>browsers</a:t>
+              <a:t>debug is a JavaScript debugging utility modelled after Node.js core's debugging technique. Works in Node.js and web browsers</a:t>
             </a:r>
           </a:p>
           <a:p>
             <a:r>
               <a:rPr lang="en-US" sz="1800" dirty="0"/>
-              <a:t>debug exposes a </a:t>
-            </a:r>
-            <a:r>
-              <a:rPr lang="en-US" sz="1800" dirty="0" smtClean="0"/>
-              <a:t>function.  You pass </a:t>
-            </a:r>
+              <a:t>debug exposes a function.  You pass this function the name of your module, and it will return a decorated version of console.error for you to pass debug statements to. This will allow you to toggle the debug output for different parts of your module as well </a:t>
+            </a:r>
+          </a:p>
+          <a:p>
+            <a:pPr marL="169863" indent="0">
+              <a:buNone/>
+            </a:pPr>
             <a:r>
               <a:rPr lang="en-US" sz="1800" dirty="0"/>
-              <a:t>this function the name of your module, and it will return a decorated version of console.error for you to pass debug statements to. This will allow you to toggle the debug output for different parts of your module as well </a:t>
-            </a:r>
-            <a:endParaRPr lang="en-US" sz="1800" dirty="0" smtClean="0"/>
-          </a:p>
-          <a:p>
-            <a:pPr marL="169863" indent="0">
-              <a:buNone/>
-            </a:pPr>
-            <a:r>
-              <a:rPr lang="en-US" sz="1800" dirty="0" smtClean="0"/>
-              <a:t>Syntax</a:t>
-            </a:r>
-            <a:r>
-              <a:rPr lang="en-US" sz="1800" dirty="0"/>
-              <a:t>: </a:t>
+              <a:t>Syntax: </a:t>
             </a:r>
             <a:r>
               <a:rPr lang="en-US" sz="1800" dirty="0">
                 <a:latin typeface="Consolas" panose="020B0609020204030204" pitchFamily="49" charset="0"/>
               </a:rPr>
-              <a:t>npm </a:t>
-            </a:r>
-            <a:r>
-              <a:rPr lang="en-US" sz="1800" dirty="0" smtClean="0">
-                <a:latin typeface="Consolas" panose="020B0609020204030204" pitchFamily="49" charset="0"/>
-              </a:rPr>
-              <a:t>i debug</a:t>
+              <a:t>npm i debug</a:t>
             </a:r>
           </a:p>
         </p:txBody>
@@ -7787,7 +7544,7 @@
           <p:cNvPr id="4" name="Rectangle 3">
             <a:extLst>
               <a:ext uri="{FF2B5EF4-FFF2-40B4-BE49-F238E27FC236}">
-                <a16:creationId xmlns:a16="http://schemas.microsoft.com/office/drawing/2014/main" xmlns="" id="{0C71533A-4A29-47E2-A4D4-85E44356516A}"/>
+                <a16:creationId xmlns:a16="http://schemas.microsoft.com/office/drawing/2014/main" id="{0C71533A-4A29-47E2-A4D4-85E44356516A}"/>
               </a:ext>
             </a:extLst>
           </p:cNvPr>
@@ -7810,7 +7567,7 @@
           <a:lstStyle/>
           <a:p>
             <a:r>
-              <a:rPr lang="en-US" sz="1600" b="1" dirty="0" smtClean="0"/>
+              <a:rPr lang="en-US" sz="1600" b="1" dirty="0"/>
               <a:t>Source</a:t>
             </a:r>
           </a:p>
@@ -7819,16 +7576,10 @@
               <a:rPr lang="en-US" sz="1600" dirty="0">
                 <a:hlinkClick r:id="rId2"/>
               </a:rPr>
-              <a:t>https://</a:t>
-            </a:r>
-            <a:r>
-              <a:rPr lang="en-US" sz="1600" dirty="0" smtClean="0">
-                <a:hlinkClick r:id="rId2"/>
-              </a:rPr>
-              <a:t>www.npmjs.com/package/debug</a:t>
-            </a:r>
-            <a:r>
-              <a:rPr lang="en-US" sz="1600" dirty="0" smtClean="0"/>
+              <a:t>https://www.npmjs.com/package/debug</a:t>
+            </a:r>
+            <a:r>
+              <a:rPr lang="en-US" sz="1600" dirty="0"/>
               <a:t> </a:t>
             </a:r>
             <a:endParaRPr lang="en-US" sz="1600" dirty="0">
@@ -7872,13 +7623,6 @@
   <p:clrMapOvr>
     <a:masterClrMapping/>
   </p:clrMapOvr>
-  <p:timing>
-    <p:tnLst>
-      <p:par>
-        <p:cTn id="1" dur="indefinite" restart="never" nodeType="tmRoot"/>
-      </p:par>
-    </p:tnLst>
-  </p:timing>
 </p:sld>
 </file>
 
@@ -7904,7 +7648,7 @@
           <p:cNvPr id="2" name="Title 1">
             <a:extLst>
               <a:ext uri="{FF2B5EF4-FFF2-40B4-BE49-F238E27FC236}">
-                <a16:creationId xmlns:a16="http://schemas.microsoft.com/office/drawing/2014/main" xmlns="" id="{BDFAC13C-59B1-436E-B58F-C304E1C705CF}"/>
+                <a16:creationId xmlns:a16="http://schemas.microsoft.com/office/drawing/2014/main" id="{BDFAC13C-59B1-436E-B58F-C304E1C705CF}"/>
               </a:ext>
             </a:extLst>
           </p:cNvPr>
@@ -7928,10 +7672,9 @@
           <a:lstStyle/>
           <a:p>
             <a:r>
-              <a:rPr lang="en-US" u="sng" dirty="0" smtClean="0"/>
+              <a:rPr lang="en-US" u="sng" dirty="0"/>
               <a:t>NPM dotenv Package</a:t>
             </a:r>
-            <a:endParaRPr lang="en-US" u="sng" dirty="0"/>
           </a:p>
         </p:txBody>
       </p:sp>
@@ -7940,7 +7683,7 @@
           <p:cNvPr id="3" name="Content Placeholder 2">
             <a:extLst>
               <a:ext uri="{FF2B5EF4-FFF2-40B4-BE49-F238E27FC236}">
-                <a16:creationId xmlns:a16="http://schemas.microsoft.com/office/drawing/2014/main" xmlns="" id="{844A3DC5-46BF-4BFF-8008-98FD467C4904}"/>
+                <a16:creationId xmlns:a16="http://schemas.microsoft.com/office/drawing/2014/main" id="{844A3DC5-46BF-4BFF-8008-98FD467C4904}"/>
               </a:ext>
             </a:extLst>
           </p:cNvPr>
@@ -7964,67 +7707,29 @@
           <a:lstStyle/>
           <a:p>
             <a:r>
-              <a:rPr lang="en-US" sz="1800" dirty="0" smtClean="0"/>
-              <a:t>dotenv</a:t>
-            </a:r>
-            <a:r>
               <a:rPr lang="en-US" sz="1800" dirty="0"/>
-              <a:t> is a zero-dependency module that loads environment variables from a .env file into </a:t>
-            </a:r>
-            <a:r>
-              <a:rPr lang="en-US" sz="1800" dirty="0" smtClean="0"/>
-              <a:t>process.env </a:t>
+              <a:t>dotenv is a zero-dependency module that loads environment variables from a .env file into process.env </a:t>
             </a:r>
           </a:p>
           <a:p>
             <a:r>
               <a:rPr lang="en-US" sz="1800" dirty="0"/>
-              <a:t>The process.env global variable is injected by the Node at runtime for </a:t>
-            </a:r>
-            <a:r>
-              <a:rPr lang="en-US" sz="1800" dirty="0" smtClean="0"/>
-              <a:t>the application to use.  It represents </a:t>
-            </a:r>
+              <a:t>The process.env global variable is injected by the Node at runtime for the application to use.  It represents the state of the system environment the application is in when it starts</a:t>
+            </a:r>
+          </a:p>
+          <a:p>
+            <a:pPr marL="169863" indent="0">
+              <a:buNone/>
+            </a:pPr>
             <a:r>
               <a:rPr lang="en-US" sz="1800" dirty="0"/>
-              <a:t>the state of the system environment </a:t>
-            </a:r>
-            <a:r>
-              <a:rPr lang="en-US" sz="1800" dirty="0" smtClean="0"/>
-              <a:t>the application </a:t>
-            </a:r>
-            <a:r>
-              <a:rPr lang="en-US" sz="1800" dirty="0"/>
-              <a:t>is in when it </a:t>
-            </a:r>
-            <a:r>
-              <a:rPr lang="en-US" sz="1800" dirty="0" smtClean="0"/>
-              <a:t>starts</a:t>
-            </a:r>
-          </a:p>
-          <a:p>
-            <a:pPr marL="169863" indent="0">
-              <a:buNone/>
-            </a:pPr>
-            <a:r>
-              <a:rPr lang="en-US" sz="1800" dirty="0" smtClean="0"/>
-              <a:t>Syntax</a:t>
-            </a:r>
-            <a:r>
-              <a:rPr lang="en-US" sz="1800" dirty="0"/>
-              <a:t>: </a:t>
+              <a:t>Syntax: </a:t>
             </a:r>
             <a:r>
               <a:rPr lang="en-US" sz="1800" dirty="0">
                 <a:latin typeface="Consolas" panose="020B0609020204030204" pitchFamily="49" charset="0"/>
               </a:rPr>
-              <a:t>npm </a:t>
-            </a:r>
-            <a:r>
-              <a:rPr lang="en-US" sz="1800" dirty="0" smtClean="0">
-                <a:latin typeface="Consolas" panose="020B0609020204030204" pitchFamily="49" charset="0"/>
-              </a:rPr>
-              <a:t>i dotenv</a:t>
+              <a:t>npm i dotenv</a:t>
             </a:r>
           </a:p>
         </p:txBody>
@@ -8034,7 +7739,7 @@
           <p:cNvPr id="4" name="Rectangle 3">
             <a:extLst>
               <a:ext uri="{FF2B5EF4-FFF2-40B4-BE49-F238E27FC236}">
-                <a16:creationId xmlns:a16="http://schemas.microsoft.com/office/drawing/2014/main" xmlns="" id="{0C71533A-4A29-47E2-A4D4-85E44356516A}"/>
+                <a16:creationId xmlns:a16="http://schemas.microsoft.com/office/drawing/2014/main" id="{0C71533A-4A29-47E2-A4D4-85E44356516A}"/>
               </a:ext>
             </a:extLst>
           </p:cNvPr>
@@ -8057,7 +7762,7 @@
           <a:lstStyle/>
           <a:p>
             <a:r>
-              <a:rPr lang="en-US" sz="1600" b="1" dirty="0" smtClean="0"/>
+              <a:rPr lang="en-US" sz="1600" b="1" dirty="0"/>
               <a:t>Source</a:t>
             </a:r>
           </a:p>
@@ -8066,16 +7771,10 @@
               <a:rPr lang="en-US" sz="1600" dirty="0">
                 <a:hlinkClick r:id="rId2"/>
               </a:rPr>
-              <a:t>https://</a:t>
-            </a:r>
-            <a:r>
-              <a:rPr lang="en-US" sz="1600" dirty="0" smtClean="0">
-                <a:hlinkClick r:id="rId2"/>
-              </a:rPr>
-              <a:t>www.npmjs.com/package/dotenv</a:t>
-            </a:r>
-            <a:r>
-              <a:rPr lang="en-US" sz="1600" dirty="0" smtClean="0"/>
+              <a:t>https://www.npmjs.com/package/dotenv</a:t>
+            </a:r>
+            <a:r>
+              <a:rPr lang="en-US" sz="1600" dirty="0"/>
               <a:t>  </a:t>
             </a:r>
             <a:endParaRPr lang="en-US" sz="1600" dirty="0">
@@ -8119,13 +7818,6 @@
   <p:clrMapOvr>
     <a:masterClrMapping/>
   </p:clrMapOvr>
-  <p:timing>
-    <p:tnLst>
-      <p:par>
-        <p:cTn id="1" dur="indefinite" restart="never" nodeType="tmRoot"/>
-      </p:par>
-    </p:tnLst>
-  </p:timing>
 </p:sld>
 </file>
 
@@ -8151,7 +7843,7 @@
           <p:cNvPr id="2" name="Title 1">
             <a:extLst>
               <a:ext uri="{FF2B5EF4-FFF2-40B4-BE49-F238E27FC236}">
-                <a16:creationId xmlns:a16="http://schemas.microsoft.com/office/drawing/2014/main" xmlns="" id="{BDFAC13C-59B1-436E-B58F-C304E1C705CF}"/>
+                <a16:creationId xmlns:a16="http://schemas.microsoft.com/office/drawing/2014/main" id="{BDFAC13C-59B1-436E-B58F-C304E1C705CF}"/>
               </a:ext>
             </a:extLst>
           </p:cNvPr>
@@ -8175,10 +7867,9 @@
           <a:lstStyle/>
           <a:p>
             <a:r>
-              <a:rPr lang="en-US" u="sng" dirty="0" smtClean="0"/>
+              <a:rPr lang="en-US" u="sng" dirty="0"/>
               <a:t>NPM express Package</a:t>
             </a:r>
-            <a:endParaRPr lang="en-US" u="sng" dirty="0"/>
           </a:p>
         </p:txBody>
       </p:sp>
@@ -8187,7 +7878,7 @@
           <p:cNvPr id="3" name="Content Placeholder 2">
             <a:extLst>
               <a:ext uri="{FF2B5EF4-FFF2-40B4-BE49-F238E27FC236}">
-                <a16:creationId xmlns:a16="http://schemas.microsoft.com/office/drawing/2014/main" xmlns="" id="{844A3DC5-46BF-4BFF-8008-98FD467C4904}"/>
+                <a16:creationId xmlns:a16="http://schemas.microsoft.com/office/drawing/2014/main" id="{844A3DC5-46BF-4BFF-8008-98FD467C4904}"/>
               </a:ext>
             </a:extLst>
           </p:cNvPr>
@@ -8212,29 +7903,18 @@
           <a:p>
             <a:r>
               <a:rPr lang="en-US" sz="2600" dirty="0"/>
-              <a:t>express is defined as a fast, unopinionated, minimalist web framework for </a:t>
-            </a:r>
-            <a:r>
-              <a:rPr lang="en-US" sz="2600" dirty="0" smtClean="0"/>
-              <a:t>node, syntax:</a:t>
-            </a:r>
-            <a:endParaRPr lang="en-US" sz="2600" dirty="0"/>
+              <a:t>express is defined as a fast, unopinionated, minimalist web framework for node, syntax:</a:t>
+            </a:r>
           </a:p>
           <a:p>
             <a:pPr marL="169863" indent="0">
               <a:buNone/>
             </a:pPr>
-            <a:r>
-              <a:rPr lang="en-US" sz="2300" dirty="0" smtClean="0">
-                <a:latin typeface="Consolas" panose="020B0609020204030204" pitchFamily="49" charset="0"/>
-              </a:rPr>
-              <a:t>const </a:t>
-            </a:r>
             <a:r>
               <a:rPr lang="en-US" sz="2300" dirty="0">
                 <a:latin typeface="Consolas" panose="020B0609020204030204" pitchFamily="49" charset="0"/>
               </a:rPr>
-              <a:t>express = require('express')</a:t>
+              <a:t>const express = require('express')</a:t>
             </a:r>
           </a:p>
           <a:p>
@@ -8256,19 +7936,7 @@
               <a:rPr lang="en-US" sz="2300" dirty="0">
                 <a:latin typeface="Consolas" panose="020B0609020204030204" pitchFamily="49" charset="0"/>
               </a:rPr>
-              <a:t> </a:t>
-            </a:r>
-            <a:r>
-              <a:rPr lang="en-US" sz="2300" dirty="0" smtClean="0">
-                <a:latin typeface="Consolas" panose="020B0609020204030204" pitchFamily="49" charset="0"/>
-              </a:rPr>
-              <a:t>app.get</a:t>
-            </a:r>
-            <a:r>
-              <a:rPr lang="en-US" sz="2300" dirty="0">
-                <a:latin typeface="Consolas" panose="020B0609020204030204" pitchFamily="49" charset="0"/>
-              </a:rPr>
-              <a:t>('/', function (req, res) {</a:t>
+              <a:t> app.get('/', function (req, res) {</a:t>
             </a:r>
           </a:p>
           <a:p>
@@ -8314,9 +7982,6 @@
               </a:rPr>
               <a:t>app.listen(3000)</a:t>
             </a:r>
-            <a:endParaRPr lang="en-US" sz="2300" dirty="0" smtClean="0">
-              <a:latin typeface="Consolas" panose="020B0609020204030204" pitchFamily="49" charset="0"/>
-            </a:endParaRPr>
           </a:p>
         </p:txBody>
       </p:sp>
@@ -8325,7 +7990,7 @@
           <p:cNvPr id="4" name="Rectangle 3">
             <a:extLst>
               <a:ext uri="{FF2B5EF4-FFF2-40B4-BE49-F238E27FC236}">
-                <a16:creationId xmlns:a16="http://schemas.microsoft.com/office/drawing/2014/main" xmlns="" id="{0C71533A-4A29-47E2-A4D4-85E44356516A}"/>
+                <a16:creationId xmlns:a16="http://schemas.microsoft.com/office/drawing/2014/main" id="{0C71533A-4A29-47E2-A4D4-85E44356516A}"/>
               </a:ext>
             </a:extLst>
           </p:cNvPr>
@@ -8348,7 +8013,7 @@
           <a:lstStyle/>
           <a:p>
             <a:r>
-              <a:rPr lang="en-US" sz="1600" b="1" dirty="0" smtClean="0"/>
+              <a:rPr lang="en-US" sz="1600" b="1" dirty="0"/>
               <a:t>Source</a:t>
             </a:r>
           </a:p>
@@ -8357,16 +8022,10 @@
               <a:rPr lang="en-US" sz="1600" dirty="0">
                 <a:hlinkClick r:id="rId2"/>
               </a:rPr>
-              <a:t>https://</a:t>
-            </a:r>
-            <a:r>
-              <a:rPr lang="en-US" sz="1600" dirty="0" smtClean="0">
-                <a:hlinkClick r:id="rId2"/>
-              </a:rPr>
-              <a:t>www.npmjs.com/package/express</a:t>
-            </a:r>
-            <a:r>
-              <a:rPr lang="en-US" sz="1600" dirty="0" smtClean="0"/>
+              <a:t>https://www.npmjs.com/package/express</a:t>
+            </a:r>
+            <a:r>
+              <a:rPr lang="en-US" sz="1600" dirty="0"/>
               <a:t>  </a:t>
             </a:r>
             <a:endParaRPr lang="en-US" sz="1600" dirty="0">
@@ -8410,13 +8069,6 @@
   <p:clrMapOvr>
     <a:masterClrMapping/>
   </p:clrMapOvr>
-  <p:timing>
-    <p:tnLst>
-      <p:par>
-        <p:cTn id="1" dur="indefinite" restart="never" nodeType="tmRoot"/>
-      </p:par>
-    </p:tnLst>
-  </p:timing>
 </p:sld>
 </file>
 
@@ -8442,7 +8094,7 @@
           <p:cNvPr id="2" name="Title 1">
             <a:extLst>
               <a:ext uri="{FF2B5EF4-FFF2-40B4-BE49-F238E27FC236}">
-                <a16:creationId xmlns:a16="http://schemas.microsoft.com/office/drawing/2014/main" xmlns="" id="{BDFAC13C-59B1-436E-B58F-C304E1C705CF}"/>
+                <a16:creationId xmlns:a16="http://schemas.microsoft.com/office/drawing/2014/main" id="{BDFAC13C-59B1-436E-B58F-C304E1C705CF}"/>
               </a:ext>
             </a:extLst>
           </p:cNvPr>
@@ -8466,10 +8118,9 @@
           <a:lstStyle/>
           <a:p>
             <a:r>
-              <a:rPr lang="en-US" u="sng" dirty="0" smtClean="0"/>
+              <a:rPr lang="en-US" u="sng" dirty="0"/>
               <a:t>NPM serve-favicon Package</a:t>
             </a:r>
-            <a:endParaRPr lang="en-US" u="sng" dirty="0"/>
           </a:p>
         </p:txBody>
       </p:sp>
@@ -8478,7 +8129,7 @@
           <p:cNvPr id="3" name="Content Placeholder 2">
             <a:extLst>
               <a:ext uri="{FF2B5EF4-FFF2-40B4-BE49-F238E27FC236}">
-                <a16:creationId xmlns:a16="http://schemas.microsoft.com/office/drawing/2014/main" xmlns="" id="{844A3DC5-46BF-4BFF-8008-98FD467C4904}"/>
+                <a16:creationId xmlns:a16="http://schemas.microsoft.com/office/drawing/2014/main" id="{844A3DC5-46BF-4BFF-8008-98FD467C4904}"/>
               </a:ext>
             </a:extLst>
           </p:cNvPr>
@@ -8502,30 +8153,27 @@
           <a:lstStyle/>
           <a:p>
             <a:r>
-              <a:rPr lang="en-US" sz="1800" dirty="0" smtClean="0"/>
+              <a:rPr lang="en-US" sz="1800" dirty="0"/>
               <a:t>The serve-favicon package is Node.js middleware for serving a favicon.  A favicon is a visual cue that client software, like browsers, use to identify a site </a:t>
             </a:r>
           </a:p>
           <a:p>
             <a:r>
-              <a:rPr lang="en-US" sz="1800" dirty="0" smtClean="0"/>
+              <a:rPr lang="en-US" sz="1800" dirty="0"/>
               <a:t>Syntax:</a:t>
             </a:r>
             <a:r>
-              <a:rPr lang="en-US" sz="2300" dirty="0" smtClean="0">
+              <a:rPr lang="en-US" sz="2300" dirty="0">
                 <a:latin typeface="Consolas" panose="020B0609020204030204" pitchFamily="49" charset="0"/>
               </a:rPr>
               <a:t> </a:t>
             </a:r>
             <a:r>
-              <a:rPr lang="en-US" sz="1800" dirty="0" smtClean="0">
+              <a:rPr lang="en-US" sz="1800" dirty="0">
                 <a:latin typeface="Consolas" panose="020B0609020204030204" pitchFamily="49" charset="0"/>
               </a:rPr>
               <a:t>npm i serve-favicon</a:t>
             </a:r>
-            <a:endParaRPr lang="en-US" sz="1800" dirty="0">
-              <a:latin typeface="Consolas" panose="020B0609020204030204" pitchFamily="49" charset="0"/>
-            </a:endParaRPr>
           </a:p>
         </p:txBody>
       </p:sp>
@@ -8534,7 +8182,7 @@
           <p:cNvPr id="4" name="Rectangle 3">
             <a:extLst>
               <a:ext uri="{FF2B5EF4-FFF2-40B4-BE49-F238E27FC236}">
-                <a16:creationId xmlns:a16="http://schemas.microsoft.com/office/drawing/2014/main" xmlns="" id="{0C71533A-4A29-47E2-A4D4-85E44356516A}"/>
+                <a16:creationId xmlns:a16="http://schemas.microsoft.com/office/drawing/2014/main" id="{0C71533A-4A29-47E2-A4D4-85E44356516A}"/>
               </a:ext>
             </a:extLst>
           </p:cNvPr>
@@ -8557,7 +8205,7 @@
           <a:lstStyle/>
           <a:p>
             <a:r>
-              <a:rPr lang="en-US" sz="1600" b="1" dirty="0" smtClean="0"/>
+              <a:rPr lang="en-US" sz="1600" b="1" dirty="0"/>
               <a:t>Source</a:t>
             </a:r>
           </a:p>
@@ -8566,16 +8214,10 @@
               <a:rPr lang="en-US" sz="1600" dirty="0">
                 <a:hlinkClick r:id="rId2"/>
               </a:rPr>
-              <a:t>https://</a:t>
-            </a:r>
-            <a:r>
-              <a:rPr lang="en-US" sz="1600" dirty="0" smtClean="0">
-                <a:hlinkClick r:id="rId2"/>
-              </a:rPr>
-              <a:t>www.npmjs.com/package/serve-favicon</a:t>
-            </a:r>
-            <a:r>
-              <a:rPr lang="en-US" sz="1600" dirty="0" smtClean="0"/>
+              <a:t>https://www.npmjs.com/package/serve-favicon</a:t>
+            </a:r>
+            <a:r>
+              <a:rPr lang="en-US" sz="1600" dirty="0"/>
               <a:t> </a:t>
             </a:r>
             <a:endParaRPr lang="en-US" sz="1600" dirty="0">
@@ -8619,13 +8261,6 @@
   <p:clrMapOvr>
     <a:masterClrMapping/>
   </p:clrMapOvr>
-  <p:timing>
-    <p:tnLst>
-      <p:par>
-        <p:cTn id="1" dur="indefinite" restart="never" nodeType="tmRoot"/>
-      </p:par>
-    </p:tnLst>
-  </p:timing>
 </p:sld>
 </file>
 
@@ -8651,7 +8286,7 @@
           <p:cNvPr id="2" name="Title 1">
             <a:extLst>
               <a:ext uri="{FF2B5EF4-FFF2-40B4-BE49-F238E27FC236}">
-                <a16:creationId xmlns:a16="http://schemas.microsoft.com/office/drawing/2014/main" xmlns="" id="{BDFAC13C-59B1-436E-B58F-C304E1C705CF}"/>
+                <a16:creationId xmlns:a16="http://schemas.microsoft.com/office/drawing/2014/main" id="{BDFAC13C-59B1-436E-B58F-C304E1C705CF}"/>
               </a:ext>
             </a:extLst>
           </p:cNvPr>
@@ -8675,10 +8310,9 @@
           <a:lstStyle/>
           <a:p>
             <a:r>
-              <a:rPr lang="en-US" u="sng" dirty="0" smtClean="0"/>
+              <a:rPr lang="en-US" u="sng" dirty="0"/>
               <a:t>NPM helmet Package</a:t>
             </a:r>
-            <a:endParaRPr lang="en-US" u="sng" dirty="0"/>
           </a:p>
         </p:txBody>
       </p:sp>
@@ -8687,7 +8321,7 @@
           <p:cNvPr id="3" name="Content Placeholder 2">
             <a:extLst>
               <a:ext uri="{FF2B5EF4-FFF2-40B4-BE49-F238E27FC236}">
-                <a16:creationId xmlns:a16="http://schemas.microsoft.com/office/drawing/2014/main" xmlns="" id="{844A3DC5-46BF-4BFF-8008-98FD467C4904}"/>
+                <a16:creationId xmlns:a16="http://schemas.microsoft.com/office/drawing/2014/main" id="{844A3DC5-46BF-4BFF-8008-98FD467C4904}"/>
               </a:ext>
             </a:extLst>
           </p:cNvPr>
@@ -8711,20 +8345,8 @@
           <a:lstStyle/>
           <a:p>
             <a:r>
-              <a:rPr lang="en-US" sz="1800" dirty="0" smtClean="0"/>
-              <a:t>The helmet package </a:t>
-            </a:r>
-            <a:r>
               <a:rPr lang="en-US" sz="1800" dirty="0"/>
-              <a:t>helps </a:t>
-            </a:r>
-            <a:r>
-              <a:rPr lang="en-US" sz="1800" dirty="0" smtClean="0"/>
-              <a:t>secure Express </a:t>
-            </a:r>
-            <a:r>
-              <a:rPr lang="en-US" sz="1800" dirty="0"/>
-              <a:t>apps by setting various HTTP headers</a:t>
+              <a:t>The helmet package helps secure Express apps by setting various HTTP headers</a:t>
             </a:r>
           </a:p>
           <a:p>
@@ -8738,24 +8360,21 @@
               <a:buNone/>
             </a:pPr>
             <a:r>
-              <a:rPr lang="en-US" sz="1800" dirty="0" smtClean="0"/>
+              <a:rPr lang="en-US" sz="1800" dirty="0"/>
               <a:t>Syntax:</a:t>
             </a:r>
             <a:r>
-              <a:rPr lang="en-US" sz="2300" dirty="0" smtClean="0">
+              <a:rPr lang="en-US" sz="2300" dirty="0">
                 <a:latin typeface="Consolas" panose="020B0609020204030204" pitchFamily="49" charset="0"/>
               </a:rPr>
               <a:t> </a:t>
             </a:r>
             <a:r>
-              <a:rPr lang="en-US" sz="1800" dirty="0" smtClean="0">
+              <a:rPr lang="en-US" sz="1800" dirty="0">
                 <a:latin typeface="Consolas" panose="020B0609020204030204" pitchFamily="49" charset="0"/>
               </a:rPr>
               <a:t>npm i helmet --save</a:t>
             </a:r>
-            <a:endParaRPr lang="en-US" sz="1800" dirty="0">
-              <a:latin typeface="Consolas" panose="020B0609020204030204" pitchFamily="49" charset="0"/>
-            </a:endParaRPr>
           </a:p>
         </p:txBody>
       </p:sp>
@@ -8764,7 +8383,7 @@
           <p:cNvPr id="4" name="Rectangle 3">
             <a:extLst>
               <a:ext uri="{FF2B5EF4-FFF2-40B4-BE49-F238E27FC236}">
-                <a16:creationId xmlns:a16="http://schemas.microsoft.com/office/drawing/2014/main" xmlns="" id="{0C71533A-4A29-47E2-A4D4-85E44356516A}"/>
+                <a16:creationId xmlns:a16="http://schemas.microsoft.com/office/drawing/2014/main" id="{0C71533A-4A29-47E2-A4D4-85E44356516A}"/>
               </a:ext>
             </a:extLst>
           </p:cNvPr>
@@ -8787,7 +8406,7 @@
           <a:lstStyle/>
           <a:p>
             <a:r>
-              <a:rPr lang="en-US" sz="1600" b="1" dirty="0" smtClean="0"/>
+              <a:rPr lang="en-US" sz="1600" b="1" dirty="0"/>
               <a:t>Source</a:t>
             </a:r>
           </a:p>
@@ -8796,16 +8415,10 @@
               <a:rPr lang="en-US" sz="1600" dirty="0">
                 <a:hlinkClick r:id="rId2"/>
               </a:rPr>
-              <a:t>https://</a:t>
-            </a:r>
-            <a:r>
-              <a:rPr lang="en-US" sz="1600" dirty="0" smtClean="0">
-                <a:hlinkClick r:id="rId2"/>
-              </a:rPr>
-              <a:t>www.npmjs.com/package/helmet</a:t>
-            </a:r>
-            <a:r>
-              <a:rPr lang="en-US" sz="1600" dirty="0" smtClean="0"/>
+              <a:t>https://www.npmjs.com/package/helmet</a:t>
+            </a:r>
+            <a:r>
+              <a:rPr lang="en-US" sz="1600" dirty="0"/>
               <a:t> </a:t>
             </a:r>
             <a:endParaRPr lang="en-US" sz="1600" dirty="0">
@@ -8849,13 +8462,6 @@
   <p:clrMapOvr>
     <a:masterClrMapping/>
   </p:clrMapOvr>
-  <p:timing>
-    <p:tnLst>
-      <p:par>
-        <p:cTn id="1" dur="indefinite" restart="never" nodeType="tmRoot"/>
-      </p:par>
-    </p:tnLst>
-  </p:timing>
 </p:sld>
 </file>
 
@@ -8881,7 +8487,7 @@
           <p:cNvPr id="2" name="Title 1">
             <a:extLst>
               <a:ext uri="{FF2B5EF4-FFF2-40B4-BE49-F238E27FC236}">
-                <a16:creationId xmlns:a16="http://schemas.microsoft.com/office/drawing/2014/main" xmlns="" id="{BDFAC13C-59B1-436E-B58F-C304E1C705CF}"/>
+                <a16:creationId xmlns:a16="http://schemas.microsoft.com/office/drawing/2014/main" id="{BDFAC13C-59B1-436E-B58F-C304E1C705CF}"/>
               </a:ext>
             </a:extLst>
           </p:cNvPr>
@@ -8905,10 +8511,9 @@
           <a:lstStyle/>
           <a:p>
             <a:r>
-              <a:rPr lang="en-US" u="sng" dirty="0" smtClean="0"/>
+              <a:rPr lang="en-US" u="sng" dirty="0"/>
               <a:t>NPM @hapi/joy Package</a:t>
             </a:r>
-            <a:endParaRPr lang="en-US" u="sng" dirty="0"/>
           </a:p>
         </p:txBody>
       </p:sp>
@@ -8917,7 +8522,7 @@
           <p:cNvPr id="3" name="Content Placeholder 2">
             <a:extLst>
               <a:ext uri="{FF2B5EF4-FFF2-40B4-BE49-F238E27FC236}">
-                <a16:creationId xmlns:a16="http://schemas.microsoft.com/office/drawing/2014/main" xmlns="" id="{844A3DC5-46BF-4BFF-8008-98FD467C4904}"/>
+                <a16:creationId xmlns:a16="http://schemas.microsoft.com/office/drawing/2014/main" id="{844A3DC5-46BF-4BFF-8008-98FD467C4904}"/>
               </a:ext>
             </a:extLst>
           </p:cNvPr>
@@ -8942,24 +8547,19 @@
           <a:p>
             <a:r>
               <a:rPr lang="en-US" sz="1800" dirty="0"/>
-              <a:t>The @hapi/joi package is advertised as the most powerful schema description language and data validator for </a:t>
-            </a:r>
-            <a:r>
-              <a:rPr lang="en-US" sz="1800" dirty="0" smtClean="0"/>
-              <a:t>JavaScript</a:t>
-            </a:r>
-            <a:endParaRPr lang="en-US" sz="1800" dirty="0"/>
+              <a:t>The @hapi/joi package is advertised as the most powerful schema description language and data validator for JavaScript</a:t>
+            </a:r>
           </a:p>
           <a:p>
             <a:pPr marL="169863" indent="0">
               <a:buNone/>
             </a:pPr>
             <a:r>
-              <a:rPr lang="en-US" sz="1800" dirty="0" smtClean="0"/>
+              <a:rPr lang="en-US" sz="1800" dirty="0"/>
               <a:t>Syntax:</a:t>
             </a:r>
             <a:r>
-              <a:rPr lang="en-US" sz="2300" dirty="0" smtClean="0">
+              <a:rPr lang="en-US" sz="2300" dirty="0">
                 <a:latin typeface="Consolas" panose="020B0609020204030204" pitchFamily="49" charset="0"/>
               </a:rPr>
               <a:t> </a:t>
@@ -8978,7 +8578,7 @@
           <p:cNvPr id="4" name="Rectangle 3">
             <a:extLst>
               <a:ext uri="{FF2B5EF4-FFF2-40B4-BE49-F238E27FC236}">
-                <a16:creationId xmlns:a16="http://schemas.microsoft.com/office/drawing/2014/main" xmlns="" id="{0C71533A-4A29-47E2-A4D4-85E44356516A}"/>
+                <a16:creationId xmlns:a16="http://schemas.microsoft.com/office/drawing/2014/main" id="{0C71533A-4A29-47E2-A4D4-85E44356516A}"/>
               </a:ext>
             </a:extLst>
           </p:cNvPr>
@@ -9001,7 +8601,7 @@
           <a:lstStyle/>
           <a:p>
             <a:r>
-              <a:rPr lang="en-US" sz="1600" b="1" dirty="0" smtClean="0"/>
+              <a:rPr lang="en-US" sz="1600" b="1" dirty="0"/>
               <a:t>Source</a:t>
             </a:r>
           </a:p>
@@ -9010,16 +8610,10 @@
               <a:rPr lang="en-US" sz="1600" dirty="0">
                 <a:hlinkClick r:id="rId2"/>
               </a:rPr>
-              <a:t>https://</a:t>
-            </a:r>
-            <a:r>
-              <a:rPr lang="en-US" sz="1600" dirty="0" smtClean="0">
-                <a:hlinkClick r:id="rId2"/>
-              </a:rPr>
-              <a:t>www.npmjs.com/package/helmet</a:t>
-            </a:r>
-            <a:r>
-              <a:rPr lang="en-US" sz="1600" dirty="0" smtClean="0"/>
+              <a:t>https://www.npmjs.com/package/helmet</a:t>
+            </a:r>
+            <a:r>
+              <a:rPr lang="en-US" sz="1600" dirty="0"/>
               <a:t> </a:t>
             </a:r>
             <a:endParaRPr lang="en-US" sz="1600" dirty="0">
@@ -9063,13 +8657,6 @@
   <p:clrMapOvr>
     <a:masterClrMapping/>
   </p:clrMapOvr>
-  <p:timing>
-    <p:tnLst>
-      <p:par>
-        <p:cTn id="1" dur="indefinite" restart="never" nodeType="tmRoot"/>
-      </p:par>
-    </p:tnLst>
-  </p:timing>
 </p:sld>
 </file>
 
@@ -9095,7 +8682,7 @@
           <p:cNvPr id="2" name="Title 1">
             <a:extLst>
               <a:ext uri="{FF2B5EF4-FFF2-40B4-BE49-F238E27FC236}">
-                <a16:creationId xmlns:a16="http://schemas.microsoft.com/office/drawing/2014/main" xmlns="" id="{BDFAC13C-59B1-436E-B58F-C304E1C705CF}"/>
+                <a16:creationId xmlns:a16="http://schemas.microsoft.com/office/drawing/2014/main" id="{BDFAC13C-59B1-436E-B58F-C304E1C705CF}"/>
               </a:ext>
             </a:extLst>
           </p:cNvPr>
@@ -9119,14 +8706,9 @@
           <a:lstStyle/>
           <a:p>
             <a:r>
-              <a:rPr lang="en-US" u="sng" dirty="0" smtClean="0"/>
-              <a:t>NPM </a:t>
-            </a:r>
-            <a:r>
-              <a:rPr lang="en-US" u="sng" dirty="0" smtClean="0"/>
-              <a:t>eslint Package</a:t>
-            </a:r>
-            <a:endParaRPr lang="en-US" u="sng" dirty="0"/>
+              <a:rPr lang="en-US" u="sng" dirty="0"/>
+              <a:t>NPM eslint Package</a:t>
+            </a:r>
           </a:p>
         </p:txBody>
       </p:sp>
@@ -9135,7 +8717,7 @@
           <p:cNvPr id="3" name="Content Placeholder 2">
             <a:extLst>
               <a:ext uri="{FF2B5EF4-FFF2-40B4-BE49-F238E27FC236}">
-                <a16:creationId xmlns:a16="http://schemas.microsoft.com/office/drawing/2014/main" xmlns="" id="{844A3DC5-46BF-4BFF-8008-98FD467C4904}"/>
+                <a16:creationId xmlns:a16="http://schemas.microsoft.com/office/drawing/2014/main" id="{844A3DC5-46BF-4BFF-8008-98FD467C4904}"/>
               </a:ext>
             </a:extLst>
           </p:cNvPr>
@@ -9160,27 +8742,19 @@
           <a:p>
             <a:r>
               <a:rPr lang="en-US" sz="1800" dirty="0"/>
-              <a:t>The </a:t>
-            </a:r>
-            <a:r>
-              <a:rPr lang="en-US" sz="1800" dirty="0" smtClean="0"/>
-              <a:t>eslint </a:t>
-            </a:r>
+              <a:t>The eslint package is a tool for identifying and reporting on patterns found in ECMAScript/JavaScript code</a:t>
+            </a:r>
+          </a:p>
+          <a:p>
+            <a:pPr marL="169863" indent="0">
+              <a:buNone/>
+            </a:pPr>
             <a:r>
               <a:rPr lang="en-US" sz="1800" dirty="0"/>
-              <a:t>package is a tool for identifying and reporting on patterns found in ECMAScript/JavaScript code</a:t>
-            </a:r>
-          </a:p>
-          <a:p>
-            <a:pPr marL="169863" indent="0">
-              <a:buNone/>
-            </a:pPr>
-            <a:r>
-              <a:rPr lang="en-US" sz="1800" dirty="0" smtClean="0"/>
               <a:t>Syntax:</a:t>
             </a:r>
             <a:r>
-              <a:rPr lang="en-US" sz="2300" dirty="0" smtClean="0">
+              <a:rPr lang="en-US" sz="2300" dirty="0">
                 <a:latin typeface="Consolas" panose="020B0609020204030204" pitchFamily="49" charset="0"/>
               </a:rPr>
               <a:t> </a:t>
@@ -9189,17 +8763,8 @@
               <a:rPr lang="en-US" sz="1800" dirty="0">
                 <a:latin typeface="Consolas" panose="020B0609020204030204" pitchFamily="49" charset="0"/>
               </a:rPr>
-              <a:t>npm i </a:t>
-            </a:r>
-            <a:r>
-              <a:rPr lang="en-US" sz="1800" dirty="0" smtClean="0">
-                <a:latin typeface="Consolas" panose="020B0609020204030204" pitchFamily="49" charset="0"/>
-              </a:rPr>
-              <a:t>eslint</a:t>
-            </a:r>
-            <a:endParaRPr lang="en-US" sz="1800" dirty="0">
-              <a:latin typeface="Consolas" panose="020B0609020204030204" pitchFamily="49" charset="0"/>
-            </a:endParaRPr>
+              <a:t>npm i eslint</a:t>
+            </a:r>
           </a:p>
         </p:txBody>
       </p:sp>
@@ -9208,7 +8773,7 @@
           <p:cNvPr id="4" name="Rectangle 3">
             <a:extLst>
               <a:ext uri="{FF2B5EF4-FFF2-40B4-BE49-F238E27FC236}">
-                <a16:creationId xmlns:a16="http://schemas.microsoft.com/office/drawing/2014/main" xmlns="" id="{0C71533A-4A29-47E2-A4D4-85E44356516A}"/>
+                <a16:creationId xmlns:a16="http://schemas.microsoft.com/office/drawing/2014/main" id="{0C71533A-4A29-47E2-A4D4-85E44356516A}"/>
               </a:ext>
             </a:extLst>
           </p:cNvPr>
@@ -9231,7 +8796,7 @@
           <a:lstStyle/>
           <a:p>
             <a:r>
-              <a:rPr lang="en-US" sz="1600" b="1" dirty="0" smtClean="0"/>
+              <a:rPr lang="en-US" sz="1600" b="1" dirty="0"/>
               <a:t>Source</a:t>
             </a:r>
           </a:p>
@@ -9240,16 +8805,10 @@
               <a:rPr lang="en-US" sz="1600" dirty="0">
                 <a:hlinkClick r:id="rId2"/>
               </a:rPr>
-              <a:t>https://</a:t>
-            </a:r>
-            <a:r>
-              <a:rPr lang="en-US" sz="1600" dirty="0" smtClean="0">
-                <a:hlinkClick r:id="rId2"/>
-              </a:rPr>
-              <a:t>www.npmjs.com/package/eslint</a:t>
-            </a:r>
-            <a:r>
-              <a:rPr lang="en-US" sz="1600" dirty="0" smtClean="0"/>
+              <a:t>https://www.npmjs.com/package/eslint</a:t>
+            </a:r>
+            <a:r>
+              <a:rPr lang="en-US" sz="1600" dirty="0"/>
               <a:t> </a:t>
             </a:r>
             <a:endParaRPr lang="en-US" sz="1600" dirty="0">
@@ -9293,13 +8852,6 @@
   <p:clrMapOvr>
     <a:masterClrMapping/>
   </p:clrMapOvr>
-  <p:timing>
-    <p:tnLst>
-      <p:par>
-        <p:cTn id="1" dur="indefinite" restart="never" nodeType="tmRoot"/>
-      </p:par>
-    </p:tnLst>
-  </p:timing>
 </p:sld>
 </file>
 
@@ -9325,7 +8877,7 @@
           <p:cNvPr id="2" name="Title 1">
             <a:extLst>
               <a:ext uri="{FF2B5EF4-FFF2-40B4-BE49-F238E27FC236}">
-                <a16:creationId xmlns:a16="http://schemas.microsoft.com/office/drawing/2014/main" xmlns="" id="{BDFAC13C-59B1-436E-B58F-C304E1C705CF}"/>
+                <a16:creationId xmlns:a16="http://schemas.microsoft.com/office/drawing/2014/main" id="{BDFAC13C-59B1-436E-B58F-C304E1C705CF}"/>
               </a:ext>
             </a:extLst>
           </p:cNvPr>
@@ -9350,13 +8902,8 @@
           <a:p>
             <a:r>
               <a:rPr lang="en-US" u="sng" dirty="0"/>
-              <a:t>What We've </a:t>
-            </a:r>
-            <a:r>
-              <a:rPr lang="en-US" u="sng" dirty="0" smtClean="0"/>
-              <a:t>Covered</a:t>
-            </a:r>
-            <a:endParaRPr lang="en-US" u="sng" dirty="0"/>
+              <a:t>What We've Covered</a:t>
+            </a:r>
           </a:p>
         </p:txBody>
       </p:sp>
@@ -9365,7 +8912,7 @@
           <p:cNvPr id="3" name="Content Placeholder 2">
             <a:extLst>
               <a:ext uri="{FF2B5EF4-FFF2-40B4-BE49-F238E27FC236}">
-                <a16:creationId xmlns:a16="http://schemas.microsoft.com/office/drawing/2014/main" xmlns="" id="{844A3DC5-46BF-4BFF-8008-98FD467C4904}"/>
+                <a16:creationId xmlns:a16="http://schemas.microsoft.com/office/drawing/2014/main" id="{844A3DC5-46BF-4BFF-8008-98FD467C4904}"/>
               </a:ext>
             </a:extLst>
           </p:cNvPr>
@@ -9389,69 +8936,27 @@
           <a:lstStyle/>
           <a:p>
             <a:r>
-              <a:rPr lang="en-US" sz="1800" dirty="0" smtClean="0"/>
+              <a:rPr lang="en-US" sz="1800" dirty="0"/>
               <a:t>What Node.js Package Manager (NPM) is and how to run NPM</a:t>
             </a:r>
+          </a:p>
+          <a:p>
+            <a:r>
+              <a:rPr lang="en-US" sz="1800" dirty="0"/>
+              <a:t>Major NPM commands, including: npm -v, npm init, npm install, npm install -g, npm install -D, npm uninstall, and npm run</a:t>
+            </a:r>
+          </a:p>
+          <a:p>
+            <a:r>
+              <a:rPr lang="en-US" sz="1800" dirty="0"/>
+              <a:t>Major NPM packages, including: nodemon, debug, dotenv, express, serve-favicon, helmet, @hapi/joi, eslint</a:t>
+            </a:r>
+          </a:p>
+          <a:p>
+            <a:pPr marL="169863" indent="0">
+              <a:buNone/>
+            </a:pPr>
             <a:endParaRPr lang="en-US" sz="1800" dirty="0"/>
-          </a:p>
-          <a:p>
-            <a:r>
-              <a:rPr lang="en-US" sz="1800" dirty="0" smtClean="0"/>
-              <a:t>Major </a:t>
-            </a:r>
-            <a:r>
-              <a:rPr lang="en-US" sz="1800" dirty="0"/>
-              <a:t>NPM </a:t>
-            </a:r>
-            <a:r>
-              <a:rPr lang="en-US" sz="1800" dirty="0" smtClean="0"/>
-              <a:t>commands, including</a:t>
-            </a:r>
-            <a:r>
-              <a:rPr lang="en-US" sz="1800" dirty="0"/>
-              <a:t>: npm -v, </a:t>
-            </a:r>
-            <a:r>
-              <a:rPr lang="en-US" sz="1800" dirty="0" smtClean="0"/>
-              <a:t>npm </a:t>
-            </a:r>
-            <a:r>
-              <a:rPr lang="en-US" sz="1800" dirty="0"/>
-              <a:t>init, npm install, npm install -g, npm install -D, npm uninstall, and npm run</a:t>
-            </a:r>
-          </a:p>
-          <a:p>
-            <a:r>
-              <a:rPr lang="en-US" sz="1800" dirty="0"/>
-              <a:t>M</a:t>
-            </a:r>
-            <a:r>
-              <a:rPr lang="en-US" sz="1800" dirty="0" smtClean="0"/>
-              <a:t>ajor </a:t>
-            </a:r>
-            <a:r>
-              <a:rPr lang="en-US" sz="1800" dirty="0"/>
-              <a:t>NPM </a:t>
-            </a:r>
-            <a:r>
-              <a:rPr lang="en-US" sz="1800" dirty="0" smtClean="0"/>
-              <a:t>packages, including</a:t>
-            </a:r>
-            <a:r>
-              <a:rPr lang="en-US" sz="1800" dirty="0"/>
-              <a:t>: nodemon, debug, dotenv, express, serve-favicon, helmet, @hapi/joi, </a:t>
-            </a:r>
-            <a:r>
-              <a:rPr lang="en-US" sz="1800" dirty="0" smtClean="0"/>
-              <a:t>eslint</a:t>
-            </a:r>
-            <a:endParaRPr lang="en-US" sz="1800" dirty="0"/>
-          </a:p>
-          <a:p>
-            <a:pPr marL="169863" indent="0">
-              <a:buNone/>
-            </a:pPr>
-            <a:endParaRPr lang="en-US" sz="1800" dirty="0" smtClean="0"/>
           </a:p>
           <a:p>
             <a:endParaRPr lang="en-US" sz="1800" dirty="0"/>
@@ -9491,13 +8996,6 @@
   <p:clrMapOvr>
     <a:masterClrMapping/>
   </p:clrMapOvr>
-  <p:timing>
-    <p:tnLst>
-      <p:par>
-        <p:cTn id="1" dur="indefinite" restart="never" nodeType="tmRoot"/>
-      </p:par>
-    </p:tnLst>
-  </p:timing>
 </p:sld>
 </file>
 
@@ -9523,7 +9021,7 @@
           <p:cNvPr id="2" name="Title 1">
             <a:extLst>
               <a:ext uri="{FF2B5EF4-FFF2-40B4-BE49-F238E27FC236}">
-                <a16:creationId xmlns:a16="http://schemas.microsoft.com/office/drawing/2014/main" xmlns="" id="{BDFAC13C-59B1-436E-B58F-C304E1C705CF}"/>
+                <a16:creationId xmlns:a16="http://schemas.microsoft.com/office/drawing/2014/main" id="{BDFAC13C-59B1-436E-B58F-C304E1C705CF}"/>
               </a:ext>
             </a:extLst>
           </p:cNvPr>
@@ -9547,10 +9045,9 @@
           <a:lstStyle/>
           <a:p>
             <a:r>
-              <a:rPr lang="en-US" u="sng" dirty="0" smtClean="0"/>
+              <a:rPr lang="en-US" u="sng" dirty="0"/>
               <a:t>Node Package Manager (NPM)</a:t>
             </a:r>
-            <a:endParaRPr lang="en-US" u="sng" dirty="0"/>
           </a:p>
         </p:txBody>
       </p:sp>
@@ -9559,7 +9056,7 @@
           <p:cNvPr id="3" name="Content Placeholder 2">
             <a:extLst>
               <a:ext uri="{FF2B5EF4-FFF2-40B4-BE49-F238E27FC236}">
-                <a16:creationId xmlns:a16="http://schemas.microsoft.com/office/drawing/2014/main" xmlns="" id="{844A3DC5-46BF-4BFF-8008-98FD467C4904}"/>
+                <a16:creationId xmlns:a16="http://schemas.microsoft.com/office/drawing/2014/main" id="{844A3DC5-46BF-4BFF-8008-98FD467C4904}"/>
               </a:ext>
             </a:extLst>
           </p:cNvPr>
@@ -9584,15 +9081,7 @@
           <a:p>
             <a:r>
               <a:rPr lang="en-US" sz="1800" dirty="0"/>
-              <a:t>The Node Package Manager (NPM) provides </a:t>
-            </a:r>
-            <a:r>
-              <a:rPr lang="en-US" sz="1800" dirty="0" smtClean="0"/>
-              <a:t>three main </a:t>
-            </a:r>
-            <a:r>
-              <a:rPr lang="en-US" sz="1800" dirty="0"/>
-              <a:t>functionalities:</a:t>
+              <a:t>The Node Package Manager (NPM) provides three main functionalities:</a:t>
             </a:r>
           </a:p>
           <a:p>
@@ -9631,17 +9120,8 @@
             </a:r>
             <a:r>
               <a:rPr lang="en-US" sz="1800" dirty="0"/>
-              <a:t>, the tool installed on the developer's machine to allow them to install, publish, and update packages</a:t>
-            </a:r>
-            <a:r>
-              <a:rPr lang="en-US" sz="1800" dirty="0" smtClean="0"/>
-              <a:t>. It </a:t>
-            </a:r>
-            <a:r>
-              <a:rPr lang="en-US" sz="1800" dirty="0"/>
-              <a:t>also provides a command line utility to install Node.js packages, do version management and dependency management of Node.js packages</a:t>
-            </a:r>
-            <a:endParaRPr lang="en-US" sz="1800" dirty="0" smtClean="0"/>
+              <a:t>, the tool installed on the developer's machine to allow them to install, publish, and update packages. It also provides a command line utility to install Node.js packages, do version management and dependency management of Node.js packages</a:t>
+            </a:r>
           </a:p>
           <a:p>
             <a:endParaRPr lang="en-US" sz="1800" dirty="0"/>
@@ -9653,7 +9133,7 @@
           <p:cNvPr id="4" name="Rectangle 3">
             <a:extLst>
               <a:ext uri="{FF2B5EF4-FFF2-40B4-BE49-F238E27FC236}">
-                <a16:creationId xmlns:a16="http://schemas.microsoft.com/office/drawing/2014/main" xmlns="" id="{0C71533A-4A29-47E2-A4D4-85E44356516A}"/>
+                <a16:creationId xmlns:a16="http://schemas.microsoft.com/office/drawing/2014/main" id="{0C71533A-4A29-47E2-A4D4-85E44356516A}"/>
               </a:ext>
             </a:extLst>
           </p:cNvPr>
@@ -9676,7 +9156,7 @@
           <a:lstStyle/>
           <a:p>
             <a:r>
-              <a:rPr lang="en-US" sz="1600" b="1" dirty="0" smtClean="0"/>
+              <a:rPr lang="en-US" sz="1600" b="1" dirty="0"/>
               <a:t>Source</a:t>
             </a:r>
           </a:p>
@@ -9728,13 +9208,6 @@
   <p:clrMapOvr>
     <a:masterClrMapping/>
   </p:clrMapOvr>
-  <p:timing>
-    <p:tnLst>
-      <p:par>
-        <p:cTn id="1" dur="indefinite" restart="never" nodeType="tmRoot"/>
-      </p:par>
-    </p:tnLst>
-  </p:timing>
 </p:sld>
 </file>
 
@@ -9760,7 +9233,7 @@
           <p:cNvPr id="2" name="Title 1">
             <a:extLst>
               <a:ext uri="{FF2B5EF4-FFF2-40B4-BE49-F238E27FC236}">
-                <a16:creationId xmlns:a16="http://schemas.microsoft.com/office/drawing/2014/main" xmlns="" id="{BDFAC13C-59B1-436E-B58F-C304E1C705CF}"/>
+                <a16:creationId xmlns:a16="http://schemas.microsoft.com/office/drawing/2014/main" id="{BDFAC13C-59B1-436E-B58F-C304E1C705CF}"/>
               </a:ext>
             </a:extLst>
           </p:cNvPr>
@@ -9784,10 +9257,9 @@
           <a:lstStyle/>
           <a:p>
             <a:r>
-              <a:rPr lang="en-US" u="sng" dirty="0" smtClean="0"/>
+              <a:rPr lang="en-US" u="sng" dirty="0"/>
               <a:t>NPM Website</a:t>
             </a:r>
-            <a:endParaRPr lang="en-US" u="sng" dirty="0"/>
           </a:p>
         </p:txBody>
       </p:sp>
@@ -9822,7 +9294,7 @@
           <p:cNvPr id="4" name="Rectangle 3">
             <a:extLst>
               <a:ext uri="{FF2B5EF4-FFF2-40B4-BE49-F238E27FC236}">
-                <a16:creationId xmlns:a16="http://schemas.microsoft.com/office/drawing/2014/main" xmlns="" id="{0C71533A-4A29-47E2-A4D4-85E44356516A}"/>
+                <a16:creationId xmlns:a16="http://schemas.microsoft.com/office/drawing/2014/main" id="{0C71533A-4A29-47E2-A4D4-85E44356516A}"/>
               </a:ext>
             </a:extLst>
           </p:cNvPr>
@@ -9845,7 +9317,7 @@
           <a:lstStyle/>
           <a:p>
             <a:r>
-              <a:rPr lang="en-US" sz="1600" b="1" dirty="0" smtClean="0"/>
+              <a:rPr lang="en-US" sz="1600" b="1" dirty="0"/>
               <a:t>Source</a:t>
             </a:r>
           </a:p>
@@ -9897,13 +9369,6 @@
   <p:clrMapOvr>
     <a:masterClrMapping/>
   </p:clrMapOvr>
-  <p:timing>
-    <p:tnLst>
-      <p:par>
-        <p:cTn id="1" dur="indefinite" restart="never" nodeType="tmRoot"/>
-      </p:par>
-    </p:tnLst>
-  </p:timing>
 </p:sld>
 </file>
 
@@ -9929,7 +9394,7 @@
           <p:cNvPr id="2" name="Title 1">
             <a:extLst>
               <a:ext uri="{FF2B5EF4-FFF2-40B4-BE49-F238E27FC236}">
-                <a16:creationId xmlns:a16="http://schemas.microsoft.com/office/drawing/2014/main" xmlns="" id="{BDFAC13C-59B1-436E-B58F-C304E1C705CF}"/>
+                <a16:creationId xmlns:a16="http://schemas.microsoft.com/office/drawing/2014/main" id="{BDFAC13C-59B1-436E-B58F-C304E1C705CF}"/>
               </a:ext>
             </a:extLst>
           </p:cNvPr>
@@ -9953,10 +9418,9 @@
           <a:lstStyle/>
           <a:p>
             <a:r>
-              <a:rPr lang="en-US" u="sng" dirty="0" smtClean="0"/>
+              <a:rPr lang="en-US" u="sng" dirty="0"/>
               <a:t>NPM Website Documentation</a:t>
             </a:r>
-            <a:endParaRPr lang="en-US" u="sng" dirty="0"/>
           </a:p>
         </p:txBody>
       </p:sp>
@@ -9965,7 +9429,7 @@
           <p:cNvPr id="4" name="Rectangle 3">
             <a:extLst>
               <a:ext uri="{FF2B5EF4-FFF2-40B4-BE49-F238E27FC236}">
-                <a16:creationId xmlns:a16="http://schemas.microsoft.com/office/drawing/2014/main" xmlns="" id="{0C71533A-4A29-47E2-A4D4-85E44356516A}"/>
+                <a16:creationId xmlns:a16="http://schemas.microsoft.com/office/drawing/2014/main" id="{0C71533A-4A29-47E2-A4D4-85E44356516A}"/>
               </a:ext>
             </a:extLst>
           </p:cNvPr>
@@ -9988,7 +9452,7 @@
           <a:lstStyle/>
           <a:p>
             <a:r>
-              <a:rPr lang="en-US" sz="1600" b="1" dirty="0" smtClean="0"/>
+              <a:rPr lang="en-US" sz="1600" b="1" dirty="0"/>
               <a:t>Source</a:t>
             </a:r>
           </a:p>
@@ -10066,13 +9530,6 @@
   <p:clrMapOvr>
     <a:masterClrMapping/>
   </p:clrMapOvr>
-  <p:timing>
-    <p:tnLst>
-      <p:par>
-        <p:cTn id="1" dur="indefinite" restart="never" nodeType="tmRoot"/>
-      </p:par>
-    </p:tnLst>
-  </p:timing>
 </p:sld>
 </file>
 
@@ -10098,7 +9555,7 @@
           <p:cNvPr id="2" name="Title 1">
             <a:extLst>
               <a:ext uri="{FF2B5EF4-FFF2-40B4-BE49-F238E27FC236}">
-                <a16:creationId xmlns:a16="http://schemas.microsoft.com/office/drawing/2014/main" xmlns="" id="{BDFAC13C-59B1-436E-B58F-C304E1C705CF}"/>
+                <a16:creationId xmlns:a16="http://schemas.microsoft.com/office/drawing/2014/main" id="{BDFAC13C-59B1-436E-B58F-C304E1C705CF}"/>
               </a:ext>
             </a:extLst>
           </p:cNvPr>
@@ -10122,10 +9579,9 @@
           <a:lstStyle/>
           <a:p>
             <a:r>
-              <a:rPr lang="en-US" u="sng" dirty="0" smtClean="0"/>
+              <a:rPr lang="en-US" u="sng" dirty="0"/>
               <a:t>Current NPM Version You Are Running</a:t>
             </a:r>
-            <a:endParaRPr lang="en-US" u="sng" dirty="0"/>
           </a:p>
         </p:txBody>
       </p:sp>
@@ -10134,7 +9590,7 @@
           <p:cNvPr id="3" name="Content Placeholder 2">
             <a:extLst>
               <a:ext uri="{FF2B5EF4-FFF2-40B4-BE49-F238E27FC236}">
-                <a16:creationId xmlns:a16="http://schemas.microsoft.com/office/drawing/2014/main" xmlns="" id="{844A3DC5-46BF-4BFF-8008-98FD467C4904}"/>
+                <a16:creationId xmlns:a16="http://schemas.microsoft.com/office/drawing/2014/main" id="{844A3DC5-46BF-4BFF-8008-98FD467C4904}"/>
               </a:ext>
             </a:extLst>
           </p:cNvPr>
@@ -10158,17 +9614,17 @@
           <a:lstStyle/>
           <a:p>
             <a:r>
-              <a:rPr lang="en-US" sz="1800" dirty="0" smtClean="0"/>
+              <a:rPr lang="en-US" sz="1800" dirty="0"/>
               <a:t>Run the command </a:t>
             </a:r>
             <a:r>
-              <a:rPr lang="en-US" sz="1800" dirty="0" smtClean="0">
+              <a:rPr lang="en-US" sz="1800" dirty="0">
                 <a:latin typeface="Consolas" panose="020B0609020204030204" pitchFamily="49" charset="0"/>
               </a:rPr>
               <a:t>npm –v</a:t>
             </a:r>
             <a:r>
-              <a:rPr lang="en-US" sz="1800" dirty="0" smtClean="0"/>
+              <a:rPr lang="en-US" sz="1800" dirty="0"/>
               <a:t> to find out the version of NPM you are running</a:t>
             </a:r>
           </a:p>
@@ -10176,7 +9632,7 @@
             <a:pPr marL="0" indent="0">
               <a:buNone/>
             </a:pPr>
-            <a:endParaRPr lang="en-US" sz="1800" dirty="0" smtClean="0"/>
+            <a:endParaRPr lang="en-US" sz="1800" dirty="0"/>
           </a:p>
         </p:txBody>
       </p:sp>
@@ -10237,13 +9693,6 @@
   <p:clrMapOvr>
     <a:masterClrMapping/>
   </p:clrMapOvr>
-  <p:timing>
-    <p:tnLst>
-      <p:par>
-        <p:cTn id="1" dur="indefinite" restart="never" nodeType="tmRoot"/>
-      </p:par>
-    </p:tnLst>
-  </p:timing>
 </p:sld>
 </file>
 
@@ -10269,7 +9718,7 @@
           <p:cNvPr id="2" name="Title 1">
             <a:extLst>
               <a:ext uri="{FF2B5EF4-FFF2-40B4-BE49-F238E27FC236}">
-                <a16:creationId xmlns:a16="http://schemas.microsoft.com/office/drawing/2014/main" xmlns="" id="{BDFAC13C-59B1-436E-B58F-C304E1C705CF}"/>
+                <a16:creationId xmlns:a16="http://schemas.microsoft.com/office/drawing/2014/main" id="{BDFAC13C-59B1-436E-B58F-C304E1C705CF}"/>
               </a:ext>
             </a:extLst>
           </p:cNvPr>
@@ -10294,13 +9743,8 @@
           <a:p>
             <a:r>
               <a:rPr lang="en-US" u="sng" dirty="0"/>
-              <a:t>n</a:t>
-            </a:r>
-            <a:r>
-              <a:rPr lang="en-US" u="sng" dirty="0" smtClean="0"/>
-              <a:t>pm init</a:t>
-            </a:r>
-            <a:endParaRPr lang="en-US" u="sng" dirty="0"/>
+              <a:t>npm init</a:t>
+            </a:r>
           </a:p>
         </p:txBody>
       </p:sp>
@@ -10309,7 +9753,7 @@
           <p:cNvPr id="3" name="Content Placeholder 2">
             <a:extLst>
               <a:ext uri="{FF2B5EF4-FFF2-40B4-BE49-F238E27FC236}">
-                <a16:creationId xmlns:a16="http://schemas.microsoft.com/office/drawing/2014/main" xmlns="" id="{844A3DC5-46BF-4BFF-8008-98FD467C4904}"/>
+                <a16:creationId xmlns:a16="http://schemas.microsoft.com/office/drawing/2014/main" id="{844A3DC5-46BF-4BFF-8008-98FD467C4904}"/>
               </a:ext>
             </a:extLst>
           </p:cNvPr>
@@ -10333,27 +9777,27 @@
           <a:lstStyle/>
           <a:p>
             <a:r>
-              <a:rPr lang="en-US" sz="1800" dirty="0" smtClean="0"/>
+              <a:rPr lang="en-US" sz="1800" dirty="0"/>
               <a:t>Run the command </a:t>
             </a:r>
             <a:r>
-              <a:rPr lang="en-US" sz="1800" dirty="0" smtClean="0">
+              <a:rPr lang="en-US" sz="1800" dirty="0">
                 <a:latin typeface="Consolas" panose="020B0609020204030204" pitchFamily="49" charset="0"/>
               </a:rPr>
               <a:t>npm init</a:t>
             </a:r>
             <a:r>
-              <a:rPr lang="en-US" sz="1800" dirty="0" smtClean="0"/>
+              <a:rPr lang="en-US" sz="1800" dirty="0"/>
               <a:t> to create a package.json file for your project.  Adding the </a:t>
             </a:r>
             <a:r>
-              <a:rPr lang="en-US" sz="1800" dirty="0" smtClean="0">
+              <a:rPr lang="en-US" sz="1800" dirty="0">
                 <a:latin typeface="Consolas" panose="020B0609020204030204" pitchFamily="49" charset="0"/>
               </a:rPr>
               <a:t>–y</a:t>
             </a:r>
             <a:r>
-              <a:rPr lang="en-US" sz="1800" dirty="0" smtClean="0"/>
+              <a:rPr lang="en-US" sz="1800" dirty="0"/>
               <a:t> flag to the command accepts the defaults</a:t>
             </a:r>
           </a:p>
@@ -10361,7 +9805,7 @@
             <a:pPr marL="0" indent="0">
               <a:buNone/>
             </a:pPr>
-            <a:endParaRPr lang="en-US" sz="1800" dirty="0" smtClean="0"/>
+            <a:endParaRPr lang="en-US" sz="1800" dirty="0"/>
           </a:p>
         </p:txBody>
       </p:sp>
@@ -10370,7 +9814,7 @@
           <p:cNvPr id="4" name="Rectangle 3">
             <a:extLst>
               <a:ext uri="{FF2B5EF4-FFF2-40B4-BE49-F238E27FC236}">
-                <a16:creationId xmlns:a16="http://schemas.microsoft.com/office/drawing/2014/main" xmlns="" id="{0C71533A-4A29-47E2-A4D4-85E44356516A}"/>
+                <a16:creationId xmlns:a16="http://schemas.microsoft.com/office/drawing/2014/main" id="{0C71533A-4A29-47E2-A4D4-85E44356516A}"/>
               </a:ext>
             </a:extLst>
           </p:cNvPr>
@@ -10393,7 +9837,7 @@
           <a:lstStyle/>
           <a:p>
             <a:r>
-              <a:rPr lang="en-US" sz="1600" b="1" dirty="0" smtClean="0"/>
+              <a:rPr lang="en-US" sz="1600" b="1" dirty="0"/>
               <a:t>Source</a:t>
             </a:r>
           </a:p>
@@ -10445,13 +9889,6 @@
   <p:clrMapOvr>
     <a:masterClrMapping/>
   </p:clrMapOvr>
-  <p:timing>
-    <p:tnLst>
-      <p:par>
-        <p:cTn id="1" dur="indefinite" restart="never" nodeType="tmRoot"/>
-      </p:par>
-    </p:tnLst>
-  </p:timing>
 </p:sld>
 </file>
 
@@ -10477,7 +9914,7 @@
           <p:cNvPr id="2" name="Title 1">
             <a:extLst>
               <a:ext uri="{FF2B5EF4-FFF2-40B4-BE49-F238E27FC236}">
-                <a16:creationId xmlns:a16="http://schemas.microsoft.com/office/drawing/2014/main" xmlns="" id="{BDFAC13C-59B1-436E-B58F-C304E1C705CF}"/>
+                <a16:creationId xmlns:a16="http://schemas.microsoft.com/office/drawing/2014/main" id="{BDFAC13C-59B1-436E-B58F-C304E1C705CF}"/>
               </a:ext>
             </a:extLst>
           </p:cNvPr>
@@ -10502,13 +9939,8 @@
           <a:p>
             <a:r>
               <a:rPr lang="en-US" u="sng" dirty="0"/>
-              <a:t>p</a:t>
-            </a:r>
-            <a:r>
-              <a:rPr lang="en-US" u="sng" dirty="0" smtClean="0"/>
-              <a:t>ackage.json</a:t>
-            </a:r>
-            <a:endParaRPr lang="en-US" u="sng" dirty="0"/>
+              <a:t>package.json</a:t>
+            </a:r>
           </a:p>
         </p:txBody>
       </p:sp>
@@ -10517,7 +9949,7 @@
           <p:cNvPr id="3" name="Content Placeholder 2">
             <a:extLst>
               <a:ext uri="{FF2B5EF4-FFF2-40B4-BE49-F238E27FC236}">
-                <a16:creationId xmlns:a16="http://schemas.microsoft.com/office/drawing/2014/main" xmlns="" id="{844A3DC5-46BF-4BFF-8008-98FD467C4904}"/>
+                <a16:creationId xmlns:a16="http://schemas.microsoft.com/office/drawing/2014/main" id="{844A3DC5-46BF-4BFF-8008-98FD467C4904}"/>
               </a:ext>
             </a:extLst>
           </p:cNvPr>
@@ -10542,16 +9974,12 @@
           <a:p>
             <a:r>
               <a:rPr lang="en-US" sz="1800" dirty="0"/>
-              <a:t>The package.json file is kind of a manifest for your project. It can do a lot of things, completely unrelated. It's a central repository of configuration for tools, for example. It's also where npm and yarn store the names and versions for all the installed </a:t>
-            </a:r>
-            <a:r>
-              <a:rPr lang="en-US" sz="1800" dirty="0" smtClean="0"/>
-              <a:t>packages</a:t>
-            </a:r>
-          </a:p>
-          <a:p>
-            <a:r>
-              <a:rPr lang="en-US" sz="1800" dirty="0" smtClean="0"/>
+              <a:t>The package.json file is kind of a manifest for your project. It can do a lot of things, completely unrelated. It's a central repository of configuration for tools, for example. It's also where npm and yarn store the names and versions for all the installed packages</a:t>
+            </a:r>
+          </a:p>
+          <a:p>
+            <a:r>
+              <a:rPr lang="en-US" sz="1800" dirty="0"/>
               <a:t>The package.json file is created when the </a:t>
             </a:r>
             <a:r>
@@ -10561,7 +9989,7 @@
               <a:t>npm init</a:t>
             </a:r>
             <a:r>
-              <a:rPr lang="en-US" sz="1800" dirty="0" smtClean="0"/>
+              <a:rPr lang="en-US" sz="1800" dirty="0"/>
               <a:t> command is run</a:t>
             </a:r>
           </a:p>
@@ -10572,7 +10000,7 @@
           <p:cNvPr id="4" name="Rectangle 3">
             <a:extLst>
               <a:ext uri="{FF2B5EF4-FFF2-40B4-BE49-F238E27FC236}">
-                <a16:creationId xmlns:a16="http://schemas.microsoft.com/office/drawing/2014/main" xmlns="" id="{0C71533A-4A29-47E2-A4D4-85E44356516A}"/>
+                <a16:creationId xmlns:a16="http://schemas.microsoft.com/office/drawing/2014/main" id="{0C71533A-4A29-47E2-A4D4-85E44356516A}"/>
               </a:ext>
             </a:extLst>
           </p:cNvPr>
@@ -10595,7 +10023,7 @@
           <a:lstStyle/>
           <a:p>
             <a:r>
-              <a:rPr lang="en-US" sz="1600" b="1" dirty="0" smtClean="0"/>
+              <a:rPr lang="en-US" sz="1600" b="1" dirty="0"/>
               <a:t>Source</a:t>
             </a:r>
           </a:p>
@@ -10647,13 +10075,6 @@
   <p:clrMapOvr>
     <a:masterClrMapping/>
   </p:clrMapOvr>
-  <p:timing>
-    <p:tnLst>
-      <p:par>
-        <p:cTn id="1" dur="indefinite" restart="never" nodeType="tmRoot"/>
-      </p:par>
-    </p:tnLst>
-  </p:timing>
 </p:sld>
 </file>
 
@@ -10679,7 +10100,7 @@
           <p:cNvPr id="2" name="Title 1">
             <a:extLst>
               <a:ext uri="{FF2B5EF4-FFF2-40B4-BE49-F238E27FC236}">
-                <a16:creationId xmlns:a16="http://schemas.microsoft.com/office/drawing/2014/main" xmlns="" id="{BDFAC13C-59B1-436E-B58F-C304E1C705CF}"/>
+                <a16:creationId xmlns:a16="http://schemas.microsoft.com/office/drawing/2014/main" id="{BDFAC13C-59B1-436E-B58F-C304E1C705CF}"/>
               </a:ext>
             </a:extLst>
           </p:cNvPr>
@@ -10704,13 +10125,8 @@
           <a:p>
             <a:r>
               <a:rPr lang="en-US" u="sng" dirty="0"/>
-              <a:t>p</a:t>
-            </a:r>
-            <a:r>
-              <a:rPr lang="en-US" u="sng" dirty="0" smtClean="0"/>
-              <a:t>ackage.json</a:t>
-            </a:r>
-            <a:endParaRPr lang="en-US" u="sng" dirty="0"/>
+              <a:t>package.json</a:t>
+            </a:r>
           </a:p>
         </p:txBody>
       </p:sp>
@@ -10719,7 +10135,7 @@
           <p:cNvPr id="3" name="Content Placeholder 2">
             <a:extLst>
               <a:ext uri="{FF2B5EF4-FFF2-40B4-BE49-F238E27FC236}">
-                <a16:creationId xmlns:a16="http://schemas.microsoft.com/office/drawing/2014/main" xmlns="" id="{844A3DC5-46BF-4BFF-8008-98FD467C4904}"/>
+                <a16:creationId xmlns:a16="http://schemas.microsoft.com/office/drawing/2014/main" id="{844A3DC5-46BF-4BFF-8008-98FD467C4904}"/>
               </a:ext>
             </a:extLst>
           </p:cNvPr>
@@ -10743,11 +10159,11 @@
           <a:lstStyle/>
           <a:p>
             <a:r>
-              <a:rPr lang="en-US" sz="7200" dirty="0" smtClean="0"/>
+              <a:rPr lang="en-US" sz="7200" dirty="0"/>
               <a:t>Here is a sample package.json file</a:t>
             </a:r>
             <a:r>
-              <a:rPr lang="en-US" sz="4500" dirty="0" smtClean="0"/>
+              <a:rPr lang="en-US" sz="4500" dirty="0"/>
               <a:t>:</a:t>
             </a:r>
           </a:p>
@@ -10871,9 +10287,6 @@
               </a:rPr>
               <a:t>}</a:t>
             </a:r>
-            <a:endParaRPr lang="en-US" sz="4800" dirty="0" smtClean="0">
-              <a:latin typeface="Consolas" panose="020B0609020204030204" pitchFamily="49" charset="0"/>
-            </a:endParaRPr>
           </a:p>
         </p:txBody>
       </p:sp>
@@ -10910,13 +10323,6 @@
   <p:clrMapOvr>
     <a:masterClrMapping/>
   </p:clrMapOvr>
-  <p:timing>
-    <p:tnLst>
-      <p:par>
-        <p:cTn id="1" dur="indefinite" restart="never" nodeType="tmRoot"/>
-      </p:par>
-    </p:tnLst>
-  </p:timing>
 </p:sld>
 </file>
 
@@ -11458,15 +10864,6 @@
 </file>
 
 <file path=customXml/item1.xml><?xml version="1.0" encoding="utf-8"?>
-<p:properties xmlns:p="http://schemas.microsoft.com/office/2006/metadata/properties" xmlns:xsi="http://www.w3.org/2001/XMLSchema-instance" xmlns:pc="http://schemas.microsoft.com/office/infopath/2007/PartnerControls">
-  <documentManagement>
-    <Status xmlns="71af3243-3dd4-4a8d-8c0d-dd76da1f02a5">Not started</Status>
-    <MediaServiceKeyPoints xmlns="71af3243-3dd4-4a8d-8c0d-dd76da1f02a5" xsi:nil="true"/>
-  </documentManagement>
-</p:properties>
-</file>
-
-<file path=customXml/item2.xml><?xml version="1.0" encoding="utf-8"?>
 <ct:contentTypeSchema xmlns:ct="http://schemas.microsoft.com/office/2006/metadata/contentType" xmlns:ma="http://schemas.microsoft.com/office/2006/metadata/properties/metaAttributes" ct:_="" ma:_="" ma:contentTypeName="Document" ma:contentTypeID="0x01010079F111ED35F8CC479449609E8A0923A6" ma:contentTypeVersion="12" ma:contentTypeDescription="Create a new document." ma:contentTypeScope="" ma:versionID="a410dd7f93c95333ffa1b60ed6adedd1">
   <xsd:schema xmlns:xsd="http://www.w3.org/2001/XMLSchema" xmlns:xs="http://www.w3.org/2001/XMLSchema" xmlns:p="http://schemas.microsoft.com/office/2006/metadata/properties" xmlns:ns2="71af3243-3dd4-4a8d-8c0d-dd76da1f02a5" xmlns:ns3="16c05727-aa75-4e4a-9b5f-8a80a1165891" targetNamespace="http://schemas.microsoft.com/office/2006/metadata/properties" ma:root="true" ma:fieldsID="a936d9baba76aa3866493feff160faab" ns2:_="" ns3:_="">
     <xsd:import namespace="71af3243-3dd4-4a8d-8c0d-dd76da1f02a5"/>
@@ -11687,6 +11084,15 @@
 </ct:contentTypeSchema>
 </file>
 
+<file path=customXml/item2.xml><?xml version="1.0" encoding="utf-8"?>
+<p:properties xmlns:p="http://schemas.microsoft.com/office/2006/metadata/properties" xmlns:xsi="http://www.w3.org/2001/XMLSchema-instance" xmlns:pc="http://schemas.microsoft.com/office/infopath/2007/PartnerControls">
+  <documentManagement>
+    <Status xmlns="71af3243-3dd4-4a8d-8c0d-dd76da1f02a5">Not started</Status>
+    <MediaServiceKeyPoints xmlns="71af3243-3dd4-4a8d-8c0d-dd76da1f02a5" xsi:nil="true"/>
+  </documentManagement>
+</p:properties>
+</file>
+
 <file path=customXml/item3.xml><?xml version="1.0" encoding="utf-8"?>
 <?mso-contentType ?>
 <FormTemplates xmlns="http://schemas.microsoft.com/sharepoint/v3/contenttype/forms">
@@ -11697,23 +11103,6 @@
 </file>
 
 <file path=customXml/itemProps1.xml><?xml version="1.0" encoding="utf-8"?>
-<ds:datastoreItem xmlns:ds="http://schemas.openxmlformats.org/officeDocument/2006/customXml" ds:itemID="{137651BA-F45C-4845-9AB3-E0A65B39F5E1}">
-  <ds:schemaRefs>
-    <ds:schemaRef ds:uri="16c05727-aa75-4e4a-9b5f-8a80a1165891"/>
-    <ds:schemaRef ds:uri="http://schemas.microsoft.com/office/2006/documentManagement/types"/>
-    <ds:schemaRef ds:uri="http://schemas.microsoft.com/office/infopath/2007/PartnerControls"/>
-    <ds:schemaRef ds:uri="http://purl.org/dc/elements/1.1/"/>
-    <ds:schemaRef ds:uri="http://schemas.microsoft.com/office/2006/metadata/properties"/>
-    <ds:schemaRef ds:uri="http://purl.org/dc/terms/"/>
-    <ds:schemaRef ds:uri="http://schemas.openxmlformats.org/package/2006/metadata/core-properties"/>
-    <ds:schemaRef ds:uri="71af3243-3dd4-4a8d-8c0d-dd76da1f02a5"/>
-    <ds:schemaRef ds:uri="http://www.w3.org/XML/1998/namespace"/>
-    <ds:schemaRef ds:uri="http://purl.org/dc/dcmitype/"/>
-  </ds:schemaRefs>
-</ds:datastoreItem>
-</file>
-
-<file path=customXml/itemProps2.xml><?xml version="1.0" encoding="utf-8"?>
 <ds:datastoreItem xmlns:ds="http://schemas.openxmlformats.org/officeDocument/2006/customXml" ds:itemID="{2D276E62-80A3-44DD-9BCC-97ED2B99B57F}">
   <ds:schemaRefs>
     <ds:schemaRef ds:uri="http://schemas.microsoft.com/office/2006/metadata/contentType"/>
@@ -11732,6 +11121,23 @@
 </ds:datastoreItem>
 </file>
 
+<file path=customXml/itemProps2.xml><?xml version="1.0" encoding="utf-8"?>
+<ds:datastoreItem xmlns:ds="http://schemas.openxmlformats.org/officeDocument/2006/customXml" ds:itemID="{137651BA-F45C-4845-9AB3-E0A65B39F5E1}">
+  <ds:schemaRefs>
+    <ds:schemaRef ds:uri="16c05727-aa75-4e4a-9b5f-8a80a1165891"/>
+    <ds:schemaRef ds:uri="http://schemas.microsoft.com/office/2006/documentManagement/types"/>
+    <ds:schemaRef ds:uri="http://schemas.microsoft.com/office/infopath/2007/PartnerControls"/>
+    <ds:schemaRef ds:uri="http://purl.org/dc/elements/1.1/"/>
+    <ds:schemaRef ds:uri="http://schemas.microsoft.com/office/2006/metadata/properties"/>
+    <ds:schemaRef ds:uri="http://purl.org/dc/terms/"/>
+    <ds:schemaRef ds:uri="http://schemas.openxmlformats.org/package/2006/metadata/core-properties"/>
+    <ds:schemaRef ds:uri="71af3243-3dd4-4a8d-8c0d-dd76da1f02a5"/>
+    <ds:schemaRef ds:uri="http://www.w3.org/XML/1998/namespace"/>
+    <ds:schemaRef ds:uri="http://purl.org/dc/dcmitype/"/>
+  </ds:schemaRefs>
+</ds:datastoreItem>
+</file>
+
 <file path=customXml/itemProps3.xml><?xml version="1.0" encoding="utf-8"?>
 <ds:datastoreItem xmlns:ds="http://schemas.openxmlformats.org/officeDocument/2006/customXml" ds:itemID="{CDB58277-F8DF-46FF-84EC-EF41B835E69F}">
   <ds:schemaRefs>

--- a/unit_01/slides/Unit01-PartII.pptx
+++ b/unit_01/slides/Unit01-PartII.pptx
@@ -5,38 +5,34 @@
     <p:sldMasterId id="2147483673" r:id="rId4"/>
   </p:sldMasterIdLst>
   <p:notesMasterIdLst>
-    <p:notesMasterId r:id="rId34"/>
+    <p:notesMasterId r:id="rId30"/>
   </p:notesMasterIdLst>
   <p:sldIdLst>
     <p:sldId id="257" r:id="rId5"/>
     <p:sldId id="263" r:id="rId6"/>
-    <p:sldId id="300" r:id="rId7"/>
-    <p:sldId id="266" r:id="rId8"/>
-    <p:sldId id="302" r:id="rId9"/>
-    <p:sldId id="301" r:id="rId10"/>
-    <p:sldId id="303" r:id="rId11"/>
-    <p:sldId id="304" r:id="rId12"/>
-    <p:sldId id="305" r:id="rId13"/>
-    <p:sldId id="306" r:id="rId14"/>
-    <p:sldId id="307" r:id="rId15"/>
-    <p:sldId id="308" r:id="rId16"/>
-    <p:sldId id="309" r:id="rId17"/>
-    <p:sldId id="310" r:id="rId18"/>
-    <p:sldId id="311" r:id="rId19"/>
-    <p:sldId id="312" r:id="rId20"/>
-    <p:sldId id="313" r:id="rId21"/>
-    <p:sldId id="322" r:id="rId22"/>
-    <p:sldId id="323" r:id="rId23"/>
-    <p:sldId id="324" r:id="rId24"/>
-    <p:sldId id="314" r:id="rId25"/>
+    <p:sldId id="328" r:id="rId7"/>
+    <p:sldId id="300" r:id="rId8"/>
+    <p:sldId id="325" r:id="rId9"/>
+    <p:sldId id="266" r:id="rId10"/>
+    <p:sldId id="302" r:id="rId11"/>
+    <p:sldId id="327" r:id="rId12"/>
+    <p:sldId id="301" r:id="rId13"/>
+    <p:sldId id="303" r:id="rId14"/>
+    <p:sldId id="304" r:id="rId15"/>
+    <p:sldId id="305" r:id="rId16"/>
+    <p:sldId id="308" r:id="rId17"/>
+    <p:sldId id="309" r:id="rId18"/>
+    <p:sldId id="310" r:id="rId19"/>
+    <p:sldId id="311" r:id="rId20"/>
+    <p:sldId id="312" r:id="rId21"/>
+    <p:sldId id="313" r:id="rId22"/>
+    <p:sldId id="326" r:id="rId23"/>
+    <p:sldId id="314" r:id="rId24"/>
+    <p:sldId id="316" r:id="rId25"/>
     <p:sldId id="315" r:id="rId26"/>
-    <p:sldId id="316" r:id="rId27"/>
-    <p:sldId id="317" r:id="rId28"/>
-    <p:sldId id="318" r:id="rId29"/>
-    <p:sldId id="319" r:id="rId30"/>
-    <p:sldId id="320" r:id="rId31"/>
-    <p:sldId id="321" r:id="rId32"/>
-    <p:sldId id="276" r:id="rId33"/>
+    <p:sldId id="317" r:id="rId27"/>
+    <p:sldId id="307" r:id="rId28"/>
+    <p:sldId id="276" r:id="rId29"/>
   </p:sldIdLst>
   <p:sldSz cx="12192000" cy="6858000"/>
   <p:notesSz cx="6858000" cy="9144000"/>
@@ -225,7 +221,7 @@
           <a:p>
             <a:fld id="{DEF45A3F-F083-4E1A-8339-FCD652B27D36}" type="datetimeFigureOut">
               <a:rPr lang="en-US" smtClean="0"/>
-              <a:t>9/2/2020</a:t>
+              <a:t>9/4/2020</a:t>
             </a:fld>
             <a:endParaRPr lang="en-US" dirty="0"/>
           </a:p>
@@ -557,7 +553,7 @@
           <a:p>
             <a:fld id="{D7F58A06-DD4F-4924-BE66-8F95ED766CC7}" type="slidenum">
               <a:rPr lang="en-US" smtClean="0"/>
-              <a:t>4</a:t>
+              <a:t>6</a:t>
             </a:fld>
             <a:endParaRPr lang="en-US" dirty="0"/>
           </a:p>
@@ -641,7 +637,7 @@
           <a:p>
             <a:fld id="{D7F58A06-DD4F-4924-BE66-8F95ED766CC7}" type="slidenum">
               <a:rPr lang="en-US" smtClean="0"/>
-              <a:t>5</a:t>
+              <a:t>7</a:t>
             </a:fld>
             <a:endParaRPr lang="en-US" dirty="0"/>
           </a:p>
@@ -1129,7 +1125,7 @@
           <a:p>
             <a:fld id="{EB2553B6-A683-4C13-ADF3-6E78B5B860F6}" type="datetime1">
               <a:rPr lang="en-US" smtClean="0"/>
-              <a:t>9/2/2020</a:t>
+              <a:t>9/4/2020</a:t>
             </a:fld>
             <a:endParaRPr lang="en-US" dirty="0"/>
           </a:p>
@@ -1331,7 +1327,7 @@
           <a:p>
             <a:fld id="{6DA00B11-1D47-4652-AEE5-4C2B1235CB66}" type="datetime1">
               <a:rPr lang="en-US" smtClean="0"/>
-              <a:t>9/2/2020</a:t>
+              <a:t>9/4/2020</a:t>
             </a:fld>
             <a:endParaRPr lang="en-US" dirty="0"/>
           </a:p>
@@ -1930,7 +1926,7 @@
           <a:p>
             <a:fld id="{90AC2323-8C5A-462B-92B9-62EA14FA9E94}" type="datetime1">
               <a:rPr lang="en-US" smtClean="0"/>
-              <a:t>9/2/2020</a:t>
+              <a:t>9/4/2020</a:t>
             </a:fld>
             <a:endParaRPr lang="en-US" dirty="0"/>
           </a:p>
@@ -2250,7 +2246,7 @@
           <a:p>
             <a:fld id="{10DC40C2-59E9-46C8-B03E-7C20E5F4F12D}" type="datetime1">
               <a:rPr lang="en-US" smtClean="0"/>
-              <a:t>9/2/2020</a:t>
+              <a:t>9/4/2020</a:t>
             </a:fld>
             <a:endParaRPr lang="en-US" dirty="0"/>
           </a:p>
@@ -2687,7 +2683,7 @@
           <a:p>
             <a:fld id="{7FBC8CB6-941B-4270-8276-FD8E92A373DA}" type="datetime1">
               <a:rPr lang="en-US" smtClean="0"/>
-              <a:t>9/2/2020</a:t>
+              <a:t>9/4/2020</a:t>
             </a:fld>
             <a:endParaRPr lang="en-US" dirty="0"/>
           </a:p>
@@ -2805,7 +2801,7 @@
           <a:p>
             <a:fld id="{15E57E43-E251-46CB-9ADD-5572689A0D73}" type="datetime1">
               <a:rPr lang="en-US" smtClean="0"/>
-              <a:t>9/2/2020</a:t>
+              <a:t>9/4/2020</a:t>
             </a:fld>
             <a:endParaRPr lang="en-US" dirty="0"/>
           </a:p>
@@ -2900,7 +2896,7 @@
           <a:p>
             <a:fld id="{9582FC12-F480-42AE-9F3F-3DA69EB64A0D}" type="datetime1">
               <a:rPr lang="en-US" smtClean="0"/>
-              <a:t>9/2/2020</a:t>
+              <a:t>9/4/2020</a:t>
             </a:fld>
             <a:endParaRPr lang="en-US" dirty="0"/>
           </a:p>
@@ -3317,7 +3313,7 @@
           <a:p>
             <a:fld id="{545CEF3F-6F6A-4297-B757-FFB5D4A3AD64}" type="datetime1">
               <a:rPr lang="en-US" smtClean="0"/>
-              <a:t>9/2/2020</a:t>
+              <a:t>9/4/2020</a:t>
             </a:fld>
             <a:endParaRPr lang="en-US" dirty="0"/>
           </a:p>
@@ -3577,7 +3573,7 @@
           <a:p>
             <a:fld id="{EE2F6E23-5248-4ECD-8C29-1FB95B395C86}" type="datetime1">
               <a:rPr lang="en-US" smtClean="0"/>
-              <a:t>9/2/2020</a:t>
+              <a:t>9/4/2020</a:t>
             </a:fld>
             <a:endParaRPr lang="en-US" dirty="0"/>
           </a:p>
@@ -4093,7 +4089,7 @@
           <a:p>
             <a:fld id="{5DE9F2A3-885D-46CC-9642-01CAAE4EB600}" type="datetime1">
               <a:rPr lang="en-US" smtClean="0"/>
-              <a:t>9/2/2020</a:t>
+              <a:t>9/4/2020</a:t>
             </a:fld>
             <a:endParaRPr lang="en-US" dirty="0"/>
           </a:p>
@@ -4829,12 +4825,7 @@
             <p:ph type="title"/>
           </p:nvPr>
         </p:nvSpPr>
-        <p:spPr>
-          <a:xfrm>
-            <a:off x="664234" y="733579"/>
-            <a:ext cx="9698966" cy="1371600"/>
-          </a:xfrm>
-        </p:spPr>
+        <p:spPr/>
         <p:txBody>
           <a:bodyPr>
             <a:normAutofit/>
@@ -4843,7 +4834,7 @@
           <a:p>
             <a:r>
               <a:rPr lang="en-US" u="sng" dirty="0"/>
-              <a:t>package.json</a:t>
+              <a:t>npm init</a:t>
             </a:r>
           </a:p>
         </p:txBody>
@@ -4866,8 +4857,8 @@
         </p:nvSpPr>
         <p:spPr>
           <a:xfrm>
-            <a:off x="1066800" y="2733472"/>
-            <a:ext cx="10058400" cy="2719061"/>
+            <a:off x="1066800" y="2103120"/>
+            <a:ext cx="10058400" cy="480689"/>
           </a:xfrm>
         </p:spPr>
         <p:txBody>
@@ -4876,108 +4867,36 @@
           </a:bodyPr>
           <a:lstStyle/>
           <a:p>
+            <a:pPr marL="0" indent="0">
+              <a:buNone/>
+            </a:pPr>
             <a:r>
               <a:rPr lang="en-US" sz="1800" dirty="0"/>
-              <a:t>The package.json components (not all shown in previous slide):</a:t>
-            </a:r>
-          </a:p>
-          <a:p>
-            <a:pPr marL="169863" indent="0">
-              <a:buNone/>
-            </a:pPr>
+              <a:t>Run the command </a:t>
+            </a:r>
+            <a:r>
+              <a:rPr lang="en-US" sz="1800" b="1" dirty="0">
+                <a:latin typeface="Consolas" panose="020B0609020204030204" pitchFamily="49" charset="0"/>
+              </a:rPr>
+              <a:t>npm init</a:t>
+            </a:r>
             <a:r>
               <a:rPr lang="en-US" sz="1800" dirty="0"/>
-              <a:t>name sets the application/package name</a:t>
-            </a:r>
-          </a:p>
-          <a:p>
-            <a:pPr marL="169863" indent="0">
-              <a:buNone/>
-            </a:pPr>
+              <a:t> to create a </a:t>
+            </a:r>
+            <a:r>
+              <a:rPr lang="en-US" sz="1800" b="1" dirty="0"/>
+              <a:t>package.json</a:t>
+            </a:r>
             <a:r>
               <a:rPr lang="en-US" sz="1800" dirty="0"/>
-              <a:t>version indicates the current version</a:t>
-            </a:r>
-          </a:p>
-          <a:p>
-            <a:pPr marL="169863" indent="0">
-              <a:buNone/>
-            </a:pPr>
-            <a:r>
-              <a:rPr lang="en-US" sz="1800" dirty="0"/>
-              <a:t>description is a brief description of the app/package</a:t>
-            </a:r>
-          </a:p>
-          <a:p>
-            <a:pPr marL="169863" indent="0">
-              <a:buNone/>
-            </a:pPr>
-            <a:r>
-              <a:rPr lang="en-US" sz="1800" dirty="0"/>
-              <a:t>main set the entry point for the application</a:t>
-            </a:r>
-          </a:p>
-          <a:p>
-            <a:pPr marL="169863" indent="0">
-              <a:buNone/>
-            </a:pPr>
-            <a:r>
-              <a:rPr lang="en-US" sz="1800" dirty="0"/>
-              <a:t>private if set to true prevents the app/package to be accidentally published on npm</a:t>
-            </a:r>
-          </a:p>
-          <a:p>
-            <a:pPr marL="169863" indent="0">
-              <a:buNone/>
-            </a:pPr>
+              <a:t> file for your </a:t>
+            </a:r>
+            <a:r>
+              <a:rPr lang="en-US" sz="1800"/>
+              <a:t>project.</a:t>
+            </a:r>
             <a:endParaRPr lang="en-US" sz="1800" dirty="0"/>
-          </a:p>
-        </p:txBody>
-      </p:sp>
-      <p:sp>
-        <p:nvSpPr>
-          <p:cNvPr id="4" name="Rectangle 3">
-            <a:extLst>
-              <a:ext uri="{FF2B5EF4-FFF2-40B4-BE49-F238E27FC236}">
-                <a16:creationId xmlns:a16="http://schemas.microsoft.com/office/drawing/2014/main" id="{0C71533A-4A29-47E2-A4D4-85E44356516A}"/>
-              </a:ext>
-            </a:extLst>
-          </p:cNvPr>
-          <p:cNvSpPr/>
-          <p:nvPr/>
-        </p:nvSpPr>
-        <p:spPr>
-          <a:xfrm>
-            <a:off x="1066800" y="5818971"/>
-            <a:ext cx="10058400" cy="584775"/>
-          </a:xfrm>
-          <a:prstGeom prst="rect">
-            <a:avLst/>
-          </a:prstGeom>
-        </p:spPr>
-        <p:txBody>
-          <a:bodyPr wrap="square">
-            <a:spAutoFit/>
-          </a:bodyPr>
-          <a:lstStyle/>
-          <a:p>
-            <a:r>
-              <a:rPr lang="en-US" sz="1600" b="1" dirty="0"/>
-              <a:t>Source</a:t>
-            </a:r>
-          </a:p>
-          <a:p>
-            <a:r>
-              <a:rPr lang="en-US" sz="1600" dirty="0">
-                <a:hlinkClick r:id="rId2"/>
-              </a:rPr>
-              <a:t>https://nodejs.dev/learn/the-package-json-guide</a:t>
-            </a:r>
-            <a:endParaRPr lang="en-US" sz="1600" dirty="0">
-              <a:solidFill>
-                <a:srgbClr val="00B0F0"/>
-              </a:solidFill>
-            </a:endParaRPr>
           </a:p>
         </p:txBody>
       </p:sp>
@@ -5007,7 +4926,7 @@
     </p:spTree>
     <p:extLst>
       <p:ext uri="{BB962C8B-B14F-4D97-AF65-F5344CB8AC3E}">
-        <p14:creationId xmlns:p14="http://schemas.microsoft.com/office/powerpoint/2010/main" val="3148314416"/>
+        <p14:creationId xmlns:p14="http://schemas.microsoft.com/office/powerpoint/2010/main" val="12779094"/>
       </p:ext>
     </p:extLst>
   </p:cSld>
@@ -5050,12 +4969,7 @@
             <p:ph type="title"/>
           </p:nvPr>
         </p:nvSpPr>
-        <p:spPr>
-          <a:xfrm>
-            <a:off x="664234" y="733579"/>
-            <a:ext cx="9698966" cy="1371600"/>
-          </a:xfrm>
-        </p:spPr>
+        <p:spPr/>
         <p:txBody>
           <a:bodyPr>
             <a:normAutofit/>
@@ -5087,8 +5001,8 @@
         </p:nvSpPr>
         <p:spPr>
           <a:xfrm>
-            <a:off x="1066800" y="2733472"/>
-            <a:ext cx="10058400" cy="2719061"/>
+            <a:off x="1066800" y="2103120"/>
+            <a:ext cx="10058400" cy="3715851"/>
           </a:xfrm>
         </p:spPr>
         <p:txBody>
@@ -5099,100 +5013,87 @@
           <a:p>
             <a:r>
               <a:rPr lang="en-US" sz="1800" dirty="0"/>
-              <a:t>The package.json components (not all shown in previous slide):</a:t>
-            </a:r>
-          </a:p>
-          <a:p>
-            <a:pPr marL="169863" indent="0">
-              <a:buNone/>
-            </a:pPr>
+              <a:t>The </a:t>
+            </a:r>
+            <a:r>
+              <a:rPr lang="en-US" sz="1800" b="1" dirty="0"/>
+              <a:t>package.json </a:t>
+            </a:r>
             <a:r>
               <a:rPr lang="en-US" sz="1800" dirty="0"/>
-              <a:t>scripts defines a set of node scripts you can run</a:t>
-            </a:r>
-          </a:p>
-          <a:p>
-            <a:pPr marL="169863" indent="0">
-              <a:buNone/>
-            </a:pPr>
+              <a:t>file </a:t>
+            </a:r>
+            <a:r>
+              <a:rPr lang="en-US" sz="1800"/>
+              <a:t>is manifest </a:t>
+            </a:r>
             <a:r>
               <a:rPr lang="en-US" sz="1800" dirty="0"/>
-              <a:t>dependencies sets a list of npm packages installed as dependencies</a:t>
-            </a:r>
-          </a:p>
-          <a:p>
-            <a:pPr marL="169863" indent="0">
-              <a:buNone/>
-            </a:pPr>
+              <a:t>for your project</a:t>
+            </a:r>
+            <a:r>
+              <a:rPr lang="en-US" sz="1800"/>
+              <a:t>. </a:t>
+            </a:r>
+          </a:p>
+          <a:p>
+            <a:r>
+              <a:rPr lang="en-US" sz="1800"/>
+              <a:t>It </a:t>
+            </a:r>
             <a:r>
               <a:rPr lang="en-US" sz="1800" dirty="0"/>
-              <a:t>devDependencies sets a list of npm packages installed as development dependencies</a:t>
-            </a:r>
-          </a:p>
-          <a:p>
-            <a:pPr marL="169863" indent="0">
-              <a:buNone/>
-            </a:pPr>
+              <a:t>can do a lot of things</a:t>
+            </a:r>
+            <a:r>
+              <a:rPr lang="en-US" sz="1800"/>
+              <a:t>, which may seem completely </a:t>
+            </a:r>
             <a:r>
               <a:rPr lang="en-US" sz="1800" dirty="0"/>
-              <a:t>engines sets which versions of Node.js this package/app works on</a:t>
-            </a:r>
-          </a:p>
-          <a:p>
-            <a:pPr marL="169863" indent="0">
-              <a:buNone/>
-            </a:pPr>
+              <a:t>unrelated</a:t>
+            </a:r>
+            <a:r>
+              <a:rPr lang="en-US" sz="1800"/>
+              <a:t>. </a:t>
+            </a:r>
+          </a:p>
+          <a:p>
+            <a:r>
+              <a:rPr lang="en-US" sz="1800"/>
+              <a:t>It is </a:t>
+            </a:r>
             <a:r>
               <a:rPr lang="en-US" sz="1800" dirty="0"/>
-              <a:t>browserslist is used to tell which browsers (and their versions) you want to support</a:t>
-            </a:r>
-          </a:p>
-        </p:txBody>
-      </p:sp>
-      <p:sp>
-        <p:nvSpPr>
-          <p:cNvPr id="4" name="Rectangle 3">
-            <a:extLst>
-              <a:ext uri="{FF2B5EF4-FFF2-40B4-BE49-F238E27FC236}">
-                <a16:creationId xmlns:a16="http://schemas.microsoft.com/office/drawing/2014/main" id="{0C71533A-4A29-47E2-A4D4-85E44356516A}"/>
-              </a:ext>
-            </a:extLst>
-          </p:cNvPr>
-          <p:cNvSpPr/>
-          <p:nvPr/>
-        </p:nvSpPr>
-        <p:spPr>
-          <a:xfrm>
-            <a:off x="1066800" y="5818971"/>
-            <a:ext cx="10058400" cy="584775"/>
-          </a:xfrm>
-          <a:prstGeom prst="rect">
-            <a:avLst/>
-          </a:prstGeom>
-        </p:spPr>
-        <p:txBody>
-          <a:bodyPr wrap="square">
-            <a:spAutoFit/>
-          </a:bodyPr>
-          <a:lstStyle/>
-          <a:p>
-            <a:r>
-              <a:rPr lang="en-US" sz="1600" b="1" dirty="0"/>
-              <a:t>Source</a:t>
-            </a:r>
-          </a:p>
-          <a:p>
-            <a:r>
-              <a:rPr lang="en-US" sz="1600" dirty="0">
-                <a:hlinkClick r:id="rId2"/>
-              </a:rPr>
-              <a:t>https://nodejs.dev/learn/the-package-json-guide</a:t>
-            </a:r>
-            <a:endParaRPr lang="en-US" sz="1600" dirty="0">
-              <a:solidFill>
-                <a:srgbClr val="00B0F0"/>
-              </a:solidFill>
-            </a:endParaRPr>
+              <a:t>a central repository of configuration </a:t>
+            </a:r>
+            <a:r>
+              <a:rPr lang="en-US" sz="1800"/>
+              <a:t>for tools. </a:t>
+            </a:r>
+          </a:p>
+          <a:p>
+            <a:r>
+              <a:rPr lang="en-US" sz="1800"/>
+              <a:t>It is </a:t>
+            </a:r>
+            <a:r>
+              <a:rPr lang="en-US" sz="1800" dirty="0"/>
+              <a:t>also where </a:t>
+            </a:r>
+            <a:r>
+              <a:rPr lang="en-US" sz="1800"/>
+              <a:t>npm stores </a:t>
+            </a:r>
+            <a:r>
+              <a:rPr lang="en-US" sz="1800" dirty="0"/>
+              <a:t>the names and versions </a:t>
+            </a:r>
+            <a:r>
+              <a:rPr lang="en-US" sz="1800"/>
+              <a:t>for your project's installed packages.</a:t>
+            </a:r>
+            <a:endParaRPr lang="en-US" sz="1800" dirty="0"/>
           </a:p>
         </p:txBody>
       </p:sp>
@@ -5222,7 +5123,7 @@
     </p:spTree>
     <p:extLst>
       <p:ext uri="{BB962C8B-B14F-4D97-AF65-F5344CB8AC3E}">
-        <p14:creationId xmlns:p14="http://schemas.microsoft.com/office/powerpoint/2010/main" val="453075433"/>
+        <p14:creationId xmlns:p14="http://schemas.microsoft.com/office/powerpoint/2010/main" val="13510103"/>
       </p:ext>
     </p:extLst>
   </p:cSld>
@@ -5265,12 +5166,7 @@
             <p:ph type="title"/>
           </p:nvPr>
         </p:nvSpPr>
-        <p:spPr>
-          <a:xfrm>
-            <a:off x="664234" y="733579"/>
-            <a:ext cx="9698966" cy="1371600"/>
-          </a:xfrm>
-        </p:spPr>
+        <p:spPr/>
         <p:txBody>
           <a:bodyPr>
             <a:normAutofit/>
@@ -5279,8 +5175,13 @@
           <a:p>
             <a:r>
               <a:rPr lang="en-US" u="sng" dirty="0"/>
-              <a:t>npm install</a:t>
-            </a:r>
+              <a:t>package</a:t>
+            </a:r>
+            <a:r>
+              <a:rPr lang="en-US" u="sng"/>
+              <a:t>.json example</a:t>
+            </a:r>
+            <a:endParaRPr lang="en-US" u="sng" dirty="0"/>
           </a:p>
         </p:txBody>
       </p:sp>
@@ -5302,83 +5203,254 @@
         </p:nvSpPr>
         <p:spPr>
           <a:xfrm>
-            <a:off x="1066800" y="2733472"/>
-            <a:ext cx="10058400" cy="2719061"/>
+            <a:off x="1066800" y="1937857"/>
+            <a:ext cx="10058400" cy="4169328"/>
           </a:xfrm>
         </p:spPr>
         <p:txBody>
           <a:bodyPr>
-            <a:normAutofit/>
+            <a:noAutofit/>
           </a:bodyPr>
           <a:lstStyle/>
           <a:p>
-            <a:r>
-              <a:rPr lang="en-US" sz="1800" dirty="0"/>
-              <a:t>Use the </a:t>
-            </a:r>
+            <a:pPr marL="0" indent="0">
+              <a:lnSpc>
+                <a:spcPct val="120000"/>
+              </a:lnSpc>
+              <a:spcBef>
+                <a:spcPts val="0"/>
+              </a:spcBef>
+              <a:buNone/>
+            </a:pPr>
+            <a:r>
+              <a:rPr lang="en-US" sz="1800">
+                <a:latin typeface="Consolas" panose="020B0609020204030204" pitchFamily="49" charset="0"/>
+              </a:rPr>
+              <a:t>{</a:t>
+            </a:r>
+            <a:endParaRPr lang="en-US" sz="1800" dirty="0">
+              <a:latin typeface="Consolas" panose="020B0609020204030204" pitchFamily="49" charset="0"/>
+            </a:endParaRPr>
+          </a:p>
+          <a:p>
+            <a:pPr marL="0" indent="0">
+              <a:lnSpc>
+                <a:spcPct val="120000"/>
+              </a:lnSpc>
+              <a:spcBef>
+                <a:spcPts val="0"/>
+              </a:spcBef>
+              <a:buNone/>
+            </a:pPr>
             <a:r>
               <a:rPr lang="en-US" sz="1800" dirty="0">
                 <a:latin typeface="Consolas" panose="020B0609020204030204" pitchFamily="49" charset="0"/>
               </a:rPr>
-              <a:t>npm install &lt;package-name&gt;</a:t>
-            </a:r>
-            <a:r>
-              <a:rPr lang="en-US" sz="1800" dirty="0"/>
-              <a:t> (or “i” instead of install) to install &lt;package-name&gt; an npm package and declare it as a dependency in the package.json file</a:t>
-            </a:r>
-          </a:p>
-          <a:p>
-            <a:pPr marL="169863" indent="0">
+              <a:t>  "name": "nodeone",</a:t>
+            </a:r>
+          </a:p>
+          <a:p>
+            <a:pPr marL="0" indent="0">
+              <a:lnSpc>
+                <a:spcPct val="120000"/>
+              </a:lnSpc>
+              <a:spcBef>
+                <a:spcPts val="0"/>
+              </a:spcBef>
               <a:buNone/>
             </a:pPr>
-            <a:endParaRPr lang="en-US" sz="1800" dirty="0"/>
-          </a:p>
-        </p:txBody>
-      </p:sp>
-      <p:sp>
-        <p:nvSpPr>
-          <p:cNvPr id="4" name="Rectangle 3">
-            <a:extLst>
-              <a:ext uri="{FF2B5EF4-FFF2-40B4-BE49-F238E27FC236}">
-                <a16:creationId xmlns:a16="http://schemas.microsoft.com/office/drawing/2014/main" id="{0C71533A-4A29-47E2-A4D4-85E44356516A}"/>
-              </a:ext>
-            </a:extLst>
-          </p:cNvPr>
-          <p:cNvSpPr/>
-          <p:nvPr/>
-        </p:nvSpPr>
-        <p:spPr>
-          <a:xfrm>
-            <a:off x="1066800" y="5818971"/>
-            <a:ext cx="10058400" cy="584775"/>
-          </a:xfrm>
-          <a:prstGeom prst="rect">
-            <a:avLst/>
-          </a:prstGeom>
-        </p:spPr>
-        <p:txBody>
-          <a:bodyPr wrap="square">
-            <a:spAutoFit/>
-          </a:bodyPr>
-          <a:lstStyle/>
-          <a:p>
-            <a:r>
-              <a:rPr lang="en-US" sz="1600" b="1" dirty="0"/>
-              <a:t>Source</a:t>
-            </a:r>
-          </a:p>
-          <a:p>
-            <a:r>
-              <a:rPr lang="en-US" sz="1600" dirty="0">
-                <a:hlinkClick r:id="rId2"/>
+            <a:r>
+              <a:rPr lang="en-US" sz="1800" dirty="0">
+                <a:latin typeface="Consolas" panose="020B0609020204030204" pitchFamily="49" charset="0"/>
               </a:rPr>
-              <a:t>https://nodejs.dev/learn/the-package-json-guide</a:t>
-            </a:r>
-            <a:endParaRPr lang="en-US" sz="1600" dirty="0">
-              <a:solidFill>
-                <a:srgbClr val="00B0F0"/>
-              </a:solidFill>
+              <a:t>  "version": "1.0.0",</a:t>
+            </a:r>
+          </a:p>
+          <a:p>
+            <a:pPr marL="0" indent="0">
+              <a:lnSpc>
+                <a:spcPct val="120000"/>
+              </a:lnSpc>
+              <a:spcBef>
+                <a:spcPts val="0"/>
+              </a:spcBef>
+              <a:buNone/>
+            </a:pPr>
+            <a:r>
+              <a:rPr lang="en-US" sz="1800" dirty="0">
+                <a:latin typeface="Consolas" panose="020B0609020204030204" pitchFamily="49" charset="0"/>
+              </a:rPr>
+              <a:t>  "description": "This project creates a simple node.js web server",</a:t>
+            </a:r>
+          </a:p>
+          <a:p>
+            <a:pPr marL="0" indent="0">
+              <a:lnSpc>
+                <a:spcPct val="120000"/>
+              </a:lnSpc>
+              <a:spcBef>
+                <a:spcPts val="0"/>
+              </a:spcBef>
+              <a:buNone/>
+            </a:pPr>
+            <a:r>
+              <a:rPr lang="en-US" sz="1800" dirty="0">
+                <a:latin typeface="Consolas" panose="020B0609020204030204" pitchFamily="49" charset="0"/>
+              </a:rPr>
+              <a:t>  "main</a:t>
+            </a:r>
+            <a:r>
+              <a:rPr lang="en-US" sz="1800">
+                <a:latin typeface="Consolas" panose="020B0609020204030204" pitchFamily="49" charset="0"/>
+              </a:rPr>
+              <a:t>": "server.</a:t>
+            </a:r>
+            <a:r>
+              <a:rPr lang="en-US" sz="1800" dirty="0">
+                <a:latin typeface="Consolas" panose="020B0609020204030204" pitchFamily="49" charset="0"/>
+              </a:rPr>
+              <a:t>js",</a:t>
+            </a:r>
+          </a:p>
+          <a:p>
+            <a:pPr marL="0" indent="0">
+              <a:lnSpc>
+                <a:spcPct val="120000"/>
+              </a:lnSpc>
+              <a:spcBef>
+                <a:spcPts val="0"/>
+              </a:spcBef>
+              <a:buNone/>
+            </a:pPr>
+            <a:r>
+              <a:rPr lang="en-US" sz="1800" dirty="0">
+                <a:latin typeface="Consolas" panose="020B0609020204030204" pitchFamily="49" charset="0"/>
+              </a:rPr>
+              <a:t>  "scripts</a:t>
+            </a:r>
+            <a:r>
+              <a:rPr lang="en-US" sz="1800">
+                <a:latin typeface="Consolas" panose="020B0609020204030204" pitchFamily="49" charset="0"/>
+              </a:rPr>
+              <a:t>": {</a:t>
+            </a:r>
+          </a:p>
+          <a:p>
+            <a:pPr marL="0" indent="0">
+              <a:lnSpc>
+                <a:spcPct val="120000"/>
+              </a:lnSpc>
+              <a:spcBef>
+                <a:spcPts val="0"/>
+              </a:spcBef>
+              <a:buNone/>
+            </a:pPr>
+            <a:r>
+              <a:rPr lang="en-US" sz="1800">
+                <a:latin typeface="Consolas" panose="020B0609020204030204" pitchFamily="49" charset="0"/>
+              </a:rPr>
+              <a:t>    "start": "node server.js",</a:t>
+            </a:r>
+          </a:p>
+          <a:p>
+            <a:pPr marL="0" indent="0">
+              <a:lnSpc>
+                <a:spcPct val="120000"/>
+              </a:lnSpc>
+              <a:spcBef>
+                <a:spcPts val="0"/>
+              </a:spcBef>
+              <a:buNone/>
+            </a:pPr>
+            <a:r>
+              <a:rPr lang="en-US" sz="1800">
+                <a:latin typeface="Consolas" panose="020B0609020204030204" pitchFamily="49" charset="0"/>
+              </a:rPr>
+              <a:t>    "nodemon": "nodemon server.js"</a:t>
+            </a:r>
+          </a:p>
+          <a:p>
+            <a:pPr marL="0" indent="0">
+              <a:lnSpc>
+                <a:spcPct val="120000"/>
+              </a:lnSpc>
+              <a:spcBef>
+                <a:spcPts val="0"/>
+              </a:spcBef>
+              <a:buNone/>
+            </a:pPr>
+            <a:r>
+              <a:rPr lang="en-US" sz="1800">
+                <a:latin typeface="Consolas" panose="020B0609020204030204" pitchFamily="49" charset="0"/>
+              </a:rPr>
+              <a:t>  },</a:t>
+            </a:r>
+          </a:p>
+          <a:p>
+            <a:pPr marL="0" indent="0">
+              <a:lnSpc>
+                <a:spcPct val="120000"/>
+              </a:lnSpc>
+              <a:spcBef>
+                <a:spcPts val="0"/>
+              </a:spcBef>
+              <a:buNone/>
+            </a:pPr>
+            <a:r>
+              <a:rPr lang="en-US" sz="1800">
+                <a:latin typeface="Consolas" panose="020B0609020204030204" pitchFamily="49" charset="0"/>
+              </a:rPr>
+              <a:t>  </a:t>
+            </a:r>
+            <a:r>
+              <a:rPr lang="en-US" sz="1800" dirty="0">
+                <a:latin typeface="Consolas" panose="020B0609020204030204" pitchFamily="49" charset="0"/>
+              </a:rPr>
+              <a:t>"author</a:t>
+            </a:r>
+            <a:r>
+              <a:rPr lang="en-US" sz="1800">
+                <a:latin typeface="Consolas" panose="020B0609020204030204" pitchFamily="49" charset="0"/>
+              </a:rPr>
+              <a:t>": "Ranken",</a:t>
+            </a:r>
+            <a:endParaRPr lang="en-US" sz="1800" dirty="0">
+              <a:latin typeface="Consolas" panose="020B0609020204030204" pitchFamily="49" charset="0"/>
             </a:endParaRPr>
+          </a:p>
+          <a:p>
+            <a:pPr marL="0" indent="0">
+              <a:lnSpc>
+                <a:spcPct val="120000"/>
+              </a:lnSpc>
+              <a:spcBef>
+                <a:spcPts val="0"/>
+              </a:spcBef>
+              <a:buNone/>
+            </a:pPr>
+            <a:r>
+              <a:rPr lang="en-US" sz="1800" dirty="0">
+                <a:latin typeface="Consolas" panose="020B0609020204030204" pitchFamily="49" charset="0"/>
+              </a:rPr>
+              <a:t>  "license": "ISC"</a:t>
+            </a:r>
+          </a:p>
+          <a:p>
+            <a:pPr marL="0" indent="0">
+              <a:lnSpc>
+                <a:spcPct val="120000"/>
+              </a:lnSpc>
+              <a:spcBef>
+                <a:spcPts val="0"/>
+              </a:spcBef>
+              <a:buNone/>
+            </a:pPr>
+            <a:r>
+              <a:rPr lang="en-US" sz="1800" dirty="0">
+                <a:latin typeface="Consolas" panose="020B0609020204030204" pitchFamily="49" charset="0"/>
+              </a:rPr>
+              <a:t>}</a:t>
+            </a:r>
           </a:p>
         </p:txBody>
       </p:sp>
@@ -5405,34 +5477,10 @@
           </a:p>
         </p:txBody>
       </p:sp>
-      <p:pic>
-        <p:nvPicPr>
-          <p:cNvPr id="6" name="Picture 5"/>
-          <p:cNvPicPr>
-            <a:picLocks noChangeAspect="1"/>
-          </p:cNvPicPr>
-          <p:nvPr/>
-        </p:nvPicPr>
-        <p:blipFill>
-          <a:blip r:embed="rId3"/>
-          <a:stretch>
-            <a:fillRect/>
-          </a:stretch>
-        </p:blipFill>
-        <p:spPr>
-          <a:xfrm>
-            <a:off x="1177396" y="3476873"/>
-            <a:ext cx="9837208" cy="1977133"/>
-          </a:xfrm>
-          <a:prstGeom prst="rect">
-            <a:avLst/>
-          </a:prstGeom>
-        </p:spPr>
-      </p:pic>
     </p:spTree>
     <p:extLst>
       <p:ext uri="{BB962C8B-B14F-4D97-AF65-F5344CB8AC3E}">
-        <p14:creationId xmlns:p14="http://schemas.microsoft.com/office/powerpoint/2010/main" val="4150909313"/>
+        <p14:creationId xmlns:p14="http://schemas.microsoft.com/office/powerpoint/2010/main" val="3089513830"/>
       </p:ext>
     </p:extLst>
   </p:cSld>
@@ -5475,12 +5523,7 @@
             <p:ph type="title"/>
           </p:nvPr>
         </p:nvSpPr>
-        <p:spPr>
-          <a:xfrm>
-            <a:off x="664234" y="733579"/>
-            <a:ext cx="9698966" cy="1371600"/>
-          </a:xfrm>
-        </p:spPr>
+        <p:spPr/>
         <p:txBody>
           <a:bodyPr>
             <a:normAutofit/>
@@ -5512,8 +5555,8 @@
         </p:nvSpPr>
         <p:spPr>
           <a:xfrm>
-            <a:off x="1066800" y="2733472"/>
-            <a:ext cx="10058400" cy="2719061"/>
+            <a:off x="1066800" y="2103120"/>
+            <a:ext cx="10058400" cy="950631"/>
           </a:xfrm>
         </p:spPr>
         <p:txBody>
@@ -5522,19 +5565,49 @@
           </a:bodyPr>
           <a:lstStyle/>
           <a:p>
-            <a:r>
-              <a:rPr lang="en-US" sz="1800" dirty="0"/>
-              <a:t>Use the </a:t>
-            </a:r>
-            <a:r>
-              <a:rPr lang="en-US" sz="1800" dirty="0">
+            <a:pPr marL="0" indent="0">
+              <a:buNone/>
+            </a:pPr>
+            <a:r>
+              <a:rPr lang="en-US" sz="1800"/>
+              <a:t>Run the command </a:t>
+            </a:r>
+            <a:r>
+              <a:rPr lang="en-US" sz="1800" b="1" dirty="0">
                 <a:latin typeface="Consolas" panose="020B0609020204030204" pitchFamily="49" charset="0"/>
               </a:rPr>
-              <a:t>npm install &lt;package-name&gt;</a:t>
+              <a:t>npm install &lt;package-name</a:t>
+            </a:r>
+            <a:r>
+              <a:rPr lang="en-US" sz="1800" b="1">
+                <a:latin typeface="Consolas" panose="020B0609020204030204" pitchFamily="49" charset="0"/>
+              </a:rPr>
+              <a:t>&gt;</a:t>
+            </a:r>
+            <a:r>
+              <a:rPr lang="en-US" sz="1800"/>
+              <a:t> </a:t>
+            </a:r>
+          </a:p>
+          <a:p>
+            <a:pPr marL="0" indent="0">
+              <a:buNone/>
+            </a:pPr>
+            <a:r>
+              <a:rPr lang="en-US" sz="1800"/>
+              <a:t>to install an </a:t>
             </a:r>
             <a:r>
               <a:rPr lang="en-US" sz="1800" dirty="0"/>
-              <a:t> (or “i” instead of install) to install &lt;package-name&gt; an npm package and declare it as a dependency in the package.json file  After running the command on the previous page, the following dependency was added to the package.json file:.</a:t>
+              <a:t>npm package </a:t>
+            </a:r>
+            <a:r>
+              <a:rPr lang="en-US" sz="1800"/>
+              <a:t>and declare </a:t>
+            </a:r>
+            <a:r>
+              <a:rPr lang="en-US" sz="1800" dirty="0"/>
+              <a:t>it as a dependency in the package.json file</a:t>
             </a:r>
           </a:p>
           <a:p>
@@ -5542,59 +5615,6 @@
               <a:buNone/>
             </a:pPr>
             <a:endParaRPr lang="en-US" sz="1800" dirty="0"/>
-          </a:p>
-          <a:p>
-            <a:pPr marL="169863" indent="0">
-              <a:buNone/>
-            </a:pPr>
-            <a:endParaRPr lang="en-US" sz="1800" dirty="0"/>
-          </a:p>
-        </p:txBody>
-      </p:sp>
-      <p:sp>
-        <p:nvSpPr>
-          <p:cNvPr id="4" name="Rectangle 3">
-            <a:extLst>
-              <a:ext uri="{FF2B5EF4-FFF2-40B4-BE49-F238E27FC236}">
-                <a16:creationId xmlns:a16="http://schemas.microsoft.com/office/drawing/2014/main" id="{0C71533A-4A29-47E2-A4D4-85E44356516A}"/>
-              </a:ext>
-            </a:extLst>
-          </p:cNvPr>
-          <p:cNvSpPr/>
-          <p:nvPr/>
-        </p:nvSpPr>
-        <p:spPr>
-          <a:xfrm>
-            <a:off x="1066800" y="5818971"/>
-            <a:ext cx="10058400" cy="584775"/>
-          </a:xfrm>
-          <a:prstGeom prst="rect">
-            <a:avLst/>
-          </a:prstGeom>
-        </p:spPr>
-        <p:txBody>
-          <a:bodyPr wrap="square">
-            <a:spAutoFit/>
-          </a:bodyPr>
-          <a:lstStyle/>
-          <a:p>
-            <a:r>
-              <a:rPr lang="en-US" sz="1600" b="1" dirty="0"/>
-              <a:t>Source</a:t>
-            </a:r>
-          </a:p>
-          <a:p>
-            <a:r>
-              <a:rPr lang="en-US" sz="1600" dirty="0">
-                <a:hlinkClick r:id="rId2"/>
-              </a:rPr>
-              <a:t>https://nodejs.dev/learn/the-package-json-guide</a:t>
-            </a:r>
-            <a:endParaRPr lang="en-US" sz="1600" dirty="0">
-              <a:solidFill>
-                <a:srgbClr val="00B0F0"/>
-              </a:solidFill>
-            </a:endParaRPr>
           </a:p>
         </p:txBody>
       </p:sp>
@@ -5621,24 +5641,80 @@
           </a:p>
         </p:txBody>
       </p:sp>
+      <p:sp>
+        <p:nvSpPr>
+          <p:cNvPr id="7" name="TextBox 6">
+            <a:extLst>
+              <a:ext uri="{FF2B5EF4-FFF2-40B4-BE49-F238E27FC236}">
+                <a16:creationId xmlns:a16="http://schemas.microsoft.com/office/drawing/2014/main" id="{8A7A871A-C4B6-4FBD-947F-5AF02D8A79B0}"/>
+              </a:ext>
+            </a:extLst>
+          </p:cNvPr>
+          <p:cNvSpPr txBox="1"/>
+          <p:nvPr/>
+        </p:nvSpPr>
+        <p:spPr>
+          <a:xfrm>
+            <a:off x="7743645" y="5177813"/>
+            <a:ext cx="3381555" cy="523220"/>
+          </a:xfrm>
+          <a:prstGeom prst="rect">
+            <a:avLst/>
+          </a:prstGeom>
+          <a:noFill/>
+          <a:ln>
+            <a:solidFill>
+              <a:schemeClr val="tx1"/>
+            </a:solidFill>
+          </a:ln>
+        </p:spPr>
+        <p:txBody>
+          <a:bodyPr wrap="square" rtlCol="0">
+            <a:spAutoFit/>
+          </a:bodyPr>
+          <a:lstStyle/>
+          <a:p>
+            <a:r>
+              <a:rPr lang="en-US" sz="1400"/>
+              <a:t>You can also enter this command as </a:t>
+            </a:r>
+            <a:r>
+              <a:rPr lang="en-US" sz="1400" b="1">
+                <a:latin typeface="Consolas" panose="020B0609020204030204" pitchFamily="49" charset="0"/>
+              </a:rPr>
+              <a:t>npm i &lt;package-name&gt; </a:t>
+            </a:r>
+            <a:r>
+              <a:rPr lang="en-US" sz="1400"/>
+              <a:t>for brevity</a:t>
+            </a:r>
+          </a:p>
+        </p:txBody>
+      </p:sp>
       <p:pic>
         <p:nvPicPr>
-          <p:cNvPr id="7" name="Picture 6"/>
+          <p:cNvPr id="9" name="Picture 8">
+            <a:extLst>
+              <a:ext uri="{FF2B5EF4-FFF2-40B4-BE49-F238E27FC236}">
+                <a16:creationId xmlns:a16="http://schemas.microsoft.com/office/drawing/2014/main" id="{28C0400A-44D5-4785-973B-FEC8A3E08AB2}"/>
+              </a:ext>
+            </a:extLst>
+          </p:cNvPr>
           <p:cNvPicPr>
             <a:picLocks noChangeAspect="1"/>
           </p:cNvPicPr>
           <p:nvPr/>
         </p:nvPicPr>
         <p:blipFill>
-          <a:blip r:embed="rId3"/>
+          <a:blip r:embed="rId2"/>
           <a:stretch>
             <a:fillRect/>
           </a:stretch>
         </p:blipFill>
         <p:spPr>
           <a:xfrm>
-            <a:off x="1331383" y="4207934"/>
-            <a:ext cx="3619500" cy="1066800"/>
+            <a:off x="1066800" y="3205507"/>
+            <a:ext cx="10163175" cy="1638300"/>
           </a:xfrm>
           <a:prstGeom prst="rect">
             <a:avLst/>
@@ -5648,7 +5724,7 @@
     </p:spTree>
     <p:extLst>
       <p:ext uri="{BB962C8B-B14F-4D97-AF65-F5344CB8AC3E}">
-        <p14:creationId xmlns:p14="http://schemas.microsoft.com/office/powerpoint/2010/main" val="944897051"/>
+        <p14:creationId xmlns:p14="http://schemas.microsoft.com/office/powerpoint/2010/main" val="4150909313"/>
       </p:ext>
     </p:extLst>
   </p:cSld>
@@ -5691,12 +5767,7 @@
             <p:ph type="title"/>
           </p:nvPr>
         </p:nvSpPr>
-        <p:spPr>
-          <a:xfrm>
-            <a:off x="664234" y="733579"/>
-            <a:ext cx="9698966" cy="1371600"/>
-          </a:xfrm>
-        </p:spPr>
+        <p:spPr/>
         <p:txBody>
           <a:bodyPr>
             <a:normAutofit/>
@@ -5704,9 +5775,10 @@
           <a:lstStyle/>
           <a:p>
             <a:r>
-              <a:rPr lang="en-US" u="sng" dirty="0"/>
-              <a:t>npm install with -g flag</a:t>
-            </a:r>
+              <a:rPr lang="en-US" u="sng"/>
+              <a:t>dependencies</a:t>
+            </a:r>
+            <a:endParaRPr lang="en-US" u="sng" dirty="0"/>
           </a:p>
         </p:txBody>
       </p:sp>
@@ -5728,8 +5800,8 @@
         </p:nvSpPr>
         <p:spPr>
           <a:xfrm>
-            <a:off x="1066800" y="2733472"/>
-            <a:ext cx="10058400" cy="2719061"/>
+            <a:off x="1066800" y="2103120"/>
+            <a:ext cx="7783902" cy="913463"/>
           </a:xfrm>
         </p:spPr>
         <p:txBody>
@@ -5738,114 +5810,114 @@
           </a:bodyPr>
           <a:lstStyle/>
           <a:p>
+            <a:pPr marL="0" indent="0">
+              <a:buNone/>
+            </a:pPr>
+            <a:r>
+              <a:rPr lang="en-US" sz="1800"/>
+              <a:t>After running the </a:t>
+            </a:r>
+            <a:r>
+              <a:rPr lang="en-US" sz="1800" b="1"/>
+              <a:t>npm install</a:t>
+            </a:r>
+            <a:r>
+              <a:rPr lang="en-US" sz="1800"/>
+              <a:t> command, </a:t>
+            </a:r>
             <a:r>
               <a:rPr lang="en-US" sz="1800" dirty="0"/>
-              <a:t>-g is the global install flag, which makes the package available to all projects without having to do individual installs.  Some "rules of thumb":</a:t>
-            </a:r>
-          </a:p>
-          <a:p>
-            <a:pPr marL="228600" indent="0">
+              <a:t>the following dependency was added to the </a:t>
+            </a:r>
+            <a:r>
+              <a:rPr lang="en-US" sz="1800" b="1" dirty="0">
+                <a:latin typeface="Consolas" panose="020B0609020204030204" pitchFamily="49" charset="0"/>
+              </a:rPr>
+              <a:t>package.</a:t>
+            </a:r>
+            <a:r>
+              <a:rPr lang="en-US" sz="1800" b="1">
+                <a:latin typeface="Consolas" panose="020B0609020204030204" pitchFamily="49" charset="0"/>
+              </a:rPr>
+              <a:t>json </a:t>
+            </a:r>
+            <a:r>
+              <a:rPr lang="en-US" sz="1800"/>
+              <a:t>file</a:t>
+            </a:r>
+            <a:endParaRPr lang="en-US" sz="1800" dirty="0"/>
+          </a:p>
+          <a:p>
+            <a:pPr marL="169863" indent="0">
               <a:buNone/>
             </a:pPr>
-            <a:r>
-              <a:rPr lang="en-US" sz="1800" dirty="0"/>
-              <a:t>Install globally if the package provides command-line tools</a:t>
-            </a:r>
-          </a:p>
-          <a:p>
-            <a:pPr marL="228600" indent="0">
+            <a:endParaRPr lang="en-US" sz="1800" dirty="0"/>
+          </a:p>
+          <a:p>
+            <a:pPr marL="169863" indent="0">
               <a:buNone/>
             </a:pPr>
-            <a:r>
-              <a:rPr lang="en-US" sz="1800" dirty="0"/>
-              <a:t>Install locally if you're using the package as part of your application</a:t>
-            </a:r>
-          </a:p>
-          <a:p>
-            <a:pPr marL="228600" indent="0">
-              <a:buNone/>
-            </a:pPr>
-            <a:r>
-              <a:rPr lang="en-US" sz="1800" dirty="0"/>
-              <a:t>Install globally and locally if both use-cases apply</a:t>
-            </a:r>
-          </a:p>
-        </p:txBody>
-      </p:sp>
-      <p:sp>
-        <p:nvSpPr>
-          <p:cNvPr id="4" name="Rectangle 3">
+            <a:endParaRPr lang="en-US" sz="1800" dirty="0"/>
+          </a:p>
+        </p:txBody>
+      </p:sp>
+      <p:sp>
+        <p:nvSpPr>
+          <p:cNvPr id="5" name="Slide Number Placeholder 4"/>
+          <p:cNvSpPr>
+            <a:spLocks noGrp="1"/>
+          </p:cNvSpPr>
+          <p:nvPr>
+            <p:ph type="sldNum" sz="quarter" idx="12"/>
+          </p:nvPr>
+        </p:nvSpPr>
+        <p:spPr/>
+        <p:txBody>
+          <a:bodyPr/>
+          <a:lstStyle/>
+          <a:p>
+            <a:fld id="{34B7E4EF-A1BD-40F4-AB7B-04F084DD991D}" type="slidenum">
+              <a:rPr lang="en-US" smtClean="0"/>
+              <a:t>14</a:t>
+            </a:fld>
+            <a:endParaRPr lang="en-US" dirty="0"/>
+          </a:p>
+        </p:txBody>
+      </p:sp>
+      <p:pic>
+        <p:nvPicPr>
+          <p:cNvPr id="8" name="Picture 7">
             <a:extLst>
               <a:ext uri="{FF2B5EF4-FFF2-40B4-BE49-F238E27FC236}">
-                <a16:creationId xmlns:a16="http://schemas.microsoft.com/office/drawing/2014/main" id="{0C71533A-4A29-47E2-A4D4-85E44356516A}"/>
+                <a16:creationId xmlns:a16="http://schemas.microsoft.com/office/drawing/2014/main" id="{6E4AFD46-5EE6-4EB6-A0BD-87B59FEF3F8A}"/>
               </a:ext>
             </a:extLst>
           </p:cNvPr>
-          <p:cNvSpPr/>
+          <p:cNvPicPr>
+            <a:picLocks noChangeAspect="1"/>
+          </p:cNvPicPr>
           <p:nvPr/>
-        </p:nvSpPr>
+        </p:nvPicPr>
+        <p:blipFill>
+          <a:blip r:embed="rId2"/>
+          <a:stretch>
+            <a:fillRect/>
+          </a:stretch>
+        </p:blipFill>
         <p:spPr>
           <a:xfrm>
-            <a:off x="1066800" y="5818971"/>
-            <a:ext cx="10058400" cy="584775"/>
+            <a:off x="1584385" y="3429000"/>
+            <a:ext cx="3771900" cy="1219200"/>
           </a:xfrm>
           <a:prstGeom prst="rect">
             <a:avLst/>
           </a:prstGeom>
         </p:spPr>
-        <p:txBody>
-          <a:bodyPr wrap="square">
-            <a:spAutoFit/>
-          </a:bodyPr>
-          <a:lstStyle/>
-          <a:p>
-            <a:r>
-              <a:rPr lang="en-US" sz="1600" b="1" dirty="0"/>
-              <a:t>Source</a:t>
-            </a:r>
-          </a:p>
-          <a:p>
-            <a:r>
-              <a:rPr lang="en-US" sz="1600" dirty="0">
-                <a:hlinkClick r:id="rId2"/>
-              </a:rPr>
-              <a:t>https://stackoverflow.com/questions/8909986/when-should-i-use-npm-with-g-flag-and-why</a:t>
-            </a:r>
-            <a:endParaRPr lang="en-US" sz="1600" dirty="0">
-              <a:solidFill>
-                <a:srgbClr val="00B0F0"/>
-              </a:solidFill>
-            </a:endParaRPr>
-          </a:p>
-        </p:txBody>
-      </p:sp>
-      <p:sp>
-        <p:nvSpPr>
-          <p:cNvPr id="5" name="Slide Number Placeholder 4"/>
-          <p:cNvSpPr>
-            <a:spLocks noGrp="1"/>
-          </p:cNvSpPr>
-          <p:nvPr>
-            <p:ph type="sldNum" sz="quarter" idx="12"/>
-          </p:nvPr>
-        </p:nvSpPr>
-        <p:spPr/>
-        <p:txBody>
-          <a:bodyPr/>
-          <a:lstStyle/>
-          <a:p>
-            <a:fld id="{34B7E4EF-A1BD-40F4-AB7B-04F084DD991D}" type="slidenum">
-              <a:rPr lang="en-US" smtClean="0"/>
-              <a:t>14</a:t>
-            </a:fld>
-            <a:endParaRPr lang="en-US" dirty="0"/>
-          </a:p>
-        </p:txBody>
-      </p:sp>
+      </p:pic>
     </p:spTree>
     <p:extLst>
       <p:ext uri="{BB962C8B-B14F-4D97-AF65-F5344CB8AC3E}">
-        <p14:creationId xmlns:p14="http://schemas.microsoft.com/office/powerpoint/2010/main" val="1301077588"/>
+        <p14:creationId xmlns:p14="http://schemas.microsoft.com/office/powerpoint/2010/main" val="944897051"/>
       </p:ext>
     </p:extLst>
   </p:cSld>
@@ -5888,12 +5960,7 @@
             <p:ph type="title"/>
           </p:nvPr>
         </p:nvSpPr>
-        <p:spPr>
-          <a:xfrm>
-            <a:off x="664234" y="733579"/>
-            <a:ext cx="9698966" cy="1371600"/>
-          </a:xfrm>
-        </p:spPr>
+        <p:spPr/>
         <p:txBody>
           <a:bodyPr>
             <a:normAutofit/>
@@ -5902,8 +5969,13 @@
           <a:p>
             <a:r>
               <a:rPr lang="en-US" u="sng" dirty="0"/>
-              <a:t>npm install with -D flag</a:t>
-            </a:r>
+              <a:t>npm </a:t>
+            </a:r>
+            <a:r>
+              <a:rPr lang="en-US" u="sng"/>
+              <a:t>install -g</a:t>
+            </a:r>
+            <a:endParaRPr lang="en-US" u="sng" dirty="0"/>
           </a:p>
         </p:txBody>
       </p:sp>
@@ -5923,77 +5995,83 @@
             <p:ph idx="1"/>
           </p:nvPr>
         </p:nvSpPr>
-        <p:spPr>
-          <a:xfrm>
-            <a:off x="1066800" y="2733472"/>
-            <a:ext cx="10058400" cy="2719061"/>
-          </a:xfrm>
-        </p:spPr>
+        <p:spPr/>
         <p:txBody>
           <a:bodyPr>
             <a:normAutofit/>
           </a:bodyPr>
           <a:lstStyle/>
           <a:p>
+            <a:pPr marL="0" indent="0">
+              <a:buNone/>
+            </a:pPr>
+            <a:r>
+              <a:rPr lang="en-US" sz="1800" b="1" dirty="0"/>
+              <a:t>-g </a:t>
+            </a:r>
             <a:r>
               <a:rPr lang="en-US" sz="1800" dirty="0"/>
-              <a:t>-D is the development install flag, which means the package will be loaded as a development dependency and will not be included when the project goes </a:t>
-            </a:r>
-            <a:r>
-              <a:rPr lang="en-US" sz="1800" i="1" dirty="0"/>
-              <a:t>live</a:t>
-            </a:r>
+              <a:t>is the global install flag, which makes the package available to all projects without having to do individual installs</a:t>
+            </a:r>
+            <a:r>
+              <a:rPr lang="en-US" sz="1800"/>
+              <a:t>.  </a:t>
+            </a:r>
+          </a:p>
+          <a:p>
+            <a:pPr marL="0" indent="0">
+              <a:buNone/>
+            </a:pPr>
+            <a:endParaRPr lang="en-US" sz="1800"/>
+          </a:p>
+          <a:p>
+            <a:pPr marL="0" indent="0">
+              <a:buNone/>
+            </a:pPr>
+            <a:r>
+              <a:rPr lang="en-US" sz="1800" b="1"/>
+              <a:t>Some rules of thumb:</a:t>
+            </a:r>
+            <a:endParaRPr lang="en-US" sz="1800" b="1" dirty="0"/>
+          </a:p>
+          <a:p>
+            <a:pPr marL="228600" indent="0">
+              <a:buNone/>
+            </a:pPr>
             <a:r>
               <a:rPr lang="en-US" sz="1800" dirty="0"/>
-              <a:t> on a real server</a:t>
-            </a:r>
-          </a:p>
-        </p:txBody>
-      </p:sp>
-      <p:sp>
-        <p:nvSpPr>
-          <p:cNvPr id="4" name="Rectangle 3">
-            <a:extLst>
-              <a:ext uri="{FF2B5EF4-FFF2-40B4-BE49-F238E27FC236}">
-                <a16:creationId xmlns:a16="http://schemas.microsoft.com/office/drawing/2014/main" id="{0C71533A-4A29-47E2-A4D4-85E44356516A}"/>
-              </a:ext>
-            </a:extLst>
-          </p:cNvPr>
-          <p:cNvSpPr/>
-          <p:nvPr/>
-        </p:nvSpPr>
-        <p:spPr>
-          <a:xfrm>
-            <a:off x="1066800" y="5818971"/>
-            <a:ext cx="10058400" cy="584775"/>
-          </a:xfrm>
-          <a:prstGeom prst="rect">
-            <a:avLst/>
-          </a:prstGeom>
-        </p:spPr>
-        <p:txBody>
-          <a:bodyPr wrap="square">
-            <a:spAutoFit/>
-          </a:bodyPr>
-          <a:lstStyle/>
-          <a:p>
-            <a:r>
-              <a:rPr lang="en-US" sz="1600" b="1" dirty="0"/>
-              <a:t>Source</a:t>
-            </a:r>
-          </a:p>
-          <a:p>
-            <a:r>
-              <a:rPr lang="en-US" sz="1600" dirty="0">
-                <a:hlinkClick r:id="rId2"/>
-              </a:rPr>
-              <a:t>https://nodejs.dev/learn/the-package-json-guide</a:t>
-            </a:r>
-            <a:endParaRPr lang="en-US" sz="1600" dirty="0">
-              <a:solidFill>
-                <a:srgbClr val="00B0F0"/>
-              </a:solidFill>
-            </a:endParaRPr>
+              <a:t>Install globally if the </a:t>
+            </a:r>
+            <a:r>
+              <a:rPr lang="en-US" sz="1800"/>
+              <a:t>package provides </a:t>
+            </a:r>
+            <a:r>
+              <a:rPr lang="en-US" sz="1800" dirty="0"/>
+              <a:t>command-line tools</a:t>
+            </a:r>
+          </a:p>
+          <a:p>
+            <a:pPr marL="228600" indent="0">
+              <a:buNone/>
+            </a:pPr>
+            <a:r>
+              <a:rPr lang="en-US" sz="1800" dirty="0"/>
+              <a:t>Install locally </a:t>
+            </a:r>
+            <a:r>
+              <a:rPr lang="en-US" sz="1800"/>
+              <a:t>if the package is </a:t>
+            </a:r>
+            <a:r>
+              <a:rPr lang="en-US" sz="1800" dirty="0"/>
+              <a:t>part of </a:t>
+            </a:r>
+            <a:r>
+              <a:rPr lang="en-US" sz="1800"/>
+              <a:t>your application</a:t>
+            </a:r>
+            <a:endParaRPr lang="en-US" sz="1800" dirty="0"/>
           </a:p>
         </p:txBody>
       </p:sp>
@@ -6023,7 +6101,7 @@
     </p:spTree>
     <p:extLst>
       <p:ext uri="{BB962C8B-B14F-4D97-AF65-F5344CB8AC3E}">
-        <p14:creationId xmlns:p14="http://schemas.microsoft.com/office/powerpoint/2010/main" val="2427110098"/>
+        <p14:creationId xmlns:p14="http://schemas.microsoft.com/office/powerpoint/2010/main" val="1301077588"/>
       </p:ext>
     </p:extLst>
   </p:cSld>
@@ -6066,12 +6144,7 @@
             <p:ph type="title"/>
           </p:nvPr>
         </p:nvSpPr>
-        <p:spPr>
-          <a:xfrm>
-            <a:off x="664234" y="733579"/>
-            <a:ext cx="9698966" cy="1371600"/>
-          </a:xfrm>
-        </p:spPr>
+        <p:spPr/>
         <p:txBody>
           <a:bodyPr>
             <a:normAutofit/>
@@ -6080,8 +6153,13 @@
           <a:p>
             <a:r>
               <a:rPr lang="en-US" u="sng" dirty="0"/>
-              <a:t>npm uninstall</a:t>
-            </a:r>
+              <a:t>npm </a:t>
+            </a:r>
+            <a:r>
+              <a:rPr lang="en-US" u="sng"/>
+              <a:t>install -D</a:t>
+            </a:r>
+            <a:endParaRPr lang="en-US" u="sng" dirty="0"/>
           </a:p>
         </p:txBody>
       </p:sp>
@@ -6101,85 +6179,40 @@
             <p:ph idx="1"/>
           </p:nvPr>
         </p:nvSpPr>
-        <p:spPr>
-          <a:xfrm>
-            <a:off x="1066800" y="2733472"/>
-            <a:ext cx="10058400" cy="2719061"/>
-          </a:xfrm>
-        </p:spPr>
+        <p:spPr/>
         <p:txBody>
           <a:bodyPr>
             <a:normAutofit/>
           </a:bodyPr>
           <a:lstStyle/>
           <a:p>
+            <a:pPr marL="0" indent="0">
+              <a:buNone/>
+            </a:pPr>
+            <a:r>
+              <a:rPr lang="en-US" sz="1800" b="1" dirty="0"/>
+              <a:t>-D </a:t>
+            </a:r>
             <a:r>
               <a:rPr lang="en-US" sz="1800" dirty="0"/>
-              <a:t>The command </a:t>
-            </a:r>
-            <a:r>
-              <a:rPr lang="en-US" sz="1800" dirty="0">
-                <a:latin typeface="Consolas" panose="020B0609020204030204" pitchFamily="49" charset="0"/>
-              </a:rPr>
-              <a:t>npm uninstall &lt;package-name&gt;</a:t>
+              <a:t>is the development install flag, which means the package will be loaded as a </a:t>
+            </a:r>
+            <a:r>
+              <a:rPr lang="en-US" sz="1800"/>
+              <a:t>development dependency, </a:t>
             </a:r>
             <a:r>
               <a:rPr lang="en-US" sz="1800" dirty="0"/>
-              <a:t> removes the package from the package.json file and makes it unavailable to the current project</a:t>
-            </a:r>
-          </a:p>
-          <a:p>
-            <a:pPr marL="0" indent="0">
-              <a:buNone/>
-            </a:pPr>
-            <a:endParaRPr lang="en-US" sz="1800" dirty="0"/>
-          </a:p>
-        </p:txBody>
-      </p:sp>
-      <p:sp>
-        <p:nvSpPr>
-          <p:cNvPr id="4" name="Rectangle 3">
-            <a:extLst>
-              <a:ext uri="{FF2B5EF4-FFF2-40B4-BE49-F238E27FC236}">
-                <a16:creationId xmlns:a16="http://schemas.microsoft.com/office/drawing/2014/main" id="{0C71533A-4A29-47E2-A4D4-85E44356516A}"/>
-              </a:ext>
-            </a:extLst>
-          </p:cNvPr>
-          <p:cNvSpPr/>
-          <p:nvPr/>
-        </p:nvSpPr>
-        <p:spPr>
-          <a:xfrm>
-            <a:off x="1066800" y="5818971"/>
-            <a:ext cx="10058400" cy="584775"/>
-          </a:xfrm>
-          <a:prstGeom prst="rect">
-            <a:avLst/>
-          </a:prstGeom>
-        </p:spPr>
-        <p:txBody>
-          <a:bodyPr wrap="square">
-            <a:spAutoFit/>
-          </a:bodyPr>
-          <a:lstStyle/>
-          <a:p>
-            <a:r>
-              <a:rPr lang="en-US" sz="1600" b="1" dirty="0"/>
-              <a:t>Source</a:t>
-            </a:r>
-          </a:p>
-          <a:p>
-            <a:r>
-              <a:rPr lang="en-US" sz="1600" dirty="0">
-                <a:hlinkClick r:id="rId2"/>
-              </a:rPr>
-              <a:t>https://nodejs.dev/learn/the-package-json-guide</a:t>
-            </a:r>
-            <a:endParaRPr lang="en-US" sz="1600" dirty="0">
-              <a:solidFill>
-                <a:srgbClr val="00B0F0"/>
-              </a:solidFill>
-            </a:endParaRPr>
+              <a:t>and will not be included when the project goes </a:t>
+            </a:r>
+            <a:r>
+              <a:rPr lang="en-US" sz="1800" i="1" dirty="0"/>
+              <a:t>live</a:t>
+            </a:r>
+            <a:r>
+              <a:rPr lang="en-US" sz="1800" dirty="0"/>
+              <a:t> on a real server</a:t>
+            </a:r>
           </a:p>
         </p:txBody>
       </p:sp>
@@ -6206,34 +6239,10 @@
           </a:p>
         </p:txBody>
       </p:sp>
-      <p:pic>
-        <p:nvPicPr>
-          <p:cNvPr id="6" name="Picture 5"/>
-          <p:cNvPicPr>
-            <a:picLocks noChangeAspect="1"/>
-          </p:cNvPicPr>
-          <p:nvPr/>
-        </p:nvPicPr>
-        <p:blipFill>
-          <a:blip r:embed="rId3"/>
-          <a:stretch>
-            <a:fillRect/>
-          </a:stretch>
-        </p:blipFill>
-        <p:spPr>
-          <a:xfrm>
-            <a:off x="2780241" y="3454400"/>
-            <a:ext cx="6038850" cy="2484437"/>
-          </a:xfrm>
-          <a:prstGeom prst="rect">
-            <a:avLst/>
-          </a:prstGeom>
-        </p:spPr>
-      </p:pic>
     </p:spTree>
     <p:extLst>
       <p:ext uri="{BB962C8B-B14F-4D97-AF65-F5344CB8AC3E}">
-        <p14:creationId xmlns:p14="http://schemas.microsoft.com/office/powerpoint/2010/main" val="992562667"/>
+        <p14:creationId xmlns:p14="http://schemas.microsoft.com/office/powerpoint/2010/main" val="2427110098"/>
       </p:ext>
     </p:extLst>
   </p:cSld>
@@ -6276,12 +6285,7 @@
             <p:ph type="title"/>
           </p:nvPr>
         </p:nvSpPr>
-        <p:spPr>
-          <a:xfrm>
-            <a:off x="664234" y="733579"/>
-            <a:ext cx="9698966" cy="1371600"/>
-          </a:xfrm>
-        </p:spPr>
+        <p:spPr/>
         <p:txBody>
           <a:bodyPr>
             <a:normAutofit/>
@@ -6290,7 +6294,7 @@
           <a:p>
             <a:r>
               <a:rPr lang="en-US" u="sng" dirty="0"/>
-              <a:t>npm run</a:t>
+              <a:t>npm uninstall</a:t>
             </a:r>
           </a:p>
         </p:txBody>
@@ -6313,8 +6317,8 @@
         </p:nvSpPr>
         <p:spPr>
           <a:xfrm>
-            <a:off x="1066800" y="2733472"/>
-            <a:ext cx="10058400" cy="2719061"/>
+            <a:off x="1066800" y="2103120"/>
+            <a:ext cx="10058400" cy="886371"/>
           </a:xfrm>
         </p:spPr>
         <p:txBody>
@@ -6323,20 +6327,47 @@
           </a:bodyPr>
           <a:lstStyle/>
           <a:p>
+            <a:pPr marL="0" indent="0">
+              <a:buNone/>
+            </a:pPr>
             <a:r>
               <a:rPr lang="en-US" sz="1800" dirty="0"/>
               <a:t>The command </a:t>
             </a:r>
             <a:r>
-              <a:rPr lang="en-US" sz="1800" dirty="0">
+              <a:rPr lang="en-US" sz="1800" b="1" dirty="0">
                 <a:latin typeface="Consolas" panose="020B0609020204030204" pitchFamily="49" charset="0"/>
               </a:rPr>
-              <a:t>npm run </a:t>
+              <a:t>npm uninstall &lt;package-name</a:t>
+            </a:r>
+            <a:r>
+              <a:rPr lang="en-US" sz="1800" b="1">
+                <a:latin typeface="Consolas" panose="020B0609020204030204" pitchFamily="49" charset="0"/>
+              </a:rPr>
+              <a:t>&gt;</a:t>
+            </a:r>
+            <a:r>
+              <a:rPr lang="en-US" sz="1800"/>
+              <a:t> </a:t>
+            </a:r>
+          </a:p>
+          <a:p>
+            <a:pPr marL="0" indent="0">
+              <a:buNone/>
+            </a:pPr>
+            <a:r>
+              <a:rPr lang="en-US" sz="1800"/>
+              <a:t>removes a </a:t>
             </a:r>
             <a:r>
               <a:rPr lang="en-US" sz="1800" dirty="0"/>
-              <a:t>sets the NODE environment variable to the node executable with which npm is executed</a:t>
-            </a:r>
+              <a:t>package </a:t>
+            </a:r>
+            <a:r>
+              <a:rPr lang="en-US" sz="1800"/>
+              <a:t>from your project</a:t>
+            </a:r>
+            <a:endParaRPr lang="en-US" sz="1800" dirty="0"/>
           </a:p>
           <a:p>
             <a:pPr marL="0" indent="0">
@@ -6348,78 +6379,55 @@
       </p:sp>
       <p:sp>
         <p:nvSpPr>
-          <p:cNvPr id="4" name="Rectangle 3">
-            <a:extLst>
-              <a:ext uri="{FF2B5EF4-FFF2-40B4-BE49-F238E27FC236}">
-                <a16:creationId xmlns:a16="http://schemas.microsoft.com/office/drawing/2014/main" id="{0C71533A-4A29-47E2-A4D4-85E44356516A}"/>
-              </a:ext>
-            </a:extLst>
-          </p:cNvPr>
-          <p:cNvSpPr/>
+          <p:cNvPr id="5" name="Slide Number Placeholder 4"/>
+          <p:cNvSpPr>
+            <a:spLocks noGrp="1"/>
+          </p:cNvSpPr>
+          <p:nvPr>
+            <p:ph type="sldNum" sz="quarter" idx="12"/>
+          </p:nvPr>
+        </p:nvSpPr>
+        <p:spPr/>
+        <p:txBody>
+          <a:bodyPr/>
+          <a:lstStyle/>
+          <a:p>
+            <a:fld id="{34B7E4EF-A1BD-40F4-AB7B-04F084DD991D}" type="slidenum">
+              <a:rPr lang="en-US" smtClean="0"/>
+              <a:t>17</a:t>
+            </a:fld>
+            <a:endParaRPr lang="en-US" dirty="0"/>
+          </a:p>
+        </p:txBody>
+      </p:sp>
+      <p:pic>
+        <p:nvPicPr>
+          <p:cNvPr id="6" name="Picture 5"/>
+          <p:cNvPicPr>
+            <a:picLocks noChangeAspect="1"/>
+          </p:cNvPicPr>
           <p:nvPr/>
-        </p:nvSpPr>
+        </p:nvPicPr>
+        <p:blipFill>
+          <a:blip r:embed="rId2"/>
+          <a:stretch>
+            <a:fillRect/>
+          </a:stretch>
+        </p:blipFill>
         <p:spPr>
           <a:xfrm>
-            <a:off x="1066800" y="5818971"/>
-            <a:ext cx="10058400" cy="584775"/>
+            <a:off x="2530074" y="3078417"/>
+            <a:ext cx="6038850" cy="2886075"/>
           </a:xfrm>
           <a:prstGeom prst="rect">
             <a:avLst/>
           </a:prstGeom>
         </p:spPr>
-        <p:txBody>
-          <a:bodyPr wrap="square">
-            <a:spAutoFit/>
-          </a:bodyPr>
-          <a:lstStyle/>
-          <a:p>
-            <a:r>
-              <a:rPr lang="en-US" sz="1600" b="1" dirty="0"/>
-              <a:t>Source</a:t>
-            </a:r>
-          </a:p>
-          <a:p>
-            <a:r>
-              <a:rPr lang="en-US" sz="1600" dirty="0">
-                <a:hlinkClick r:id="rId2"/>
-              </a:rPr>
-              <a:t>https://docs.npmjs.com/cli/run-script#</a:t>
-            </a:r>
-            <a:endParaRPr lang="en-US" sz="1600" dirty="0">
-              <a:solidFill>
-                <a:srgbClr val="00B0F0"/>
-              </a:solidFill>
-            </a:endParaRPr>
-          </a:p>
-        </p:txBody>
-      </p:sp>
-      <p:sp>
-        <p:nvSpPr>
-          <p:cNvPr id="5" name="Slide Number Placeholder 4"/>
-          <p:cNvSpPr>
-            <a:spLocks noGrp="1"/>
-          </p:cNvSpPr>
-          <p:nvPr>
-            <p:ph type="sldNum" sz="quarter" idx="12"/>
-          </p:nvPr>
-        </p:nvSpPr>
-        <p:spPr/>
-        <p:txBody>
-          <a:bodyPr/>
-          <a:lstStyle/>
-          <a:p>
-            <a:fld id="{34B7E4EF-A1BD-40F4-AB7B-04F084DD991D}" type="slidenum">
-              <a:rPr lang="en-US" smtClean="0"/>
-              <a:t>17</a:t>
-            </a:fld>
-            <a:endParaRPr lang="en-US" dirty="0"/>
-          </a:p>
-        </p:txBody>
-      </p:sp>
+      </p:pic>
     </p:spTree>
     <p:extLst>
       <p:ext uri="{BB962C8B-B14F-4D97-AF65-F5344CB8AC3E}">
-        <p14:creationId xmlns:p14="http://schemas.microsoft.com/office/powerpoint/2010/main" val="3257587839"/>
+        <p14:creationId xmlns:p14="http://schemas.microsoft.com/office/powerpoint/2010/main" val="992562667"/>
       </p:ext>
     </p:extLst>
   </p:cSld>
@@ -6462,12 +6470,7 @@
             <p:ph type="title"/>
           </p:nvPr>
         </p:nvSpPr>
-        <p:spPr>
-          <a:xfrm>
-            <a:off x="664234" y="733579"/>
-            <a:ext cx="9698966" cy="1371600"/>
-          </a:xfrm>
-        </p:spPr>
+        <p:spPr/>
         <p:txBody>
           <a:bodyPr>
             <a:normAutofit/>
@@ -6476,7 +6479,7 @@
           <a:p>
             <a:r>
               <a:rPr lang="en-US" u="sng" dirty="0"/>
-              <a:t>npm install vs. npm ci</a:t>
+              <a:t>npm run</a:t>
             </a:r>
           </a:p>
         </p:txBody>
@@ -6497,102 +6500,56 @@
             <p:ph idx="1"/>
           </p:nvPr>
         </p:nvSpPr>
-        <p:spPr>
-          <a:xfrm>
-            <a:off x="1066800" y="2733472"/>
-            <a:ext cx="10058400" cy="2719061"/>
-          </a:xfrm>
-        </p:spPr>
+        <p:spPr/>
         <p:txBody>
           <a:bodyPr>
             <a:normAutofit/>
           </a:bodyPr>
           <a:lstStyle/>
           <a:p>
+            <a:pPr marL="0" indent="0">
+              <a:buNone/>
+            </a:pPr>
             <a:r>
               <a:rPr lang="en-US" sz="1800" dirty="0"/>
-              <a:t>npm install, or npm i, is used to install dependencies:</a:t>
-            </a:r>
-          </a:p>
-          <a:p>
-            <a:pPr marL="169863" indent="0">
+              <a:t>The command </a:t>
+            </a:r>
+            <a:r>
+              <a:rPr lang="en-US" sz="1800" b="1" dirty="0">
+                <a:latin typeface="Consolas" panose="020B0609020204030204" pitchFamily="49" charset="0"/>
+              </a:rPr>
+              <a:t>npm </a:t>
+            </a:r>
+            <a:r>
+              <a:rPr lang="en-US" sz="1800" b="1">
+                <a:latin typeface="Consolas" panose="020B0609020204030204" pitchFamily="49" charset="0"/>
+              </a:rPr>
+              <a:t>run &lt;script&gt;</a:t>
+            </a:r>
+          </a:p>
+          <a:p>
+            <a:pPr marL="0" indent="0">
               <a:buNone/>
             </a:pPr>
             <a:r>
-              <a:rPr lang="en-US" sz="1800" dirty="0"/>
-              <a:t>It will install all the dependencies</a:t>
-            </a:r>
-          </a:p>
-          <a:p>
-            <a:pPr marL="169863" indent="0">
-              <a:buNone/>
-            </a:pPr>
-            <a:r>
-              <a:rPr lang="en-US" sz="1800" dirty="0"/>
-              <a:t>If you use ^ or ~ when you specify the version of your dependency, npm may not install the exact version you specified</a:t>
-            </a:r>
-          </a:p>
-          <a:p>
-            <a:pPr marL="169863" indent="0">
-              <a:buNone/>
-            </a:pPr>
-            <a:r>
-              <a:rPr lang="en-US" sz="1800" dirty="0"/>
-              <a:t>npm install can update your package-lock.json when there are changes such as when you install a new dependency</a:t>
-            </a:r>
+              <a:rPr lang="en-US" sz="1800"/>
+              <a:t>executes a script defined in your </a:t>
+            </a:r>
+            <a:r>
+              <a:rPr lang="en-US" sz="1800" b="1"/>
+              <a:t>package.json</a:t>
+            </a:r>
+            <a:r>
+              <a:rPr lang="en-US" sz="1800"/>
+              <a:t> file</a:t>
+            </a:r>
+            <a:endParaRPr lang="en-US" sz="1800" dirty="0"/>
           </a:p>
           <a:p>
             <a:pPr marL="0" indent="0">
               <a:buNone/>
             </a:pPr>
             <a:endParaRPr lang="en-US" sz="1800" dirty="0"/>
-          </a:p>
-        </p:txBody>
-      </p:sp>
-      <p:sp>
-        <p:nvSpPr>
-          <p:cNvPr id="4" name="Rectangle 3">
-            <a:extLst>
-              <a:ext uri="{FF2B5EF4-FFF2-40B4-BE49-F238E27FC236}">
-                <a16:creationId xmlns:a16="http://schemas.microsoft.com/office/drawing/2014/main" id="{0C71533A-4A29-47E2-A4D4-85E44356516A}"/>
-              </a:ext>
-            </a:extLst>
-          </p:cNvPr>
-          <p:cNvSpPr/>
-          <p:nvPr/>
-        </p:nvSpPr>
-        <p:spPr>
-          <a:xfrm>
-            <a:off x="1016000" y="5665327"/>
-            <a:ext cx="10058400" cy="830997"/>
-          </a:xfrm>
-          <a:prstGeom prst="rect">
-            <a:avLst/>
-          </a:prstGeom>
-        </p:spPr>
-        <p:txBody>
-          <a:bodyPr wrap="square">
-            <a:spAutoFit/>
-          </a:bodyPr>
-          <a:lstStyle/>
-          <a:p>
-            <a:r>
-              <a:rPr lang="en-US" sz="1600" b="1" dirty="0"/>
-              <a:t>Source</a:t>
-            </a:r>
-          </a:p>
-          <a:p>
-            <a:r>
-              <a:rPr lang="en-US" sz="1600" dirty="0">
-                <a:hlinkClick r:id="rId2"/>
-              </a:rPr>
-              <a:t>https://medium.com/better-programming/npm-ci-vs-npm-install-which-should-you-use-in-your-node-js-projects-51e07cb71e26</a:t>
-            </a:r>
-            <a:endParaRPr lang="en-US" sz="1600" dirty="0">
-              <a:solidFill>
-                <a:srgbClr val="00B0F0"/>
-              </a:solidFill>
-            </a:endParaRPr>
           </a:p>
         </p:txBody>
       </p:sp>
@@ -6622,7 +6579,7 @@
     </p:spTree>
     <p:extLst>
       <p:ext uri="{BB962C8B-B14F-4D97-AF65-F5344CB8AC3E}">
-        <p14:creationId xmlns:p14="http://schemas.microsoft.com/office/powerpoint/2010/main" val="585707461"/>
+        <p14:creationId xmlns:p14="http://schemas.microsoft.com/office/powerpoint/2010/main" val="3257587839"/>
       </p:ext>
     </p:extLst>
   </p:cSld>
@@ -6651,10 +6608,10 @@
       </p:grpSpPr>
       <p:sp>
         <p:nvSpPr>
-          <p:cNvPr id="2" name="Title 1">
+          <p:cNvPr id="5" name="Title 4">
             <a:extLst>
               <a:ext uri="{FF2B5EF4-FFF2-40B4-BE49-F238E27FC236}">
-                <a16:creationId xmlns:a16="http://schemas.microsoft.com/office/drawing/2014/main" id="{BDFAC13C-59B1-436E-B58F-C304E1C705CF}"/>
+                <a16:creationId xmlns:a16="http://schemas.microsoft.com/office/drawing/2014/main" id="{9D81A47D-F863-453F-9094-20956EDA6257}"/>
               </a:ext>
             </a:extLst>
           </p:cNvPr>
@@ -6665,31 +6622,24 @@
             <p:ph type="title"/>
           </p:nvPr>
         </p:nvSpPr>
-        <p:spPr>
-          <a:xfrm>
-            <a:off x="664234" y="733579"/>
-            <a:ext cx="9698966" cy="1371600"/>
-          </a:xfrm>
-        </p:spPr>
-        <p:txBody>
-          <a:bodyPr>
-            <a:normAutofit/>
-          </a:bodyPr>
-          <a:lstStyle/>
-          <a:p>
-            <a:r>
-              <a:rPr lang="en-US" u="sng" dirty="0"/>
-              <a:t>npm install vs. npm ci</a:t>
-            </a:r>
-          </a:p>
-        </p:txBody>
-      </p:sp>
-      <p:sp>
-        <p:nvSpPr>
-          <p:cNvPr id="3" name="Content Placeholder 2">
+        <p:spPr/>
+        <p:txBody>
+          <a:bodyPr/>
+          <a:lstStyle/>
+          <a:p>
+            <a:r>
+              <a:rPr lang="en-US" cap="none"/>
+              <a:t>NPM Packages</a:t>
+            </a:r>
+          </a:p>
+        </p:txBody>
+      </p:sp>
+      <p:sp>
+        <p:nvSpPr>
+          <p:cNvPr id="6" name="Text Placeholder 5">
             <a:extLst>
               <a:ext uri="{FF2B5EF4-FFF2-40B4-BE49-F238E27FC236}">
-                <a16:creationId xmlns:a16="http://schemas.microsoft.com/office/drawing/2014/main" id="{844A3DC5-46BF-4BFF-8008-98FD467C4904}"/>
+                <a16:creationId xmlns:a16="http://schemas.microsoft.com/office/drawing/2014/main" id="{25B8A1A1-D9D0-4BEF-B37B-8EC4B1599522}"/>
               </a:ext>
             </a:extLst>
           </p:cNvPr>
@@ -6697,111 +6647,30 @@
             <a:spLocks noGrp="1"/>
           </p:cNvSpPr>
           <p:nvPr>
-            <p:ph idx="1"/>
-          </p:nvPr>
-        </p:nvSpPr>
-        <p:spPr>
-          <a:xfrm>
-            <a:off x="1066800" y="2733472"/>
-            <a:ext cx="10058400" cy="2719061"/>
-          </a:xfrm>
-        </p:spPr>
-        <p:txBody>
-          <a:bodyPr>
-            <a:normAutofit/>
-          </a:bodyPr>
-          <a:lstStyle/>
-          <a:p>
-            <a:r>
-              <a:rPr lang="en-US" sz="1800" dirty="0"/>
-              <a:t>npm ci will do the following:</a:t>
-            </a:r>
-          </a:p>
-          <a:p>
-            <a:pPr marL="169863" indent="0">
-              <a:buNone/>
-            </a:pPr>
-            <a:r>
-              <a:rPr lang="en-US" sz="1800" dirty="0"/>
-              <a:t>Delete your node_modules folder to ensure a clean state</a:t>
-            </a:r>
-          </a:p>
-          <a:p>
-            <a:pPr marL="169863" indent="0">
-              <a:buNone/>
-            </a:pPr>
-            <a:r>
-              <a:rPr lang="en-US" sz="1800" dirty="0"/>
-              <a:t>Look in your package-lock.json to install all the dependencies with the exact version</a:t>
-            </a:r>
-          </a:p>
-          <a:p>
-            <a:pPr marL="169863" indent="0">
-              <a:buNone/>
-            </a:pPr>
-            <a:r>
-              <a:rPr lang="en-US" sz="1800" dirty="0"/>
-              <a:t>Unlike npm install, npm ci will never modify your package-lock.json. It does however expect a package-lock.json file in your project — if you do not have this file, npm ci will not work and you have to use npm install instead</a:t>
-            </a:r>
-          </a:p>
-          <a:p>
-            <a:pPr marL="0" indent="0">
-              <a:buNone/>
-            </a:pPr>
-            <a:endParaRPr lang="en-US" sz="1800" dirty="0"/>
-          </a:p>
-        </p:txBody>
-      </p:sp>
-      <p:sp>
-        <p:nvSpPr>
-          <p:cNvPr id="4" name="Rectangle 3">
+            <p:ph type="body" idx="1"/>
+          </p:nvPr>
+        </p:nvSpPr>
+        <p:spPr/>
+        <p:txBody>
+          <a:bodyPr/>
+          <a:lstStyle/>
+          <a:p>
+            <a:r>
+              <a:rPr lang="en-US"/>
+              <a:t>Some npm packages you'll get to know and love.</a:t>
+            </a:r>
+          </a:p>
+        </p:txBody>
+      </p:sp>
+      <p:sp>
+        <p:nvSpPr>
+          <p:cNvPr id="4" name="Slide Number Placeholder 3">
             <a:extLst>
               <a:ext uri="{FF2B5EF4-FFF2-40B4-BE49-F238E27FC236}">
-                <a16:creationId xmlns:a16="http://schemas.microsoft.com/office/drawing/2014/main" id="{0C71533A-4A29-47E2-A4D4-85E44356516A}"/>
+                <a16:creationId xmlns:a16="http://schemas.microsoft.com/office/drawing/2014/main" id="{694E7ADF-8944-4B23-8B5B-CEA8232B0399}"/>
               </a:ext>
             </a:extLst>
           </p:cNvPr>
-          <p:cNvSpPr/>
-          <p:nvPr/>
-        </p:nvSpPr>
-        <p:spPr>
-          <a:xfrm>
-            <a:off x="1016000" y="5665327"/>
-            <a:ext cx="10058400" cy="830997"/>
-          </a:xfrm>
-          <a:prstGeom prst="rect">
-            <a:avLst/>
-          </a:prstGeom>
-        </p:spPr>
-        <p:txBody>
-          <a:bodyPr wrap="square">
-            <a:spAutoFit/>
-          </a:bodyPr>
-          <a:lstStyle/>
-          <a:p>
-            <a:r>
-              <a:rPr lang="en-US" sz="1600" b="1" dirty="0"/>
-              <a:t>Source</a:t>
-            </a:r>
-          </a:p>
-          <a:p>
-            <a:r>
-              <a:rPr lang="en-US" sz="1600" dirty="0">
-                <a:hlinkClick r:id="rId2"/>
-              </a:rPr>
-              <a:t>https://medium.com/better-programming/npm-ci-vs-npm-install-which-should-you-use-in-your-node-js-projects-51e07cb71e26</a:t>
-            </a:r>
-            <a:endParaRPr lang="en-US" sz="1600" dirty="0">
-              <a:solidFill>
-                <a:srgbClr val="00B0F0"/>
-              </a:solidFill>
-            </a:endParaRPr>
-          </a:p>
-        </p:txBody>
-      </p:sp>
-      <p:sp>
-        <p:nvSpPr>
-          <p:cNvPr id="5" name="Slide Number Placeholder 4"/>
           <p:cNvSpPr>
             <a:spLocks noGrp="1"/>
           </p:cNvSpPr>
@@ -6825,7 +6694,7 @@
     </p:spTree>
     <p:extLst>
       <p:ext uri="{BB962C8B-B14F-4D97-AF65-F5344CB8AC3E}">
-        <p14:creationId xmlns:p14="http://schemas.microsoft.com/office/powerpoint/2010/main" val="993812837"/>
+        <p14:creationId xmlns:p14="http://schemas.microsoft.com/office/powerpoint/2010/main" val="274611789"/>
       </p:ext>
     </p:extLst>
   </p:cSld>
@@ -6868,12 +6737,7 @@
             <p:ph type="title"/>
           </p:nvPr>
         </p:nvSpPr>
-        <p:spPr>
-          <a:xfrm>
-            <a:off x="664234" y="733579"/>
-            <a:ext cx="5077520" cy="1371600"/>
-          </a:xfrm>
-        </p:spPr>
+        <p:spPr/>
         <p:txBody>
           <a:bodyPr>
             <a:normAutofit/>
@@ -6903,12 +6767,7 @@
             <p:ph idx="1"/>
           </p:nvPr>
         </p:nvSpPr>
-        <p:spPr>
-          <a:xfrm>
-            <a:off x="1066800" y="2733472"/>
-            <a:ext cx="10058400" cy="1919267"/>
-          </a:xfrm>
-        </p:spPr>
+        <p:spPr/>
         <p:txBody>
           <a:bodyPr>
             <a:normAutofit/>
@@ -6917,26 +6776,59 @@
           <a:p>
             <a:r>
               <a:rPr lang="en-US" sz="1800" dirty="0"/>
-              <a:t>What is NPM</a:t>
-            </a:r>
+              <a:t>What </a:t>
+            </a:r>
+            <a:r>
+              <a:rPr lang="en-US" sz="1800"/>
+              <a:t>is nmp?</a:t>
+            </a:r>
+            <a:endParaRPr lang="en-US" sz="1800" dirty="0"/>
           </a:p>
           <a:p>
             <a:r>
               <a:rPr lang="en-US" sz="1800" dirty="0"/>
-              <a:t>How to run NPM</a:t>
-            </a:r>
-          </a:p>
-          <a:p>
-            <a:r>
-              <a:rPr lang="en-US" sz="1800" dirty="0"/>
-              <a:t>How to use major NPM commands</a:t>
-            </a:r>
-          </a:p>
-          <a:p>
-            <a:r>
-              <a:rPr lang="en-US" sz="1800" dirty="0"/>
-              <a:t>How to use major NPM packages</a:t>
-            </a:r>
+              <a:t>How </a:t>
+            </a:r>
+            <a:r>
+              <a:rPr lang="en-US" sz="1800"/>
+              <a:t>to use npm</a:t>
+            </a:r>
+          </a:p>
+          <a:p>
+            <a:r>
+              <a:rPr lang="en-US" sz="1800"/>
+              <a:t>Some common npm commands</a:t>
+            </a:r>
+          </a:p>
+          <a:p>
+            <a:r>
+              <a:rPr lang="en-US" sz="1800"/>
+              <a:t>Some common npm packages</a:t>
+            </a:r>
+            <a:endParaRPr lang="en-US" sz="1800" dirty="0"/>
+          </a:p>
+        </p:txBody>
+      </p:sp>
+      <p:sp>
+        <p:nvSpPr>
+          <p:cNvPr id="5" name="Slide Number Placeholder 4"/>
+          <p:cNvSpPr>
+            <a:spLocks noGrp="1"/>
+          </p:cNvSpPr>
+          <p:nvPr>
+            <p:ph type="sldNum" sz="quarter" idx="12"/>
+          </p:nvPr>
+        </p:nvSpPr>
+        <p:spPr/>
+        <p:txBody>
+          <a:bodyPr/>
+          <a:lstStyle/>
+          <a:p>
+            <a:fld id="{34B7E4EF-A1BD-40F4-AB7B-04F084DD991D}" type="slidenum">
+              <a:rPr lang="en-US" smtClean="0"/>
+              <a:t>2</a:t>
+            </a:fld>
+            <a:endParaRPr lang="en-US" dirty="0"/>
           </a:p>
         </p:txBody>
       </p:sp>
@@ -6984,29 +6876,6 @@
                 <a:srgbClr val="00B0F0"/>
               </a:solidFill>
             </a:endParaRPr>
-          </a:p>
-        </p:txBody>
-      </p:sp>
-      <p:sp>
-        <p:nvSpPr>
-          <p:cNvPr id="5" name="Slide Number Placeholder 4"/>
-          <p:cNvSpPr>
-            <a:spLocks noGrp="1"/>
-          </p:cNvSpPr>
-          <p:nvPr>
-            <p:ph type="sldNum" sz="quarter" idx="12"/>
-          </p:nvPr>
-        </p:nvSpPr>
-        <p:spPr/>
-        <p:txBody>
-          <a:bodyPr/>
-          <a:lstStyle/>
-          <a:p>
-            <a:fld id="{34B7E4EF-A1BD-40F4-AB7B-04F084DD991D}" type="slidenum">
-              <a:rPr lang="en-US" smtClean="0"/>
-              <a:t>2</a:t>
-            </a:fld>
-            <a:endParaRPr lang="en-US" dirty="0"/>
           </a:p>
         </p:txBody>
       </p:sp>
@@ -7056,12 +6925,7 @@
             <p:ph type="title"/>
           </p:nvPr>
         </p:nvSpPr>
-        <p:spPr>
-          <a:xfrm>
-            <a:off x="664234" y="733579"/>
-            <a:ext cx="9698966" cy="1371600"/>
-          </a:xfrm>
-        </p:spPr>
+        <p:spPr/>
         <p:txBody>
           <a:bodyPr>
             <a:normAutofit/>
@@ -7069,9 +6933,10 @@
           <a:lstStyle/>
           <a:p>
             <a:r>
-              <a:rPr lang="en-US" u="sng" dirty="0"/>
-              <a:t>npm install vs. npm ci – which to use?</a:t>
-            </a:r>
+              <a:rPr lang="en-US" u="sng"/>
+              <a:t>nodemon</a:t>
+            </a:r>
+            <a:endParaRPr lang="en-US" u="sng" dirty="0"/>
           </a:p>
         </p:txBody>
       </p:sp>
@@ -7091,12 +6956,7 @@
             <p:ph idx="1"/>
           </p:nvPr>
         </p:nvSpPr>
-        <p:spPr>
-          <a:xfrm>
-            <a:off x="1066800" y="2733472"/>
-            <a:ext cx="10058400" cy="2719061"/>
-          </a:xfrm>
-        </p:spPr>
+        <p:spPr/>
         <p:txBody>
           <a:bodyPr>
             <a:normAutofit/>
@@ -7105,45 +6965,82 @@
           <a:p>
             <a:r>
               <a:rPr lang="en-US" sz="1800" b="1" dirty="0"/>
-              <a:t>If you are on npm v6 or higher</a:t>
+              <a:t>nodemon</a:t>
             </a:r>
             <a:r>
               <a:rPr lang="en-US" sz="1800" dirty="0"/>
-              <a:t>:</a:t>
+              <a:t> </a:t>
+            </a:r>
+            <a:r>
+              <a:rPr lang="en-US" sz="1800"/>
+              <a:t>is a command-line </a:t>
+            </a:r>
+            <a:r>
+              <a:rPr lang="en-US" sz="1800" dirty="0"/>
+              <a:t>tool that helps develop node.js based applications by automatically restarting the node application </a:t>
+            </a:r>
+            <a:r>
+              <a:rPr lang="en-US" sz="1800"/>
+              <a:t>when you edit a file</a:t>
+            </a:r>
+            <a:endParaRPr lang="en-US" sz="1800" dirty="0"/>
+          </a:p>
+          <a:p>
+            <a:r>
+              <a:rPr lang="en-US" sz="1800"/>
+              <a:t>nodemon is a replacement wrapper for node</a:t>
+            </a:r>
+            <a:r>
+              <a:rPr lang="en-US" sz="1800">
+                <a:latin typeface="Consolas" panose="020B0609020204030204" pitchFamily="49" charset="0"/>
+              </a:rPr>
+              <a:t>. </a:t>
+            </a:r>
+            <a:r>
+              <a:rPr lang="en-US" sz="1800"/>
+              <a:t>It </a:t>
+            </a:r>
+            <a:r>
+              <a:rPr lang="en-US" sz="1800" dirty="0"/>
+              <a:t>does not require any additional changes to your code or method of </a:t>
+            </a:r>
+            <a:r>
+              <a:rPr lang="en-US" sz="1800"/>
+              <a:t>development.</a:t>
             </a:r>
           </a:p>
           <a:p>
             <a:pPr marL="169863" indent="0">
               <a:buNone/>
-              <a:tabLst>
-                <a:tab pos="169863" algn="l"/>
-              </a:tabLst>
             </a:pPr>
             <a:r>
-              <a:rPr lang="en-US" sz="1800" dirty="0"/>
-              <a:t>Use npm install to install new dependencies, or to update existing dependencies (e.g. going from version 1 to version 2).</a:t>
+              <a:rPr lang="en-US" sz="1800" u="sng">
+                <a:latin typeface="Consolas" panose="020B0609020204030204" pitchFamily="49" charset="0"/>
+              </a:rPr>
+              <a:t>Install</a:t>
             </a:r>
           </a:p>
           <a:p>
             <a:pPr marL="169863" indent="0">
               <a:buNone/>
-              <a:tabLst>
-                <a:tab pos="169863" algn="l"/>
-              </a:tabLst>
             </a:pPr>
             <a:r>
-              <a:rPr lang="en-US" sz="1800" dirty="0"/>
-              <a:t>Use npm ci when running in continuous integration, or if you want to install dependencies without modifying the package-lock.json.</a:t>
-            </a:r>
-          </a:p>
-          <a:p>
-            <a:r>
-              <a:rPr lang="en-US" sz="1800" b="1" dirty="0"/>
-              <a:t>If you are on NPM v5 or lower</a:t>
-            </a:r>
-            <a:r>
-              <a:rPr lang="en-US" sz="1800" dirty="0"/>
-              <a:t>:</a:t>
+              <a:rPr lang="en-US" sz="1800">
+                <a:latin typeface="Consolas" panose="020B0609020204030204" pitchFamily="49" charset="0"/>
+              </a:rPr>
+              <a:t>npm install </a:t>
+            </a:r>
+            <a:r>
+              <a:rPr lang="en-US" sz="1800" dirty="0">
+                <a:latin typeface="Consolas" panose="020B0609020204030204" pitchFamily="49" charset="0"/>
+              </a:rPr>
+              <a:t>-</a:t>
+            </a:r>
+            <a:r>
+              <a:rPr lang="en-US" sz="1800">
+                <a:latin typeface="Consolas" panose="020B0609020204030204" pitchFamily="49" charset="0"/>
+              </a:rPr>
+              <a:t>g nodemon</a:t>
             </a:r>
           </a:p>
           <a:p>
@@ -7151,9 +7048,48 @@
               <a:buNone/>
             </a:pPr>
             <a:r>
-              <a:rPr lang="en-US" sz="1800" dirty="0"/>
-              <a:t>You can only use npm install to install or update dependencies</a:t>
-            </a:r>
+              <a:rPr lang="en-US" sz="1800" u="sng">
+                <a:latin typeface="Consolas" panose="020B0609020204030204" pitchFamily="49" charset="0"/>
+              </a:rPr>
+              <a:t>Usage</a:t>
+            </a:r>
+          </a:p>
+          <a:p>
+            <a:pPr marL="169863" indent="0">
+              <a:buNone/>
+            </a:pPr>
+            <a:r>
+              <a:rPr lang="en-US" sz="1800">
+                <a:latin typeface="Consolas" panose="020B0609020204030204" pitchFamily="49" charset="0"/>
+              </a:rPr>
+              <a:t>nodemon server.js</a:t>
+            </a:r>
+            <a:endParaRPr lang="en-US" sz="1800" dirty="0">
+              <a:latin typeface="Consolas" panose="020B0609020204030204" pitchFamily="49" charset="0"/>
+            </a:endParaRPr>
+          </a:p>
+        </p:txBody>
+      </p:sp>
+      <p:sp>
+        <p:nvSpPr>
+          <p:cNvPr id="5" name="Slide Number Placeholder 4"/>
+          <p:cNvSpPr>
+            <a:spLocks noGrp="1"/>
+          </p:cNvSpPr>
+          <p:nvPr>
+            <p:ph type="sldNum" sz="quarter" idx="12"/>
+          </p:nvPr>
+        </p:nvSpPr>
+        <p:spPr/>
+        <p:txBody>
+          <a:bodyPr/>
+          <a:lstStyle/>
+          <a:p>
+            <a:fld id="{34B7E4EF-A1BD-40F4-AB7B-04F084DD991D}" type="slidenum">
+              <a:rPr lang="en-US" smtClean="0"/>
+              <a:t>20</a:t>
+            </a:fld>
+            <a:endParaRPr lang="en-US" dirty="0"/>
           </a:p>
         </p:txBody>
       </p:sp>
@@ -7171,8 +7107,8 @@
         </p:nvSpPr>
         <p:spPr>
           <a:xfrm>
-            <a:off x="1016000" y="5665327"/>
-            <a:ext cx="10058400" cy="830997"/>
+            <a:off x="1066800" y="5818971"/>
+            <a:ext cx="10058400" cy="584775"/>
           </a:xfrm>
           <a:prstGeom prst="rect">
             <a:avLst/>
@@ -7194,7 +7130,7 @@
               <a:rPr lang="en-US" sz="1600" dirty="0">
                 <a:hlinkClick r:id="rId2"/>
               </a:rPr>
-              <a:t>https://medium.com/better-programming/npm-ci-vs-npm-install-which-should-you-use-in-your-node-js-projects-51e07cb71e26</a:t>
+              <a:t>https://www.npmjs.com/package/nodemon</a:t>
             </a:r>
             <a:endParaRPr lang="en-US" sz="1600" dirty="0">
               <a:solidFill>
@@ -7204,33 +7140,10 @@
           </a:p>
         </p:txBody>
       </p:sp>
-      <p:sp>
-        <p:nvSpPr>
-          <p:cNvPr id="5" name="Slide Number Placeholder 4"/>
-          <p:cNvSpPr>
-            <a:spLocks noGrp="1"/>
-          </p:cNvSpPr>
-          <p:nvPr>
-            <p:ph type="sldNum" sz="quarter" idx="12"/>
-          </p:nvPr>
-        </p:nvSpPr>
-        <p:spPr/>
-        <p:txBody>
-          <a:bodyPr/>
-          <a:lstStyle/>
-          <a:p>
-            <a:fld id="{34B7E4EF-A1BD-40F4-AB7B-04F084DD991D}" type="slidenum">
-              <a:rPr lang="en-US" smtClean="0"/>
-              <a:t>20</a:t>
-            </a:fld>
-            <a:endParaRPr lang="en-US" dirty="0"/>
-          </a:p>
-        </p:txBody>
-      </p:sp>
     </p:spTree>
     <p:extLst>
       <p:ext uri="{BB962C8B-B14F-4D97-AF65-F5344CB8AC3E}">
-        <p14:creationId xmlns:p14="http://schemas.microsoft.com/office/powerpoint/2010/main" val="767443675"/>
+        <p14:creationId xmlns:p14="http://schemas.microsoft.com/office/powerpoint/2010/main" val="1583986032"/>
       </p:ext>
     </p:extLst>
   </p:cSld>
@@ -7273,12 +7186,7 @@
             <p:ph type="title"/>
           </p:nvPr>
         </p:nvSpPr>
-        <p:spPr>
-          <a:xfrm>
-            <a:off x="664234" y="733579"/>
-            <a:ext cx="9698966" cy="1371600"/>
-          </a:xfrm>
-        </p:spPr>
+        <p:spPr/>
         <p:txBody>
           <a:bodyPr>
             <a:normAutofit/>
@@ -7286,9 +7194,10 @@
           <a:lstStyle/>
           <a:p>
             <a:r>
-              <a:rPr lang="en-US" u="sng" dirty="0"/>
-              <a:t>NPM nodemon Package</a:t>
-            </a:r>
+              <a:rPr lang="en-US" u="sng"/>
+              <a:t>dotenv</a:t>
+            </a:r>
+            <a:endParaRPr lang="en-US" u="sng" dirty="0"/>
           </a:p>
         </p:txBody>
       </p:sp>
@@ -7308,12 +7217,7 @@
             <p:ph idx="1"/>
           </p:nvPr>
         </p:nvSpPr>
-        <p:spPr>
-          <a:xfrm>
-            <a:off x="1066800" y="2733472"/>
-            <a:ext cx="10058400" cy="2719061"/>
-          </a:xfrm>
-        </p:spPr>
+        <p:spPr/>
         <p:txBody>
           <a:bodyPr>
             <a:normAutofit/>
@@ -7321,30 +7225,75 @@
           <a:lstStyle/>
           <a:p>
             <a:r>
+              <a:rPr lang="en-US" sz="1800" b="1"/>
+              <a:t>dotenv</a:t>
+            </a:r>
+            <a:r>
+              <a:rPr lang="en-US" sz="1800"/>
+              <a:t> loads </a:t>
+            </a:r>
+            <a:r>
               <a:rPr lang="en-US" sz="1800" dirty="0"/>
-              <a:t>nodemon is a tool that helps develop node.js based applications by automatically restarting the node application when file changes in the directory are detected</a:t>
-            </a:r>
-          </a:p>
-          <a:p>
-            <a:r>
-              <a:rPr lang="en-US" sz="1800" dirty="0"/>
-              <a:t>nodemon does not require any additional changes to your code or method of development. nodemon is a replacement wrapper for node</a:t>
-            </a:r>
+              <a:t>environment variables from a .env file into process</a:t>
+            </a:r>
+            <a:r>
+              <a:rPr lang="en-US" sz="1800"/>
+              <a:t>.env</a:t>
+            </a:r>
+          </a:p>
+          <a:p>
+            <a:r>
+              <a:rPr lang="en-US" sz="1800"/>
+              <a:t>it provides convenient mechanism to set environment variables in your dev environment</a:t>
+            </a:r>
+          </a:p>
+          <a:p>
+            <a:pPr marL="0" indent="0">
+              <a:buNone/>
+            </a:pPr>
+            <a:endParaRPr lang="en-US" sz="1800">
+              <a:latin typeface="Consolas" panose="020B0609020204030204" pitchFamily="49" charset="0"/>
+            </a:endParaRPr>
           </a:p>
           <a:p>
             <a:pPr marL="169863" indent="0">
               <a:buNone/>
             </a:pPr>
             <a:r>
-              <a:rPr lang="en-US" sz="1800" dirty="0"/>
-              <a:t>Syntax: </a:t>
+              <a:rPr lang="en-US" sz="1800">
+                <a:latin typeface="Consolas" panose="020B0609020204030204" pitchFamily="49" charset="0"/>
+              </a:rPr>
+              <a:t>npm install </a:t>
             </a:r>
             <a:r>
               <a:rPr lang="en-US" sz="1800" dirty="0">
                 <a:latin typeface="Consolas" panose="020B0609020204030204" pitchFamily="49" charset="0"/>
               </a:rPr>
-              <a:t>npm i -g nodemon</a:t>
-            </a:r>
+              <a:t>dotenv</a:t>
+            </a:r>
+          </a:p>
+        </p:txBody>
+      </p:sp>
+      <p:sp>
+        <p:nvSpPr>
+          <p:cNvPr id="5" name="Slide Number Placeholder 4"/>
+          <p:cNvSpPr>
+            <a:spLocks noGrp="1"/>
+          </p:cNvSpPr>
+          <p:nvPr>
+            <p:ph type="sldNum" sz="quarter" idx="12"/>
+          </p:nvPr>
+        </p:nvSpPr>
+        <p:spPr/>
+        <p:txBody>
+          <a:bodyPr/>
+          <a:lstStyle/>
+          <a:p>
+            <a:fld id="{34B7E4EF-A1BD-40F4-AB7B-04F084DD991D}" type="slidenum">
+              <a:rPr lang="en-US" smtClean="0"/>
+              <a:t>21</a:t>
+            </a:fld>
+            <a:endParaRPr lang="en-US" dirty="0"/>
           </a:p>
         </p:txBody>
       </p:sp>
@@ -7385,7 +7334,11 @@
               <a:rPr lang="en-US" sz="1600" dirty="0">
                 <a:hlinkClick r:id="rId2"/>
               </a:rPr>
-              <a:t>https://www.npmjs.com/package/nodemon</a:t>
+              <a:t>https://www.npmjs.com/package/dotenv</a:t>
+            </a:r>
+            <a:r>
+              <a:rPr lang="en-US" sz="1600" dirty="0"/>
+              <a:t>  </a:t>
             </a:r>
             <a:endParaRPr lang="en-US" sz="1600" dirty="0">
               <a:solidFill>
@@ -7395,33 +7348,10 @@
           </a:p>
         </p:txBody>
       </p:sp>
-      <p:sp>
-        <p:nvSpPr>
-          <p:cNvPr id="5" name="Slide Number Placeholder 4"/>
-          <p:cNvSpPr>
-            <a:spLocks noGrp="1"/>
-          </p:cNvSpPr>
-          <p:nvPr>
-            <p:ph type="sldNum" sz="quarter" idx="12"/>
-          </p:nvPr>
-        </p:nvSpPr>
-        <p:spPr/>
-        <p:txBody>
-          <a:bodyPr/>
-          <a:lstStyle/>
-          <a:p>
-            <a:fld id="{34B7E4EF-A1BD-40F4-AB7B-04F084DD991D}" type="slidenum">
-              <a:rPr lang="en-US" smtClean="0"/>
-              <a:t>21</a:t>
-            </a:fld>
-            <a:endParaRPr lang="en-US" dirty="0"/>
-          </a:p>
-        </p:txBody>
-      </p:sp>
     </p:spTree>
     <p:extLst>
       <p:ext uri="{BB962C8B-B14F-4D97-AF65-F5344CB8AC3E}">
-        <p14:creationId xmlns:p14="http://schemas.microsoft.com/office/powerpoint/2010/main" val="1583986032"/>
+        <p14:creationId xmlns:p14="http://schemas.microsoft.com/office/powerpoint/2010/main" val="2310676144"/>
       </p:ext>
     </p:extLst>
   </p:cSld>
@@ -7464,12 +7394,7 @@
             <p:ph type="title"/>
           </p:nvPr>
         </p:nvSpPr>
-        <p:spPr>
-          <a:xfrm>
-            <a:off x="664234" y="733579"/>
-            <a:ext cx="9698966" cy="1371600"/>
-          </a:xfrm>
-        </p:spPr>
+        <p:spPr/>
         <p:txBody>
           <a:bodyPr>
             <a:normAutofit/>
@@ -7477,9 +7402,10 @@
           <a:lstStyle/>
           <a:p>
             <a:r>
-              <a:rPr lang="en-US" u="sng" dirty="0"/>
-              <a:t>NPM debug Package</a:t>
-            </a:r>
+              <a:rPr lang="en-US" u="sng"/>
+              <a:t>debug</a:t>
+            </a:r>
+            <a:endParaRPr lang="en-US" u="sng" dirty="0"/>
           </a:p>
         </p:txBody>
       </p:sp>
@@ -7499,12 +7425,7 @@
             <p:ph idx="1"/>
           </p:nvPr>
         </p:nvSpPr>
-        <p:spPr>
-          <a:xfrm>
-            <a:off x="1066800" y="2733472"/>
-            <a:ext cx="10058400" cy="2719061"/>
-          </a:xfrm>
-        </p:spPr>
+        <p:spPr/>
         <p:txBody>
           <a:bodyPr>
             <a:normAutofit/>
@@ -7512,30 +7433,78 @@
           <a:lstStyle/>
           <a:p>
             <a:r>
-              <a:rPr lang="en-US" sz="1800" dirty="0"/>
-              <a:t>debug is a JavaScript debugging utility modelled after Node.js core's debugging technique. Works in Node.js and web browsers</a:t>
-            </a:r>
-          </a:p>
-          <a:p>
-            <a:r>
-              <a:rPr lang="en-US" sz="1800" dirty="0"/>
-              <a:t>debug exposes a function.  You pass this function the name of your module, and it will return a decorated version of console.error for you to pass debug statements to. This will allow you to toggle the debug output for different parts of your module as well </a:t>
-            </a:r>
+              <a:rPr lang="en-US" sz="1800" b="1"/>
+              <a:t>debug</a:t>
+            </a:r>
+            <a:r>
+              <a:rPr lang="en-US" sz="1800"/>
+              <a:t> provides improved logging functionality over </a:t>
+            </a:r>
+            <a:r>
+              <a:rPr lang="en-US" sz="1800" b="1"/>
+              <a:t>console.log</a:t>
+            </a:r>
+          </a:p>
+          <a:p>
+            <a:r>
+              <a:rPr lang="en-US" sz="1800"/>
+              <a:t>It creates channels that you can filter the logs by.</a:t>
+            </a:r>
+          </a:p>
+          <a:p>
+            <a:r>
+              <a:rPr lang="en-US" sz="1800"/>
+              <a:t>It also makes it easy to disable logging in production (for better performance.)</a:t>
+            </a:r>
+            <a:endParaRPr lang="en-US" sz="1800" dirty="0"/>
           </a:p>
           <a:p>
             <a:pPr marL="169863" indent="0">
               <a:buNone/>
             </a:pPr>
-            <a:r>
-              <a:rPr lang="en-US" sz="1800" dirty="0"/>
-              <a:t>Syntax: </a:t>
+            <a:endParaRPr lang="en-US" sz="1800">
+              <a:latin typeface="Consolas" panose="020B0609020204030204" pitchFamily="49" charset="0"/>
+            </a:endParaRPr>
+          </a:p>
+          <a:p>
+            <a:pPr marL="169863" indent="0">
+              <a:buNone/>
+            </a:pPr>
+            <a:r>
+              <a:rPr lang="en-US" sz="1800">
+                <a:latin typeface="Consolas" panose="020B0609020204030204" pitchFamily="49" charset="0"/>
+              </a:rPr>
+              <a:t>npm install </a:t>
             </a:r>
             <a:r>
               <a:rPr lang="en-US" sz="1800" dirty="0">
                 <a:latin typeface="Consolas" panose="020B0609020204030204" pitchFamily="49" charset="0"/>
               </a:rPr>
-              <a:t>npm i debug</a:t>
-            </a:r>
+              <a:t>debug</a:t>
+            </a:r>
+          </a:p>
+        </p:txBody>
+      </p:sp>
+      <p:sp>
+        <p:nvSpPr>
+          <p:cNvPr id="5" name="Slide Number Placeholder 4"/>
+          <p:cNvSpPr>
+            <a:spLocks noGrp="1"/>
+          </p:cNvSpPr>
+          <p:nvPr>
+            <p:ph type="sldNum" sz="quarter" idx="12"/>
+          </p:nvPr>
+        </p:nvSpPr>
+        <p:spPr/>
+        <p:txBody>
+          <a:bodyPr/>
+          <a:lstStyle/>
+          <a:p>
+            <a:fld id="{34B7E4EF-A1BD-40F4-AB7B-04F084DD991D}" type="slidenum">
+              <a:rPr lang="en-US" smtClean="0"/>
+              <a:t>22</a:t>
+            </a:fld>
+            <a:endParaRPr lang="en-US" dirty="0"/>
           </a:p>
         </p:txBody>
       </p:sp>
@@ -7587,29 +7556,6 @@
                 <a:srgbClr val="00B0F0"/>
               </a:solidFill>
             </a:endParaRPr>
-          </a:p>
-        </p:txBody>
-      </p:sp>
-      <p:sp>
-        <p:nvSpPr>
-          <p:cNvPr id="5" name="Slide Number Placeholder 4"/>
-          <p:cNvSpPr>
-            <a:spLocks noGrp="1"/>
-          </p:cNvSpPr>
-          <p:nvPr>
-            <p:ph type="sldNum" sz="quarter" idx="12"/>
-          </p:nvPr>
-        </p:nvSpPr>
-        <p:spPr/>
-        <p:txBody>
-          <a:bodyPr/>
-          <a:lstStyle/>
-          <a:p>
-            <a:fld id="{34B7E4EF-A1BD-40F4-AB7B-04F084DD991D}" type="slidenum">
-              <a:rPr lang="en-US" smtClean="0"/>
-              <a:t>22</a:t>
-            </a:fld>
-            <a:endParaRPr lang="en-US" dirty="0"/>
           </a:p>
         </p:txBody>
       </p:sp>
@@ -7659,12 +7605,7 @@
             <p:ph type="title"/>
           </p:nvPr>
         </p:nvSpPr>
-        <p:spPr>
-          <a:xfrm>
-            <a:off x="664234" y="733579"/>
-            <a:ext cx="9698966" cy="1371600"/>
-          </a:xfrm>
-        </p:spPr>
+        <p:spPr/>
         <p:txBody>
           <a:bodyPr>
             <a:normAutofit/>
@@ -7672,9 +7613,10 @@
           <a:lstStyle/>
           <a:p>
             <a:r>
-              <a:rPr lang="en-US" u="sng" dirty="0"/>
-              <a:t>NPM dotenv Package</a:t>
-            </a:r>
+              <a:rPr lang="en-US" u="sng"/>
+              <a:t>express</a:t>
+            </a:r>
+            <a:endParaRPr lang="en-US" u="sng" dirty="0"/>
           </a:p>
         </p:txBody>
       </p:sp>
@@ -7694,43 +7636,237 @@
             <p:ph idx="1"/>
           </p:nvPr>
         </p:nvSpPr>
-        <p:spPr>
-          <a:xfrm>
-            <a:off x="1066800" y="2733472"/>
-            <a:ext cx="10058400" cy="2719061"/>
-          </a:xfrm>
-        </p:spPr>
+        <p:spPr/>
         <p:txBody>
           <a:bodyPr>
-            <a:normAutofit/>
+            <a:normAutofit fontScale="70000" lnSpcReduction="20000"/>
           </a:bodyPr>
           <a:lstStyle/>
           <a:p>
-            <a:r>
-              <a:rPr lang="en-US" sz="1800" dirty="0"/>
-              <a:t>dotenv is a zero-dependency module that loads environment variables from a .env file into process.env </a:t>
-            </a:r>
-          </a:p>
-          <a:p>
-            <a:r>
-              <a:rPr lang="en-US" sz="1800" dirty="0"/>
-              <a:t>The process.env global variable is injected by the Node at runtime for the application to use.  It represents the state of the system environment the application is in when it starts</a:t>
-            </a:r>
-          </a:p>
-          <a:p>
-            <a:pPr marL="169863" indent="0">
+            <a:pPr marL="0" indent="0">
               <a:buNone/>
             </a:pPr>
             <a:r>
-              <a:rPr lang="en-US" sz="1800" dirty="0"/>
-              <a:t>Syntax: </a:t>
-            </a:r>
-            <a:r>
-              <a:rPr lang="en-US" sz="1800" dirty="0">
+              <a:rPr lang="en-US" sz="2600" b="1" dirty="0"/>
+              <a:t>express</a:t>
+            </a:r>
+            <a:r>
+              <a:rPr lang="en-US" sz="2600" dirty="0"/>
+              <a:t> </a:t>
+            </a:r>
+            <a:r>
+              <a:rPr lang="en-US" sz="2600"/>
+              <a:t>is a fast and minimalist </a:t>
+            </a:r>
+            <a:r>
+              <a:rPr lang="en-US" sz="2600" dirty="0"/>
+              <a:t>web framework </a:t>
+            </a:r>
+            <a:r>
+              <a:rPr lang="en-US" sz="2600"/>
+              <a:t>for node.</a:t>
+            </a:r>
+          </a:p>
+          <a:p>
+            <a:pPr marL="0" indent="0">
+              <a:buNone/>
+            </a:pPr>
+            <a:r>
+              <a:rPr lang="en-US" sz="2400" i="1"/>
+              <a:t>(You'll learn much more about express in the next lectures.)</a:t>
+            </a:r>
+          </a:p>
+          <a:p>
+            <a:pPr marL="0" indent="0">
+              <a:buNone/>
+            </a:pPr>
+            <a:endParaRPr lang="en-US" sz="2600"/>
+          </a:p>
+          <a:p>
+            <a:pPr marL="0" indent="0">
+              <a:buNone/>
+            </a:pPr>
+            <a:r>
+              <a:rPr lang="en-US" sz="2600" u="sng"/>
+              <a:t>Example</a:t>
+            </a:r>
+            <a:endParaRPr lang="en-US" sz="2600" u="sng" dirty="0"/>
+          </a:p>
+          <a:p>
+            <a:pPr marL="0" indent="0">
+              <a:lnSpc>
+                <a:spcPct val="120000"/>
+              </a:lnSpc>
+              <a:spcBef>
+                <a:spcPts val="0"/>
+              </a:spcBef>
+              <a:buNone/>
+            </a:pPr>
+            <a:endParaRPr lang="en-US" sz="2300">
+              <a:latin typeface="Consolas" panose="020B0609020204030204" pitchFamily="49" charset="0"/>
+            </a:endParaRPr>
+          </a:p>
+          <a:p>
+            <a:pPr marL="0" indent="0">
+              <a:lnSpc>
+                <a:spcPct val="120000"/>
+              </a:lnSpc>
+              <a:spcBef>
+                <a:spcPts val="0"/>
+              </a:spcBef>
+              <a:buNone/>
+            </a:pPr>
+            <a:r>
+              <a:rPr lang="en-US" sz="2300">
                 <a:latin typeface="Consolas" panose="020B0609020204030204" pitchFamily="49" charset="0"/>
               </a:rPr>
-              <a:t>npm i dotenv</a:t>
-            </a:r>
+              <a:t>const </a:t>
+            </a:r>
+            <a:r>
+              <a:rPr lang="en-US" sz="2300" dirty="0">
+                <a:latin typeface="Consolas" panose="020B0609020204030204" pitchFamily="49" charset="0"/>
+              </a:rPr>
+              <a:t>express = require(</a:t>
+            </a:r>
+            <a:r>
+              <a:rPr lang="en-US" sz="2300">
+                <a:latin typeface="Consolas" panose="020B0609020204030204" pitchFamily="49" charset="0"/>
+              </a:rPr>
+              <a:t>'express');</a:t>
+            </a:r>
+            <a:endParaRPr lang="en-US" sz="2300" dirty="0">
+              <a:latin typeface="Consolas" panose="020B0609020204030204" pitchFamily="49" charset="0"/>
+            </a:endParaRPr>
+          </a:p>
+          <a:p>
+            <a:pPr marL="0" indent="0">
+              <a:lnSpc>
+                <a:spcPct val="120000"/>
+              </a:lnSpc>
+              <a:spcBef>
+                <a:spcPts val="0"/>
+              </a:spcBef>
+              <a:buNone/>
+            </a:pPr>
+            <a:r>
+              <a:rPr lang="en-US" sz="2300" dirty="0">
+                <a:latin typeface="Consolas" panose="020B0609020204030204" pitchFamily="49" charset="0"/>
+              </a:rPr>
+              <a:t>const app = </a:t>
+            </a:r>
+            <a:r>
+              <a:rPr lang="en-US" sz="2300">
+                <a:latin typeface="Consolas" panose="020B0609020204030204" pitchFamily="49" charset="0"/>
+              </a:rPr>
+              <a:t>express();</a:t>
+            </a:r>
+          </a:p>
+          <a:p>
+            <a:pPr marL="0" indent="0">
+              <a:lnSpc>
+                <a:spcPct val="120000"/>
+              </a:lnSpc>
+              <a:spcBef>
+                <a:spcPts val="0"/>
+              </a:spcBef>
+              <a:buNone/>
+            </a:pPr>
+            <a:endParaRPr lang="en-US" sz="2300" dirty="0">
+              <a:latin typeface="Consolas" panose="020B0609020204030204" pitchFamily="49" charset="0"/>
+            </a:endParaRPr>
+          </a:p>
+          <a:p>
+            <a:pPr marL="0" indent="0">
+              <a:lnSpc>
+                <a:spcPct val="120000"/>
+              </a:lnSpc>
+              <a:spcBef>
+                <a:spcPts val="0"/>
+              </a:spcBef>
+              <a:buNone/>
+            </a:pPr>
+            <a:r>
+              <a:rPr lang="en-US" sz="2300">
+                <a:latin typeface="Consolas" panose="020B0609020204030204" pitchFamily="49" charset="0"/>
+              </a:rPr>
+              <a:t>app</a:t>
+            </a:r>
+            <a:r>
+              <a:rPr lang="en-US" sz="2300" dirty="0">
+                <a:latin typeface="Consolas" panose="020B0609020204030204" pitchFamily="49" charset="0"/>
+              </a:rPr>
+              <a:t>.get</a:t>
+            </a:r>
+            <a:r>
+              <a:rPr lang="en-US" sz="2300">
+                <a:latin typeface="Consolas" panose="020B0609020204030204" pitchFamily="49" charset="0"/>
+              </a:rPr>
+              <a:t>('/', (</a:t>
+            </a:r>
+            <a:r>
+              <a:rPr lang="en-US" sz="2300" dirty="0">
+                <a:latin typeface="Consolas" panose="020B0609020204030204" pitchFamily="49" charset="0"/>
+              </a:rPr>
+              <a:t>req, </a:t>
+            </a:r>
+            <a:r>
+              <a:rPr lang="en-US" sz="2300">
+                <a:latin typeface="Consolas" panose="020B0609020204030204" pitchFamily="49" charset="0"/>
+              </a:rPr>
+              <a:t>res) =&gt; res.send('Hello World!'));</a:t>
+            </a:r>
+            <a:endParaRPr lang="en-US" sz="2300" dirty="0">
+              <a:latin typeface="Consolas" panose="020B0609020204030204" pitchFamily="49" charset="0"/>
+            </a:endParaRPr>
+          </a:p>
+          <a:p>
+            <a:pPr marL="0" indent="0">
+              <a:lnSpc>
+                <a:spcPct val="120000"/>
+              </a:lnSpc>
+              <a:spcBef>
+                <a:spcPts val="0"/>
+              </a:spcBef>
+              <a:buNone/>
+            </a:pPr>
+            <a:r>
+              <a:rPr lang="en-US" sz="2300" dirty="0">
+                <a:latin typeface="Consolas" panose="020B0609020204030204" pitchFamily="49" charset="0"/>
+              </a:rPr>
+              <a:t>app.listen</a:t>
+            </a:r>
+            <a:r>
+              <a:rPr lang="en-US" sz="2300">
+                <a:latin typeface="Consolas" panose="020B0609020204030204" pitchFamily="49" charset="0"/>
+              </a:rPr>
+              <a:t>(3000, () =&gt; console.log('Server Started.'))</a:t>
+            </a:r>
+            <a:endParaRPr lang="en-US" sz="2300" dirty="0">
+              <a:latin typeface="Consolas" panose="020B0609020204030204" pitchFamily="49" charset="0"/>
+            </a:endParaRPr>
+          </a:p>
+        </p:txBody>
+      </p:sp>
+      <p:sp>
+        <p:nvSpPr>
+          <p:cNvPr id="5" name="Slide Number Placeholder 4"/>
+          <p:cNvSpPr>
+            <a:spLocks noGrp="1"/>
+          </p:cNvSpPr>
+          <p:nvPr>
+            <p:ph type="sldNum" sz="quarter" idx="12"/>
+          </p:nvPr>
+        </p:nvSpPr>
+        <p:spPr/>
+        <p:txBody>
+          <a:bodyPr/>
+          <a:lstStyle/>
+          <a:p>
+            <a:fld id="{34B7E4EF-A1BD-40F4-AB7B-04F084DD991D}" type="slidenum">
+              <a:rPr lang="en-US" smtClean="0"/>
+              <a:t>23</a:t>
+            </a:fld>
+            <a:endParaRPr lang="en-US" dirty="0"/>
           </a:p>
         </p:txBody>
       </p:sp>
@@ -7769,49 +7905,34 @@
           <a:p>
             <a:r>
               <a:rPr lang="en-US" sz="1600" dirty="0">
-                <a:hlinkClick r:id="rId2"/>
+                <a:solidFill>
+                  <a:srgbClr val="00B0F0"/>
+                </a:solidFill>
+                <a:hlinkClick r:id="rId2">
+                  <a:extLst>
+                    <a:ext uri="{A12FA001-AC4F-418D-AE19-62706E023703}">
+                      <ahyp:hlinkClr xmlns:ahyp="http://schemas.microsoft.com/office/drawing/2018/hyperlinkcolor" val="tx"/>
+                    </a:ext>
+                  </a:extLst>
+                </a:hlinkClick>
               </a:rPr>
-              <a:t>https://www.npmjs.com/package/dotenv</a:t>
-            </a:r>
-            <a:r>
-              <a:rPr lang="en-US" sz="1600" dirty="0"/>
+              <a:t>https://www.npmjs.com/package/express</a:t>
+            </a:r>
+            <a:r>
+              <a:rPr lang="en-US" sz="1600" dirty="0">
+                <a:solidFill>
+                  <a:srgbClr val="00B0F0"/>
+                </a:solidFill>
+              </a:rPr>
               <a:t>  </a:t>
             </a:r>
-            <a:endParaRPr lang="en-US" sz="1600" dirty="0">
-              <a:solidFill>
-                <a:srgbClr val="00B0F0"/>
-              </a:solidFill>
-            </a:endParaRPr>
-          </a:p>
-        </p:txBody>
-      </p:sp>
-      <p:sp>
-        <p:nvSpPr>
-          <p:cNvPr id="5" name="Slide Number Placeholder 4"/>
-          <p:cNvSpPr>
-            <a:spLocks noGrp="1"/>
-          </p:cNvSpPr>
-          <p:nvPr>
-            <p:ph type="sldNum" sz="quarter" idx="12"/>
-          </p:nvPr>
-        </p:nvSpPr>
-        <p:spPr/>
-        <p:txBody>
-          <a:bodyPr/>
-          <a:lstStyle/>
-          <a:p>
-            <a:fld id="{34B7E4EF-A1BD-40F4-AB7B-04F084DD991D}" type="slidenum">
-              <a:rPr lang="en-US" smtClean="0"/>
-              <a:t>23</a:t>
-            </a:fld>
-            <a:endParaRPr lang="en-US" dirty="0"/>
           </a:p>
         </p:txBody>
       </p:sp>
     </p:spTree>
     <p:extLst>
       <p:ext uri="{BB962C8B-B14F-4D97-AF65-F5344CB8AC3E}">
-        <p14:creationId xmlns:p14="http://schemas.microsoft.com/office/powerpoint/2010/main" val="2310676144"/>
+        <p14:creationId xmlns:p14="http://schemas.microsoft.com/office/powerpoint/2010/main" val="3148795200"/>
       </p:ext>
     </p:extLst>
   </p:cSld>
@@ -7840,10 +7961,10 @@
       </p:grpSpPr>
       <p:sp>
         <p:nvSpPr>
-          <p:cNvPr id="2" name="Title 1">
+          <p:cNvPr id="5" name="Title 4">
             <a:extLst>
               <a:ext uri="{FF2B5EF4-FFF2-40B4-BE49-F238E27FC236}">
-                <a16:creationId xmlns:a16="http://schemas.microsoft.com/office/drawing/2014/main" id="{BDFAC13C-59B1-436E-B58F-C304E1C705CF}"/>
+                <a16:creationId xmlns:a16="http://schemas.microsoft.com/office/drawing/2014/main" id="{19920336-7909-426F-8081-AFA24B193F14}"/>
               </a:ext>
             </a:extLst>
           </p:cNvPr>
@@ -7854,31 +7975,24 @@
             <p:ph type="title"/>
           </p:nvPr>
         </p:nvSpPr>
-        <p:spPr>
-          <a:xfrm>
-            <a:off x="664234" y="733579"/>
-            <a:ext cx="9698966" cy="1371600"/>
-          </a:xfrm>
-        </p:spPr>
-        <p:txBody>
-          <a:bodyPr>
-            <a:normAutofit/>
-          </a:bodyPr>
-          <a:lstStyle/>
-          <a:p>
-            <a:r>
-              <a:rPr lang="en-US" u="sng" dirty="0"/>
-              <a:t>NPM express Package</a:t>
-            </a:r>
-          </a:p>
-        </p:txBody>
-      </p:sp>
-      <p:sp>
-        <p:nvSpPr>
-          <p:cNvPr id="3" name="Content Placeholder 2">
+        <p:spPr/>
+        <p:txBody>
+          <a:bodyPr/>
+          <a:lstStyle/>
+          <a:p>
+            <a:r>
+              <a:rPr lang="en-US" cap="none"/>
+              <a:t>Conclusion</a:t>
+            </a:r>
+          </a:p>
+        </p:txBody>
+      </p:sp>
+      <p:sp>
+        <p:nvSpPr>
+          <p:cNvPr id="6" name="Text Placeholder 5">
             <a:extLst>
               <a:ext uri="{FF2B5EF4-FFF2-40B4-BE49-F238E27FC236}">
-                <a16:creationId xmlns:a16="http://schemas.microsoft.com/office/drawing/2014/main" id="{844A3DC5-46BF-4BFF-8008-98FD467C4904}"/>
+                <a16:creationId xmlns:a16="http://schemas.microsoft.com/office/drawing/2014/main" id="{DAE3D404-51E4-4D64-88D7-AFA22CFBA8F7}"/>
               </a:ext>
             </a:extLst>
           </p:cNvPr>
@@ -7886,159 +8000,30 @@
             <a:spLocks noGrp="1"/>
           </p:cNvSpPr>
           <p:nvPr>
-            <p:ph idx="1"/>
-          </p:nvPr>
-        </p:nvSpPr>
-        <p:spPr>
-          <a:xfrm>
-            <a:off x="1066800" y="2733472"/>
-            <a:ext cx="10058400" cy="2719061"/>
-          </a:xfrm>
-        </p:spPr>
-        <p:txBody>
-          <a:bodyPr>
-            <a:normAutofit fontScale="70000" lnSpcReduction="20000"/>
-          </a:bodyPr>
-          <a:lstStyle/>
-          <a:p>
-            <a:r>
-              <a:rPr lang="en-US" sz="2600" dirty="0"/>
-              <a:t>express is defined as a fast, unopinionated, minimalist web framework for node, syntax:</a:t>
-            </a:r>
-          </a:p>
-          <a:p>
-            <a:pPr marL="169863" indent="0">
-              <a:buNone/>
-            </a:pPr>
-            <a:r>
-              <a:rPr lang="en-US" sz="2300" dirty="0">
-                <a:latin typeface="Consolas" panose="020B0609020204030204" pitchFamily="49" charset="0"/>
-              </a:rPr>
-              <a:t>const express = require('express')</a:t>
-            </a:r>
-          </a:p>
-          <a:p>
-            <a:pPr marL="169863" indent="0">
-              <a:buNone/>
-            </a:pPr>
-            <a:r>
-              <a:rPr lang="en-US" sz="2300" dirty="0">
-                <a:latin typeface="Consolas" panose="020B0609020204030204" pitchFamily="49" charset="0"/>
-              </a:rPr>
-              <a:t>const app = express()</a:t>
-            </a:r>
-          </a:p>
-          <a:p>
-            <a:pPr marL="169863" indent="0">
-              <a:buNone/>
-            </a:pPr>
-            <a:r>
-              <a:rPr lang="en-US" sz="2300" dirty="0">
-                <a:latin typeface="Consolas" panose="020B0609020204030204" pitchFamily="49" charset="0"/>
-              </a:rPr>
-              <a:t> app.get('/', function (req, res) {</a:t>
-            </a:r>
-          </a:p>
-          <a:p>
-            <a:pPr marL="169863" indent="0">
-              <a:buNone/>
-            </a:pPr>
-            <a:r>
-              <a:rPr lang="en-US" sz="2300" dirty="0">
-                <a:latin typeface="Consolas" panose="020B0609020204030204" pitchFamily="49" charset="0"/>
-              </a:rPr>
-              <a:t>  res.send('Hello World')</a:t>
-            </a:r>
-          </a:p>
-          <a:p>
-            <a:pPr marL="169863" indent="0">
-              <a:buNone/>
-            </a:pPr>
-            <a:r>
-              <a:rPr lang="en-US" sz="2300" dirty="0">
-                <a:latin typeface="Consolas" panose="020B0609020204030204" pitchFamily="49" charset="0"/>
-              </a:rPr>
-              <a:t>})</a:t>
-            </a:r>
-          </a:p>
-          <a:p>
-            <a:pPr marL="169863" indent="0">
-              <a:buNone/>
-            </a:pPr>
-            <a:r>
-              <a:rPr lang="en-US" sz="2300" dirty="0">
-                <a:latin typeface="Consolas" panose="020B0609020204030204" pitchFamily="49" charset="0"/>
-              </a:rPr>
-              <a:t> </a:t>
-            </a:r>
-          </a:p>
-          <a:p>
-            <a:pPr marL="169863" indent="0">
-              <a:buNone/>
-            </a:pPr>
-            <a:r>
-              <a:rPr lang="en-US" sz="2300" dirty="0">
-                <a:latin typeface="Consolas" panose="020B0609020204030204" pitchFamily="49" charset="0"/>
-              </a:rPr>
-              <a:t>app.listen(3000)</a:t>
-            </a:r>
-          </a:p>
-        </p:txBody>
-      </p:sp>
-      <p:sp>
-        <p:nvSpPr>
-          <p:cNvPr id="4" name="Rectangle 3">
+            <p:ph type="body" idx="1"/>
+          </p:nvPr>
+        </p:nvSpPr>
+        <p:spPr/>
+        <p:txBody>
+          <a:bodyPr/>
+          <a:lstStyle/>
+          <a:p>
+            <a:r>
+              <a:rPr lang="en-US"/>
+              <a:t>What did we learn today?</a:t>
+            </a:r>
+          </a:p>
+        </p:txBody>
+      </p:sp>
+      <p:sp>
+        <p:nvSpPr>
+          <p:cNvPr id="4" name="Slide Number Placeholder 3">
             <a:extLst>
               <a:ext uri="{FF2B5EF4-FFF2-40B4-BE49-F238E27FC236}">
-                <a16:creationId xmlns:a16="http://schemas.microsoft.com/office/drawing/2014/main" id="{0C71533A-4A29-47E2-A4D4-85E44356516A}"/>
+                <a16:creationId xmlns:a16="http://schemas.microsoft.com/office/drawing/2014/main" id="{B3E58610-8DF0-4BC8-B28F-9775BE8BC83F}"/>
               </a:ext>
             </a:extLst>
           </p:cNvPr>
-          <p:cNvSpPr/>
-          <p:nvPr/>
-        </p:nvSpPr>
-        <p:spPr>
-          <a:xfrm>
-            <a:off x="1066800" y="5818971"/>
-            <a:ext cx="10058400" cy="584775"/>
-          </a:xfrm>
-          <a:prstGeom prst="rect">
-            <a:avLst/>
-          </a:prstGeom>
-        </p:spPr>
-        <p:txBody>
-          <a:bodyPr wrap="square">
-            <a:spAutoFit/>
-          </a:bodyPr>
-          <a:lstStyle/>
-          <a:p>
-            <a:r>
-              <a:rPr lang="en-US" sz="1600" b="1" dirty="0"/>
-              <a:t>Source</a:t>
-            </a:r>
-          </a:p>
-          <a:p>
-            <a:r>
-              <a:rPr lang="en-US" sz="1600" dirty="0">
-                <a:hlinkClick r:id="rId2"/>
-              </a:rPr>
-              <a:t>https://www.npmjs.com/package/express</a:t>
-            </a:r>
-            <a:r>
-              <a:rPr lang="en-US" sz="1600" dirty="0"/>
-              <a:t>  </a:t>
-            </a:r>
-            <a:endParaRPr lang="en-US" sz="1600" dirty="0">
-              <a:solidFill>
-                <a:srgbClr val="00B0F0"/>
-              </a:solidFill>
-            </a:endParaRPr>
-          </a:p>
-        </p:txBody>
-      </p:sp>
-      <p:sp>
-        <p:nvSpPr>
-          <p:cNvPr id="5" name="Slide Number Placeholder 4"/>
           <p:cNvSpPr>
             <a:spLocks noGrp="1"/>
           </p:cNvSpPr>
@@ -8062,7 +8047,7 @@
     </p:spTree>
     <p:extLst>
       <p:ext uri="{BB962C8B-B14F-4D97-AF65-F5344CB8AC3E}">
-        <p14:creationId xmlns:p14="http://schemas.microsoft.com/office/powerpoint/2010/main" val="3148795200"/>
+        <p14:creationId xmlns:p14="http://schemas.microsoft.com/office/powerpoint/2010/main" val="1909237733"/>
       </p:ext>
     </p:extLst>
   </p:cSld>
@@ -8105,12 +8090,7 @@
             <p:ph type="title"/>
           </p:nvPr>
         </p:nvSpPr>
-        <p:spPr>
-          <a:xfrm>
-            <a:off x="664234" y="733579"/>
-            <a:ext cx="9698966" cy="1371600"/>
-          </a:xfrm>
-        </p:spPr>
+        <p:spPr/>
         <p:txBody>
           <a:bodyPr>
             <a:normAutofit/>
@@ -8119,7 +8099,7 @@
           <a:p>
             <a:r>
               <a:rPr lang="en-US" u="sng" dirty="0"/>
-              <a:t>NPM serve-favicon Package</a:t>
+              <a:t>What We've Covered</a:t>
             </a:r>
           </a:p>
         </p:txBody>
@@ -8140,12 +8120,7 @@
             <p:ph idx="1"/>
           </p:nvPr>
         </p:nvSpPr>
-        <p:spPr>
-          <a:xfrm>
-            <a:off x="1066800" y="2733472"/>
-            <a:ext cx="10058400" cy="2719061"/>
-          </a:xfrm>
-        </p:spPr>
+        <p:spPr/>
         <p:txBody>
           <a:bodyPr>
             <a:normAutofit/>
@@ -8153,78 +8128,119 @@
           <a:lstStyle/>
           <a:p>
             <a:r>
+              <a:rPr lang="en-US" sz="1800"/>
+              <a:t>What npm </a:t>
+            </a:r>
+            <a:r>
               <a:rPr lang="en-US" sz="1800" dirty="0"/>
-              <a:t>The serve-favicon package is Node.js middleware for serving a favicon.  A favicon is a visual cue that client software, like browsers, use to identify a site </a:t>
-            </a:r>
-          </a:p>
-          <a:p>
+              <a:t>is and how to </a:t>
+            </a:r>
+            <a:r>
+              <a:rPr lang="en-US" sz="1800"/>
+              <a:t>run it</a:t>
+            </a:r>
+            <a:endParaRPr lang="en-US" sz="1800" dirty="0"/>
+          </a:p>
+          <a:p>
+            <a:r>
+              <a:rPr lang="en-US" sz="1800"/>
+              <a:t>Major npm commands </a:t>
+            </a:r>
             <a:r>
               <a:rPr lang="en-US" sz="1800" dirty="0"/>
-              <a:t>Syntax:</a:t>
-            </a:r>
-            <a:r>
-              <a:rPr lang="en-US" sz="2300" dirty="0">
-                <a:latin typeface="Consolas" panose="020B0609020204030204" pitchFamily="49" charset="0"/>
-              </a:rPr>
-              <a:t> </a:t>
-            </a:r>
-            <a:r>
-              <a:rPr lang="en-US" sz="1800" dirty="0">
-                <a:latin typeface="Consolas" panose="020B0609020204030204" pitchFamily="49" charset="0"/>
-              </a:rPr>
-              <a:t>npm i serve-favicon</a:t>
-            </a:r>
-          </a:p>
-        </p:txBody>
-      </p:sp>
-      <p:sp>
-        <p:nvSpPr>
-          <p:cNvPr id="4" name="Rectangle 3">
-            <a:extLst>
-              <a:ext uri="{FF2B5EF4-FFF2-40B4-BE49-F238E27FC236}">
-                <a16:creationId xmlns:a16="http://schemas.microsoft.com/office/drawing/2014/main" id="{0C71533A-4A29-47E2-A4D4-85E44356516A}"/>
-              </a:ext>
-            </a:extLst>
-          </p:cNvPr>
-          <p:cNvSpPr/>
-          <p:nvPr/>
-        </p:nvSpPr>
-        <p:spPr>
-          <a:xfrm>
-            <a:off x="1066800" y="5818971"/>
-            <a:ext cx="10058400" cy="584775"/>
-          </a:xfrm>
-          <a:prstGeom prst="rect">
-            <a:avLst/>
-          </a:prstGeom>
-        </p:spPr>
-        <p:txBody>
-          <a:bodyPr wrap="square">
-            <a:spAutoFit/>
-          </a:bodyPr>
-          <a:lstStyle/>
-          <a:p>
-            <a:r>
-              <a:rPr lang="en-US" sz="1600" b="1" dirty="0"/>
-              <a:t>Source</a:t>
-            </a:r>
-          </a:p>
-          <a:p>
-            <a:r>
-              <a:rPr lang="en-US" sz="1600" dirty="0">
-                <a:hlinkClick r:id="rId2"/>
-              </a:rPr>
-              <a:t>https://www.npmjs.com/package/serve-favicon</a:t>
+              <a:t>including</a:t>
+            </a:r>
+            <a:r>
+              <a:rPr lang="en-US" sz="1800"/>
+              <a:t>: </a:t>
+            </a:r>
+          </a:p>
+          <a:p>
+            <a:pPr lvl="1"/>
+            <a:r>
+              <a:rPr lang="en-US" sz="1600"/>
+              <a:t>npm -v</a:t>
+            </a:r>
+          </a:p>
+          <a:p>
+            <a:pPr lvl="1"/>
+            <a:r>
+              <a:rPr lang="en-US" sz="1600"/>
+              <a:t>npm init</a:t>
+            </a:r>
+          </a:p>
+          <a:p>
+            <a:pPr lvl="1"/>
+            <a:r>
+              <a:rPr lang="en-US" sz="1600"/>
+              <a:t>npm install</a:t>
+            </a:r>
+          </a:p>
+          <a:p>
+            <a:pPr lvl="1"/>
+            <a:r>
+              <a:rPr lang="en-US" sz="1600"/>
+              <a:t>npm </a:t>
             </a:r>
             <a:r>
               <a:rPr lang="en-US" sz="1600" dirty="0"/>
-              <a:t> </a:t>
-            </a:r>
-            <a:endParaRPr lang="en-US" sz="1600" dirty="0">
-              <a:solidFill>
-                <a:srgbClr val="00B0F0"/>
-              </a:solidFill>
-            </a:endParaRPr>
+              <a:t>install </a:t>
+            </a:r>
+            <a:r>
+              <a:rPr lang="en-US" sz="1600"/>
+              <a:t>-g</a:t>
+            </a:r>
+          </a:p>
+          <a:p>
+            <a:pPr lvl="1"/>
+            <a:r>
+              <a:rPr lang="en-US" sz="1600"/>
+              <a:t>npm </a:t>
+            </a:r>
+            <a:r>
+              <a:rPr lang="en-US" sz="1600" dirty="0"/>
+              <a:t>install </a:t>
+            </a:r>
+            <a:r>
+              <a:rPr lang="en-US" sz="1600"/>
+              <a:t>-D</a:t>
+            </a:r>
+          </a:p>
+          <a:p>
+            <a:pPr lvl="1"/>
+            <a:r>
+              <a:rPr lang="en-US" sz="1600"/>
+              <a:t>npm uninstall</a:t>
+            </a:r>
+          </a:p>
+          <a:p>
+            <a:pPr lvl="1"/>
+            <a:r>
+              <a:rPr lang="en-US" sz="1600"/>
+              <a:t>npm </a:t>
+            </a:r>
+            <a:r>
+              <a:rPr lang="en-US" sz="1600" dirty="0"/>
+              <a:t>run</a:t>
+            </a:r>
+          </a:p>
+          <a:p>
+            <a:r>
+              <a:rPr lang="en-US" sz="1800"/>
+              <a:t>A few npm packages </a:t>
+            </a:r>
+            <a:r>
+              <a:rPr lang="en-US" sz="1800" dirty="0"/>
+              <a:t>including: nodemon, debug, dotenv</a:t>
+            </a:r>
+            <a:r>
+              <a:rPr lang="en-US" sz="1800"/>
+              <a:t>, express</a:t>
+            </a:r>
+            <a:endParaRPr lang="en-US" sz="1800" dirty="0"/>
+          </a:p>
+          <a:p>
+            <a:endParaRPr lang="en-US" sz="1800" dirty="0"/>
           </a:p>
         </p:txBody>
       </p:sp>
@@ -8246,741 +8262,6 @@
             <a:fld id="{34B7E4EF-A1BD-40F4-AB7B-04F084DD991D}" type="slidenum">
               <a:rPr lang="en-US" smtClean="0"/>
               <a:t>25</a:t>
-            </a:fld>
-            <a:endParaRPr lang="en-US" dirty="0"/>
-          </a:p>
-        </p:txBody>
-      </p:sp>
-    </p:spTree>
-    <p:extLst>
-      <p:ext uri="{BB962C8B-B14F-4D97-AF65-F5344CB8AC3E}">
-        <p14:creationId xmlns:p14="http://schemas.microsoft.com/office/powerpoint/2010/main" val="1506304130"/>
-      </p:ext>
-    </p:extLst>
-  </p:cSld>
-  <p:clrMapOvr>
-    <a:masterClrMapping/>
-  </p:clrMapOvr>
-</p:sld>
-</file>
-
-<file path=ppt/slides/slide26.xml><?xml version="1.0" encoding="utf-8"?>
-<p:sld xmlns:a="http://schemas.openxmlformats.org/drawingml/2006/main" xmlns:r="http://schemas.openxmlformats.org/officeDocument/2006/relationships" xmlns:p="http://schemas.openxmlformats.org/presentationml/2006/main">
-  <p:cSld>
-    <p:spTree>
-      <p:nvGrpSpPr>
-        <p:cNvPr id="1" name=""/>
-        <p:cNvGrpSpPr/>
-        <p:nvPr/>
-      </p:nvGrpSpPr>
-      <p:grpSpPr>
-        <a:xfrm>
-          <a:off x="0" y="0"/>
-          <a:ext cx="0" cy="0"/>
-          <a:chOff x="0" y="0"/>
-          <a:chExt cx="0" cy="0"/>
-        </a:xfrm>
-      </p:grpSpPr>
-      <p:sp>
-        <p:nvSpPr>
-          <p:cNvPr id="2" name="Title 1">
-            <a:extLst>
-              <a:ext uri="{FF2B5EF4-FFF2-40B4-BE49-F238E27FC236}">
-                <a16:creationId xmlns:a16="http://schemas.microsoft.com/office/drawing/2014/main" id="{BDFAC13C-59B1-436E-B58F-C304E1C705CF}"/>
-              </a:ext>
-            </a:extLst>
-          </p:cNvPr>
-          <p:cNvSpPr>
-            <a:spLocks noGrp="1"/>
-          </p:cNvSpPr>
-          <p:nvPr>
-            <p:ph type="title"/>
-          </p:nvPr>
-        </p:nvSpPr>
-        <p:spPr>
-          <a:xfrm>
-            <a:off x="664234" y="733579"/>
-            <a:ext cx="9698966" cy="1371600"/>
-          </a:xfrm>
-        </p:spPr>
-        <p:txBody>
-          <a:bodyPr>
-            <a:normAutofit/>
-          </a:bodyPr>
-          <a:lstStyle/>
-          <a:p>
-            <a:r>
-              <a:rPr lang="en-US" u="sng" dirty="0"/>
-              <a:t>NPM helmet Package</a:t>
-            </a:r>
-          </a:p>
-        </p:txBody>
-      </p:sp>
-      <p:sp>
-        <p:nvSpPr>
-          <p:cNvPr id="3" name="Content Placeholder 2">
-            <a:extLst>
-              <a:ext uri="{FF2B5EF4-FFF2-40B4-BE49-F238E27FC236}">
-                <a16:creationId xmlns:a16="http://schemas.microsoft.com/office/drawing/2014/main" id="{844A3DC5-46BF-4BFF-8008-98FD467C4904}"/>
-              </a:ext>
-            </a:extLst>
-          </p:cNvPr>
-          <p:cNvSpPr>
-            <a:spLocks noGrp="1"/>
-          </p:cNvSpPr>
-          <p:nvPr>
-            <p:ph idx="1"/>
-          </p:nvPr>
-        </p:nvSpPr>
-        <p:spPr>
-          <a:xfrm>
-            <a:off x="1066800" y="2733472"/>
-            <a:ext cx="10058400" cy="2719061"/>
-          </a:xfrm>
-        </p:spPr>
-        <p:txBody>
-          <a:bodyPr>
-            <a:normAutofit/>
-          </a:bodyPr>
-          <a:lstStyle/>
-          <a:p>
-            <a:r>
-              <a:rPr lang="en-US" sz="1800" dirty="0"/>
-              <a:t>The helmet package helps secure Express apps by setting various HTTP headers</a:t>
-            </a:r>
-          </a:p>
-          <a:p>
-            <a:r>
-              <a:rPr lang="en-US" sz="1800" dirty="0"/>
-              <a:t>Helmet is a collection of 11 smaller middleware functions that set HTTP response headers </a:t>
-            </a:r>
-          </a:p>
-          <a:p>
-            <a:pPr marL="169863" indent="0">
-              <a:buNone/>
-            </a:pPr>
-            <a:r>
-              <a:rPr lang="en-US" sz="1800" dirty="0"/>
-              <a:t>Syntax:</a:t>
-            </a:r>
-            <a:r>
-              <a:rPr lang="en-US" sz="2300" dirty="0">
-                <a:latin typeface="Consolas" panose="020B0609020204030204" pitchFamily="49" charset="0"/>
-              </a:rPr>
-              <a:t> </a:t>
-            </a:r>
-            <a:r>
-              <a:rPr lang="en-US" sz="1800" dirty="0">
-                <a:latin typeface="Consolas" panose="020B0609020204030204" pitchFamily="49" charset="0"/>
-              </a:rPr>
-              <a:t>npm i helmet --save</a:t>
-            </a:r>
-          </a:p>
-        </p:txBody>
-      </p:sp>
-      <p:sp>
-        <p:nvSpPr>
-          <p:cNvPr id="4" name="Rectangle 3">
-            <a:extLst>
-              <a:ext uri="{FF2B5EF4-FFF2-40B4-BE49-F238E27FC236}">
-                <a16:creationId xmlns:a16="http://schemas.microsoft.com/office/drawing/2014/main" id="{0C71533A-4A29-47E2-A4D4-85E44356516A}"/>
-              </a:ext>
-            </a:extLst>
-          </p:cNvPr>
-          <p:cNvSpPr/>
-          <p:nvPr/>
-        </p:nvSpPr>
-        <p:spPr>
-          <a:xfrm>
-            <a:off x="1066800" y="5818971"/>
-            <a:ext cx="10058400" cy="584775"/>
-          </a:xfrm>
-          <a:prstGeom prst="rect">
-            <a:avLst/>
-          </a:prstGeom>
-        </p:spPr>
-        <p:txBody>
-          <a:bodyPr wrap="square">
-            <a:spAutoFit/>
-          </a:bodyPr>
-          <a:lstStyle/>
-          <a:p>
-            <a:r>
-              <a:rPr lang="en-US" sz="1600" b="1" dirty="0"/>
-              <a:t>Source</a:t>
-            </a:r>
-          </a:p>
-          <a:p>
-            <a:r>
-              <a:rPr lang="en-US" sz="1600" dirty="0">
-                <a:hlinkClick r:id="rId2"/>
-              </a:rPr>
-              <a:t>https://www.npmjs.com/package/helmet</a:t>
-            </a:r>
-            <a:r>
-              <a:rPr lang="en-US" sz="1600" dirty="0"/>
-              <a:t> </a:t>
-            </a:r>
-            <a:endParaRPr lang="en-US" sz="1600" dirty="0">
-              <a:solidFill>
-                <a:srgbClr val="00B0F0"/>
-              </a:solidFill>
-            </a:endParaRPr>
-          </a:p>
-        </p:txBody>
-      </p:sp>
-      <p:sp>
-        <p:nvSpPr>
-          <p:cNvPr id="5" name="Slide Number Placeholder 4"/>
-          <p:cNvSpPr>
-            <a:spLocks noGrp="1"/>
-          </p:cNvSpPr>
-          <p:nvPr>
-            <p:ph type="sldNum" sz="quarter" idx="12"/>
-          </p:nvPr>
-        </p:nvSpPr>
-        <p:spPr/>
-        <p:txBody>
-          <a:bodyPr/>
-          <a:lstStyle/>
-          <a:p>
-            <a:fld id="{34B7E4EF-A1BD-40F4-AB7B-04F084DD991D}" type="slidenum">
-              <a:rPr lang="en-US" smtClean="0"/>
-              <a:t>26</a:t>
-            </a:fld>
-            <a:endParaRPr lang="en-US" dirty="0"/>
-          </a:p>
-        </p:txBody>
-      </p:sp>
-    </p:spTree>
-    <p:extLst>
-      <p:ext uri="{BB962C8B-B14F-4D97-AF65-F5344CB8AC3E}">
-        <p14:creationId xmlns:p14="http://schemas.microsoft.com/office/powerpoint/2010/main" val="2831102475"/>
-      </p:ext>
-    </p:extLst>
-  </p:cSld>
-  <p:clrMapOvr>
-    <a:masterClrMapping/>
-  </p:clrMapOvr>
-</p:sld>
-</file>
-
-<file path=ppt/slides/slide27.xml><?xml version="1.0" encoding="utf-8"?>
-<p:sld xmlns:a="http://schemas.openxmlformats.org/drawingml/2006/main" xmlns:r="http://schemas.openxmlformats.org/officeDocument/2006/relationships" xmlns:p="http://schemas.openxmlformats.org/presentationml/2006/main">
-  <p:cSld>
-    <p:spTree>
-      <p:nvGrpSpPr>
-        <p:cNvPr id="1" name=""/>
-        <p:cNvGrpSpPr/>
-        <p:nvPr/>
-      </p:nvGrpSpPr>
-      <p:grpSpPr>
-        <a:xfrm>
-          <a:off x="0" y="0"/>
-          <a:ext cx="0" cy="0"/>
-          <a:chOff x="0" y="0"/>
-          <a:chExt cx="0" cy="0"/>
-        </a:xfrm>
-      </p:grpSpPr>
-      <p:sp>
-        <p:nvSpPr>
-          <p:cNvPr id="2" name="Title 1">
-            <a:extLst>
-              <a:ext uri="{FF2B5EF4-FFF2-40B4-BE49-F238E27FC236}">
-                <a16:creationId xmlns:a16="http://schemas.microsoft.com/office/drawing/2014/main" id="{BDFAC13C-59B1-436E-B58F-C304E1C705CF}"/>
-              </a:ext>
-            </a:extLst>
-          </p:cNvPr>
-          <p:cNvSpPr>
-            <a:spLocks noGrp="1"/>
-          </p:cNvSpPr>
-          <p:nvPr>
-            <p:ph type="title"/>
-          </p:nvPr>
-        </p:nvSpPr>
-        <p:spPr>
-          <a:xfrm>
-            <a:off x="664234" y="733579"/>
-            <a:ext cx="9698966" cy="1371600"/>
-          </a:xfrm>
-        </p:spPr>
-        <p:txBody>
-          <a:bodyPr>
-            <a:normAutofit/>
-          </a:bodyPr>
-          <a:lstStyle/>
-          <a:p>
-            <a:r>
-              <a:rPr lang="en-US" u="sng" dirty="0"/>
-              <a:t>NPM @hapi/joy Package</a:t>
-            </a:r>
-          </a:p>
-        </p:txBody>
-      </p:sp>
-      <p:sp>
-        <p:nvSpPr>
-          <p:cNvPr id="3" name="Content Placeholder 2">
-            <a:extLst>
-              <a:ext uri="{FF2B5EF4-FFF2-40B4-BE49-F238E27FC236}">
-                <a16:creationId xmlns:a16="http://schemas.microsoft.com/office/drawing/2014/main" id="{844A3DC5-46BF-4BFF-8008-98FD467C4904}"/>
-              </a:ext>
-            </a:extLst>
-          </p:cNvPr>
-          <p:cNvSpPr>
-            <a:spLocks noGrp="1"/>
-          </p:cNvSpPr>
-          <p:nvPr>
-            <p:ph idx="1"/>
-          </p:nvPr>
-        </p:nvSpPr>
-        <p:spPr>
-          <a:xfrm>
-            <a:off x="1066800" y="2733472"/>
-            <a:ext cx="10058400" cy="2719061"/>
-          </a:xfrm>
-        </p:spPr>
-        <p:txBody>
-          <a:bodyPr>
-            <a:normAutofit/>
-          </a:bodyPr>
-          <a:lstStyle/>
-          <a:p>
-            <a:r>
-              <a:rPr lang="en-US" sz="1800" dirty="0"/>
-              <a:t>The @hapi/joi package is advertised as the most powerful schema description language and data validator for JavaScript</a:t>
-            </a:r>
-          </a:p>
-          <a:p>
-            <a:pPr marL="169863" indent="0">
-              <a:buNone/>
-            </a:pPr>
-            <a:r>
-              <a:rPr lang="en-US" sz="1800" dirty="0"/>
-              <a:t>Syntax:</a:t>
-            </a:r>
-            <a:r>
-              <a:rPr lang="en-US" sz="2300" dirty="0">
-                <a:latin typeface="Consolas" panose="020B0609020204030204" pitchFamily="49" charset="0"/>
-              </a:rPr>
-              <a:t> </a:t>
-            </a:r>
-            <a:r>
-              <a:rPr lang="en-US" sz="1800" dirty="0">
-                <a:latin typeface="Consolas" panose="020B0609020204030204" pitchFamily="49" charset="0"/>
-              </a:rPr>
-              <a:t>npm i @hapi/joi</a:t>
-            </a:r>
-          </a:p>
-        </p:txBody>
-      </p:sp>
-      <p:sp>
-        <p:nvSpPr>
-          <p:cNvPr id="4" name="Rectangle 3">
-            <a:extLst>
-              <a:ext uri="{FF2B5EF4-FFF2-40B4-BE49-F238E27FC236}">
-                <a16:creationId xmlns:a16="http://schemas.microsoft.com/office/drawing/2014/main" id="{0C71533A-4A29-47E2-A4D4-85E44356516A}"/>
-              </a:ext>
-            </a:extLst>
-          </p:cNvPr>
-          <p:cNvSpPr/>
-          <p:nvPr/>
-        </p:nvSpPr>
-        <p:spPr>
-          <a:xfrm>
-            <a:off x="1066800" y="5818971"/>
-            <a:ext cx="10058400" cy="584775"/>
-          </a:xfrm>
-          <a:prstGeom prst="rect">
-            <a:avLst/>
-          </a:prstGeom>
-        </p:spPr>
-        <p:txBody>
-          <a:bodyPr wrap="square">
-            <a:spAutoFit/>
-          </a:bodyPr>
-          <a:lstStyle/>
-          <a:p>
-            <a:r>
-              <a:rPr lang="en-US" sz="1600" b="1" dirty="0"/>
-              <a:t>Source</a:t>
-            </a:r>
-          </a:p>
-          <a:p>
-            <a:r>
-              <a:rPr lang="en-US" sz="1600" dirty="0">
-                <a:hlinkClick r:id="rId2"/>
-              </a:rPr>
-              <a:t>https://www.npmjs.com/package/helmet</a:t>
-            </a:r>
-            <a:r>
-              <a:rPr lang="en-US" sz="1600" dirty="0"/>
-              <a:t> </a:t>
-            </a:r>
-            <a:endParaRPr lang="en-US" sz="1600" dirty="0">
-              <a:solidFill>
-                <a:srgbClr val="00B0F0"/>
-              </a:solidFill>
-            </a:endParaRPr>
-          </a:p>
-        </p:txBody>
-      </p:sp>
-      <p:sp>
-        <p:nvSpPr>
-          <p:cNvPr id="5" name="Slide Number Placeholder 4"/>
-          <p:cNvSpPr>
-            <a:spLocks noGrp="1"/>
-          </p:cNvSpPr>
-          <p:nvPr>
-            <p:ph type="sldNum" sz="quarter" idx="12"/>
-          </p:nvPr>
-        </p:nvSpPr>
-        <p:spPr/>
-        <p:txBody>
-          <a:bodyPr/>
-          <a:lstStyle/>
-          <a:p>
-            <a:fld id="{34B7E4EF-A1BD-40F4-AB7B-04F084DD991D}" type="slidenum">
-              <a:rPr lang="en-US" smtClean="0"/>
-              <a:t>27</a:t>
-            </a:fld>
-            <a:endParaRPr lang="en-US" dirty="0"/>
-          </a:p>
-        </p:txBody>
-      </p:sp>
-    </p:spTree>
-    <p:extLst>
-      <p:ext uri="{BB962C8B-B14F-4D97-AF65-F5344CB8AC3E}">
-        <p14:creationId xmlns:p14="http://schemas.microsoft.com/office/powerpoint/2010/main" val="1794507462"/>
-      </p:ext>
-    </p:extLst>
-  </p:cSld>
-  <p:clrMapOvr>
-    <a:masterClrMapping/>
-  </p:clrMapOvr>
-</p:sld>
-</file>
-
-<file path=ppt/slides/slide28.xml><?xml version="1.0" encoding="utf-8"?>
-<p:sld xmlns:a="http://schemas.openxmlformats.org/drawingml/2006/main" xmlns:r="http://schemas.openxmlformats.org/officeDocument/2006/relationships" xmlns:p="http://schemas.openxmlformats.org/presentationml/2006/main">
-  <p:cSld>
-    <p:spTree>
-      <p:nvGrpSpPr>
-        <p:cNvPr id="1" name=""/>
-        <p:cNvGrpSpPr/>
-        <p:nvPr/>
-      </p:nvGrpSpPr>
-      <p:grpSpPr>
-        <a:xfrm>
-          <a:off x="0" y="0"/>
-          <a:ext cx="0" cy="0"/>
-          <a:chOff x="0" y="0"/>
-          <a:chExt cx="0" cy="0"/>
-        </a:xfrm>
-      </p:grpSpPr>
-      <p:sp>
-        <p:nvSpPr>
-          <p:cNvPr id="2" name="Title 1">
-            <a:extLst>
-              <a:ext uri="{FF2B5EF4-FFF2-40B4-BE49-F238E27FC236}">
-                <a16:creationId xmlns:a16="http://schemas.microsoft.com/office/drawing/2014/main" id="{BDFAC13C-59B1-436E-B58F-C304E1C705CF}"/>
-              </a:ext>
-            </a:extLst>
-          </p:cNvPr>
-          <p:cNvSpPr>
-            <a:spLocks noGrp="1"/>
-          </p:cNvSpPr>
-          <p:nvPr>
-            <p:ph type="title"/>
-          </p:nvPr>
-        </p:nvSpPr>
-        <p:spPr>
-          <a:xfrm>
-            <a:off x="664234" y="733579"/>
-            <a:ext cx="9698966" cy="1371600"/>
-          </a:xfrm>
-        </p:spPr>
-        <p:txBody>
-          <a:bodyPr>
-            <a:normAutofit/>
-          </a:bodyPr>
-          <a:lstStyle/>
-          <a:p>
-            <a:r>
-              <a:rPr lang="en-US" u="sng" dirty="0"/>
-              <a:t>NPM eslint Package</a:t>
-            </a:r>
-          </a:p>
-        </p:txBody>
-      </p:sp>
-      <p:sp>
-        <p:nvSpPr>
-          <p:cNvPr id="3" name="Content Placeholder 2">
-            <a:extLst>
-              <a:ext uri="{FF2B5EF4-FFF2-40B4-BE49-F238E27FC236}">
-                <a16:creationId xmlns:a16="http://schemas.microsoft.com/office/drawing/2014/main" id="{844A3DC5-46BF-4BFF-8008-98FD467C4904}"/>
-              </a:ext>
-            </a:extLst>
-          </p:cNvPr>
-          <p:cNvSpPr>
-            <a:spLocks noGrp="1"/>
-          </p:cNvSpPr>
-          <p:nvPr>
-            <p:ph idx="1"/>
-          </p:nvPr>
-        </p:nvSpPr>
-        <p:spPr>
-          <a:xfrm>
-            <a:off x="1066800" y="2733472"/>
-            <a:ext cx="10058400" cy="2719061"/>
-          </a:xfrm>
-        </p:spPr>
-        <p:txBody>
-          <a:bodyPr>
-            <a:normAutofit/>
-          </a:bodyPr>
-          <a:lstStyle/>
-          <a:p>
-            <a:r>
-              <a:rPr lang="en-US" sz="1800" dirty="0"/>
-              <a:t>The eslint package is a tool for identifying and reporting on patterns found in ECMAScript/JavaScript code</a:t>
-            </a:r>
-          </a:p>
-          <a:p>
-            <a:pPr marL="169863" indent="0">
-              <a:buNone/>
-            </a:pPr>
-            <a:r>
-              <a:rPr lang="en-US" sz="1800" dirty="0"/>
-              <a:t>Syntax:</a:t>
-            </a:r>
-            <a:r>
-              <a:rPr lang="en-US" sz="2300" dirty="0">
-                <a:latin typeface="Consolas" panose="020B0609020204030204" pitchFamily="49" charset="0"/>
-              </a:rPr>
-              <a:t> </a:t>
-            </a:r>
-            <a:r>
-              <a:rPr lang="en-US" sz="1800" dirty="0">
-                <a:latin typeface="Consolas" panose="020B0609020204030204" pitchFamily="49" charset="0"/>
-              </a:rPr>
-              <a:t>npm i eslint</a:t>
-            </a:r>
-          </a:p>
-        </p:txBody>
-      </p:sp>
-      <p:sp>
-        <p:nvSpPr>
-          <p:cNvPr id="4" name="Rectangle 3">
-            <a:extLst>
-              <a:ext uri="{FF2B5EF4-FFF2-40B4-BE49-F238E27FC236}">
-                <a16:creationId xmlns:a16="http://schemas.microsoft.com/office/drawing/2014/main" id="{0C71533A-4A29-47E2-A4D4-85E44356516A}"/>
-              </a:ext>
-            </a:extLst>
-          </p:cNvPr>
-          <p:cNvSpPr/>
-          <p:nvPr/>
-        </p:nvSpPr>
-        <p:spPr>
-          <a:xfrm>
-            <a:off x="1066800" y="5818971"/>
-            <a:ext cx="10058400" cy="584775"/>
-          </a:xfrm>
-          <a:prstGeom prst="rect">
-            <a:avLst/>
-          </a:prstGeom>
-        </p:spPr>
-        <p:txBody>
-          <a:bodyPr wrap="square">
-            <a:spAutoFit/>
-          </a:bodyPr>
-          <a:lstStyle/>
-          <a:p>
-            <a:r>
-              <a:rPr lang="en-US" sz="1600" b="1" dirty="0"/>
-              <a:t>Source</a:t>
-            </a:r>
-          </a:p>
-          <a:p>
-            <a:r>
-              <a:rPr lang="en-US" sz="1600" dirty="0">
-                <a:hlinkClick r:id="rId2"/>
-              </a:rPr>
-              <a:t>https://www.npmjs.com/package/eslint</a:t>
-            </a:r>
-            <a:r>
-              <a:rPr lang="en-US" sz="1600" dirty="0"/>
-              <a:t> </a:t>
-            </a:r>
-            <a:endParaRPr lang="en-US" sz="1600" dirty="0">
-              <a:solidFill>
-                <a:srgbClr val="00B0F0"/>
-              </a:solidFill>
-            </a:endParaRPr>
-          </a:p>
-        </p:txBody>
-      </p:sp>
-      <p:sp>
-        <p:nvSpPr>
-          <p:cNvPr id="5" name="Slide Number Placeholder 4"/>
-          <p:cNvSpPr>
-            <a:spLocks noGrp="1"/>
-          </p:cNvSpPr>
-          <p:nvPr>
-            <p:ph type="sldNum" sz="quarter" idx="12"/>
-          </p:nvPr>
-        </p:nvSpPr>
-        <p:spPr/>
-        <p:txBody>
-          <a:bodyPr/>
-          <a:lstStyle/>
-          <a:p>
-            <a:fld id="{34B7E4EF-A1BD-40F4-AB7B-04F084DD991D}" type="slidenum">
-              <a:rPr lang="en-US" smtClean="0"/>
-              <a:t>28</a:t>
-            </a:fld>
-            <a:endParaRPr lang="en-US" dirty="0"/>
-          </a:p>
-        </p:txBody>
-      </p:sp>
-    </p:spTree>
-    <p:extLst>
-      <p:ext uri="{BB962C8B-B14F-4D97-AF65-F5344CB8AC3E}">
-        <p14:creationId xmlns:p14="http://schemas.microsoft.com/office/powerpoint/2010/main" val="3490350135"/>
-      </p:ext>
-    </p:extLst>
-  </p:cSld>
-  <p:clrMapOvr>
-    <a:masterClrMapping/>
-  </p:clrMapOvr>
-</p:sld>
-</file>
-
-<file path=ppt/slides/slide29.xml><?xml version="1.0" encoding="utf-8"?>
-<p:sld xmlns:a="http://schemas.openxmlformats.org/drawingml/2006/main" xmlns:r="http://schemas.openxmlformats.org/officeDocument/2006/relationships" xmlns:p="http://schemas.openxmlformats.org/presentationml/2006/main">
-  <p:cSld>
-    <p:spTree>
-      <p:nvGrpSpPr>
-        <p:cNvPr id="1" name=""/>
-        <p:cNvGrpSpPr/>
-        <p:nvPr/>
-      </p:nvGrpSpPr>
-      <p:grpSpPr>
-        <a:xfrm>
-          <a:off x="0" y="0"/>
-          <a:ext cx="0" cy="0"/>
-          <a:chOff x="0" y="0"/>
-          <a:chExt cx="0" cy="0"/>
-        </a:xfrm>
-      </p:grpSpPr>
-      <p:sp>
-        <p:nvSpPr>
-          <p:cNvPr id="2" name="Title 1">
-            <a:extLst>
-              <a:ext uri="{FF2B5EF4-FFF2-40B4-BE49-F238E27FC236}">
-                <a16:creationId xmlns:a16="http://schemas.microsoft.com/office/drawing/2014/main" id="{BDFAC13C-59B1-436E-B58F-C304E1C705CF}"/>
-              </a:ext>
-            </a:extLst>
-          </p:cNvPr>
-          <p:cNvSpPr>
-            <a:spLocks noGrp="1"/>
-          </p:cNvSpPr>
-          <p:nvPr>
-            <p:ph type="title"/>
-          </p:nvPr>
-        </p:nvSpPr>
-        <p:spPr>
-          <a:xfrm>
-            <a:off x="664234" y="733579"/>
-            <a:ext cx="9038566" cy="1371600"/>
-          </a:xfrm>
-        </p:spPr>
-        <p:txBody>
-          <a:bodyPr>
-            <a:normAutofit/>
-          </a:bodyPr>
-          <a:lstStyle/>
-          <a:p>
-            <a:r>
-              <a:rPr lang="en-US" u="sng" dirty="0"/>
-              <a:t>What We've Covered</a:t>
-            </a:r>
-          </a:p>
-        </p:txBody>
-      </p:sp>
-      <p:sp>
-        <p:nvSpPr>
-          <p:cNvPr id="3" name="Content Placeholder 2">
-            <a:extLst>
-              <a:ext uri="{FF2B5EF4-FFF2-40B4-BE49-F238E27FC236}">
-                <a16:creationId xmlns:a16="http://schemas.microsoft.com/office/drawing/2014/main" id="{844A3DC5-46BF-4BFF-8008-98FD467C4904}"/>
-              </a:ext>
-            </a:extLst>
-          </p:cNvPr>
-          <p:cNvSpPr>
-            <a:spLocks noGrp="1"/>
-          </p:cNvSpPr>
-          <p:nvPr>
-            <p:ph idx="1"/>
-          </p:nvPr>
-        </p:nvSpPr>
-        <p:spPr>
-          <a:xfrm>
-            <a:off x="1066800" y="2733472"/>
-            <a:ext cx="10058400" cy="3301568"/>
-          </a:xfrm>
-        </p:spPr>
-        <p:txBody>
-          <a:bodyPr>
-            <a:normAutofit/>
-          </a:bodyPr>
-          <a:lstStyle/>
-          <a:p>
-            <a:r>
-              <a:rPr lang="en-US" sz="1800" dirty="0"/>
-              <a:t>What Node.js Package Manager (NPM) is and how to run NPM</a:t>
-            </a:r>
-          </a:p>
-          <a:p>
-            <a:r>
-              <a:rPr lang="en-US" sz="1800" dirty="0"/>
-              <a:t>Major NPM commands, including: npm -v, npm init, npm install, npm install -g, npm install -D, npm uninstall, and npm run</a:t>
-            </a:r>
-          </a:p>
-          <a:p>
-            <a:r>
-              <a:rPr lang="en-US" sz="1800" dirty="0"/>
-              <a:t>Major NPM packages, including: nodemon, debug, dotenv, express, serve-favicon, helmet, @hapi/joi, eslint</a:t>
-            </a:r>
-          </a:p>
-          <a:p>
-            <a:pPr marL="169863" indent="0">
-              <a:buNone/>
-            </a:pPr>
-            <a:endParaRPr lang="en-US" sz="1800" dirty="0"/>
-          </a:p>
-          <a:p>
-            <a:endParaRPr lang="en-US" sz="1800" dirty="0"/>
-          </a:p>
-        </p:txBody>
-      </p:sp>
-      <p:sp>
-        <p:nvSpPr>
-          <p:cNvPr id="5" name="Slide Number Placeholder 4"/>
-          <p:cNvSpPr>
-            <a:spLocks noGrp="1"/>
-          </p:cNvSpPr>
-          <p:nvPr>
-            <p:ph type="sldNum" sz="quarter" idx="12"/>
-          </p:nvPr>
-        </p:nvSpPr>
-        <p:spPr/>
-        <p:txBody>
-          <a:bodyPr/>
-          <a:lstStyle/>
-          <a:p>
-            <a:fld id="{34B7E4EF-A1BD-40F4-AB7B-04F084DD991D}" type="slidenum">
-              <a:rPr lang="en-US" smtClean="0"/>
-              <a:t>29</a:t>
             </a:fld>
             <a:endParaRPr lang="en-US" dirty="0"/>
           </a:p>
@@ -9018,10 +8299,10 @@
       </p:grpSpPr>
       <p:sp>
         <p:nvSpPr>
-          <p:cNvPr id="2" name="Title 1">
+          <p:cNvPr id="5" name="Title 4">
             <a:extLst>
               <a:ext uri="{FF2B5EF4-FFF2-40B4-BE49-F238E27FC236}">
-                <a16:creationId xmlns:a16="http://schemas.microsoft.com/office/drawing/2014/main" id="{BDFAC13C-59B1-436E-B58F-C304E1C705CF}"/>
+                <a16:creationId xmlns:a16="http://schemas.microsoft.com/office/drawing/2014/main" id="{9B6AC1F9-64F5-4FB8-A57D-BD096482193E}"/>
               </a:ext>
             </a:extLst>
           </p:cNvPr>
@@ -9032,31 +8313,24 @@
             <p:ph type="title"/>
           </p:nvPr>
         </p:nvSpPr>
-        <p:spPr>
-          <a:xfrm>
-            <a:off x="664234" y="733579"/>
-            <a:ext cx="8505166" cy="1371600"/>
-          </a:xfrm>
-        </p:spPr>
-        <p:txBody>
-          <a:bodyPr>
-            <a:normAutofit/>
-          </a:bodyPr>
-          <a:lstStyle/>
-          <a:p>
-            <a:r>
-              <a:rPr lang="en-US" u="sng" dirty="0"/>
-              <a:t>Node Package Manager (NPM)</a:t>
-            </a:r>
-          </a:p>
-        </p:txBody>
-      </p:sp>
-      <p:sp>
-        <p:nvSpPr>
-          <p:cNvPr id="3" name="Content Placeholder 2">
+        <p:spPr/>
+        <p:txBody>
+          <a:bodyPr/>
+          <a:lstStyle/>
+          <a:p>
+            <a:r>
+              <a:rPr lang="en-US" cap="none"/>
+              <a:t>What is NPM?</a:t>
+            </a:r>
+          </a:p>
+        </p:txBody>
+      </p:sp>
+      <p:sp>
+        <p:nvSpPr>
+          <p:cNvPr id="6" name="Text Placeholder 5">
             <a:extLst>
               <a:ext uri="{FF2B5EF4-FFF2-40B4-BE49-F238E27FC236}">
-                <a16:creationId xmlns:a16="http://schemas.microsoft.com/office/drawing/2014/main" id="{844A3DC5-46BF-4BFF-8008-98FD467C4904}"/>
+                <a16:creationId xmlns:a16="http://schemas.microsoft.com/office/drawing/2014/main" id="{63BD257E-0685-4CDA-A7A3-E9BC8046A16A}"/>
               </a:ext>
             </a:extLst>
           </p:cNvPr>
@@ -9064,120 +8338,30 @@
             <a:spLocks noGrp="1"/>
           </p:cNvSpPr>
           <p:nvPr>
-            <p:ph idx="1"/>
-          </p:nvPr>
-        </p:nvSpPr>
-        <p:spPr>
-          <a:xfrm>
-            <a:off x="1066800" y="2733472"/>
-            <a:ext cx="10058400" cy="2719061"/>
-          </a:xfrm>
-        </p:spPr>
-        <p:txBody>
-          <a:bodyPr>
-            <a:normAutofit lnSpcReduction="10000"/>
-          </a:bodyPr>
-          <a:lstStyle/>
-          <a:p>
-            <a:r>
-              <a:rPr lang="en-US" sz="1800" dirty="0"/>
-              <a:t>The Node Package Manager (NPM) provides three main functionalities:</a:t>
-            </a:r>
-          </a:p>
-          <a:p>
-            <a:pPr marL="169863" indent="0">
-              <a:buNone/>
-            </a:pPr>
-            <a:r>
-              <a:rPr lang="en-US" sz="1800" b="1" dirty="0"/>
-              <a:t>The Website</a:t>
-            </a:r>
-            <a:r>
-              <a:rPr lang="en-US" sz="1800" dirty="0"/>
-              <a:t>, the place where users can browse packages, read the documentation and find general info on NPM</a:t>
-            </a:r>
-          </a:p>
-          <a:p>
-            <a:pPr marL="169863" indent="0">
-              <a:buNone/>
-            </a:pPr>
-            <a:r>
-              <a:rPr lang="en-US" sz="1800" b="1" dirty="0"/>
-              <a:t>The Registry</a:t>
-            </a:r>
-            <a:r>
-              <a:rPr lang="en-US" sz="1800" dirty="0"/>
-              <a:t>, the database that stores the information and the code for the packages</a:t>
-            </a:r>
-          </a:p>
-          <a:p>
-            <a:pPr marL="169863" indent="0">
-              <a:buNone/>
-            </a:pPr>
-            <a:r>
-              <a:rPr lang="en-US" sz="1800" b="1" dirty="0"/>
-              <a:t>The NPM Client</a:t>
-            </a:r>
-            <a:r>
-              <a:rPr lang="en-US" sz="1800" dirty="0"/>
-              <a:t>, the tool installed on the developer's machine to allow them to install, publish, and update packages. It also provides a command line utility to install Node.js packages, do version management and dependency management of Node.js packages</a:t>
-            </a:r>
-          </a:p>
-          <a:p>
-            <a:endParaRPr lang="en-US" sz="1800" dirty="0"/>
-          </a:p>
-        </p:txBody>
-      </p:sp>
-      <p:sp>
-        <p:nvSpPr>
-          <p:cNvPr id="4" name="Rectangle 3">
+            <p:ph type="body" idx="1"/>
+          </p:nvPr>
+        </p:nvSpPr>
+        <p:spPr/>
+        <p:txBody>
+          <a:bodyPr/>
+          <a:lstStyle/>
+          <a:p>
+            <a:r>
+              <a:rPr lang="en-US"/>
+              <a:t>Your new best friend.</a:t>
+            </a:r>
+          </a:p>
+        </p:txBody>
+      </p:sp>
+      <p:sp>
+        <p:nvSpPr>
+          <p:cNvPr id="4" name="Slide Number Placeholder 3">
             <a:extLst>
               <a:ext uri="{FF2B5EF4-FFF2-40B4-BE49-F238E27FC236}">
-                <a16:creationId xmlns:a16="http://schemas.microsoft.com/office/drawing/2014/main" id="{0C71533A-4A29-47E2-A4D4-85E44356516A}"/>
+                <a16:creationId xmlns:a16="http://schemas.microsoft.com/office/drawing/2014/main" id="{F71CF213-3EAA-4A75-8F7F-27A5F2B1BF1D}"/>
               </a:ext>
             </a:extLst>
           </p:cNvPr>
-          <p:cNvSpPr/>
-          <p:nvPr/>
-        </p:nvSpPr>
-        <p:spPr>
-          <a:xfrm>
-            <a:off x="1066800" y="5818971"/>
-            <a:ext cx="10058400" cy="584775"/>
-          </a:xfrm>
-          <a:prstGeom prst="rect">
-            <a:avLst/>
-          </a:prstGeom>
-        </p:spPr>
-        <p:txBody>
-          <a:bodyPr wrap="square">
-            <a:spAutoFit/>
-          </a:bodyPr>
-          <a:lstStyle/>
-          <a:p>
-            <a:r>
-              <a:rPr lang="en-US" sz="1600" b="1" dirty="0"/>
-              <a:t>Source</a:t>
-            </a:r>
-          </a:p>
-          <a:p>
-            <a:r>
-              <a:rPr lang="en-US" sz="1600" dirty="0">
-                <a:hlinkClick r:id="rId2"/>
-              </a:rPr>
-              <a:t>https://dzone.com/articles/a-beginners-guide-to-npm-the-node-package-manager</a:t>
-            </a:r>
-            <a:endParaRPr lang="en-US" sz="1600" dirty="0">
-              <a:solidFill>
-                <a:srgbClr val="00B0F0"/>
-              </a:solidFill>
-            </a:endParaRPr>
-          </a:p>
-        </p:txBody>
-      </p:sp>
-      <p:sp>
-        <p:nvSpPr>
-          <p:cNvPr id="5" name="Slide Number Placeholder 4"/>
           <p:cNvSpPr>
             <a:spLocks noGrp="1"/>
           </p:cNvSpPr>
@@ -9201,7 +8385,7 @@
     </p:spTree>
     <p:extLst>
       <p:ext uri="{BB962C8B-B14F-4D97-AF65-F5344CB8AC3E}">
-        <p14:creationId xmlns:p14="http://schemas.microsoft.com/office/powerpoint/2010/main" val="1416285749"/>
+        <p14:creationId xmlns:p14="http://schemas.microsoft.com/office/powerpoint/2010/main" val="556264200"/>
       </p:ext>
     </p:extLst>
   </p:cSld>
@@ -9244,12 +8428,7 @@
             <p:ph type="title"/>
           </p:nvPr>
         </p:nvSpPr>
-        <p:spPr>
-          <a:xfrm>
-            <a:off x="664234" y="733579"/>
-            <a:ext cx="5077520" cy="1371600"/>
-          </a:xfrm>
-        </p:spPr>
+        <p:spPr/>
         <p:txBody>
           <a:bodyPr>
             <a:normAutofit/>
@@ -9258,81 +8437,57 @@
           <a:p>
             <a:r>
               <a:rPr lang="en-US" u="sng" dirty="0"/>
-              <a:t>NPM Website</a:t>
-            </a:r>
-          </a:p>
-        </p:txBody>
-      </p:sp>
-      <p:pic>
-        <p:nvPicPr>
-          <p:cNvPr id="7" name="Content Placeholder 6"/>
-          <p:cNvPicPr>
-            <a:picLocks noGrp="1" noChangeAspect="1"/>
-          </p:cNvPicPr>
-          <p:nvPr>
-            <p:ph idx="1"/>
-          </p:nvPr>
-        </p:nvPicPr>
-        <p:blipFill>
-          <a:blip r:embed="rId3"/>
-          <a:stretch>
-            <a:fillRect/>
-          </a:stretch>
-        </p:blipFill>
-        <p:spPr>
-          <a:xfrm>
-            <a:off x="1066799" y="2040467"/>
-            <a:ext cx="9812867" cy="3775558"/>
-          </a:xfrm>
-          <a:prstGeom prst="rect">
-            <a:avLst/>
-          </a:prstGeom>
-        </p:spPr>
-      </p:pic>
-      <p:sp>
-        <p:nvSpPr>
-          <p:cNvPr id="4" name="Rectangle 3">
+              <a:t>Node Package Manager (NPM)</a:t>
+            </a:r>
+          </a:p>
+        </p:txBody>
+      </p:sp>
+      <p:sp>
+        <p:nvSpPr>
+          <p:cNvPr id="3" name="Content Placeholder 2">
             <a:extLst>
               <a:ext uri="{FF2B5EF4-FFF2-40B4-BE49-F238E27FC236}">
-                <a16:creationId xmlns:a16="http://schemas.microsoft.com/office/drawing/2014/main" id="{0C71533A-4A29-47E2-A4D4-85E44356516A}"/>
+                <a16:creationId xmlns:a16="http://schemas.microsoft.com/office/drawing/2014/main" id="{844A3DC5-46BF-4BFF-8008-98FD467C4904}"/>
               </a:ext>
             </a:extLst>
           </p:cNvPr>
-          <p:cNvSpPr/>
-          <p:nvPr/>
-        </p:nvSpPr>
-        <p:spPr>
-          <a:xfrm>
-            <a:off x="1066800" y="5818971"/>
-            <a:ext cx="10058400" cy="584775"/>
-          </a:xfrm>
-          <a:prstGeom prst="rect">
-            <a:avLst/>
-          </a:prstGeom>
-        </p:spPr>
-        <p:txBody>
-          <a:bodyPr wrap="square">
-            <a:spAutoFit/>
+          <p:cNvSpPr>
+            <a:spLocks noGrp="1"/>
+          </p:cNvSpPr>
+          <p:nvPr>
+            <p:ph idx="1"/>
+          </p:nvPr>
+        </p:nvSpPr>
+        <p:spPr/>
+        <p:txBody>
+          <a:bodyPr>
+            <a:normAutofit lnSpcReduction="10000"/>
           </a:bodyPr>
           <a:lstStyle/>
           <a:p>
-            <a:r>
-              <a:rPr lang="en-US" sz="1600" b="1" dirty="0"/>
-              <a:t>Source</a:t>
-            </a:r>
-          </a:p>
-          <a:p>
-            <a:r>
-              <a:rPr lang="en-US" sz="1600" dirty="0">
-                <a:hlinkClick r:id="rId4"/>
-              </a:rPr>
-              <a:t>https://www.npmjs.com/</a:t>
-            </a:r>
-            <a:endParaRPr lang="en-US" sz="1600" dirty="0">
-              <a:solidFill>
-                <a:srgbClr val="00B0F0"/>
-              </a:solidFill>
-            </a:endParaRPr>
+            <a:pPr marL="0" indent="0">
+              <a:buNone/>
+            </a:pPr>
+            <a:r>
+              <a:rPr lang="en-US" sz="2000" b="1"/>
+              <a:t>npm is the most widely used package manager for Node.js applications.</a:t>
+            </a:r>
+          </a:p>
+          <a:p>
+            <a:pPr marL="0" indent="0">
+              <a:buNone/>
+            </a:pPr>
+            <a:endParaRPr lang="en-US" sz="2000" b="1"/>
+          </a:p>
+          <a:p>
+            <a:pPr marL="0" indent="0">
+              <a:buNone/>
+            </a:pPr>
+            <a:r>
+              <a:rPr lang="en-US" sz="2000" b="1"/>
+              <a:t>npm allows us to quickly download, install, and update our project's dependencies.</a:t>
+            </a:r>
+            <a:endParaRPr lang="en-US" sz="2000" b="1" dirty="0"/>
           </a:p>
         </p:txBody>
       </p:sp>
@@ -9362,7 +8517,7 @@
     </p:spTree>
     <p:extLst>
       <p:ext uri="{BB962C8B-B14F-4D97-AF65-F5344CB8AC3E}">
-        <p14:creationId xmlns:p14="http://schemas.microsoft.com/office/powerpoint/2010/main" val="2520974838"/>
+        <p14:creationId xmlns:p14="http://schemas.microsoft.com/office/powerpoint/2010/main" val="1416285749"/>
       </p:ext>
     </p:extLst>
   </p:cSld>
@@ -9405,12 +8560,7 @@
             <p:ph type="title"/>
           </p:nvPr>
         </p:nvSpPr>
-        <p:spPr>
-          <a:xfrm>
-            <a:off x="664233" y="733579"/>
-            <a:ext cx="7743167" cy="1371600"/>
-          </a:xfrm>
-        </p:spPr>
+        <p:spPr/>
         <p:txBody>
           <a:bodyPr>
             <a:normAutofit/>
@@ -9418,56 +8568,155 @@
           <a:lstStyle/>
           <a:p>
             <a:r>
-              <a:rPr lang="en-US" u="sng" dirty="0"/>
-              <a:t>NPM Website Documentation</a:t>
-            </a:r>
-          </a:p>
-        </p:txBody>
-      </p:sp>
-      <p:sp>
-        <p:nvSpPr>
-          <p:cNvPr id="4" name="Rectangle 3">
+              <a:rPr lang="en-US" u="sng"/>
+              <a:t>NPM Ecosystem</a:t>
+            </a:r>
+            <a:endParaRPr lang="en-US" u="sng" dirty="0"/>
+          </a:p>
+        </p:txBody>
+      </p:sp>
+      <p:sp>
+        <p:nvSpPr>
+          <p:cNvPr id="3" name="Content Placeholder 2">
             <a:extLst>
               <a:ext uri="{FF2B5EF4-FFF2-40B4-BE49-F238E27FC236}">
-                <a16:creationId xmlns:a16="http://schemas.microsoft.com/office/drawing/2014/main" id="{0C71533A-4A29-47E2-A4D4-85E44356516A}"/>
+                <a16:creationId xmlns:a16="http://schemas.microsoft.com/office/drawing/2014/main" id="{844A3DC5-46BF-4BFF-8008-98FD467C4904}"/>
               </a:ext>
             </a:extLst>
           </p:cNvPr>
-          <p:cNvSpPr/>
-          <p:nvPr/>
-        </p:nvSpPr>
-        <p:spPr>
-          <a:xfrm>
-            <a:off x="1066800" y="5818971"/>
-            <a:ext cx="10058400" cy="584775"/>
-          </a:xfrm>
-          <a:prstGeom prst="rect">
-            <a:avLst/>
-          </a:prstGeom>
-        </p:spPr>
-        <p:txBody>
-          <a:bodyPr wrap="square">
-            <a:spAutoFit/>
+          <p:cNvSpPr>
+            <a:spLocks noGrp="1"/>
+          </p:cNvSpPr>
+          <p:nvPr>
+            <p:ph idx="1"/>
+          </p:nvPr>
+        </p:nvSpPr>
+        <p:spPr/>
+        <p:txBody>
+          <a:bodyPr>
+            <a:normAutofit lnSpcReduction="10000"/>
           </a:bodyPr>
           <a:lstStyle/>
           <a:p>
-            <a:r>
-              <a:rPr lang="en-US" sz="1600" b="1" dirty="0"/>
-              <a:t>Source</a:t>
-            </a:r>
-          </a:p>
-          <a:p>
-            <a:r>
-              <a:rPr lang="en-US" sz="1600" dirty="0">
-                <a:hlinkClick r:id="rId3"/>
-              </a:rPr>
-              <a:t>https://docs.npmjs.com/</a:t>
-            </a:r>
-            <a:endParaRPr lang="en-US" sz="1600" dirty="0">
-              <a:solidFill>
-                <a:srgbClr val="00B0F0"/>
-              </a:solidFill>
-            </a:endParaRPr>
+            <a:pPr marL="0" indent="0">
+              <a:spcBef>
+                <a:spcPts val="0"/>
+              </a:spcBef>
+              <a:buNone/>
+            </a:pPr>
+            <a:r>
+              <a:rPr lang="en-US" sz="2000" b="1"/>
+              <a:t>The npm ecosystem is made up of three distinct parts:</a:t>
+            </a:r>
+          </a:p>
+          <a:p>
+            <a:pPr marL="0" indent="0">
+              <a:spcBef>
+                <a:spcPts val="0"/>
+              </a:spcBef>
+              <a:buNone/>
+            </a:pPr>
+            <a:endParaRPr lang="en-US" sz="2000" dirty="0"/>
+          </a:p>
+          <a:p>
+            <a:pPr>
+              <a:spcBef>
+                <a:spcPts val="0"/>
+              </a:spcBef>
+              <a:spcAft>
+                <a:spcPts val="2400"/>
+              </a:spcAft>
+            </a:pPr>
+            <a:r>
+              <a:rPr lang="en-US" sz="2000" b="1" dirty="0"/>
+              <a:t>The Website</a:t>
+            </a:r>
+            <a:r>
+              <a:rPr lang="en-US" sz="2000" dirty="0"/>
+              <a:t>, the place where users can </a:t>
+            </a:r>
+            <a:r>
+              <a:rPr lang="en-US" sz="2000"/>
+              <a:t>browse packages and read their documentation</a:t>
+            </a:r>
+            <a:endParaRPr lang="en-US" sz="2000" dirty="0"/>
+          </a:p>
+          <a:p>
+            <a:pPr>
+              <a:spcBef>
+                <a:spcPts val="0"/>
+              </a:spcBef>
+              <a:spcAft>
+                <a:spcPts val="2400"/>
+              </a:spcAft>
+            </a:pPr>
+            <a:r>
+              <a:rPr lang="en-US" sz="2000" b="1" dirty="0"/>
+              <a:t>The Registry</a:t>
+            </a:r>
+            <a:r>
+              <a:rPr lang="en-US" sz="2000" dirty="0"/>
+              <a:t>, the database that </a:t>
+            </a:r>
+            <a:r>
+              <a:rPr lang="en-US" sz="2000"/>
+              <a:t>stores information and </a:t>
+            </a:r>
+            <a:r>
+              <a:rPr lang="en-US" sz="2000" dirty="0"/>
+              <a:t>code </a:t>
+            </a:r>
+            <a:r>
+              <a:rPr lang="en-US" sz="2000"/>
+              <a:t>for all </a:t>
+            </a:r>
+            <a:r>
+              <a:rPr lang="en-US" sz="2000" dirty="0"/>
+              <a:t>packages</a:t>
+            </a:r>
+          </a:p>
+          <a:p>
+            <a:pPr>
+              <a:spcBef>
+                <a:spcPts val="0"/>
+              </a:spcBef>
+              <a:spcAft>
+                <a:spcPts val="2400"/>
+              </a:spcAft>
+            </a:pPr>
+            <a:r>
+              <a:rPr lang="en-US" sz="2000" b="1" dirty="0"/>
+              <a:t>The NPM Client</a:t>
+            </a:r>
+            <a:r>
+              <a:rPr lang="en-US" sz="2000"/>
+              <a:t>, the command-line </a:t>
+            </a:r>
+            <a:r>
+              <a:rPr lang="en-US" sz="2000" dirty="0"/>
+              <a:t>tool installed </a:t>
+            </a:r>
+            <a:r>
+              <a:rPr lang="en-US" sz="2000"/>
+              <a:t>on a </a:t>
+            </a:r>
+            <a:r>
+              <a:rPr lang="en-US" sz="2000" dirty="0"/>
+              <a:t>developer's </a:t>
+            </a:r>
+            <a:r>
+              <a:rPr lang="en-US" sz="2000"/>
+              <a:t>machine which allows them to download, </a:t>
+            </a:r>
+            <a:r>
+              <a:rPr lang="en-US" sz="2000" dirty="0"/>
+              <a:t>install</a:t>
+            </a:r>
+            <a:r>
+              <a:rPr lang="en-US" sz="2000"/>
+              <a:t>, update, and even publish packages.</a:t>
+            </a:r>
+            <a:endParaRPr lang="en-US" sz="2000" dirty="0"/>
           </a:p>
         </p:txBody>
       </p:sp>
@@ -9494,36 +8743,10 @@
           </a:p>
         </p:txBody>
       </p:sp>
-      <p:pic>
-        <p:nvPicPr>
-          <p:cNvPr id="6" name="Content Placeholder 5"/>
-          <p:cNvPicPr>
-            <a:picLocks noGrp="1" noChangeAspect="1"/>
-          </p:cNvPicPr>
-          <p:nvPr>
-            <p:ph idx="1"/>
-          </p:nvPr>
-        </p:nvPicPr>
-        <p:blipFill>
-          <a:blip r:embed="rId4"/>
-          <a:stretch>
-            <a:fillRect/>
-          </a:stretch>
-        </p:blipFill>
-        <p:spPr>
-          <a:xfrm>
-            <a:off x="4673002" y="1969284"/>
-            <a:ext cx="2845995" cy="3849687"/>
-          </a:xfrm>
-          <a:prstGeom prst="rect">
-            <a:avLst/>
-          </a:prstGeom>
-        </p:spPr>
-      </p:pic>
     </p:spTree>
     <p:extLst>
       <p:ext uri="{BB962C8B-B14F-4D97-AF65-F5344CB8AC3E}">
-        <p14:creationId xmlns:p14="http://schemas.microsoft.com/office/powerpoint/2010/main" val="2062097544"/>
+        <p14:creationId xmlns:p14="http://schemas.microsoft.com/office/powerpoint/2010/main" val="3533796350"/>
       </p:ext>
     </p:extLst>
   </p:cSld>
@@ -9552,10 +8775,10 @@
       </p:grpSpPr>
       <p:sp>
         <p:nvSpPr>
-          <p:cNvPr id="2" name="Title 1">
+          <p:cNvPr id="8" name="Title 7">
             <a:extLst>
               <a:ext uri="{FF2B5EF4-FFF2-40B4-BE49-F238E27FC236}">
-                <a16:creationId xmlns:a16="http://schemas.microsoft.com/office/drawing/2014/main" id="{BDFAC13C-59B1-436E-B58F-C304E1C705CF}"/>
+                <a16:creationId xmlns:a16="http://schemas.microsoft.com/office/drawing/2014/main" id="{B4F0B09F-FF2C-43B2-BECE-5E34B292680D}"/>
               </a:ext>
             </a:extLst>
           </p:cNvPr>
@@ -9568,125 +8791,78 @@
         </p:nvSpPr>
         <p:spPr>
           <a:xfrm>
-            <a:off x="664234" y="733579"/>
-            <a:ext cx="9698966" cy="1371600"/>
+            <a:off x="1066800" y="4846320"/>
+            <a:ext cx="10058400" cy="1371600"/>
           </a:xfrm>
         </p:spPr>
         <p:txBody>
-          <a:bodyPr>
-            <a:normAutofit/>
-          </a:bodyPr>
-          <a:lstStyle/>
-          <a:p>
-            <a:r>
-              <a:rPr lang="en-US" u="sng" dirty="0"/>
-              <a:t>Current NPM Version You Are Running</a:t>
-            </a:r>
-          </a:p>
-        </p:txBody>
-      </p:sp>
-      <p:sp>
-        <p:nvSpPr>
-          <p:cNvPr id="3" name="Content Placeholder 2">
-            <a:extLst>
-              <a:ext uri="{FF2B5EF4-FFF2-40B4-BE49-F238E27FC236}">
-                <a16:creationId xmlns:a16="http://schemas.microsoft.com/office/drawing/2014/main" id="{844A3DC5-46BF-4BFF-8008-98FD467C4904}"/>
-              </a:ext>
-            </a:extLst>
-          </p:cNvPr>
-          <p:cNvSpPr>
-            <a:spLocks noGrp="1"/>
-          </p:cNvSpPr>
-          <p:nvPr>
-            <p:ph idx="1"/>
-          </p:nvPr>
-        </p:nvSpPr>
-        <p:spPr>
-          <a:xfrm>
-            <a:off x="1066800" y="2733472"/>
-            <a:ext cx="10058400" cy="2719061"/>
-          </a:xfrm>
-        </p:spPr>
-        <p:txBody>
-          <a:bodyPr>
-            <a:normAutofit/>
-          </a:bodyPr>
-          <a:lstStyle/>
-          <a:p>
-            <a:r>
-              <a:rPr lang="en-US" sz="1800" dirty="0"/>
-              <a:t>Run the command </a:t>
-            </a:r>
-            <a:r>
-              <a:rPr lang="en-US" sz="1800" dirty="0">
-                <a:latin typeface="Consolas" panose="020B0609020204030204" pitchFamily="49" charset="0"/>
+          <a:bodyPr/>
+          <a:lstStyle/>
+          <a:p>
+            <a:pPr algn="ctr"/>
+            <a:r>
+              <a:rPr lang="en-US">
+                <a:hlinkClick r:id="rId3"/>
               </a:rPr>
-              <a:t>npm –v</a:t>
-            </a:r>
-            <a:r>
-              <a:rPr lang="en-US" sz="1800" dirty="0"/>
-              <a:t> to find out the version of NPM you are running</a:t>
-            </a:r>
-          </a:p>
-          <a:p>
-            <a:pPr marL="0" indent="0">
-              <a:buNone/>
-            </a:pPr>
-            <a:endParaRPr lang="en-US" sz="1800" dirty="0"/>
-          </a:p>
-        </p:txBody>
-      </p:sp>
-      <p:sp>
-        <p:nvSpPr>
-          <p:cNvPr id="5" name="Slide Number Placeholder 4"/>
-          <p:cNvSpPr>
-            <a:spLocks noGrp="1"/>
-          </p:cNvSpPr>
-          <p:nvPr>
-            <p:ph type="sldNum" sz="quarter" idx="12"/>
-          </p:nvPr>
-        </p:nvSpPr>
-        <p:spPr/>
-        <p:txBody>
-          <a:bodyPr/>
-          <a:lstStyle/>
-          <a:p>
-            <a:fld id="{34B7E4EF-A1BD-40F4-AB7B-04F084DD991D}" type="slidenum">
-              <a:rPr lang="en-US" smtClean="0"/>
-              <a:t>6</a:t>
-            </a:fld>
-            <a:endParaRPr lang="en-US" dirty="0"/>
+              <a:t>https://www.npmjs.com/</a:t>
+            </a:r>
+            <a:endParaRPr lang="en-US"/>
           </a:p>
         </p:txBody>
       </p:sp>
       <p:pic>
         <p:nvPicPr>
-          <p:cNvPr id="6" name="Picture 5"/>
+          <p:cNvPr id="7" name="Content Placeholder 6"/>
           <p:cNvPicPr>
-            <a:picLocks noChangeAspect="1"/>
+            <a:picLocks noGrp="1" noChangeAspect="1"/>
           </p:cNvPicPr>
-          <p:nvPr/>
+          <p:nvPr>
+            <p:ph idx="1"/>
+          </p:nvPr>
         </p:nvPicPr>
         <p:blipFill>
-          <a:blip r:embed="rId2"/>
+          <a:blip r:embed="rId4"/>
           <a:stretch>
             <a:fillRect/>
           </a:stretch>
         </p:blipFill>
         <p:spPr>
           <a:xfrm>
-            <a:off x="2737379" y="3516739"/>
-            <a:ext cx="5819775" cy="1152525"/>
+            <a:off x="2086451" y="803682"/>
+            <a:ext cx="8200549" cy="3849687"/>
           </a:xfrm>
           <a:prstGeom prst="rect">
             <a:avLst/>
           </a:prstGeom>
         </p:spPr>
       </p:pic>
+      <p:sp>
+        <p:nvSpPr>
+          <p:cNvPr id="5" name="Slide Number Placeholder 4"/>
+          <p:cNvSpPr>
+            <a:spLocks noGrp="1"/>
+          </p:cNvSpPr>
+          <p:nvPr>
+            <p:ph type="sldNum" sz="quarter" idx="12"/>
+          </p:nvPr>
+        </p:nvSpPr>
+        <p:spPr/>
+        <p:txBody>
+          <a:bodyPr/>
+          <a:lstStyle/>
+          <a:p>
+            <a:fld id="{34B7E4EF-A1BD-40F4-AB7B-04F084DD991D}" type="slidenum">
+              <a:rPr lang="en-US" smtClean="0"/>
+              <a:t>6</a:t>
+            </a:fld>
+            <a:endParaRPr lang="en-US" dirty="0"/>
+          </a:p>
+        </p:txBody>
+      </p:sp>
     </p:spTree>
     <p:extLst>
       <p:ext uri="{BB962C8B-B14F-4D97-AF65-F5344CB8AC3E}">
-        <p14:creationId xmlns:p14="http://schemas.microsoft.com/office/powerpoint/2010/main" val="3259223720"/>
+        <p14:creationId xmlns:p14="http://schemas.microsoft.com/office/powerpoint/2010/main" val="2520974838"/>
       </p:ext>
     </p:extLst>
   </p:cSld>
@@ -9731,8 +8907,8 @@
         </p:nvSpPr>
         <p:spPr>
           <a:xfrm>
-            <a:off x="664234" y="733579"/>
-            <a:ext cx="9698966" cy="1371600"/>
+            <a:off x="1066800" y="5029200"/>
+            <a:ext cx="10058400" cy="1371600"/>
           </a:xfrm>
         </p:spPr>
         <p:txBody>
@@ -9741,148 +8917,80 @@
           </a:bodyPr>
           <a:lstStyle/>
           <a:p>
-            <a:r>
-              <a:rPr lang="en-US" u="sng" dirty="0"/>
-              <a:t>npm init</a:t>
-            </a:r>
-          </a:p>
-        </p:txBody>
-      </p:sp>
-      <p:sp>
-        <p:nvSpPr>
-          <p:cNvPr id="3" name="Content Placeholder 2">
+            <a:pPr algn="ctr"/>
+            <a:r>
+              <a:rPr lang="en-US" u="sng">
+                <a:solidFill>
+                  <a:srgbClr val="00B0F0"/>
+                </a:solidFill>
+              </a:rPr>
+              <a:t>https://docs.npmjs.com/</a:t>
+            </a:r>
+            <a:endParaRPr lang="en-US" u="sng" dirty="0">
+              <a:solidFill>
+                <a:srgbClr val="00B0F0"/>
+              </a:solidFill>
+            </a:endParaRPr>
+          </a:p>
+        </p:txBody>
+      </p:sp>
+      <p:sp>
+        <p:nvSpPr>
+          <p:cNvPr id="5" name="Slide Number Placeholder 4"/>
+          <p:cNvSpPr>
+            <a:spLocks noGrp="1"/>
+          </p:cNvSpPr>
+          <p:nvPr>
+            <p:ph type="sldNum" sz="quarter" idx="12"/>
+          </p:nvPr>
+        </p:nvSpPr>
+        <p:spPr/>
+        <p:txBody>
+          <a:bodyPr/>
+          <a:lstStyle/>
+          <a:p>
+            <a:fld id="{34B7E4EF-A1BD-40F4-AB7B-04F084DD991D}" type="slidenum">
+              <a:rPr lang="en-US" smtClean="0"/>
+              <a:t>7</a:t>
+            </a:fld>
+            <a:endParaRPr lang="en-US" dirty="0"/>
+          </a:p>
+        </p:txBody>
+      </p:sp>
+      <p:pic>
+        <p:nvPicPr>
+          <p:cNvPr id="10" name="Picture 9">
             <a:extLst>
               <a:ext uri="{FF2B5EF4-FFF2-40B4-BE49-F238E27FC236}">
-                <a16:creationId xmlns:a16="http://schemas.microsoft.com/office/drawing/2014/main" id="{844A3DC5-46BF-4BFF-8008-98FD467C4904}"/>
+                <a16:creationId xmlns:a16="http://schemas.microsoft.com/office/drawing/2014/main" id="{D8A6491D-C1BC-42E6-8CDA-3D79CCE52C6C}"/>
               </a:ext>
             </a:extLst>
           </p:cNvPr>
-          <p:cNvSpPr>
-            <a:spLocks noGrp="1"/>
-          </p:cNvSpPr>
-          <p:nvPr>
-            <p:ph idx="1"/>
-          </p:nvPr>
-        </p:nvSpPr>
+          <p:cNvPicPr>
+            <a:picLocks noChangeAspect="1"/>
+          </p:cNvPicPr>
+          <p:nvPr/>
+        </p:nvPicPr>
+        <p:blipFill>
+          <a:blip r:embed="rId3"/>
+          <a:stretch>
+            <a:fillRect/>
+          </a:stretch>
+        </p:blipFill>
         <p:spPr>
           <a:xfrm>
-            <a:off x="1066800" y="2733472"/>
-            <a:ext cx="10058400" cy="2719061"/>
-          </a:xfrm>
-        </p:spPr>
-        <p:txBody>
-          <a:bodyPr>
-            <a:normAutofit/>
-          </a:bodyPr>
-          <a:lstStyle/>
-          <a:p>
-            <a:r>
-              <a:rPr lang="en-US" sz="1800" dirty="0"/>
-              <a:t>Run the command </a:t>
-            </a:r>
-            <a:r>
-              <a:rPr lang="en-US" sz="1800" dirty="0">
-                <a:latin typeface="Consolas" panose="020B0609020204030204" pitchFamily="49" charset="0"/>
-              </a:rPr>
-              <a:t>npm init</a:t>
-            </a:r>
-            <a:r>
-              <a:rPr lang="en-US" sz="1800" dirty="0"/>
-              <a:t> to create a package.json file for your project.  Adding the </a:t>
-            </a:r>
-            <a:r>
-              <a:rPr lang="en-US" sz="1800" dirty="0">
-                <a:latin typeface="Consolas" panose="020B0609020204030204" pitchFamily="49" charset="0"/>
-              </a:rPr>
-              <a:t>–y</a:t>
-            </a:r>
-            <a:r>
-              <a:rPr lang="en-US" sz="1800" dirty="0"/>
-              <a:t> flag to the command accepts the defaults</a:t>
-            </a:r>
-          </a:p>
-          <a:p>
-            <a:pPr marL="0" indent="0">
-              <a:buNone/>
-            </a:pPr>
-            <a:endParaRPr lang="en-US" sz="1800" dirty="0"/>
-          </a:p>
-        </p:txBody>
-      </p:sp>
-      <p:sp>
-        <p:nvSpPr>
-          <p:cNvPr id="4" name="Rectangle 3">
-            <a:extLst>
-              <a:ext uri="{FF2B5EF4-FFF2-40B4-BE49-F238E27FC236}">
-                <a16:creationId xmlns:a16="http://schemas.microsoft.com/office/drawing/2014/main" id="{0C71533A-4A29-47E2-A4D4-85E44356516A}"/>
-              </a:ext>
-            </a:extLst>
-          </p:cNvPr>
-          <p:cNvSpPr/>
-          <p:nvPr/>
-        </p:nvSpPr>
-        <p:spPr>
-          <a:xfrm>
-            <a:off x="1066800" y="5818971"/>
-            <a:ext cx="10058400" cy="584775"/>
+            <a:off x="3466124" y="649224"/>
+            <a:ext cx="5259751" cy="4546327"/>
           </a:xfrm>
           <a:prstGeom prst="rect">
             <a:avLst/>
           </a:prstGeom>
         </p:spPr>
-        <p:txBody>
-          <a:bodyPr wrap="square">
-            <a:spAutoFit/>
-          </a:bodyPr>
-          <a:lstStyle/>
-          <a:p>
-            <a:r>
-              <a:rPr lang="en-US" sz="1600" b="1" dirty="0"/>
-              <a:t>Source</a:t>
-            </a:r>
-          </a:p>
-          <a:p>
-            <a:r>
-              <a:rPr lang="en-US" sz="1600" dirty="0">
-                <a:hlinkClick r:id="rId2"/>
-              </a:rPr>
-              <a:t>https://docs.npmjs.com/cli/init</a:t>
-            </a:r>
-            <a:endParaRPr lang="en-US" sz="1600" dirty="0">
-              <a:solidFill>
-                <a:srgbClr val="00B0F0"/>
-              </a:solidFill>
-            </a:endParaRPr>
-          </a:p>
-        </p:txBody>
-      </p:sp>
-      <p:sp>
-        <p:nvSpPr>
-          <p:cNvPr id="5" name="Slide Number Placeholder 4"/>
-          <p:cNvSpPr>
-            <a:spLocks noGrp="1"/>
-          </p:cNvSpPr>
-          <p:nvPr>
-            <p:ph type="sldNum" sz="quarter" idx="12"/>
-          </p:nvPr>
-        </p:nvSpPr>
-        <p:spPr/>
-        <p:txBody>
-          <a:bodyPr/>
-          <a:lstStyle/>
-          <a:p>
-            <a:fld id="{34B7E4EF-A1BD-40F4-AB7B-04F084DD991D}" type="slidenum">
-              <a:rPr lang="en-US" smtClean="0"/>
-              <a:t>7</a:t>
-            </a:fld>
-            <a:endParaRPr lang="en-US" dirty="0"/>
-          </a:p>
-        </p:txBody>
-      </p:sp>
+      </p:pic>
     </p:spTree>
     <p:extLst>
       <p:ext uri="{BB962C8B-B14F-4D97-AF65-F5344CB8AC3E}">
-        <p14:creationId xmlns:p14="http://schemas.microsoft.com/office/powerpoint/2010/main" val="12779094"/>
+        <p14:creationId xmlns:p14="http://schemas.microsoft.com/office/powerpoint/2010/main" val="2062097544"/>
       </p:ext>
     </p:extLst>
   </p:cSld>
@@ -9911,10 +9019,10 @@
       </p:grpSpPr>
       <p:sp>
         <p:nvSpPr>
-          <p:cNvPr id="2" name="Title 1">
+          <p:cNvPr id="5" name="Title 4">
             <a:extLst>
               <a:ext uri="{FF2B5EF4-FFF2-40B4-BE49-F238E27FC236}">
-                <a16:creationId xmlns:a16="http://schemas.microsoft.com/office/drawing/2014/main" id="{BDFAC13C-59B1-436E-B58F-C304E1C705CF}"/>
+                <a16:creationId xmlns:a16="http://schemas.microsoft.com/office/drawing/2014/main" id="{9B6AC1F9-64F5-4FB8-A57D-BD096482193E}"/>
               </a:ext>
             </a:extLst>
           </p:cNvPr>
@@ -9925,31 +9033,24 @@
             <p:ph type="title"/>
           </p:nvPr>
         </p:nvSpPr>
-        <p:spPr>
-          <a:xfrm>
-            <a:off x="664234" y="733579"/>
-            <a:ext cx="9698966" cy="1371600"/>
-          </a:xfrm>
-        </p:spPr>
-        <p:txBody>
-          <a:bodyPr>
-            <a:normAutofit/>
-          </a:bodyPr>
-          <a:lstStyle/>
-          <a:p>
-            <a:r>
-              <a:rPr lang="en-US" u="sng" dirty="0"/>
-              <a:t>package.json</a:t>
-            </a:r>
-          </a:p>
-        </p:txBody>
-      </p:sp>
-      <p:sp>
-        <p:nvSpPr>
-          <p:cNvPr id="3" name="Content Placeholder 2">
+        <p:spPr/>
+        <p:txBody>
+          <a:bodyPr/>
+          <a:lstStyle/>
+          <a:p>
+            <a:r>
+              <a:rPr lang="en-US" cap="none"/>
+              <a:t>NPM Commands</a:t>
+            </a:r>
+          </a:p>
+        </p:txBody>
+      </p:sp>
+      <p:sp>
+        <p:nvSpPr>
+          <p:cNvPr id="6" name="Text Placeholder 5">
             <a:extLst>
               <a:ext uri="{FF2B5EF4-FFF2-40B4-BE49-F238E27FC236}">
-                <a16:creationId xmlns:a16="http://schemas.microsoft.com/office/drawing/2014/main" id="{844A3DC5-46BF-4BFF-8008-98FD467C4904}"/>
+                <a16:creationId xmlns:a16="http://schemas.microsoft.com/office/drawing/2014/main" id="{63BD257E-0685-4CDA-A7A3-E9BC8046A16A}"/>
               </a:ext>
             </a:extLst>
           </p:cNvPr>
@@ -9957,94 +9058,30 @@
             <a:spLocks noGrp="1"/>
           </p:cNvSpPr>
           <p:nvPr>
-            <p:ph idx="1"/>
-          </p:nvPr>
-        </p:nvSpPr>
-        <p:spPr>
-          <a:xfrm>
-            <a:off x="1066800" y="2733472"/>
-            <a:ext cx="10058400" cy="2719061"/>
-          </a:xfrm>
-        </p:spPr>
-        <p:txBody>
-          <a:bodyPr>
-            <a:normAutofit/>
-          </a:bodyPr>
-          <a:lstStyle/>
-          <a:p>
-            <a:r>
-              <a:rPr lang="en-US" sz="1800" dirty="0"/>
-              <a:t>The package.json file is kind of a manifest for your project. It can do a lot of things, completely unrelated. It's a central repository of configuration for tools, for example. It's also where npm and yarn store the names and versions for all the installed packages</a:t>
-            </a:r>
-          </a:p>
-          <a:p>
-            <a:r>
-              <a:rPr lang="en-US" sz="1800" dirty="0"/>
-              <a:t>The package.json file is created when the </a:t>
-            </a:r>
-            <a:r>
-              <a:rPr lang="en-US" sz="1800" dirty="0">
-                <a:latin typeface="Consolas" panose="020B0609020204030204" pitchFamily="49" charset="0"/>
-              </a:rPr>
-              <a:t>npm init</a:t>
-            </a:r>
-            <a:r>
-              <a:rPr lang="en-US" sz="1800" dirty="0"/>
-              <a:t> command is run</a:t>
-            </a:r>
-          </a:p>
-        </p:txBody>
-      </p:sp>
-      <p:sp>
-        <p:nvSpPr>
-          <p:cNvPr id="4" name="Rectangle 3">
+            <p:ph type="body" idx="1"/>
+          </p:nvPr>
+        </p:nvSpPr>
+        <p:spPr/>
+        <p:txBody>
+          <a:bodyPr/>
+          <a:lstStyle/>
+          <a:p>
+            <a:r>
+              <a:rPr lang="en-US"/>
+              <a:t>Getting to know the npm command line interface (CLI)</a:t>
+            </a:r>
+          </a:p>
+        </p:txBody>
+      </p:sp>
+      <p:sp>
+        <p:nvSpPr>
+          <p:cNvPr id="4" name="Slide Number Placeholder 3">
             <a:extLst>
               <a:ext uri="{FF2B5EF4-FFF2-40B4-BE49-F238E27FC236}">
-                <a16:creationId xmlns:a16="http://schemas.microsoft.com/office/drawing/2014/main" id="{0C71533A-4A29-47E2-A4D4-85E44356516A}"/>
+                <a16:creationId xmlns:a16="http://schemas.microsoft.com/office/drawing/2014/main" id="{F71CF213-3EAA-4A75-8F7F-27A5F2B1BF1D}"/>
               </a:ext>
             </a:extLst>
           </p:cNvPr>
-          <p:cNvSpPr/>
-          <p:nvPr/>
-        </p:nvSpPr>
-        <p:spPr>
-          <a:xfrm>
-            <a:off x="1066800" y="5818971"/>
-            <a:ext cx="10058400" cy="584775"/>
-          </a:xfrm>
-          <a:prstGeom prst="rect">
-            <a:avLst/>
-          </a:prstGeom>
-        </p:spPr>
-        <p:txBody>
-          <a:bodyPr wrap="square">
-            <a:spAutoFit/>
-          </a:bodyPr>
-          <a:lstStyle/>
-          <a:p>
-            <a:r>
-              <a:rPr lang="en-US" sz="1600" b="1" dirty="0"/>
-              <a:t>Source</a:t>
-            </a:r>
-          </a:p>
-          <a:p>
-            <a:r>
-              <a:rPr lang="en-US" sz="1600" dirty="0">
-                <a:hlinkClick r:id="rId2"/>
-              </a:rPr>
-              <a:t>https://docs.npmjs.com/cli/init</a:t>
-            </a:r>
-            <a:endParaRPr lang="en-US" sz="1600" dirty="0">
-              <a:solidFill>
-                <a:srgbClr val="00B0F0"/>
-              </a:solidFill>
-            </a:endParaRPr>
-          </a:p>
-        </p:txBody>
-      </p:sp>
-      <p:sp>
-        <p:nvSpPr>
-          <p:cNvPr id="5" name="Slide Number Placeholder 4"/>
           <p:cNvSpPr>
             <a:spLocks noGrp="1"/>
           </p:cNvSpPr>
@@ -10068,7 +9105,7 @@
     </p:spTree>
     <p:extLst>
       <p:ext uri="{BB962C8B-B14F-4D97-AF65-F5344CB8AC3E}">
-        <p14:creationId xmlns:p14="http://schemas.microsoft.com/office/powerpoint/2010/main" val="13510103"/>
+        <p14:creationId xmlns:p14="http://schemas.microsoft.com/office/powerpoint/2010/main" val="442013178"/>
       </p:ext>
     </p:extLst>
   </p:cSld>
@@ -10111,12 +9148,7 @@
             <p:ph type="title"/>
           </p:nvPr>
         </p:nvSpPr>
-        <p:spPr>
-          <a:xfrm>
-            <a:off x="664234" y="733579"/>
-            <a:ext cx="9698966" cy="1371600"/>
-          </a:xfrm>
-        </p:spPr>
+        <p:spPr/>
         <p:txBody>
           <a:bodyPr>
             <a:normAutofit/>
@@ -10124,9 +9156,10 @@
           <a:lstStyle/>
           <a:p>
             <a:r>
-              <a:rPr lang="en-US" u="sng" dirty="0"/>
-              <a:t>package.json</a:t>
-            </a:r>
+              <a:rPr lang="en-US" u="sng"/>
+              <a:t>npm -v</a:t>
+            </a:r>
+            <a:endParaRPr lang="en-US" u="sng" dirty="0"/>
           </a:p>
         </p:txBody>
       </p:sp>
@@ -10148,145 +9181,50 @@
         </p:nvSpPr>
         <p:spPr>
           <a:xfrm>
-            <a:off x="1066800" y="2105180"/>
-            <a:ext cx="10058400" cy="3347354"/>
+            <a:off x="1066800" y="2103120"/>
+            <a:ext cx="10058400" cy="722376"/>
           </a:xfrm>
         </p:spPr>
         <p:txBody>
           <a:bodyPr>
-            <a:normAutofit fontScale="25000" lnSpcReduction="20000"/>
+            <a:normAutofit/>
           </a:bodyPr>
           <a:lstStyle/>
           <a:p>
-            <a:r>
-              <a:rPr lang="en-US" sz="7200" dirty="0"/>
-              <a:t>Here is a sample package.json file</a:t>
-            </a:r>
-            <a:r>
-              <a:rPr lang="en-US" sz="4500" dirty="0"/>
-              <a:t>:</a:t>
-            </a:r>
-          </a:p>
-          <a:p>
             <a:pPr marL="0" indent="0">
               <a:buNone/>
             </a:pPr>
             <a:r>
-              <a:rPr lang="en-US" sz="4800" dirty="0">
+              <a:rPr lang="en-US" sz="1800" dirty="0"/>
+              <a:t>Run the command </a:t>
+            </a:r>
+            <a:r>
+              <a:rPr lang="en-US" sz="1800" b="1">
                 <a:latin typeface="Consolas" panose="020B0609020204030204" pitchFamily="49" charset="0"/>
               </a:rPr>
-              <a:t>{</a:t>
-            </a:r>
-          </a:p>
-          <a:p>
-            <a:pPr marL="0" indent="0">
-              <a:buNone/>
-            </a:pPr>
-            <a:r>
-              <a:rPr lang="en-US" sz="4800" dirty="0">
-                <a:latin typeface="Consolas" panose="020B0609020204030204" pitchFamily="49" charset="0"/>
-              </a:rPr>
-              <a:t>  "name": "nodeone",</a:t>
-            </a:r>
-          </a:p>
-          <a:p>
-            <a:pPr marL="0" indent="0">
-              <a:buNone/>
-            </a:pPr>
-            <a:r>
-              <a:rPr lang="en-US" sz="4800" dirty="0">
-                <a:latin typeface="Consolas" panose="020B0609020204030204" pitchFamily="49" charset="0"/>
-              </a:rPr>
-              <a:t>  "version": "1.0.0",</a:t>
-            </a:r>
-          </a:p>
-          <a:p>
-            <a:pPr marL="0" indent="0">
-              <a:buNone/>
-            </a:pPr>
-            <a:r>
-              <a:rPr lang="en-US" sz="4800" dirty="0">
-                <a:latin typeface="Consolas" panose="020B0609020204030204" pitchFamily="49" charset="0"/>
-              </a:rPr>
-              <a:t>  "description": "This project creates a simple node.js web server",</a:t>
-            </a:r>
-          </a:p>
-          <a:p>
-            <a:pPr marL="0" indent="0">
-              <a:buNone/>
-            </a:pPr>
-            <a:r>
-              <a:rPr lang="en-US" sz="4800" dirty="0">
-                <a:latin typeface="Consolas" panose="020B0609020204030204" pitchFamily="49" charset="0"/>
-              </a:rPr>
-              <a:t>  "main": "main.js",</a:t>
-            </a:r>
-          </a:p>
-          <a:p>
-            <a:pPr marL="0" indent="0">
-              <a:buNone/>
-            </a:pPr>
-            <a:r>
-              <a:rPr lang="en-US" sz="4800" dirty="0">
-                <a:latin typeface="Consolas" panose="020B0609020204030204" pitchFamily="49" charset="0"/>
-              </a:rPr>
-              <a:t>  "scripts": {</a:t>
-            </a:r>
-          </a:p>
-          <a:p>
-            <a:pPr marL="0" indent="0">
-              <a:buNone/>
-            </a:pPr>
-            <a:r>
-              <a:rPr lang="en-US" sz="4800" dirty="0">
-                <a:latin typeface="Consolas" panose="020B0609020204030204" pitchFamily="49" charset="0"/>
-              </a:rPr>
-              <a:t>    "test": "echo \"Error: no test specified\" &amp;&amp; exit 1"</a:t>
-            </a:r>
-          </a:p>
-          <a:p>
-            <a:pPr marL="0" indent="0">
-              <a:buNone/>
-            </a:pPr>
-            <a:r>
-              <a:rPr lang="en-US" sz="4800" dirty="0">
-                <a:latin typeface="Consolas" panose="020B0609020204030204" pitchFamily="49" charset="0"/>
-              </a:rPr>
-              <a:t>  },</a:t>
-            </a:r>
-          </a:p>
-          <a:p>
-            <a:pPr marL="0" indent="0">
-              <a:buNone/>
-            </a:pPr>
-            <a:r>
-              <a:rPr lang="en-US" sz="4800" dirty="0">
-                <a:latin typeface="Consolas" panose="020B0609020204030204" pitchFamily="49" charset="0"/>
-              </a:rPr>
-              <a:t>  "author": "Jeff Scott",</a:t>
-            </a:r>
-          </a:p>
-          <a:p>
-            <a:pPr marL="0" indent="0">
-              <a:buNone/>
-            </a:pPr>
-            <a:r>
-              <a:rPr lang="en-US" sz="4800" dirty="0">
-                <a:latin typeface="Consolas" panose="020B0609020204030204" pitchFamily="49" charset="0"/>
-              </a:rPr>
-              <a:t>  "license": "ISC"</a:t>
-            </a:r>
-          </a:p>
-          <a:p>
-            <a:pPr marL="0" indent="0">
-              <a:buNone/>
-            </a:pPr>
-            <a:r>
-              <a:rPr lang="en-US" sz="4800" dirty="0">
-                <a:latin typeface="Consolas" panose="020B0609020204030204" pitchFamily="49" charset="0"/>
-              </a:rPr>
-              <a:t>}</a:t>
-            </a:r>
+              <a:t>npm –v</a:t>
+            </a:r>
+            <a:r>
+              <a:rPr lang="en-US" sz="1800"/>
+              <a:t> </a:t>
+            </a:r>
+            <a:r>
+              <a:rPr lang="en-US" sz="1800" dirty="0"/>
+              <a:t>to find </a:t>
+            </a:r>
+            <a:r>
+              <a:rPr lang="en-US" sz="1800"/>
+              <a:t>out what </a:t>
+            </a:r>
+            <a:r>
+              <a:rPr lang="en-US" sz="1800" dirty="0"/>
+              <a:t>version of NPM </a:t>
+            </a:r>
+            <a:r>
+              <a:rPr lang="en-US" sz="1800"/>
+              <a:t>you have installed</a:t>
+            </a:r>
+            <a:endParaRPr lang="en-US" sz="1800" dirty="0"/>
           </a:p>
         </p:txBody>
       </p:sp>
@@ -10313,10 +9251,34 @@
           </a:p>
         </p:txBody>
       </p:sp>
+      <p:pic>
+        <p:nvPicPr>
+          <p:cNvPr id="6" name="Picture 5"/>
+          <p:cNvPicPr>
+            <a:picLocks noChangeAspect="1"/>
+          </p:cNvPicPr>
+          <p:nvPr/>
+        </p:nvPicPr>
+        <p:blipFill>
+          <a:blip r:embed="rId2"/>
+          <a:stretch>
+            <a:fillRect/>
+          </a:stretch>
+        </p:blipFill>
+        <p:spPr>
+          <a:xfrm>
+            <a:off x="3186112" y="3456242"/>
+            <a:ext cx="5819775" cy="1152525"/>
+          </a:xfrm>
+          <a:prstGeom prst="rect">
+            <a:avLst/>
+          </a:prstGeom>
+        </p:spPr>
+      </p:pic>
     </p:spTree>
     <p:extLst>
       <p:ext uri="{BB962C8B-B14F-4D97-AF65-F5344CB8AC3E}">
-        <p14:creationId xmlns:p14="http://schemas.microsoft.com/office/powerpoint/2010/main" val="3089513830"/>
+        <p14:creationId xmlns:p14="http://schemas.microsoft.com/office/powerpoint/2010/main" val="3259223720"/>
       </p:ext>
     </p:extLst>
   </p:cSld>
@@ -10864,6 +9826,15 @@
 </file>
 
 <file path=customXml/item1.xml><?xml version="1.0" encoding="utf-8"?>
+<p:properties xmlns:p="http://schemas.microsoft.com/office/2006/metadata/properties" xmlns:xsi="http://www.w3.org/2001/XMLSchema-instance" xmlns:pc="http://schemas.microsoft.com/office/infopath/2007/PartnerControls">
+  <documentManagement>
+    <Status xmlns="71af3243-3dd4-4a8d-8c0d-dd76da1f02a5">Not started</Status>
+    <MediaServiceKeyPoints xmlns="71af3243-3dd4-4a8d-8c0d-dd76da1f02a5" xsi:nil="true"/>
+  </documentManagement>
+</p:properties>
+</file>
+
+<file path=customXml/item2.xml><?xml version="1.0" encoding="utf-8"?>
 <ct:contentTypeSchema xmlns:ct="http://schemas.microsoft.com/office/2006/metadata/contentType" xmlns:ma="http://schemas.microsoft.com/office/2006/metadata/properties/metaAttributes" ct:_="" ma:_="" ma:contentTypeName="Document" ma:contentTypeID="0x01010079F111ED35F8CC479449609E8A0923A6" ma:contentTypeVersion="12" ma:contentTypeDescription="Create a new document." ma:contentTypeScope="" ma:versionID="a410dd7f93c95333ffa1b60ed6adedd1">
   <xsd:schema xmlns:xsd="http://www.w3.org/2001/XMLSchema" xmlns:xs="http://www.w3.org/2001/XMLSchema" xmlns:p="http://schemas.microsoft.com/office/2006/metadata/properties" xmlns:ns2="71af3243-3dd4-4a8d-8c0d-dd76da1f02a5" xmlns:ns3="16c05727-aa75-4e4a-9b5f-8a80a1165891" targetNamespace="http://schemas.microsoft.com/office/2006/metadata/properties" ma:root="true" ma:fieldsID="a936d9baba76aa3866493feff160faab" ns2:_="" ns3:_="">
     <xsd:import namespace="71af3243-3dd4-4a8d-8c0d-dd76da1f02a5"/>
@@ -11084,15 +10055,6 @@
 </ct:contentTypeSchema>
 </file>
 
-<file path=customXml/item2.xml><?xml version="1.0" encoding="utf-8"?>
-<p:properties xmlns:p="http://schemas.microsoft.com/office/2006/metadata/properties" xmlns:xsi="http://www.w3.org/2001/XMLSchema-instance" xmlns:pc="http://schemas.microsoft.com/office/infopath/2007/PartnerControls">
-  <documentManagement>
-    <Status xmlns="71af3243-3dd4-4a8d-8c0d-dd76da1f02a5">Not started</Status>
-    <MediaServiceKeyPoints xmlns="71af3243-3dd4-4a8d-8c0d-dd76da1f02a5" xsi:nil="true"/>
-  </documentManagement>
-</p:properties>
-</file>
-
 <file path=customXml/item3.xml><?xml version="1.0" encoding="utf-8"?>
 <?mso-contentType ?>
 <FormTemplates xmlns="http://schemas.microsoft.com/sharepoint/v3/contenttype/forms">
@@ -11103,6 +10065,23 @@
 </file>
 
 <file path=customXml/itemProps1.xml><?xml version="1.0" encoding="utf-8"?>
+<ds:datastoreItem xmlns:ds="http://schemas.openxmlformats.org/officeDocument/2006/customXml" ds:itemID="{137651BA-F45C-4845-9AB3-E0A65B39F5E1}">
+  <ds:schemaRefs>
+    <ds:schemaRef ds:uri="16c05727-aa75-4e4a-9b5f-8a80a1165891"/>
+    <ds:schemaRef ds:uri="http://schemas.microsoft.com/office/2006/documentManagement/types"/>
+    <ds:schemaRef ds:uri="http://schemas.microsoft.com/office/infopath/2007/PartnerControls"/>
+    <ds:schemaRef ds:uri="http://purl.org/dc/elements/1.1/"/>
+    <ds:schemaRef ds:uri="http://schemas.microsoft.com/office/2006/metadata/properties"/>
+    <ds:schemaRef ds:uri="http://purl.org/dc/terms/"/>
+    <ds:schemaRef ds:uri="http://schemas.openxmlformats.org/package/2006/metadata/core-properties"/>
+    <ds:schemaRef ds:uri="71af3243-3dd4-4a8d-8c0d-dd76da1f02a5"/>
+    <ds:schemaRef ds:uri="http://www.w3.org/XML/1998/namespace"/>
+    <ds:schemaRef ds:uri="http://purl.org/dc/dcmitype/"/>
+  </ds:schemaRefs>
+</ds:datastoreItem>
+</file>
+
+<file path=customXml/itemProps2.xml><?xml version="1.0" encoding="utf-8"?>
 <ds:datastoreItem xmlns:ds="http://schemas.openxmlformats.org/officeDocument/2006/customXml" ds:itemID="{2D276E62-80A3-44DD-9BCC-97ED2B99B57F}">
   <ds:schemaRefs>
     <ds:schemaRef ds:uri="http://schemas.microsoft.com/office/2006/metadata/contentType"/>
@@ -11121,23 +10100,6 @@
 </ds:datastoreItem>
 </file>
 
-<file path=customXml/itemProps2.xml><?xml version="1.0" encoding="utf-8"?>
-<ds:datastoreItem xmlns:ds="http://schemas.openxmlformats.org/officeDocument/2006/customXml" ds:itemID="{137651BA-F45C-4845-9AB3-E0A65B39F5E1}">
-  <ds:schemaRefs>
-    <ds:schemaRef ds:uri="16c05727-aa75-4e4a-9b5f-8a80a1165891"/>
-    <ds:schemaRef ds:uri="http://schemas.microsoft.com/office/2006/documentManagement/types"/>
-    <ds:schemaRef ds:uri="http://schemas.microsoft.com/office/infopath/2007/PartnerControls"/>
-    <ds:schemaRef ds:uri="http://purl.org/dc/elements/1.1/"/>
-    <ds:schemaRef ds:uri="http://schemas.microsoft.com/office/2006/metadata/properties"/>
-    <ds:schemaRef ds:uri="http://purl.org/dc/terms/"/>
-    <ds:schemaRef ds:uri="http://schemas.openxmlformats.org/package/2006/metadata/core-properties"/>
-    <ds:schemaRef ds:uri="71af3243-3dd4-4a8d-8c0d-dd76da1f02a5"/>
-    <ds:schemaRef ds:uri="http://www.w3.org/XML/1998/namespace"/>
-    <ds:schemaRef ds:uri="http://purl.org/dc/dcmitype/"/>
-  </ds:schemaRefs>
-</ds:datastoreItem>
-</file>
-
 <file path=customXml/itemProps3.xml><?xml version="1.0" encoding="utf-8"?>
 <ds:datastoreItem xmlns:ds="http://schemas.openxmlformats.org/officeDocument/2006/customXml" ds:itemID="{CDB58277-F8DF-46FF-84EC-EF41B835E69F}">
   <ds:schemaRefs>

--- a/unit_01/slides/Unit01-PartII.pptx
+++ b/unit_01/slides/Unit01-PartII.pptx
@@ -221,7 +221,7 @@
           <a:p>
             <a:fld id="{DEF45A3F-F083-4E1A-8339-FCD652B27D36}" type="datetimeFigureOut">
               <a:rPr lang="en-US" smtClean="0"/>
-              <a:t>9/4/2020</a:t>
+              <a:t>9/8/2020</a:t>
             </a:fld>
             <a:endParaRPr lang="en-US" dirty="0"/>
           </a:p>
@@ -1125,7 +1125,7 @@
           <a:p>
             <a:fld id="{EB2553B6-A683-4C13-ADF3-6E78B5B860F6}" type="datetime1">
               <a:rPr lang="en-US" smtClean="0"/>
-              <a:t>9/4/2020</a:t>
+              <a:t>9/8/2020</a:t>
             </a:fld>
             <a:endParaRPr lang="en-US" dirty="0"/>
           </a:p>
@@ -1327,7 +1327,7 @@
           <a:p>
             <a:fld id="{6DA00B11-1D47-4652-AEE5-4C2B1235CB66}" type="datetime1">
               <a:rPr lang="en-US" smtClean="0"/>
-              <a:t>9/4/2020</a:t>
+              <a:t>9/8/2020</a:t>
             </a:fld>
             <a:endParaRPr lang="en-US" dirty="0"/>
           </a:p>
@@ -1926,7 +1926,7 @@
           <a:p>
             <a:fld id="{90AC2323-8C5A-462B-92B9-62EA14FA9E94}" type="datetime1">
               <a:rPr lang="en-US" smtClean="0"/>
-              <a:t>9/4/2020</a:t>
+              <a:t>9/8/2020</a:t>
             </a:fld>
             <a:endParaRPr lang="en-US" dirty="0"/>
           </a:p>
@@ -2246,7 +2246,7 @@
           <a:p>
             <a:fld id="{10DC40C2-59E9-46C8-B03E-7C20E5F4F12D}" type="datetime1">
               <a:rPr lang="en-US" smtClean="0"/>
-              <a:t>9/4/2020</a:t>
+              <a:t>9/8/2020</a:t>
             </a:fld>
             <a:endParaRPr lang="en-US" dirty="0"/>
           </a:p>
@@ -2683,7 +2683,7 @@
           <a:p>
             <a:fld id="{7FBC8CB6-941B-4270-8276-FD8E92A373DA}" type="datetime1">
               <a:rPr lang="en-US" smtClean="0"/>
-              <a:t>9/4/2020</a:t>
+              <a:t>9/8/2020</a:t>
             </a:fld>
             <a:endParaRPr lang="en-US" dirty="0"/>
           </a:p>
@@ -2801,7 +2801,7 @@
           <a:p>
             <a:fld id="{15E57E43-E251-46CB-9ADD-5572689A0D73}" type="datetime1">
               <a:rPr lang="en-US" smtClean="0"/>
-              <a:t>9/4/2020</a:t>
+              <a:t>9/8/2020</a:t>
             </a:fld>
             <a:endParaRPr lang="en-US" dirty="0"/>
           </a:p>
@@ -2896,7 +2896,7 @@
           <a:p>
             <a:fld id="{9582FC12-F480-42AE-9F3F-3DA69EB64A0D}" type="datetime1">
               <a:rPr lang="en-US" smtClean="0"/>
-              <a:t>9/4/2020</a:t>
+              <a:t>9/8/2020</a:t>
             </a:fld>
             <a:endParaRPr lang="en-US" dirty="0"/>
           </a:p>
@@ -3313,7 +3313,7 @@
           <a:p>
             <a:fld id="{545CEF3F-6F6A-4297-B757-FFB5D4A3AD64}" type="datetime1">
               <a:rPr lang="en-US" smtClean="0"/>
-              <a:t>9/4/2020</a:t>
+              <a:t>9/8/2020</a:t>
             </a:fld>
             <a:endParaRPr lang="en-US" dirty="0"/>
           </a:p>
@@ -3573,7 +3573,7 @@
           <a:p>
             <a:fld id="{EE2F6E23-5248-4ECD-8C29-1FB95B395C86}" type="datetime1">
               <a:rPr lang="en-US" smtClean="0"/>
-              <a:t>9/4/2020</a:t>
+              <a:t>9/8/2020</a:t>
             </a:fld>
             <a:endParaRPr lang="en-US" dirty="0"/>
           </a:p>
@@ -4089,7 +4089,7 @@
           <a:p>
             <a:fld id="{5DE9F2A3-885D-46CC-9642-01CAAE4EB600}" type="datetime1">
               <a:rPr lang="en-US" smtClean="0"/>
-              <a:t>9/4/2020</a:t>
+              <a:t>9/8/2020</a:t>
             </a:fld>
             <a:endParaRPr lang="en-US" dirty="0"/>
           </a:p>
@@ -6780,7 +6780,7 @@
             </a:r>
             <a:r>
               <a:rPr lang="en-US" sz="1800"/>
-              <a:t>is nmp?</a:t>
+              <a:t>is npm?</a:t>
             </a:r>
             <a:endParaRPr lang="en-US" sz="1800" dirty="0"/>
           </a:p>
@@ -9826,15 +9826,6 @@
 </file>
 
 <file path=customXml/item1.xml><?xml version="1.0" encoding="utf-8"?>
-<p:properties xmlns:p="http://schemas.microsoft.com/office/2006/metadata/properties" xmlns:xsi="http://www.w3.org/2001/XMLSchema-instance" xmlns:pc="http://schemas.microsoft.com/office/infopath/2007/PartnerControls">
-  <documentManagement>
-    <Status xmlns="71af3243-3dd4-4a8d-8c0d-dd76da1f02a5">Not started</Status>
-    <MediaServiceKeyPoints xmlns="71af3243-3dd4-4a8d-8c0d-dd76da1f02a5" xsi:nil="true"/>
-  </documentManagement>
-</p:properties>
-</file>
-
-<file path=customXml/item2.xml><?xml version="1.0" encoding="utf-8"?>
 <ct:contentTypeSchema xmlns:ct="http://schemas.microsoft.com/office/2006/metadata/contentType" xmlns:ma="http://schemas.microsoft.com/office/2006/metadata/properties/metaAttributes" ct:_="" ma:_="" ma:contentTypeName="Document" ma:contentTypeID="0x01010079F111ED35F8CC479449609E8A0923A6" ma:contentTypeVersion="12" ma:contentTypeDescription="Create a new document." ma:contentTypeScope="" ma:versionID="a410dd7f93c95333ffa1b60ed6adedd1">
   <xsd:schema xmlns:xsd="http://www.w3.org/2001/XMLSchema" xmlns:xs="http://www.w3.org/2001/XMLSchema" xmlns:p="http://schemas.microsoft.com/office/2006/metadata/properties" xmlns:ns2="71af3243-3dd4-4a8d-8c0d-dd76da1f02a5" xmlns:ns3="16c05727-aa75-4e4a-9b5f-8a80a1165891" targetNamespace="http://schemas.microsoft.com/office/2006/metadata/properties" ma:root="true" ma:fieldsID="a936d9baba76aa3866493feff160faab" ns2:_="" ns3:_="">
     <xsd:import namespace="71af3243-3dd4-4a8d-8c0d-dd76da1f02a5"/>
@@ -10055,6 +10046,15 @@
 </ct:contentTypeSchema>
 </file>
 
+<file path=customXml/item2.xml><?xml version="1.0" encoding="utf-8"?>
+<p:properties xmlns:p="http://schemas.microsoft.com/office/2006/metadata/properties" xmlns:xsi="http://www.w3.org/2001/XMLSchema-instance" xmlns:pc="http://schemas.microsoft.com/office/infopath/2007/PartnerControls">
+  <documentManagement>
+    <Status xmlns="71af3243-3dd4-4a8d-8c0d-dd76da1f02a5">Not started</Status>
+    <MediaServiceKeyPoints xmlns="71af3243-3dd4-4a8d-8c0d-dd76da1f02a5" xsi:nil="true"/>
+  </documentManagement>
+</p:properties>
+</file>
+
 <file path=customXml/item3.xml><?xml version="1.0" encoding="utf-8"?>
 <?mso-contentType ?>
 <FormTemplates xmlns="http://schemas.microsoft.com/sharepoint/v3/contenttype/forms">
@@ -10065,23 +10065,6 @@
 </file>
 
 <file path=customXml/itemProps1.xml><?xml version="1.0" encoding="utf-8"?>
-<ds:datastoreItem xmlns:ds="http://schemas.openxmlformats.org/officeDocument/2006/customXml" ds:itemID="{137651BA-F45C-4845-9AB3-E0A65B39F5E1}">
-  <ds:schemaRefs>
-    <ds:schemaRef ds:uri="16c05727-aa75-4e4a-9b5f-8a80a1165891"/>
-    <ds:schemaRef ds:uri="http://schemas.microsoft.com/office/2006/documentManagement/types"/>
-    <ds:schemaRef ds:uri="http://schemas.microsoft.com/office/infopath/2007/PartnerControls"/>
-    <ds:schemaRef ds:uri="http://purl.org/dc/elements/1.1/"/>
-    <ds:schemaRef ds:uri="http://schemas.microsoft.com/office/2006/metadata/properties"/>
-    <ds:schemaRef ds:uri="http://purl.org/dc/terms/"/>
-    <ds:schemaRef ds:uri="http://schemas.openxmlformats.org/package/2006/metadata/core-properties"/>
-    <ds:schemaRef ds:uri="71af3243-3dd4-4a8d-8c0d-dd76da1f02a5"/>
-    <ds:schemaRef ds:uri="http://www.w3.org/XML/1998/namespace"/>
-    <ds:schemaRef ds:uri="http://purl.org/dc/dcmitype/"/>
-  </ds:schemaRefs>
-</ds:datastoreItem>
-</file>
-
-<file path=customXml/itemProps2.xml><?xml version="1.0" encoding="utf-8"?>
 <ds:datastoreItem xmlns:ds="http://schemas.openxmlformats.org/officeDocument/2006/customXml" ds:itemID="{2D276E62-80A3-44DD-9BCC-97ED2B99B57F}">
   <ds:schemaRefs>
     <ds:schemaRef ds:uri="http://schemas.microsoft.com/office/2006/metadata/contentType"/>
@@ -10100,6 +10083,23 @@
 </ds:datastoreItem>
 </file>
 
+<file path=customXml/itemProps2.xml><?xml version="1.0" encoding="utf-8"?>
+<ds:datastoreItem xmlns:ds="http://schemas.openxmlformats.org/officeDocument/2006/customXml" ds:itemID="{137651BA-F45C-4845-9AB3-E0A65B39F5E1}">
+  <ds:schemaRefs>
+    <ds:schemaRef ds:uri="16c05727-aa75-4e4a-9b5f-8a80a1165891"/>
+    <ds:schemaRef ds:uri="http://schemas.microsoft.com/office/2006/documentManagement/types"/>
+    <ds:schemaRef ds:uri="http://schemas.microsoft.com/office/infopath/2007/PartnerControls"/>
+    <ds:schemaRef ds:uri="http://purl.org/dc/elements/1.1/"/>
+    <ds:schemaRef ds:uri="http://schemas.microsoft.com/office/2006/metadata/properties"/>
+    <ds:schemaRef ds:uri="http://purl.org/dc/terms/"/>
+    <ds:schemaRef ds:uri="http://schemas.openxmlformats.org/package/2006/metadata/core-properties"/>
+    <ds:schemaRef ds:uri="71af3243-3dd4-4a8d-8c0d-dd76da1f02a5"/>
+    <ds:schemaRef ds:uri="http://www.w3.org/XML/1998/namespace"/>
+    <ds:schemaRef ds:uri="http://purl.org/dc/dcmitype/"/>
+  </ds:schemaRefs>
+</ds:datastoreItem>
+</file>
+
 <file path=customXml/itemProps3.xml><?xml version="1.0" encoding="utf-8"?>
 <ds:datastoreItem xmlns:ds="http://schemas.openxmlformats.org/officeDocument/2006/customXml" ds:itemID="{CDB58277-F8DF-46FF-84EC-EF41B835E69F}">
   <ds:schemaRefs>

--- a/unit_01/slides/Unit01-PartII.pptx
+++ b/unit_01/slides/Unit01-PartII.pptx
@@ -221,7 +221,7 @@
           <a:p>
             <a:fld id="{DEF45A3F-F083-4E1A-8339-FCD652B27D36}" type="datetimeFigureOut">
               <a:rPr lang="en-US" smtClean="0"/>
-              <a:t>9/8/2020</a:t>
+              <a:t>9/9/2020</a:t>
             </a:fld>
             <a:endParaRPr lang="en-US" dirty="0"/>
           </a:p>
@@ -1125,7 +1125,7 @@
           <a:p>
             <a:fld id="{EB2553B6-A683-4C13-ADF3-6E78B5B860F6}" type="datetime1">
               <a:rPr lang="en-US" smtClean="0"/>
-              <a:t>9/8/2020</a:t>
+              <a:t>9/9/2020</a:t>
             </a:fld>
             <a:endParaRPr lang="en-US" dirty="0"/>
           </a:p>
@@ -1327,7 +1327,7 @@
           <a:p>
             <a:fld id="{6DA00B11-1D47-4652-AEE5-4C2B1235CB66}" type="datetime1">
               <a:rPr lang="en-US" smtClean="0"/>
-              <a:t>9/8/2020</a:t>
+              <a:t>9/9/2020</a:t>
             </a:fld>
             <a:endParaRPr lang="en-US" dirty="0"/>
           </a:p>
@@ -1926,7 +1926,7 @@
           <a:p>
             <a:fld id="{90AC2323-8C5A-462B-92B9-62EA14FA9E94}" type="datetime1">
               <a:rPr lang="en-US" smtClean="0"/>
-              <a:t>9/8/2020</a:t>
+              <a:t>9/9/2020</a:t>
             </a:fld>
             <a:endParaRPr lang="en-US" dirty="0"/>
           </a:p>
@@ -2246,7 +2246,7 @@
           <a:p>
             <a:fld id="{10DC40C2-59E9-46C8-B03E-7C20E5F4F12D}" type="datetime1">
               <a:rPr lang="en-US" smtClean="0"/>
-              <a:t>9/8/2020</a:t>
+              <a:t>9/9/2020</a:t>
             </a:fld>
             <a:endParaRPr lang="en-US" dirty="0"/>
           </a:p>
@@ -2683,7 +2683,7 @@
           <a:p>
             <a:fld id="{7FBC8CB6-941B-4270-8276-FD8E92A373DA}" type="datetime1">
               <a:rPr lang="en-US" smtClean="0"/>
-              <a:t>9/8/2020</a:t>
+              <a:t>9/9/2020</a:t>
             </a:fld>
             <a:endParaRPr lang="en-US" dirty="0"/>
           </a:p>
@@ -2801,7 +2801,7 @@
           <a:p>
             <a:fld id="{15E57E43-E251-46CB-9ADD-5572689A0D73}" type="datetime1">
               <a:rPr lang="en-US" smtClean="0"/>
-              <a:t>9/8/2020</a:t>
+              <a:t>9/9/2020</a:t>
             </a:fld>
             <a:endParaRPr lang="en-US" dirty="0"/>
           </a:p>
@@ -2896,7 +2896,7 @@
           <a:p>
             <a:fld id="{9582FC12-F480-42AE-9F3F-3DA69EB64A0D}" type="datetime1">
               <a:rPr lang="en-US" smtClean="0"/>
-              <a:t>9/8/2020</a:t>
+              <a:t>9/9/2020</a:t>
             </a:fld>
             <a:endParaRPr lang="en-US" dirty="0"/>
           </a:p>
@@ -3313,7 +3313,7 @@
           <a:p>
             <a:fld id="{545CEF3F-6F6A-4297-B757-FFB5D4A3AD64}" type="datetime1">
               <a:rPr lang="en-US" smtClean="0"/>
-              <a:t>9/8/2020</a:t>
+              <a:t>9/9/2020</a:t>
             </a:fld>
             <a:endParaRPr lang="en-US" dirty="0"/>
           </a:p>
@@ -3573,7 +3573,7 @@
           <a:p>
             <a:fld id="{EE2F6E23-5248-4ECD-8C29-1FB95B395C86}" type="datetime1">
               <a:rPr lang="en-US" smtClean="0"/>
-              <a:t>9/8/2020</a:t>
+              <a:t>9/9/2020</a:t>
             </a:fld>
             <a:endParaRPr lang="en-US" dirty="0"/>
           </a:p>
@@ -4089,7 +4089,7 @@
           <a:p>
             <a:fld id="{5DE9F2A3-885D-46CC-9642-01CAAE4EB600}" type="datetime1">
               <a:rPr lang="en-US" smtClean="0"/>
-              <a:t>9/8/2020</a:t>
+              <a:t>9/9/2020</a:t>
             </a:fld>
             <a:endParaRPr lang="en-US" dirty="0"/>
           </a:p>
@@ -9826,6 +9826,15 @@
 </file>
 
 <file path=customXml/item1.xml><?xml version="1.0" encoding="utf-8"?>
+<p:properties xmlns:p="http://schemas.microsoft.com/office/2006/metadata/properties" xmlns:xsi="http://www.w3.org/2001/XMLSchema-instance" xmlns:pc="http://schemas.microsoft.com/office/infopath/2007/PartnerControls">
+  <documentManagement>
+    <Status xmlns="71af3243-3dd4-4a8d-8c0d-dd76da1f02a5">Not started</Status>
+    <MediaServiceKeyPoints xmlns="71af3243-3dd4-4a8d-8c0d-dd76da1f02a5" xsi:nil="true"/>
+  </documentManagement>
+</p:properties>
+</file>
+
+<file path=customXml/item2.xml><?xml version="1.0" encoding="utf-8"?>
 <ct:contentTypeSchema xmlns:ct="http://schemas.microsoft.com/office/2006/metadata/contentType" xmlns:ma="http://schemas.microsoft.com/office/2006/metadata/properties/metaAttributes" ct:_="" ma:_="" ma:contentTypeName="Document" ma:contentTypeID="0x01010079F111ED35F8CC479449609E8A0923A6" ma:contentTypeVersion="12" ma:contentTypeDescription="Create a new document." ma:contentTypeScope="" ma:versionID="a410dd7f93c95333ffa1b60ed6adedd1">
   <xsd:schema xmlns:xsd="http://www.w3.org/2001/XMLSchema" xmlns:xs="http://www.w3.org/2001/XMLSchema" xmlns:p="http://schemas.microsoft.com/office/2006/metadata/properties" xmlns:ns2="71af3243-3dd4-4a8d-8c0d-dd76da1f02a5" xmlns:ns3="16c05727-aa75-4e4a-9b5f-8a80a1165891" targetNamespace="http://schemas.microsoft.com/office/2006/metadata/properties" ma:root="true" ma:fieldsID="a936d9baba76aa3866493feff160faab" ns2:_="" ns3:_="">
     <xsd:import namespace="71af3243-3dd4-4a8d-8c0d-dd76da1f02a5"/>
@@ -10046,15 +10055,6 @@
 </ct:contentTypeSchema>
 </file>
 
-<file path=customXml/item2.xml><?xml version="1.0" encoding="utf-8"?>
-<p:properties xmlns:p="http://schemas.microsoft.com/office/2006/metadata/properties" xmlns:xsi="http://www.w3.org/2001/XMLSchema-instance" xmlns:pc="http://schemas.microsoft.com/office/infopath/2007/PartnerControls">
-  <documentManagement>
-    <Status xmlns="71af3243-3dd4-4a8d-8c0d-dd76da1f02a5">Not started</Status>
-    <MediaServiceKeyPoints xmlns="71af3243-3dd4-4a8d-8c0d-dd76da1f02a5" xsi:nil="true"/>
-  </documentManagement>
-</p:properties>
-</file>
-
 <file path=customXml/item3.xml><?xml version="1.0" encoding="utf-8"?>
 <?mso-contentType ?>
 <FormTemplates xmlns="http://schemas.microsoft.com/sharepoint/v3/contenttype/forms">
@@ -10065,6 +10065,23 @@
 </file>
 
 <file path=customXml/itemProps1.xml><?xml version="1.0" encoding="utf-8"?>
+<ds:datastoreItem xmlns:ds="http://schemas.openxmlformats.org/officeDocument/2006/customXml" ds:itemID="{137651BA-F45C-4845-9AB3-E0A65B39F5E1}">
+  <ds:schemaRefs>
+    <ds:schemaRef ds:uri="16c05727-aa75-4e4a-9b5f-8a80a1165891"/>
+    <ds:schemaRef ds:uri="http://schemas.microsoft.com/office/2006/documentManagement/types"/>
+    <ds:schemaRef ds:uri="http://schemas.microsoft.com/office/infopath/2007/PartnerControls"/>
+    <ds:schemaRef ds:uri="http://purl.org/dc/elements/1.1/"/>
+    <ds:schemaRef ds:uri="http://schemas.microsoft.com/office/2006/metadata/properties"/>
+    <ds:schemaRef ds:uri="http://purl.org/dc/terms/"/>
+    <ds:schemaRef ds:uri="http://schemas.openxmlformats.org/package/2006/metadata/core-properties"/>
+    <ds:schemaRef ds:uri="71af3243-3dd4-4a8d-8c0d-dd76da1f02a5"/>
+    <ds:schemaRef ds:uri="http://www.w3.org/XML/1998/namespace"/>
+    <ds:schemaRef ds:uri="http://purl.org/dc/dcmitype/"/>
+  </ds:schemaRefs>
+</ds:datastoreItem>
+</file>
+
+<file path=customXml/itemProps2.xml><?xml version="1.0" encoding="utf-8"?>
 <ds:datastoreItem xmlns:ds="http://schemas.openxmlformats.org/officeDocument/2006/customXml" ds:itemID="{2D276E62-80A3-44DD-9BCC-97ED2B99B57F}">
   <ds:schemaRefs>
     <ds:schemaRef ds:uri="http://schemas.microsoft.com/office/2006/metadata/contentType"/>
@@ -10083,23 +10100,6 @@
 </ds:datastoreItem>
 </file>
 
-<file path=customXml/itemProps2.xml><?xml version="1.0" encoding="utf-8"?>
-<ds:datastoreItem xmlns:ds="http://schemas.openxmlformats.org/officeDocument/2006/customXml" ds:itemID="{137651BA-F45C-4845-9AB3-E0A65B39F5E1}">
-  <ds:schemaRefs>
-    <ds:schemaRef ds:uri="16c05727-aa75-4e4a-9b5f-8a80a1165891"/>
-    <ds:schemaRef ds:uri="http://schemas.microsoft.com/office/2006/documentManagement/types"/>
-    <ds:schemaRef ds:uri="http://schemas.microsoft.com/office/infopath/2007/PartnerControls"/>
-    <ds:schemaRef ds:uri="http://purl.org/dc/elements/1.1/"/>
-    <ds:schemaRef ds:uri="http://schemas.microsoft.com/office/2006/metadata/properties"/>
-    <ds:schemaRef ds:uri="http://purl.org/dc/terms/"/>
-    <ds:schemaRef ds:uri="http://schemas.openxmlformats.org/package/2006/metadata/core-properties"/>
-    <ds:schemaRef ds:uri="71af3243-3dd4-4a8d-8c0d-dd76da1f02a5"/>
-    <ds:schemaRef ds:uri="http://www.w3.org/XML/1998/namespace"/>
-    <ds:schemaRef ds:uri="http://purl.org/dc/dcmitype/"/>
-  </ds:schemaRefs>
-</ds:datastoreItem>
-</file>
-
 <file path=customXml/itemProps3.xml><?xml version="1.0" encoding="utf-8"?>
 <ds:datastoreItem xmlns:ds="http://schemas.openxmlformats.org/officeDocument/2006/customXml" ds:itemID="{CDB58277-F8DF-46FF-84EC-EF41B835E69F}">
   <ds:schemaRefs>
